--- a/教学文档/学位论文撰写及格式常见问题.pptx
+++ b/教学文档/学位论文撰写及格式常见问题.pptx
@@ -32,93 +32,123 @@
     <a:defPPr>
       <a:defRPr lang="zh-CN"/>
     </a:defPPr>
-    <a:lvl1pPr marL="0" algn="l" defTabSz="914400" rtl="0" eaLnBrk="1" latinLnBrk="0" hangingPunct="1">
-      <a:defRPr sz="1800" kern="1200">
+    <a:lvl1pPr algn="l" rtl="0" fontAlgn="base">
+      <a:spcBef>
+        <a:spcPct val="0"/>
+      </a:spcBef>
+      <a:spcAft>
+        <a:spcPct val="0"/>
+      </a:spcAft>
+      <a:defRPr kern="1200">
         <a:solidFill>
           <a:schemeClr val="tx1"/>
         </a:solidFill>
-        <a:latin typeface="+mn-lt"/>
-        <a:ea typeface="+mn-ea"/>
+        <a:latin typeface="Arial" charset="0"/>
+        <a:ea typeface="宋体" charset="-122"/>
         <a:cs typeface="+mn-cs"/>
       </a:defRPr>
     </a:lvl1pPr>
-    <a:lvl2pPr marL="457200" algn="l" defTabSz="914400" rtl="0" eaLnBrk="1" latinLnBrk="0" hangingPunct="1">
-      <a:defRPr sz="1800" kern="1200">
+    <a:lvl2pPr marL="457200" algn="l" rtl="0" fontAlgn="base">
+      <a:spcBef>
+        <a:spcPct val="0"/>
+      </a:spcBef>
+      <a:spcAft>
+        <a:spcPct val="0"/>
+      </a:spcAft>
+      <a:defRPr kern="1200">
         <a:solidFill>
           <a:schemeClr val="tx1"/>
         </a:solidFill>
-        <a:latin typeface="+mn-lt"/>
-        <a:ea typeface="+mn-ea"/>
+        <a:latin typeface="Arial" charset="0"/>
+        <a:ea typeface="宋体" charset="-122"/>
         <a:cs typeface="+mn-cs"/>
       </a:defRPr>
     </a:lvl2pPr>
-    <a:lvl3pPr marL="914400" algn="l" defTabSz="914400" rtl="0" eaLnBrk="1" latinLnBrk="0" hangingPunct="1">
-      <a:defRPr sz="1800" kern="1200">
+    <a:lvl3pPr marL="914400" algn="l" rtl="0" fontAlgn="base">
+      <a:spcBef>
+        <a:spcPct val="0"/>
+      </a:spcBef>
+      <a:spcAft>
+        <a:spcPct val="0"/>
+      </a:spcAft>
+      <a:defRPr kern="1200">
         <a:solidFill>
           <a:schemeClr val="tx1"/>
         </a:solidFill>
-        <a:latin typeface="+mn-lt"/>
-        <a:ea typeface="+mn-ea"/>
+        <a:latin typeface="Arial" charset="0"/>
+        <a:ea typeface="宋体" charset="-122"/>
         <a:cs typeface="+mn-cs"/>
       </a:defRPr>
     </a:lvl3pPr>
-    <a:lvl4pPr marL="1371600" algn="l" defTabSz="914400" rtl="0" eaLnBrk="1" latinLnBrk="0" hangingPunct="1">
-      <a:defRPr sz="1800" kern="1200">
+    <a:lvl4pPr marL="1371600" algn="l" rtl="0" fontAlgn="base">
+      <a:spcBef>
+        <a:spcPct val="0"/>
+      </a:spcBef>
+      <a:spcAft>
+        <a:spcPct val="0"/>
+      </a:spcAft>
+      <a:defRPr kern="1200">
         <a:solidFill>
           <a:schemeClr val="tx1"/>
         </a:solidFill>
-        <a:latin typeface="+mn-lt"/>
-        <a:ea typeface="+mn-ea"/>
+        <a:latin typeface="Arial" charset="0"/>
+        <a:ea typeface="宋体" charset="-122"/>
         <a:cs typeface="+mn-cs"/>
       </a:defRPr>
     </a:lvl4pPr>
-    <a:lvl5pPr marL="1828800" algn="l" defTabSz="914400" rtl="0" eaLnBrk="1" latinLnBrk="0" hangingPunct="1">
-      <a:defRPr sz="1800" kern="1200">
+    <a:lvl5pPr marL="1828800" algn="l" rtl="0" fontAlgn="base">
+      <a:spcBef>
+        <a:spcPct val="0"/>
+      </a:spcBef>
+      <a:spcAft>
+        <a:spcPct val="0"/>
+      </a:spcAft>
+      <a:defRPr kern="1200">
         <a:solidFill>
           <a:schemeClr val="tx1"/>
         </a:solidFill>
-        <a:latin typeface="+mn-lt"/>
-        <a:ea typeface="+mn-ea"/>
+        <a:latin typeface="Arial" charset="0"/>
+        <a:ea typeface="宋体" charset="-122"/>
         <a:cs typeface="+mn-cs"/>
       </a:defRPr>
     </a:lvl5pPr>
     <a:lvl6pPr marL="2286000" algn="l" defTabSz="914400" rtl="0" eaLnBrk="1" latinLnBrk="0" hangingPunct="1">
-      <a:defRPr sz="1800" kern="1200">
+      <a:defRPr kern="1200">
         <a:solidFill>
           <a:schemeClr val="tx1"/>
         </a:solidFill>
-        <a:latin typeface="+mn-lt"/>
-        <a:ea typeface="+mn-ea"/>
+        <a:latin typeface="Arial" charset="0"/>
+        <a:ea typeface="宋体" charset="-122"/>
         <a:cs typeface="+mn-cs"/>
       </a:defRPr>
     </a:lvl6pPr>
     <a:lvl7pPr marL="2743200" algn="l" defTabSz="914400" rtl="0" eaLnBrk="1" latinLnBrk="0" hangingPunct="1">
-      <a:defRPr sz="1800" kern="1200">
+      <a:defRPr kern="1200">
         <a:solidFill>
           <a:schemeClr val="tx1"/>
         </a:solidFill>
-        <a:latin typeface="+mn-lt"/>
-        <a:ea typeface="+mn-ea"/>
+        <a:latin typeface="Arial" charset="0"/>
+        <a:ea typeface="宋体" charset="-122"/>
         <a:cs typeface="+mn-cs"/>
       </a:defRPr>
     </a:lvl7pPr>
     <a:lvl8pPr marL="3200400" algn="l" defTabSz="914400" rtl="0" eaLnBrk="1" latinLnBrk="0" hangingPunct="1">
-      <a:defRPr sz="1800" kern="1200">
+      <a:defRPr kern="1200">
         <a:solidFill>
           <a:schemeClr val="tx1"/>
         </a:solidFill>
-        <a:latin typeface="+mn-lt"/>
-        <a:ea typeface="+mn-ea"/>
+        <a:latin typeface="Arial" charset="0"/>
+        <a:ea typeface="宋体" charset="-122"/>
         <a:cs typeface="+mn-cs"/>
       </a:defRPr>
     </a:lvl8pPr>
     <a:lvl9pPr marL="3657600" algn="l" defTabSz="914400" rtl="0" eaLnBrk="1" latinLnBrk="0" hangingPunct="1">
-      <a:defRPr sz="1800" kern="1200">
+      <a:defRPr kern="1200">
         <a:solidFill>
           <a:schemeClr val="tx1"/>
         </a:solidFill>
-        <a:latin typeface="+mn-lt"/>
-        <a:ea typeface="+mn-ea"/>
+        <a:latin typeface="Arial" charset="0"/>
+        <a:ea typeface="宋体" charset="-122"/>
         <a:cs typeface="+mn-cs"/>
       </a:defRPr>
     </a:lvl9pPr>
@@ -130,9 +160,12 @@
 <p:notesMaster xmlns:a="http://schemas.openxmlformats.org/drawingml/2006/main" xmlns:r="http://schemas.openxmlformats.org/officeDocument/2006/relationships" xmlns:p="http://schemas.openxmlformats.org/presentationml/2006/main">
   <p:cSld>
     <p:bg>
-      <p:bgRef idx="1001">
-        <a:schemeClr val="bg1"/>
-      </p:bgRef>
+      <p:bgPr>
+        <a:solidFill>
+          <a:schemeClr val="bg1"/>
+        </a:solidFill>
+        <a:effectLst/>
+      </p:bgPr>
     </p:bg>
     <p:spTree>
       <p:nvGrpSpPr>
@@ -170,11 +203,23 @@
         <p:txBody>
           <a:bodyPr vert="horz" lIns="91440" tIns="45720" rIns="91440" bIns="45720" rtlCol="0"/>
           <a:lstStyle>
-            <a:lvl1pPr algn="l">
-              <a:defRPr sz="1200"/>
+            <a:lvl1pPr algn="l" fontAlgn="auto">
+              <a:spcBef>
+                <a:spcPts val="0"/>
+              </a:spcBef>
+              <a:spcAft>
+                <a:spcPts val="0"/>
+              </a:spcAft>
+              <a:defRPr sz="1200">
+                <a:latin typeface="+mn-lt"/>
+                <a:ea typeface="+mn-ea"/>
+              </a:defRPr>
             </a:lvl1pPr>
           </a:lstStyle>
           <a:p>
+            <a:pPr>
+              <a:defRPr/>
+            </a:pPr>
             <a:endParaRPr lang="zh-CN" altLang="en-US"/>
           </a:p>
         </p:txBody>
@@ -201,15 +246,29 @@
         <p:txBody>
           <a:bodyPr vert="horz" lIns="91440" tIns="45720" rIns="91440" bIns="45720" rtlCol="0"/>
           <a:lstStyle>
-            <a:lvl1pPr algn="r">
-              <a:defRPr sz="1200"/>
+            <a:lvl1pPr algn="r" fontAlgn="auto">
+              <a:spcBef>
+                <a:spcPts val="0"/>
+              </a:spcBef>
+              <a:spcAft>
+                <a:spcPts val="0"/>
+              </a:spcAft>
+              <a:defRPr sz="1200" smtClean="0">
+                <a:latin typeface="+mn-lt"/>
+                <a:ea typeface="+mn-ea"/>
+              </a:defRPr>
             </a:lvl1pPr>
           </a:lstStyle>
           <a:p>
-            <a:fld id="{E5EB95F3-F4CC-46A9-A255-BBC6520DEBEF}" type="datetimeFigureOut">
-              <a:rPr lang="zh-CN" altLang="en-US" smtClean="0"/>
-              <a:pPr/>
-              <a:t>2016-4-15</a:t>
+            <a:pPr>
+              <a:defRPr/>
+            </a:pPr>
+            <a:fld id="{4B79D2E9-08EC-4CF4-9E2A-DD73EACECDF8}" type="datetimeFigureOut">
+              <a:rPr lang="zh-CN" altLang="en-US"/>
+              <a:pPr>
+                <a:defRPr/>
+              </a:pPr>
+              <a:t>2017/4/10</a:t>
             </a:fld>
             <a:endParaRPr lang="zh-CN" altLang="en-US"/>
           </a:p>
@@ -244,7 +303,8 @@
           <a:bodyPr vert="horz" lIns="91440" tIns="45720" rIns="91440" bIns="45720" rtlCol="0" anchor="ctr"/>
           <a:lstStyle/>
           <a:p>
-            <a:endParaRPr lang="zh-CN" altLang="en-US"/>
+            <a:pPr lvl="0"/>
+            <a:endParaRPr lang="zh-CN" altLang="en-US" noProof="0"/>
           </a:p>
         </p:txBody>
       </p:sp>
@@ -275,38 +335,38 @@
           <a:p>
             <a:pPr lvl="0"/>
             <a:r>
-              <a:rPr lang="zh-CN" altLang="en-US" smtClean="0"/>
+              <a:rPr lang="zh-CN" altLang="en-US" noProof="0" smtClean="0"/>
               <a:t>单击此处编辑母版文本样式</a:t>
             </a:r>
           </a:p>
           <a:p>
             <a:pPr lvl="1"/>
             <a:r>
-              <a:rPr lang="zh-CN" altLang="en-US" smtClean="0"/>
+              <a:rPr lang="zh-CN" altLang="en-US" noProof="0" smtClean="0"/>
               <a:t>第二级</a:t>
             </a:r>
           </a:p>
           <a:p>
             <a:pPr lvl="2"/>
             <a:r>
-              <a:rPr lang="zh-CN" altLang="en-US" smtClean="0"/>
+              <a:rPr lang="zh-CN" altLang="en-US" noProof="0" smtClean="0"/>
               <a:t>第三级</a:t>
             </a:r>
           </a:p>
           <a:p>
             <a:pPr lvl="3"/>
             <a:r>
-              <a:rPr lang="zh-CN" altLang="en-US" smtClean="0"/>
+              <a:rPr lang="zh-CN" altLang="en-US" noProof="0" smtClean="0"/>
               <a:t>第四级</a:t>
             </a:r>
           </a:p>
           <a:p>
             <a:pPr lvl="4"/>
             <a:r>
-              <a:rPr lang="zh-CN" altLang="en-US" smtClean="0"/>
+              <a:rPr lang="zh-CN" altLang="en-US" noProof="0" smtClean="0"/>
               <a:t>第五级</a:t>
             </a:r>
-            <a:endParaRPr lang="zh-CN" altLang="en-US"/>
+            <a:endParaRPr lang="zh-CN" altLang="en-US" noProof="0"/>
           </a:p>
         </p:txBody>
       </p:sp>
@@ -332,11 +392,23 @@
         <p:txBody>
           <a:bodyPr vert="horz" lIns="91440" tIns="45720" rIns="91440" bIns="45720" rtlCol="0" anchor="b"/>
           <a:lstStyle>
-            <a:lvl1pPr algn="l">
-              <a:defRPr sz="1200"/>
+            <a:lvl1pPr algn="l" fontAlgn="auto">
+              <a:spcBef>
+                <a:spcPts val="0"/>
+              </a:spcBef>
+              <a:spcAft>
+                <a:spcPts val="0"/>
+              </a:spcAft>
+              <a:defRPr sz="1200">
+                <a:latin typeface="+mn-lt"/>
+                <a:ea typeface="+mn-ea"/>
+              </a:defRPr>
             </a:lvl1pPr>
           </a:lstStyle>
           <a:p>
+            <a:pPr>
+              <a:defRPr/>
+            </a:pPr>
             <a:endParaRPr lang="zh-CN" altLang="en-US"/>
           </a:p>
         </p:txBody>
@@ -363,14 +435,28 @@
         <p:txBody>
           <a:bodyPr vert="horz" lIns="91440" tIns="45720" rIns="91440" bIns="45720" rtlCol="0" anchor="b"/>
           <a:lstStyle>
-            <a:lvl1pPr algn="r">
-              <a:defRPr sz="1200"/>
+            <a:lvl1pPr algn="r" fontAlgn="auto">
+              <a:spcBef>
+                <a:spcPts val="0"/>
+              </a:spcBef>
+              <a:spcAft>
+                <a:spcPts val="0"/>
+              </a:spcAft>
+              <a:defRPr sz="1200" smtClean="0">
+                <a:latin typeface="+mn-lt"/>
+                <a:ea typeface="+mn-ea"/>
+              </a:defRPr>
             </a:lvl1pPr>
           </a:lstStyle>
           <a:p>
-            <a:fld id="{920588F6-6745-4E09-946A-67C9A9A80E43}" type="slidenum">
-              <a:rPr lang="zh-CN" altLang="en-US" smtClean="0"/>
-              <a:pPr/>
+            <a:pPr>
+              <a:defRPr/>
+            </a:pPr>
+            <a:fld id="{AA5E40F9-1784-4329-BF47-87819F239729}" type="slidenum">
+              <a:rPr lang="zh-CN" altLang="en-US"/>
+              <a:pPr>
+                <a:defRPr/>
+              </a:pPr>
               <a:t>‹#›</a:t>
             </a:fld>
             <a:endParaRPr lang="zh-CN" altLang="en-US"/>
@@ -381,7 +467,13 @@
   </p:cSld>
   <p:clrMap bg1="lt1" tx1="dk1" bg2="lt2" tx2="dk2" accent1="accent1" accent2="accent2" accent3="accent3" accent4="accent4" accent5="accent5" accent6="accent6" hlink="hlink" folHlink="folHlink"/>
   <p:notesStyle>
-    <a:lvl1pPr marL="0" algn="l" defTabSz="914400" rtl="0" eaLnBrk="1" latinLnBrk="0" hangingPunct="1">
+    <a:lvl1pPr algn="l" rtl="0" fontAlgn="base">
+      <a:spcBef>
+        <a:spcPct val="30000"/>
+      </a:spcBef>
+      <a:spcAft>
+        <a:spcPct val="0"/>
+      </a:spcAft>
       <a:defRPr sz="1200" kern="1200">
         <a:solidFill>
           <a:schemeClr val="tx1"/>
@@ -391,7 +483,13 @@
         <a:cs typeface="+mn-cs"/>
       </a:defRPr>
     </a:lvl1pPr>
-    <a:lvl2pPr marL="457200" algn="l" defTabSz="914400" rtl="0" eaLnBrk="1" latinLnBrk="0" hangingPunct="1">
+    <a:lvl2pPr marL="457200" algn="l" rtl="0" fontAlgn="base">
+      <a:spcBef>
+        <a:spcPct val="30000"/>
+      </a:spcBef>
+      <a:spcAft>
+        <a:spcPct val="0"/>
+      </a:spcAft>
       <a:defRPr sz="1200" kern="1200">
         <a:solidFill>
           <a:schemeClr val="tx1"/>
@@ -401,7 +499,13 @@
         <a:cs typeface="+mn-cs"/>
       </a:defRPr>
     </a:lvl2pPr>
-    <a:lvl3pPr marL="914400" algn="l" defTabSz="914400" rtl="0" eaLnBrk="1" latinLnBrk="0" hangingPunct="1">
+    <a:lvl3pPr marL="914400" algn="l" rtl="0" fontAlgn="base">
+      <a:spcBef>
+        <a:spcPct val="30000"/>
+      </a:spcBef>
+      <a:spcAft>
+        <a:spcPct val="0"/>
+      </a:spcAft>
       <a:defRPr sz="1200" kern="1200">
         <a:solidFill>
           <a:schemeClr val="tx1"/>
@@ -411,7 +515,13 @@
         <a:cs typeface="+mn-cs"/>
       </a:defRPr>
     </a:lvl3pPr>
-    <a:lvl4pPr marL="1371600" algn="l" defTabSz="914400" rtl="0" eaLnBrk="1" latinLnBrk="0" hangingPunct="1">
+    <a:lvl4pPr marL="1371600" algn="l" rtl="0" fontAlgn="base">
+      <a:spcBef>
+        <a:spcPct val="30000"/>
+      </a:spcBef>
+      <a:spcAft>
+        <a:spcPct val="0"/>
+      </a:spcAft>
       <a:defRPr sz="1200" kern="1200">
         <a:solidFill>
           <a:schemeClr val="tx1"/>
@@ -421,7 +531,13 @@
         <a:cs typeface="+mn-cs"/>
       </a:defRPr>
     </a:lvl4pPr>
-    <a:lvl5pPr marL="1828800" algn="l" defTabSz="914400" rtl="0" eaLnBrk="1" latinLnBrk="0" hangingPunct="1">
+    <a:lvl5pPr marL="1828800" algn="l" rtl="0" fontAlgn="base">
+      <a:spcBef>
+        <a:spcPct val="30000"/>
+      </a:spcBef>
+      <a:spcAft>
+        <a:spcPct val="0"/>
+      </a:spcAft>
       <a:defRPr sz="1200" kern="1200">
         <a:solidFill>
           <a:schemeClr val="tx1"/>
@@ -494,7 +610,7 @@
       </p:grpSpPr>
       <p:sp>
         <p:nvSpPr>
-          <p:cNvPr id="2" name="幻灯片图像占位符 1"/>
+          <p:cNvPr id="15361" name="幻灯片图像占位符 1"/>
           <p:cNvSpPr>
             <a:spLocks noGrp="1" noRot="1" noChangeAspect="1"/>
           </p:cNvSpPr>
@@ -502,11 +618,21 @@
             <p:ph type="sldImg"/>
           </p:nvPr>
         </p:nvSpPr>
-        <p:spPr/>
-      </p:sp>
-      <p:sp>
-        <p:nvSpPr>
-          <p:cNvPr id="3" name="备注占位符 2"/>
+        <p:spPr bwMode="auto">
+          <a:noFill/>
+          <a:ln>
+            <a:solidFill>
+              <a:srgbClr val="000000"/>
+            </a:solidFill>
+            <a:miter lim="800000"/>
+            <a:headEnd/>
+            <a:tailEnd/>
+          </a:ln>
+        </p:spPr>
+      </p:sp>
+      <p:sp>
+        <p:nvSpPr>
+          <p:cNvPr id="15362" name="备注占位符 2"/>
           <p:cNvSpPr>
             <a:spLocks noGrp="1"/>
           </p:cNvSpPr>
@@ -514,38 +640,73 @@
             <p:ph type="body" idx="1"/>
           </p:nvPr>
         </p:nvSpPr>
-        <p:spPr/>
-        <p:txBody>
-          <a:bodyPr>
-            <a:normAutofit/>
+        <p:spPr bwMode="auto">
+          <a:noFill/>
+        </p:spPr>
+        <p:txBody>
+          <a:bodyPr wrap="square" numCol="1" anchor="t" anchorCtr="0" compatLnSpc="1">
+            <a:prstTxWarp prst="textNoShape">
+              <a:avLst/>
+            </a:prstTxWarp>
           </a:bodyPr>
           <a:lstStyle/>
           <a:p>
-            <a:endParaRPr lang="zh-CN" altLang="en-US" dirty="0"/>
-          </a:p>
-        </p:txBody>
-      </p:sp>
-      <p:sp>
-        <p:nvSpPr>
-          <p:cNvPr id="4" name="灯片编号占位符 3"/>
-          <p:cNvSpPr>
-            <a:spLocks noGrp="1"/>
-          </p:cNvSpPr>
-          <p:nvPr>
-            <p:ph type="sldNum" sz="quarter" idx="10"/>
-          </p:nvPr>
-        </p:nvSpPr>
-        <p:spPr/>
-        <p:txBody>
-          <a:bodyPr/>
+            <a:pPr>
+              <a:spcBef>
+                <a:spcPct val="0"/>
+              </a:spcBef>
+            </a:pPr>
+            <a:endParaRPr lang="zh-CN" altLang="en-US" smtClean="0"/>
+          </a:p>
+        </p:txBody>
+      </p:sp>
+      <p:sp>
+        <p:nvSpPr>
+          <p:cNvPr id="15363" name="灯片编号占位符 3"/>
+          <p:cNvSpPr>
+            <a:spLocks noGrp="1"/>
+          </p:cNvSpPr>
+          <p:nvPr>
+            <p:ph type="sldNum" sz="quarter" idx="5"/>
+          </p:nvPr>
+        </p:nvSpPr>
+        <p:spPr bwMode="auto">
+          <a:noFill/>
+          <a:ln>
+            <a:miter lim="800000"/>
+            <a:headEnd/>
+            <a:tailEnd/>
+          </a:ln>
+        </p:spPr>
+        <p:txBody>
+          <a:bodyPr wrap="square" numCol="1" anchorCtr="0" compatLnSpc="1">
+            <a:prstTxWarp prst="textNoShape">
+              <a:avLst/>
+            </a:prstTxWarp>
+          </a:bodyPr>
           <a:lstStyle/>
           <a:p>
-            <a:fld id="{920588F6-6745-4E09-946A-67C9A9A80E43}" type="slidenum">
-              <a:rPr lang="zh-CN" altLang="en-US" smtClean="0"/>
-              <a:pPr/>
+            <a:pPr fontAlgn="base">
+              <a:spcBef>
+                <a:spcPct val="0"/>
+              </a:spcBef>
+              <a:spcAft>
+                <a:spcPct val="0"/>
+              </a:spcAft>
+            </a:pPr>
+            <a:fld id="{14190D80-C2F4-4446-9A8A-DA1667A5B975}" type="slidenum">
+              <a:rPr lang="zh-CN" altLang="en-US"/>
+              <a:pPr fontAlgn="base">
+                <a:spcBef>
+                  <a:spcPct val="0"/>
+                </a:spcBef>
+                <a:spcAft>
+                  <a:spcPct val="0"/>
+                </a:spcAft>
+              </a:pPr>
               <a:t>1</a:t>
             </a:fld>
-            <a:endParaRPr lang="zh-CN" altLang="en-US"/>
+            <a:endParaRPr lang="en-US" altLang="zh-CN"/>
           </a:p>
         </p:txBody>
       </p:sp>
@@ -734,12 +895,21 @@
         <p:spPr/>
         <p:txBody>
           <a:bodyPr/>
-          <a:lstStyle/>
-          <a:p>
-            <a:fld id="{07FAE94C-1812-4880-9BDE-8D7B9844A67C}" type="datetimeFigureOut">
-              <a:rPr lang="zh-CN" altLang="en-US" smtClean="0"/>
-              <a:pPr/>
-              <a:t>2016-4-15</a:t>
+          <a:lstStyle>
+            <a:lvl1pPr>
+              <a:defRPr/>
+            </a:lvl1pPr>
+          </a:lstStyle>
+          <a:p>
+            <a:pPr>
+              <a:defRPr/>
+            </a:pPr>
+            <a:fld id="{14A1F45C-7B68-4D0A-A9F1-CA6F9B1C921B}" type="datetimeFigureOut">
+              <a:rPr lang="zh-CN" altLang="en-US"/>
+              <a:pPr>
+                <a:defRPr/>
+              </a:pPr>
+              <a:t>2017/4/10</a:t>
             </a:fld>
             <a:endParaRPr lang="zh-CN" altLang="en-US"/>
           </a:p>
@@ -758,8 +928,15 @@
         <p:spPr/>
         <p:txBody>
           <a:bodyPr/>
-          <a:lstStyle/>
-          <a:p>
+          <a:lstStyle>
+            <a:lvl1pPr>
+              <a:defRPr/>
+            </a:lvl1pPr>
+          </a:lstStyle>
+          <a:p>
+            <a:pPr>
+              <a:defRPr/>
+            </a:pPr>
             <a:endParaRPr lang="zh-CN" altLang="en-US"/>
           </a:p>
         </p:txBody>
@@ -777,11 +954,20 @@
         <p:spPr/>
         <p:txBody>
           <a:bodyPr/>
-          <a:lstStyle/>
-          <a:p>
-            <a:fld id="{0ABC6235-2A54-467B-9F0E-44B3017BB14A}" type="slidenum">
-              <a:rPr lang="zh-CN" altLang="en-US" smtClean="0"/>
-              <a:pPr/>
+          <a:lstStyle>
+            <a:lvl1pPr>
+              <a:defRPr/>
+            </a:lvl1pPr>
+          </a:lstStyle>
+          <a:p>
+            <a:pPr>
+              <a:defRPr/>
+            </a:pPr>
+            <a:fld id="{07036E3E-7B46-41F2-8710-686CA270CB5C}" type="slidenum">
+              <a:rPr lang="zh-CN" altLang="en-US"/>
+              <a:pPr>
+                <a:defRPr/>
+              </a:pPr>
               <a:t>‹#›</a:t>
             </a:fld>
             <a:endParaRPr lang="zh-CN" altLang="en-US"/>
@@ -901,12 +1087,21 @@
         <p:spPr/>
         <p:txBody>
           <a:bodyPr/>
-          <a:lstStyle/>
-          <a:p>
-            <a:fld id="{07FAE94C-1812-4880-9BDE-8D7B9844A67C}" type="datetimeFigureOut">
-              <a:rPr lang="zh-CN" altLang="en-US" smtClean="0"/>
-              <a:pPr/>
-              <a:t>2016-4-15</a:t>
+          <a:lstStyle>
+            <a:lvl1pPr>
+              <a:defRPr/>
+            </a:lvl1pPr>
+          </a:lstStyle>
+          <a:p>
+            <a:pPr>
+              <a:defRPr/>
+            </a:pPr>
+            <a:fld id="{1C6085A5-BEC9-440C-88C7-1AD03B2A7751}" type="datetimeFigureOut">
+              <a:rPr lang="zh-CN" altLang="en-US"/>
+              <a:pPr>
+                <a:defRPr/>
+              </a:pPr>
+              <a:t>2017/4/10</a:t>
             </a:fld>
             <a:endParaRPr lang="zh-CN" altLang="en-US"/>
           </a:p>
@@ -925,8 +1120,15 @@
         <p:spPr/>
         <p:txBody>
           <a:bodyPr/>
-          <a:lstStyle/>
-          <a:p>
+          <a:lstStyle>
+            <a:lvl1pPr>
+              <a:defRPr/>
+            </a:lvl1pPr>
+          </a:lstStyle>
+          <a:p>
+            <a:pPr>
+              <a:defRPr/>
+            </a:pPr>
             <a:endParaRPr lang="zh-CN" altLang="en-US"/>
           </a:p>
         </p:txBody>
@@ -944,11 +1146,20 @@
         <p:spPr/>
         <p:txBody>
           <a:bodyPr/>
-          <a:lstStyle/>
-          <a:p>
-            <a:fld id="{0ABC6235-2A54-467B-9F0E-44B3017BB14A}" type="slidenum">
-              <a:rPr lang="zh-CN" altLang="en-US" smtClean="0"/>
-              <a:pPr/>
+          <a:lstStyle>
+            <a:lvl1pPr>
+              <a:defRPr/>
+            </a:lvl1pPr>
+          </a:lstStyle>
+          <a:p>
+            <a:pPr>
+              <a:defRPr/>
+            </a:pPr>
+            <a:fld id="{8DBC9DB9-D3AB-48B4-AB65-CCA9912A78D1}" type="slidenum">
+              <a:rPr lang="zh-CN" altLang="en-US"/>
+              <a:pPr>
+                <a:defRPr/>
+              </a:pPr>
               <a:t>‹#›</a:t>
             </a:fld>
             <a:endParaRPr lang="zh-CN" altLang="en-US"/>
@@ -1078,12 +1289,21 @@
         <p:spPr/>
         <p:txBody>
           <a:bodyPr/>
-          <a:lstStyle/>
-          <a:p>
-            <a:fld id="{07FAE94C-1812-4880-9BDE-8D7B9844A67C}" type="datetimeFigureOut">
-              <a:rPr lang="zh-CN" altLang="en-US" smtClean="0"/>
-              <a:pPr/>
-              <a:t>2016-4-15</a:t>
+          <a:lstStyle>
+            <a:lvl1pPr>
+              <a:defRPr/>
+            </a:lvl1pPr>
+          </a:lstStyle>
+          <a:p>
+            <a:pPr>
+              <a:defRPr/>
+            </a:pPr>
+            <a:fld id="{10D8E068-2C80-4234-8A6D-2AB0E6107FE2}" type="datetimeFigureOut">
+              <a:rPr lang="zh-CN" altLang="en-US"/>
+              <a:pPr>
+                <a:defRPr/>
+              </a:pPr>
+              <a:t>2017/4/10</a:t>
             </a:fld>
             <a:endParaRPr lang="zh-CN" altLang="en-US"/>
           </a:p>
@@ -1102,8 +1322,15 @@
         <p:spPr/>
         <p:txBody>
           <a:bodyPr/>
-          <a:lstStyle/>
-          <a:p>
+          <a:lstStyle>
+            <a:lvl1pPr>
+              <a:defRPr/>
+            </a:lvl1pPr>
+          </a:lstStyle>
+          <a:p>
+            <a:pPr>
+              <a:defRPr/>
+            </a:pPr>
             <a:endParaRPr lang="zh-CN" altLang="en-US"/>
           </a:p>
         </p:txBody>
@@ -1121,11 +1348,20 @@
         <p:spPr/>
         <p:txBody>
           <a:bodyPr/>
-          <a:lstStyle/>
-          <a:p>
-            <a:fld id="{0ABC6235-2A54-467B-9F0E-44B3017BB14A}" type="slidenum">
-              <a:rPr lang="zh-CN" altLang="en-US" smtClean="0"/>
-              <a:pPr/>
+          <a:lstStyle>
+            <a:lvl1pPr>
+              <a:defRPr/>
+            </a:lvl1pPr>
+          </a:lstStyle>
+          <a:p>
+            <a:pPr>
+              <a:defRPr/>
+            </a:pPr>
+            <a:fld id="{9B1AADB7-A584-4C58-9DD0-91EE1D52F145}" type="slidenum">
+              <a:rPr lang="zh-CN" altLang="en-US"/>
+              <a:pPr>
+                <a:defRPr/>
+              </a:pPr>
               <a:t>‹#›</a:t>
             </a:fld>
             <a:endParaRPr lang="zh-CN" altLang="en-US"/>
@@ -1245,12 +1481,21 @@
         <p:spPr/>
         <p:txBody>
           <a:bodyPr/>
-          <a:lstStyle/>
-          <a:p>
-            <a:fld id="{07FAE94C-1812-4880-9BDE-8D7B9844A67C}" type="datetimeFigureOut">
-              <a:rPr lang="zh-CN" altLang="en-US" smtClean="0"/>
-              <a:pPr/>
-              <a:t>2016-4-15</a:t>
+          <a:lstStyle>
+            <a:lvl1pPr>
+              <a:defRPr/>
+            </a:lvl1pPr>
+          </a:lstStyle>
+          <a:p>
+            <a:pPr>
+              <a:defRPr/>
+            </a:pPr>
+            <a:fld id="{CC2DBF53-879E-4B4D-B197-F635F1B479D7}" type="datetimeFigureOut">
+              <a:rPr lang="zh-CN" altLang="en-US"/>
+              <a:pPr>
+                <a:defRPr/>
+              </a:pPr>
+              <a:t>2017/4/10</a:t>
             </a:fld>
             <a:endParaRPr lang="zh-CN" altLang="en-US"/>
           </a:p>
@@ -1269,8 +1514,15 @@
         <p:spPr/>
         <p:txBody>
           <a:bodyPr/>
-          <a:lstStyle/>
-          <a:p>
+          <a:lstStyle>
+            <a:lvl1pPr>
+              <a:defRPr/>
+            </a:lvl1pPr>
+          </a:lstStyle>
+          <a:p>
+            <a:pPr>
+              <a:defRPr/>
+            </a:pPr>
             <a:endParaRPr lang="zh-CN" altLang="en-US"/>
           </a:p>
         </p:txBody>
@@ -1288,11 +1540,20 @@
         <p:spPr/>
         <p:txBody>
           <a:bodyPr/>
-          <a:lstStyle/>
-          <a:p>
-            <a:fld id="{0ABC6235-2A54-467B-9F0E-44B3017BB14A}" type="slidenum">
-              <a:rPr lang="zh-CN" altLang="en-US" smtClean="0"/>
-              <a:pPr/>
+          <a:lstStyle>
+            <a:lvl1pPr>
+              <a:defRPr/>
+            </a:lvl1pPr>
+          </a:lstStyle>
+          <a:p>
+            <a:pPr>
+              <a:defRPr/>
+            </a:pPr>
+            <a:fld id="{348A83E0-9596-499F-B851-971062687941}" type="slidenum">
+              <a:rPr lang="zh-CN" altLang="en-US"/>
+              <a:pPr>
+                <a:defRPr/>
+              </a:pPr>
               <a:t>‹#›</a:t>
             </a:fld>
             <a:endParaRPr lang="zh-CN" altLang="en-US"/>
@@ -1488,12 +1749,21 @@
         <p:spPr/>
         <p:txBody>
           <a:bodyPr/>
-          <a:lstStyle/>
-          <a:p>
-            <a:fld id="{07FAE94C-1812-4880-9BDE-8D7B9844A67C}" type="datetimeFigureOut">
-              <a:rPr lang="zh-CN" altLang="en-US" smtClean="0"/>
-              <a:pPr/>
-              <a:t>2016-4-15</a:t>
+          <a:lstStyle>
+            <a:lvl1pPr>
+              <a:defRPr/>
+            </a:lvl1pPr>
+          </a:lstStyle>
+          <a:p>
+            <a:pPr>
+              <a:defRPr/>
+            </a:pPr>
+            <a:fld id="{8CC1B4D8-EA95-422D-91A0-CEEB743087F0}" type="datetimeFigureOut">
+              <a:rPr lang="zh-CN" altLang="en-US"/>
+              <a:pPr>
+                <a:defRPr/>
+              </a:pPr>
+              <a:t>2017/4/10</a:t>
             </a:fld>
             <a:endParaRPr lang="zh-CN" altLang="en-US"/>
           </a:p>
@@ -1512,8 +1782,15 @@
         <p:spPr/>
         <p:txBody>
           <a:bodyPr/>
-          <a:lstStyle/>
-          <a:p>
+          <a:lstStyle>
+            <a:lvl1pPr>
+              <a:defRPr/>
+            </a:lvl1pPr>
+          </a:lstStyle>
+          <a:p>
+            <a:pPr>
+              <a:defRPr/>
+            </a:pPr>
             <a:endParaRPr lang="zh-CN" altLang="en-US"/>
           </a:p>
         </p:txBody>
@@ -1531,11 +1808,20 @@
         <p:spPr/>
         <p:txBody>
           <a:bodyPr/>
-          <a:lstStyle/>
-          <a:p>
-            <a:fld id="{0ABC6235-2A54-467B-9F0E-44B3017BB14A}" type="slidenum">
-              <a:rPr lang="zh-CN" altLang="en-US" smtClean="0"/>
-              <a:pPr/>
+          <a:lstStyle>
+            <a:lvl1pPr>
+              <a:defRPr/>
+            </a:lvl1pPr>
+          </a:lstStyle>
+          <a:p>
+            <a:pPr>
+              <a:defRPr/>
+            </a:pPr>
+            <a:fld id="{F05FBD57-8788-4C63-9362-51885FBB9C3D}" type="slidenum">
+              <a:rPr lang="zh-CN" altLang="en-US"/>
+              <a:pPr>
+                <a:defRPr/>
+              </a:pPr>
               <a:t>‹#›</a:t>
             </a:fld>
             <a:endParaRPr lang="zh-CN" altLang="en-US"/>
@@ -1762,7 +2048,7 @@
       </p:sp>
       <p:sp>
         <p:nvSpPr>
-          <p:cNvPr id="5" name="日期占位符 4"/>
+          <p:cNvPr id="5" name="日期占位符 3"/>
           <p:cNvSpPr>
             <a:spLocks noGrp="1"/>
           </p:cNvSpPr>
@@ -1773,12 +2059,21 @@
         <p:spPr/>
         <p:txBody>
           <a:bodyPr/>
-          <a:lstStyle/>
-          <a:p>
-            <a:fld id="{07FAE94C-1812-4880-9BDE-8D7B9844A67C}" type="datetimeFigureOut">
-              <a:rPr lang="zh-CN" altLang="en-US" smtClean="0"/>
-              <a:pPr/>
-              <a:t>2016-4-15</a:t>
+          <a:lstStyle>
+            <a:lvl1pPr>
+              <a:defRPr/>
+            </a:lvl1pPr>
+          </a:lstStyle>
+          <a:p>
+            <a:pPr>
+              <a:defRPr/>
+            </a:pPr>
+            <a:fld id="{16A7B718-0206-427D-B0A6-976138F63400}" type="datetimeFigureOut">
+              <a:rPr lang="zh-CN" altLang="en-US"/>
+              <a:pPr>
+                <a:defRPr/>
+              </a:pPr>
+              <a:t>2017/4/10</a:t>
             </a:fld>
             <a:endParaRPr lang="zh-CN" altLang="en-US"/>
           </a:p>
@@ -1786,7 +2081,7 @@
       </p:sp>
       <p:sp>
         <p:nvSpPr>
-          <p:cNvPr id="6" name="页脚占位符 5"/>
+          <p:cNvPr id="6" name="页脚占位符 4"/>
           <p:cNvSpPr>
             <a:spLocks noGrp="1"/>
           </p:cNvSpPr>
@@ -1797,15 +2092,22 @@
         <p:spPr/>
         <p:txBody>
           <a:bodyPr/>
-          <a:lstStyle/>
-          <a:p>
+          <a:lstStyle>
+            <a:lvl1pPr>
+              <a:defRPr/>
+            </a:lvl1pPr>
+          </a:lstStyle>
+          <a:p>
+            <a:pPr>
+              <a:defRPr/>
+            </a:pPr>
             <a:endParaRPr lang="zh-CN" altLang="en-US"/>
           </a:p>
         </p:txBody>
       </p:sp>
       <p:sp>
         <p:nvSpPr>
-          <p:cNvPr id="7" name="灯片编号占位符 6"/>
+          <p:cNvPr id="7" name="灯片编号占位符 5"/>
           <p:cNvSpPr>
             <a:spLocks noGrp="1"/>
           </p:cNvSpPr>
@@ -1816,11 +2118,20 @@
         <p:spPr/>
         <p:txBody>
           <a:bodyPr/>
-          <a:lstStyle/>
-          <a:p>
-            <a:fld id="{0ABC6235-2A54-467B-9F0E-44B3017BB14A}" type="slidenum">
-              <a:rPr lang="zh-CN" altLang="en-US" smtClean="0"/>
-              <a:pPr/>
+          <a:lstStyle>
+            <a:lvl1pPr>
+              <a:defRPr/>
+            </a:lvl1pPr>
+          </a:lstStyle>
+          <a:p>
+            <a:pPr>
+              <a:defRPr/>
+            </a:pPr>
+            <a:fld id="{BE86412B-86C9-49C2-A66D-9D22DB92C48B}" type="slidenum">
+              <a:rPr lang="zh-CN" altLang="en-US"/>
+              <a:pPr>
+                <a:defRPr/>
+              </a:pPr>
               <a:t>‹#›</a:t>
             </a:fld>
             <a:endParaRPr lang="zh-CN" altLang="en-US"/>
@@ -2181,7 +2492,7 @@
       </p:sp>
       <p:sp>
         <p:nvSpPr>
-          <p:cNvPr id="7" name="日期占位符 6"/>
+          <p:cNvPr id="7" name="日期占位符 3"/>
           <p:cNvSpPr>
             <a:spLocks noGrp="1"/>
           </p:cNvSpPr>
@@ -2192,12 +2503,21 @@
         <p:spPr/>
         <p:txBody>
           <a:bodyPr/>
-          <a:lstStyle/>
-          <a:p>
-            <a:fld id="{07FAE94C-1812-4880-9BDE-8D7B9844A67C}" type="datetimeFigureOut">
-              <a:rPr lang="zh-CN" altLang="en-US" smtClean="0"/>
-              <a:pPr/>
-              <a:t>2016-4-15</a:t>
+          <a:lstStyle>
+            <a:lvl1pPr>
+              <a:defRPr/>
+            </a:lvl1pPr>
+          </a:lstStyle>
+          <a:p>
+            <a:pPr>
+              <a:defRPr/>
+            </a:pPr>
+            <a:fld id="{CE33384A-7083-4391-8FFC-381885BB1613}" type="datetimeFigureOut">
+              <a:rPr lang="zh-CN" altLang="en-US"/>
+              <a:pPr>
+                <a:defRPr/>
+              </a:pPr>
+              <a:t>2017/4/10</a:t>
             </a:fld>
             <a:endParaRPr lang="zh-CN" altLang="en-US"/>
           </a:p>
@@ -2205,7 +2525,7 @@
       </p:sp>
       <p:sp>
         <p:nvSpPr>
-          <p:cNvPr id="8" name="页脚占位符 7"/>
+          <p:cNvPr id="8" name="页脚占位符 4"/>
           <p:cNvSpPr>
             <a:spLocks noGrp="1"/>
           </p:cNvSpPr>
@@ -2216,15 +2536,22 @@
         <p:spPr/>
         <p:txBody>
           <a:bodyPr/>
-          <a:lstStyle/>
-          <a:p>
+          <a:lstStyle>
+            <a:lvl1pPr>
+              <a:defRPr/>
+            </a:lvl1pPr>
+          </a:lstStyle>
+          <a:p>
+            <a:pPr>
+              <a:defRPr/>
+            </a:pPr>
             <a:endParaRPr lang="zh-CN" altLang="en-US"/>
           </a:p>
         </p:txBody>
       </p:sp>
       <p:sp>
         <p:nvSpPr>
-          <p:cNvPr id="9" name="灯片编号占位符 8"/>
+          <p:cNvPr id="9" name="灯片编号占位符 5"/>
           <p:cNvSpPr>
             <a:spLocks noGrp="1"/>
           </p:cNvSpPr>
@@ -2235,11 +2562,20 @@
         <p:spPr/>
         <p:txBody>
           <a:bodyPr/>
-          <a:lstStyle/>
-          <a:p>
-            <a:fld id="{0ABC6235-2A54-467B-9F0E-44B3017BB14A}" type="slidenum">
-              <a:rPr lang="zh-CN" altLang="en-US" smtClean="0"/>
-              <a:pPr/>
+          <a:lstStyle>
+            <a:lvl1pPr>
+              <a:defRPr/>
+            </a:lvl1pPr>
+          </a:lstStyle>
+          <a:p>
+            <a:pPr>
+              <a:defRPr/>
+            </a:pPr>
+            <a:fld id="{37F8329F-6452-42AA-99FC-3971CBB8C773}" type="slidenum">
+              <a:rPr lang="zh-CN" altLang="en-US"/>
+              <a:pPr>
+                <a:defRPr/>
+              </a:pPr>
               <a:t>‹#›</a:t>
             </a:fld>
             <a:endParaRPr lang="zh-CN" altLang="en-US"/>
@@ -2296,7 +2632,7 @@
       </p:sp>
       <p:sp>
         <p:nvSpPr>
-          <p:cNvPr id="3" name="日期占位符 2"/>
+          <p:cNvPr id="3" name="日期占位符 3"/>
           <p:cNvSpPr>
             <a:spLocks noGrp="1"/>
           </p:cNvSpPr>
@@ -2307,12 +2643,21 @@
         <p:spPr/>
         <p:txBody>
           <a:bodyPr/>
-          <a:lstStyle/>
-          <a:p>
-            <a:fld id="{07FAE94C-1812-4880-9BDE-8D7B9844A67C}" type="datetimeFigureOut">
-              <a:rPr lang="zh-CN" altLang="en-US" smtClean="0"/>
-              <a:pPr/>
-              <a:t>2016-4-15</a:t>
+          <a:lstStyle>
+            <a:lvl1pPr>
+              <a:defRPr/>
+            </a:lvl1pPr>
+          </a:lstStyle>
+          <a:p>
+            <a:pPr>
+              <a:defRPr/>
+            </a:pPr>
+            <a:fld id="{41BBE344-E0BA-4BF7-822B-472755BE4687}" type="datetimeFigureOut">
+              <a:rPr lang="zh-CN" altLang="en-US"/>
+              <a:pPr>
+                <a:defRPr/>
+              </a:pPr>
+              <a:t>2017/4/10</a:t>
             </a:fld>
             <a:endParaRPr lang="zh-CN" altLang="en-US"/>
           </a:p>
@@ -2320,7 +2665,7 @@
       </p:sp>
       <p:sp>
         <p:nvSpPr>
-          <p:cNvPr id="4" name="页脚占位符 3"/>
+          <p:cNvPr id="4" name="页脚占位符 4"/>
           <p:cNvSpPr>
             <a:spLocks noGrp="1"/>
           </p:cNvSpPr>
@@ -2331,15 +2676,22 @@
         <p:spPr/>
         <p:txBody>
           <a:bodyPr/>
-          <a:lstStyle/>
-          <a:p>
+          <a:lstStyle>
+            <a:lvl1pPr>
+              <a:defRPr/>
+            </a:lvl1pPr>
+          </a:lstStyle>
+          <a:p>
+            <a:pPr>
+              <a:defRPr/>
+            </a:pPr>
             <a:endParaRPr lang="zh-CN" altLang="en-US"/>
           </a:p>
         </p:txBody>
       </p:sp>
       <p:sp>
         <p:nvSpPr>
-          <p:cNvPr id="5" name="灯片编号占位符 4"/>
+          <p:cNvPr id="5" name="灯片编号占位符 5"/>
           <p:cNvSpPr>
             <a:spLocks noGrp="1"/>
           </p:cNvSpPr>
@@ -2350,11 +2702,20 @@
         <p:spPr/>
         <p:txBody>
           <a:bodyPr/>
-          <a:lstStyle/>
-          <a:p>
-            <a:fld id="{0ABC6235-2A54-467B-9F0E-44B3017BB14A}" type="slidenum">
-              <a:rPr lang="zh-CN" altLang="en-US" smtClean="0"/>
-              <a:pPr/>
+          <a:lstStyle>
+            <a:lvl1pPr>
+              <a:defRPr/>
+            </a:lvl1pPr>
+          </a:lstStyle>
+          <a:p>
+            <a:pPr>
+              <a:defRPr/>
+            </a:pPr>
+            <a:fld id="{CF6CB572-A706-4E49-AE45-42310434D7EA}" type="slidenum">
+              <a:rPr lang="zh-CN" altLang="en-US"/>
+              <a:pPr>
+                <a:defRPr/>
+              </a:pPr>
               <a:t>‹#›</a:t>
             </a:fld>
             <a:endParaRPr lang="zh-CN" altLang="en-US"/>
@@ -2388,7 +2749,7 @@
       </p:grpSpPr>
       <p:sp>
         <p:nvSpPr>
-          <p:cNvPr id="2" name="日期占位符 1"/>
+          <p:cNvPr id="2" name="日期占位符 3"/>
           <p:cNvSpPr>
             <a:spLocks noGrp="1"/>
           </p:cNvSpPr>
@@ -2399,12 +2760,21 @@
         <p:spPr/>
         <p:txBody>
           <a:bodyPr/>
-          <a:lstStyle/>
-          <a:p>
-            <a:fld id="{07FAE94C-1812-4880-9BDE-8D7B9844A67C}" type="datetimeFigureOut">
-              <a:rPr lang="zh-CN" altLang="en-US" smtClean="0"/>
-              <a:pPr/>
-              <a:t>2016-4-15</a:t>
+          <a:lstStyle>
+            <a:lvl1pPr>
+              <a:defRPr/>
+            </a:lvl1pPr>
+          </a:lstStyle>
+          <a:p>
+            <a:pPr>
+              <a:defRPr/>
+            </a:pPr>
+            <a:fld id="{786C9788-8867-4A4D-8529-08B80659418E}" type="datetimeFigureOut">
+              <a:rPr lang="zh-CN" altLang="en-US"/>
+              <a:pPr>
+                <a:defRPr/>
+              </a:pPr>
+              <a:t>2017/4/10</a:t>
             </a:fld>
             <a:endParaRPr lang="zh-CN" altLang="en-US"/>
           </a:p>
@@ -2412,7 +2782,7 @@
       </p:sp>
       <p:sp>
         <p:nvSpPr>
-          <p:cNvPr id="3" name="页脚占位符 2"/>
+          <p:cNvPr id="3" name="页脚占位符 4"/>
           <p:cNvSpPr>
             <a:spLocks noGrp="1"/>
           </p:cNvSpPr>
@@ -2423,15 +2793,22 @@
         <p:spPr/>
         <p:txBody>
           <a:bodyPr/>
-          <a:lstStyle/>
-          <a:p>
+          <a:lstStyle>
+            <a:lvl1pPr>
+              <a:defRPr/>
+            </a:lvl1pPr>
+          </a:lstStyle>
+          <a:p>
+            <a:pPr>
+              <a:defRPr/>
+            </a:pPr>
             <a:endParaRPr lang="zh-CN" altLang="en-US"/>
           </a:p>
         </p:txBody>
       </p:sp>
       <p:sp>
         <p:nvSpPr>
-          <p:cNvPr id="4" name="灯片编号占位符 3"/>
+          <p:cNvPr id="4" name="灯片编号占位符 5"/>
           <p:cNvSpPr>
             <a:spLocks noGrp="1"/>
           </p:cNvSpPr>
@@ -2442,11 +2819,20 @@
         <p:spPr/>
         <p:txBody>
           <a:bodyPr/>
-          <a:lstStyle/>
-          <a:p>
-            <a:fld id="{0ABC6235-2A54-467B-9F0E-44B3017BB14A}" type="slidenum">
-              <a:rPr lang="zh-CN" altLang="en-US" smtClean="0"/>
-              <a:pPr/>
+          <a:lstStyle>
+            <a:lvl1pPr>
+              <a:defRPr/>
+            </a:lvl1pPr>
+          </a:lstStyle>
+          <a:p>
+            <a:pPr>
+              <a:defRPr/>
+            </a:pPr>
+            <a:fld id="{CC66271B-27CC-4433-966E-A22ADE724E8D}" type="slidenum">
+              <a:rPr lang="zh-CN" altLang="en-US"/>
+              <a:pPr>
+                <a:defRPr/>
+              </a:pPr>
               <a:t>‹#›</a:t>
             </a:fld>
             <a:endParaRPr lang="zh-CN" altLang="en-US"/>
@@ -2662,7 +3048,7 @@
       </p:sp>
       <p:sp>
         <p:nvSpPr>
-          <p:cNvPr id="5" name="日期占位符 4"/>
+          <p:cNvPr id="5" name="日期占位符 3"/>
           <p:cNvSpPr>
             <a:spLocks noGrp="1"/>
           </p:cNvSpPr>
@@ -2673,12 +3059,21 @@
         <p:spPr/>
         <p:txBody>
           <a:bodyPr/>
-          <a:lstStyle/>
-          <a:p>
-            <a:fld id="{07FAE94C-1812-4880-9BDE-8D7B9844A67C}" type="datetimeFigureOut">
-              <a:rPr lang="zh-CN" altLang="en-US" smtClean="0"/>
-              <a:pPr/>
-              <a:t>2016-4-15</a:t>
+          <a:lstStyle>
+            <a:lvl1pPr>
+              <a:defRPr/>
+            </a:lvl1pPr>
+          </a:lstStyle>
+          <a:p>
+            <a:pPr>
+              <a:defRPr/>
+            </a:pPr>
+            <a:fld id="{507C5A2E-1A3D-4B79-97F7-3B0CE7CC8741}" type="datetimeFigureOut">
+              <a:rPr lang="zh-CN" altLang="en-US"/>
+              <a:pPr>
+                <a:defRPr/>
+              </a:pPr>
+              <a:t>2017/4/10</a:t>
             </a:fld>
             <a:endParaRPr lang="zh-CN" altLang="en-US"/>
           </a:p>
@@ -2686,7 +3081,7 @@
       </p:sp>
       <p:sp>
         <p:nvSpPr>
-          <p:cNvPr id="6" name="页脚占位符 5"/>
+          <p:cNvPr id="6" name="页脚占位符 4"/>
           <p:cNvSpPr>
             <a:spLocks noGrp="1"/>
           </p:cNvSpPr>
@@ -2697,15 +3092,22 @@
         <p:spPr/>
         <p:txBody>
           <a:bodyPr/>
-          <a:lstStyle/>
-          <a:p>
+          <a:lstStyle>
+            <a:lvl1pPr>
+              <a:defRPr/>
+            </a:lvl1pPr>
+          </a:lstStyle>
+          <a:p>
+            <a:pPr>
+              <a:defRPr/>
+            </a:pPr>
             <a:endParaRPr lang="zh-CN" altLang="en-US"/>
           </a:p>
         </p:txBody>
       </p:sp>
       <p:sp>
         <p:nvSpPr>
-          <p:cNvPr id="7" name="灯片编号占位符 6"/>
+          <p:cNvPr id="7" name="灯片编号占位符 5"/>
           <p:cNvSpPr>
             <a:spLocks noGrp="1"/>
           </p:cNvSpPr>
@@ -2716,11 +3118,20 @@
         <p:spPr/>
         <p:txBody>
           <a:bodyPr/>
-          <a:lstStyle/>
-          <a:p>
-            <a:fld id="{0ABC6235-2A54-467B-9F0E-44B3017BB14A}" type="slidenum">
-              <a:rPr lang="zh-CN" altLang="en-US" smtClean="0"/>
-              <a:pPr/>
+          <a:lstStyle>
+            <a:lvl1pPr>
+              <a:defRPr/>
+            </a:lvl1pPr>
+          </a:lstStyle>
+          <a:p>
+            <a:pPr>
+              <a:defRPr/>
+            </a:pPr>
+            <a:fld id="{9F44C133-DC29-4CFD-A27B-DD5DA0587537}" type="slidenum">
+              <a:rPr lang="zh-CN" altLang="en-US"/>
+              <a:pPr>
+                <a:defRPr/>
+              </a:pPr>
               <a:t>‹#›</a:t>
             </a:fld>
             <a:endParaRPr lang="zh-CN" altLang="en-US"/>
@@ -2801,7 +3212,9 @@
           </a:xfrm>
         </p:spPr>
         <p:txBody>
-          <a:bodyPr/>
+          <a:bodyPr rtlCol="0">
+            <a:normAutofit/>
+          </a:bodyPr>
           <a:lstStyle>
             <a:lvl1pPr marL="0" indent="0">
               <a:buNone/>
@@ -2841,7 +3254,8 @@
             </a:lvl9pPr>
           </a:lstStyle>
           <a:p>
-            <a:endParaRPr lang="zh-CN" altLang="en-US"/>
+            <a:pPr lvl="0"/>
+            <a:endParaRPr lang="zh-CN" altLang="en-US" noProof="0"/>
           </a:p>
         </p:txBody>
       </p:sp>
@@ -2912,7 +3326,7 @@
       </p:sp>
       <p:sp>
         <p:nvSpPr>
-          <p:cNvPr id="5" name="日期占位符 4"/>
+          <p:cNvPr id="5" name="日期占位符 3"/>
           <p:cNvSpPr>
             <a:spLocks noGrp="1"/>
           </p:cNvSpPr>
@@ -2923,12 +3337,21 @@
         <p:spPr/>
         <p:txBody>
           <a:bodyPr/>
-          <a:lstStyle/>
-          <a:p>
-            <a:fld id="{07FAE94C-1812-4880-9BDE-8D7B9844A67C}" type="datetimeFigureOut">
-              <a:rPr lang="zh-CN" altLang="en-US" smtClean="0"/>
-              <a:pPr/>
-              <a:t>2016-4-15</a:t>
+          <a:lstStyle>
+            <a:lvl1pPr>
+              <a:defRPr/>
+            </a:lvl1pPr>
+          </a:lstStyle>
+          <a:p>
+            <a:pPr>
+              <a:defRPr/>
+            </a:pPr>
+            <a:fld id="{9177B8D1-EA64-454F-83C0-D4A5AA5C4B02}" type="datetimeFigureOut">
+              <a:rPr lang="zh-CN" altLang="en-US"/>
+              <a:pPr>
+                <a:defRPr/>
+              </a:pPr>
+              <a:t>2017/4/10</a:t>
             </a:fld>
             <a:endParaRPr lang="zh-CN" altLang="en-US"/>
           </a:p>
@@ -2936,7 +3359,7 @@
       </p:sp>
       <p:sp>
         <p:nvSpPr>
-          <p:cNvPr id="6" name="页脚占位符 5"/>
+          <p:cNvPr id="6" name="页脚占位符 4"/>
           <p:cNvSpPr>
             <a:spLocks noGrp="1"/>
           </p:cNvSpPr>
@@ -2947,15 +3370,22 @@
         <p:spPr/>
         <p:txBody>
           <a:bodyPr/>
-          <a:lstStyle/>
-          <a:p>
+          <a:lstStyle>
+            <a:lvl1pPr>
+              <a:defRPr/>
+            </a:lvl1pPr>
+          </a:lstStyle>
+          <a:p>
+            <a:pPr>
+              <a:defRPr/>
+            </a:pPr>
             <a:endParaRPr lang="zh-CN" altLang="en-US"/>
           </a:p>
         </p:txBody>
       </p:sp>
       <p:sp>
         <p:nvSpPr>
-          <p:cNvPr id="7" name="灯片编号占位符 6"/>
+          <p:cNvPr id="7" name="灯片编号占位符 5"/>
           <p:cNvSpPr>
             <a:spLocks noGrp="1"/>
           </p:cNvSpPr>
@@ -2966,11 +3396,20 @@
         <p:spPr/>
         <p:txBody>
           <a:bodyPr/>
-          <a:lstStyle/>
-          <a:p>
-            <a:fld id="{0ABC6235-2A54-467B-9F0E-44B3017BB14A}" type="slidenum">
-              <a:rPr lang="zh-CN" altLang="en-US" smtClean="0"/>
-              <a:pPr/>
+          <a:lstStyle>
+            <a:lvl1pPr>
+              <a:defRPr/>
+            </a:lvl1pPr>
+          </a:lstStyle>
+          <a:p>
+            <a:pPr>
+              <a:defRPr/>
+            </a:pPr>
+            <a:fld id="{ED2778C7-2317-45CA-911E-78EC0B190547}" type="slidenum">
+              <a:rPr lang="zh-CN" altLang="en-US"/>
+              <a:pPr>
+                <a:defRPr/>
+              </a:pPr>
               <a:t>‹#›</a:t>
             </a:fld>
             <a:endParaRPr lang="zh-CN" altLang="en-US"/>
@@ -2989,9 +3428,12 @@
 <p:sldMaster xmlns:a="http://schemas.openxmlformats.org/drawingml/2006/main" xmlns:r="http://schemas.openxmlformats.org/officeDocument/2006/relationships" xmlns:p="http://schemas.openxmlformats.org/presentationml/2006/main">
   <p:cSld>
     <p:bg>
-      <p:bgRef idx="1001">
-        <a:schemeClr val="bg1"/>
-      </p:bgRef>
+      <p:bgPr>
+        <a:solidFill>
+          <a:schemeClr val="bg1"/>
+        </a:solidFill>
+        <a:effectLst/>
+      </p:bgPr>
     </p:bg>
     <p:spTree>
       <p:nvGrpSpPr>
@@ -3009,7 +3451,7 @@
       </p:grpSpPr>
       <p:sp>
         <p:nvSpPr>
-          <p:cNvPr id="2" name="标题占位符 1"/>
+          <p:cNvPr id="1026" name="标题占位符 1"/>
           <p:cNvSpPr>
             <a:spLocks noGrp="1"/>
           </p:cNvSpPr>
@@ -3017,7 +3459,7 @@
             <p:ph type="title"/>
           </p:nvPr>
         </p:nvSpPr>
-        <p:spPr>
+        <p:spPr bwMode="auto">
           <a:xfrm>
             <a:off x="457200" y="274638"/>
             <a:ext cx="8229600" cy="1143000"/>
@@ -3025,24 +3467,33 @@
           <a:prstGeom prst="rect">
             <a:avLst/>
           </a:prstGeom>
+          <a:noFill/>
+          <a:ln w="9525">
+            <a:noFill/>
+            <a:miter lim="800000"/>
+            <a:headEnd/>
+            <a:tailEnd/>
+          </a:ln>
         </p:spPr>
         <p:txBody>
-          <a:bodyPr vert="horz" lIns="91440" tIns="45720" rIns="91440" bIns="45720" rtlCol="0" anchor="ctr">
-            <a:normAutofit/>
+          <a:bodyPr vert="horz" wrap="square" lIns="91440" tIns="45720" rIns="91440" bIns="45720" numCol="1" anchor="ctr" anchorCtr="0" compatLnSpc="1">
+            <a:prstTxWarp prst="textNoShape">
+              <a:avLst/>
+            </a:prstTxWarp>
           </a:bodyPr>
           <a:lstStyle/>
           <a:p>
+            <a:pPr lvl="0"/>
             <a:r>
               <a:rPr lang="zh-CN" altLang="en-US" smtClean="0"/>
               <a:t>单击此处编辑母版标题样式</a:t>
             </a:r>
-            <a:endParaRPr lang="zh-CN" altLang="en-US"/>
-          </a:p>
-        </p:txBody>
-      </p:sp>
-      <p:sp>
-        <p:nvSpPr>
-          <p:cNvPr id="3" name="文本占位符 2"/>
+          </a:p>
+        </p:txBody>
+      </p:sp>
+      <p:sp>
+        <p:nvSpPr>
+          <p:cNvPr id="1027" name="文本占位符 2"/>
           <p:cNvSpPr>
             <a:spLocks noGrp="1"/>
           </p:cNvSpPr>
@@ -3050,7 +3501,7 @@
             <p:ph type="body" idx="1"/>
           </p:nvPr>
         </p:nvSpPr>
-        <p:spPr>
+        <p:spPr bwMode="auto">
           <a:xfrm>
             <a:off x="457200" y="1600200"/>
             <a:ext cx="8229600" cy="4525963"/>
@@ -3058,10 +3509,19 @@
           <a:prstGeom prst="rect">
             <a:avLst/>
           </a:prstGeom>
+          <a:noFill/>
+          <a:ln w="9525">
+            <a:noFill/>
+            <a:miter lim="800000"/>
+            <a:headEnd/>
+            <a:tailEnd/>
+          </a:ln>
         </p:spPr>
         <p:txBody>
-          <a:bodyPr vert="horz" lIns="91440" tIns="45720" rIns="91440" bIns="45720" rtlCol="0">
-            <a:normAutofit/>
+          <a:bodyPr vert="horz" wrap="square" lIns="91440" tIns="45720" rIns="91440" bIns="45720" numCol="1" anchor="t" anchorCtr="0" compatLnSpc="1">
+            <a:prstTxWarp prst="textNoShape">
+              <a:avLst/>
+            </a:prstTxWarp>
           </a:bodyPr>
           <a:lstStyle/>
           <a:p>
@@ -3098,7 +3558,6 @@
               <a:rPr lang="zh-CN" altLang="en-US" smtClean="0"/>
               <a:t>第五级</a:t>
             </a:r>
-            <a:endParaRPr lang="zh-CN" altLang="en-US"/>
           </a:p>
         </p:txBody>
       </p:sp>
@@ -3124,21 +3583,34 @@
         <p:txBody>
           <a:bodyPr vert="horz" lIns="91440" tIns="45720" rIns="91440" bIns="45720" rtlCol="0" anchor="ctr"/>
           <a:lstStyle>
-            <a:lvl1pPr algn="l">
-              <a:defRPr sz="1200">
+            <a:lvl1pPr algn="l" fontAlgn="auto">
+              <a:spcBef>
+                <a:spcPts val="0"/>
+              </a:spcBef>
+              <a:spcAft>
+                <a:spcPts val="0"/>
+              </a:spcAft>
+              <a:defRPr sz="1200" smtClean="0">
                 <a:solidFill>
                   <a:schemeClr val="tx1">
                     <a:tint val="75000"/>
                   </a:schemeClr>
                 </a:solidFill>
+                <a:latin typeface="+mn-lt"/>
+                <a:ea typeface="+mn-ea"/>
               </a:defRPr>
             </a:lvl1pPr>
           </a:lstStyle>
           <a:p>
-            <a:fld id="{07FAE94C-1812-4880-9BDE-8D7B9844A67C}" type="datetimeFigureOut">
-              <a:rPr lang="zh-CN" altLang="en-US" smtClean="0"/>
-              <a:pPr/>
-              <a:t>2016-4-15</a:t>
+            <a:pPr>
+              <a:defRPr/>
+            </a:pPr>
+            <a:fld id="{FB47619E-822E-4E53-9AFC-A8E43F729A22}" type="datetimeFigureOut">
+              <a:rPr lang="zh-CN" altLang="en-US"/>
+              <a:pPr>
+                <a:defRPr/>
+              </a:pPr>
+              <a:t>2017/4/10</a:t>
             </a:fld>
             <a:endParaRPr lang="zh-CN" altLang="en-US"/>
           </a:p>
@@ -3166,17 +3638,28 @@
         <p:txBody>
           <a:bodyPr vert="horz" lIns="91440" tIns="45720" rIns="91440" bIns="45720" rtlCol="0" anchor="ctr"/>
           <a:lstStyle>
-            <a:lvl1pPr algn="ctr">
+            <a:lvl1pPr algn="ctr" fontAlgn="auto">
+              <a:spcBef>
+                <a:spcPts val="0"/>
+              </a:spcBef>
+              <a:spcAft>
+                <a:spcPts val="0"/>
+              </a:spcAft>
               <a:defRPr sz="1200">
                 <a:solidFill>
                   <a:schemeClr val="tx1">
                     <a:tint val="75000"/>
                   </a:schemeClr>
                 </a:solidFill>
+                <a:latin typeface="+mn-lt"/>
+                <a:ea typeface="+mn-ea"/>
               </a:defRPr>
             </a:lvl1pPr>
           </a:lstStyle>
           <a:p>
+            <a:pPr>
+              <a:defRPr/>
+            </a:pPr>
             <a:endParaRPr lang="zh-CN" altLang="en-US"/>
           </a:p>
         </p:txBody>
@@ -3203,20 +3686,33 @@
         <p:txBody>
           <a:bodyPr vert="horz" lIns="91440" tIns="45720" rIns="91440" bIns="45720" rtlCol="0" anchor="ctr"/>
           <a:lstStyle>
-            <a:lvl1pPr algn="r">
-              <a:defRPr sz="1200">
+            <a:lvl1pPr algn="r" fontAlgn="auto">
+              <a:spcBef>
+                <a:spcPts val="0"/>
+              </a:spcBef>
+              <a:spcAft>
+                <a:spcPts val="0"/>
+              </a:spcAft>
+              <a:defRPr sz="1200" smtClean="0">
                 <a:solidFill>
                   <a:schemeClr val="tx1">
                     <a:tint val="75000"/>
                   </a:schemeClr>
                 </a:solidFill>
+                <a:latin typeface="+mn-lt"/>
+                <a:ea typeface="+mn-ea"/>
               </a:defRPr>
             </a:lvl1pPr>
           </a:lstStyle>
           <a:p>
-            <a:fld id="{0ABC6235-2A54-467B-9F0E-44B3017BB14A}" type="slidenum">
-              <a:rPr lang="zh-CN" altLang="en-US" smtClean="0"/>
-              <a:pPr/>
+            <a:pPr>
+              <a:defRPr/>
+            </a:pPr>
+            <a:fld id="{79D6A303-5569-475E-916C-EF7D8AFDC883}" type="slidenum">
+              <a:rPr lang="zh-CN" altLang="en-US"/>
+              <a:pPr>
+                <a:defRPr/>
+              </a:pPr>
               <a:t>‹#›</a:t>
             </a:fld>
             <a:endParaRPr lang="zh-CN" altLang="en-US"/>
@@ -3227,25 +3723,27 @@
   </p:cSld>
   <p:clrMap bg1="lt1" tx1="dk1" bg2="lt2" tx2="dk2" accent1="accent1" accent2="accent2" accent3="accent3" accent4="accent4" accent5="accent5" accent6="accent6" hlink="hlink" folHlink="folHlink"/>
   <p:sldLayoutIdLst>
-    <p:sldLayoutId id="2147483649" r:id="rId1"/>
-    <p:sldLayoutId id="2147483650" r:id="rId2"/>
-    <p:sldLayoutId id="2147483651" r:id="rId3"/>
-    <p:sldLayoutId id="2147483652" r:id="rId4"/>
-    <p:sldLayoutId id="2147483653" r:id="rId5"/>
+    <p:sldLayoutId id="2147483659" r:id="rId1"/>
+    <p:sldLayoutId id="2147483658" r:id="rId2"/>
+    <p:sldLayoutId id="2147483657" r:id="rId3"/>
+    <p:sldLayoutId id="2147483656" r:id="rId4"/>
+    <p:sldLayoutId id="2147483655" r:id="rId5"/>
     <p:sldLayoutId id="2147483654" r:id="rId6"/>
-    <p:sldLayoutId id="2147483655" r:id="rId7"/>
-    <p:sldLayoutId id="2147483656" r:id="rId8"/>
-    <p:sldLayoutId id="2147483657" r:id="rId9"/>
-    <p:sldLayoutId id="2147483658" r:id="rId10"/>
-    <p:sldLayoutId id="2147483659" r:id="rId11"/>
+    <p:sldLayoutId id="2147483653" r:id="rId7"/>
+    <p:sldLayoutId id="2147483652" r:id="rId8"/>
+    <p:sldLayoutId id="2147483651" r:id="rId9"/>
+    <p:sldLayoutId id="2147483650" r:id="rId10"/>
+    <p:sldLayoutId id="2147483649" r:id="rId11"/>
   </p:sldLayoutIdLst>
   <p:txStyles>
     <p:titleStyle>
-      <a:lvl1pPr algn="ctr" defTabSz="914400" rtl="0" eaLnBrk="1" latinLnBrk="0" hangingPunct="1">
+      <a:lvl1pPr algn="ctr" rtl="0" fontAlgn="base">
         <a:spcBef>
           <a:spcPct val="0"/>
         </a:spcBef>
-        <a:buNone/>
+        <a:spcAft>
+          <a:spcPct val="0"/>
+        </a:spcAft>
         <a:defRPr sz="4400" kern="1200">
           <a:solidFill>
             <a:schemeClr val="tx1"/>
@@ -3255,13 +3753,136 @@
           <a:cs typeface="+mj-cs"/>
         </a:defRPr>
       </a:lvl1pPr>
+      <a:lvl2pPr algn="ctr" rtl="0" fontAlgn="base">
+        <a:spcBef>
+          <a:spcPct val="0"/>
+        </a:spcBef>
+        <a:spcAft>
+          <a:spcPct val="0"/>
+        </a:spcAft>
+        <a:defRPr sz="4400">
+          <a:solidFill>
+            <a:schemeClr val="tx1"/>
+          </a:solidFill>
+          <a:latin typeface="Calibri" pitchFamily="34" charset="0"/>
+          <a:ea typeface="宋体" charset="-122"/>
+        </a:defRPr>
+      </a:lvl2pPr>
+      <a:lvl3pPr algn="ctr" rtl="0" fontAlgn="base">
+        <a:spcBef>
+          <a:spcPct val="0"/>
+        </a:spcBef>
+        <a:spcAft>
+          <a:spcPct val="0"/>
+        </a:spcAft>
+        <a:defRPr sz="4400">
+          <a:solidFill>
+            <a:schemeClr val="tx1"/>
+          </a:solidFill>
+          <a:latin typeface="Calibri" pitchFamily="34" charset="0"/>
+          <a:ea typeface="宋体" charset="-122"/>
+        </a:defRPr>
+      </a:lvl3pPr>
+      <a:lvl4pPr algn="ctr" rtl="0" fontAlgn="base">
+        <a:spcBef>
+          <a:spcPct val="0"/>
+        </a:spcBef>
+        <a:spcAft>
+          <a:spcPct val="0"/>
+        </a:spcAft>
+        <a:defRPr sz="4400">
+          <a:solidFill>
+            <a:schemeClr val="tx1"/>
+          </a:solidFill>
+          <a:latin typeface="Calibri" pitchFamily="34" charset="0"/>
+          <a:ea typeface="宋体" charset="-122"/>
+        </a:defRPr>
+      </a:lvl4pPr>
+      <a:lvl5pPr algn="ctr" rtl="0" fontAlgn="base">
+        <a:spcBef>
+          <a:spcPct val="0"/>
+        </a:spcBef>
+        <a:spcAft>
+          <a:spcPct val="0"/>
+        </a:spcAft>
+        <a:defRPr sz="4400">
+          <a:solidFill>
+            <a:schemeClr val="tx1"/>
+          </a:solidFill>
+          <a:latin typeface="Calibri" pitchFamily="34" charset="0"/>
+          <a:ea typeface="宋体" charset="-122"/>
+        </a:defRPr>
+      </a:lvl5pPr>
+      <a:lvl6pPr marL="457200" algn="ctr" rtl="0" fontAlgn="base">
+        <a:spcBef>
+          <a:spcPct val="0"/>
+        </a:spcBef>
+        <a:spcAft>
+          <a:spcPct val="0"/>
+        </a:spcAft>
+        <a:defRPr sz="4400">
+          <a:solidFill>
+            <a:schemeClr val="tx1"/>
+          </a:solidFill>
+          <a:latin typeface="Calibri" pitchFamily="34" charset="0"/>
+          <a:ea typeface="宋体" charset="-122"/>
+        </a:defRPr>
+      </a:lvl6pPr>
+      <a:lvl7pPr marL="914400" algn="ctr" rtl="0" fontAlgn="base">
+        <a:spcBef>
+          <a:spcPct val="0"/>
+        </a:spcBef>
+        <a:spcAft>
+          <a:spcPct val="0"/>
+        </a:spcAft>
+        <a:defRPr sz="4400">
+          <a:solidFill>
+            <a:schemeClr val="tx1"/>
+          </a:solidFill>
+          <a:latin typeface="Calibri" pitchFamily="34" charset="0"/>
+          <a:ea typeface="宋体" charset="-122"/>
+        </a:defRPr>
+      </a:lvl7pPr>
+      <a:lvl8pPr marL="1371600" algn="ctr" rtl="0" fontAlgn="base">
+        <a:spcBef>
+          <a:spcPct val="0"/>
+        </a:spcBef>
+        <a:spcAft>
+          <a:spcPct val="0"/>
+        </a:spcAft>
+        <a:defRPr sz="4400">
+          <a:solidFill>
+            <a:schemeClr val="tx1"/>
+          </a:solidFill>
+          <a:latin typeface="Calibri" pitchFamily="34" charset="0"/>
+          <a:ea typeface="宋体" charset="-122"/>
+        </a:defRPr>
+      </a:lvl8pPr>
+      <a:lvl9pPr marL="1828800" algn="ctr" rtl="0" fontAlgn="base">
+        <a:spcBef>
+          <a:spcPct val="0"/>
+        </a:spcBef>
+        <a:spcAft>
+          <a:spcPct val="0"/>
+        </a:spcAft>
+        <a:defRPr sz="4400">
+          <a:solidFill>
+            <a:schemeClr val="tx1"/>
+          </a:solidFill>
+          <a:latin typeface="Calibri" pitchFamily="34" charset="0"/>
+          <a:ea typeface="宋体" charset="-122"/>
+        </a:defRPr>
+      </a:lvl9pPr>
     </p:titleStyle>
     <p:bodyStyle>
-      <a:lvl1pPr marL="342900" indent="-342900" algn="l" defTabSz="914400" rtl="0" eaLnBrk="1" latinLnBrk="0" hangingPunct="1">
+      <a:lvl1pPr marL="342900" indent="-342900" algn="l" rtl="0" fontAlgn="base">
         <a:spcBef>
           <a:spcPct val="20000"/>
         </a:spcBef>
-        <a:buFont typeface="Arial" pitchFamily="34" charset="0"/>
+        <a:spcAft>
+          <a:spcPct val="0"/>
+        </a:spcAft>
+        <a:buFont typeface="Arial" charset="0"/>
         <a:buChar char="•"/>
         <a:defRPr sz="3200" kern="1200">
           <a:solidFill>
@@ -3272,11 +3893,14 @@
           <a:cs typeface="+mn-cs"/>
         </a:defRPr>
       </a:lvl1pPr>
-      <a:lvl2pPr marL="742950" indent="-285750" algn="l" defTabSz="914400" rtl="0" eaLnBrk="1" latinLnBrk="0" hangingPunct="1">
+      <a:lvl2pPr marL="742950" indent="-285750" algn="l" rtl="0" fontAlgn="base">
         <a:spcBef>
           <a:spcPct val="20000"/>
         </a:spcBef>
-        <a:buFont typeface="Arial" pitchFamily="34" charset="0"/>
+        <a:spcAft>
+          <a:spcPct val="0"/>
+        </a:spcAft>
+        <a:buFont typeface="Arial" charset="0"/>
         <a:buChar char="–"/>
         <a:defRPr sz="2800" kern="1200">
           <a:solidFill>
@@ -3287,11 +3911,14 @@
           <a:cs typeface="+mn-cs"/>
         </a:defRPr>
       </a:lvl2pPr>
-      <a:lvl3pPr marL="1143000" indent="-228600" algn="l" defTabSz="914400" rtl="0" eaLnBrk="1" latinLnBrk="0" hangingPunct="1">
+      <a:lvl3pPr marL="1143000" indent="-228600" algn="l" rtl="0" fontAlgn="base">
         <a:spcBef>
           <a:spcPct val="20000"/>
         </a:spcBef>
-        <a:buFont typeface="Arial" pitchFamily="34" charset="0"/>
+        <a:spcAft>
+          <a:spcPct val="0"/>
+        </a:spcAft>
+        <a:buFont typeface="Arial" charset="0"/>
         <a:buChar char="•"/>
         <a:defRPr sz="2400" kern="1200">
           <a:solidFill>
@@ -3302,11 +3929,14 @@
           <a:cs typeface="+mn-cs"/>
         </a:defRPr>
       </a:lvl3pPr>
-      <a:lvl4pPr marL="1600200" indent="-228600" algn="l" defTabSz="914400" rtl="0" eaLnBrk="1" latinLnBrk="0" hangingPunct="1">
+      <a:lvl4pPr marL="1600200" indent="-228600" algn="l" rtl="0" fontAlgn="base">
         <a:spcBef>
           <a:spcPct val="20000"/>
         </a:spcBef>
-        <a:buFont typeface="Arial" pitchFamily="34" charset="0"/>
+        <a:spcAft>
+          <a:spcPct val="0"/>
+        </a:spcAft>
+        <a:buFont typeface="Arial" charset="0"/>
         <a:buChar char="–"/>
         <a:defRPr sz="2000" kern="1200">
           <a:solidFill>
@@ -3317,11 +3947,14 @@
           <a:cs typeface="+mn-cs"/>
         </a:defRPr>
       </a:lvl4pPr>
-      <a:lvl5pPr marL="2057400" indent="-228600" algn="l" defTabSz="914400" rtl="0" eaLnBrk="1" latinLnBrk="0" hangingPunct="1">
+      <a:lvl5pPr marL="2057400" indent="-228600" algn="l" rtl="0" fontAlgn="base">
         <a:spcBef>
           <a:spcPct val="20000"/>
         </a:spcBef>
-        <a:buFont typeface="Arial" pitchFamily="34" charset="0"/>
+        <a:spcAft>
+          <a:spcPct val="0"/>
+        </a:spcAft>
+        <a:buFont typeface="Arial" charset="0"/>
         <a:buChar char="»"/>
         <a:defRPr sz="2000" kern="1200">
           <a:solidFill>
@@ -3511,7 +4144,7 @@
       </p:grpSpPr>
       <p:sp>
         <p:nvSpPr>
-          <p:cNvPr id="2" name="标题 1"/>
+          <p:cNvPr id="14337" name="标题 1"/>
           <p:cNvSpPr>
             <a:spLocks noGrp="1"/>
           </p:cNvSpPr>
@@ -3521,28 +4154,22 @@
         </p:nvSpPr>
         <p:spPr/>
         <p:txBody>
-          <a:bodyPr>
-            <a:normAutofit/>
-          </a:bodyPr>
+          <a:bodyPr/>
           <a:lstStyle/>
           <a:p>
             <a:r>
-              <a:rPr lang="zh-CN" altLang="en-US" dirty="0" smtClean="0">
+              <a:rPr lang="zh-CN" altLang="en-US" smtClean="0">
                 <a:latin typeface="微软雅黑" pitchFamily="34" charset="-122"/>
                 <a:ea typeface="微软雅黑" pitchFamily="34" charset="-122"/>
               </a:rPr>
               <a:t>学位论文撰写及格式常见问题</a:t>
             </a:r>
-            <a:endParaRPr lang="zh-CN" altLang="en-US" dirty="0">
-              <a:latin typeface="微软雅黑" pitchFamily="34" charset="-122"/>
-              <a:ea typeface="微软雅黑" pitchFamily="34" charset="-122"/>
-            </a:endParaRPr>
-          </a:p>
-        </p:txBody>
-      </p:sp>
-      <p:sp>
-        <p:nvSpPr>
-          <p:cNvPr id="3" name="副标题 2"/>
+          </a:p>
+        </p:txBody>
+      </p:sp>
+      <p:sp>
+        <p:nvSpPr>
+          <p:cNvPr id="14338" name="副标题 2"/>
           <p:cNvSpPr>
             <a:spLocks noGrp="1"/>
           </p:cNvSpPr>
@@ -3556,7 +4183,7 @@
           <a:lstStyle/>
           <a:p>
             <a:r>
-              <a:rPr lang="zh-CN" altLang="en-US" dirty="0" smtClean="0">
+              <a:rPr lang="zh-CN" altLang="en-US" smtClean="0">
                 <a:solidFill>
                   <a:schemeClr val="tx1"/>
                 </a:solidFill>
@@ -3565,7 +4192,7 @@
               </a:rPr>
               <a:t>软件学院</a:t>
             </a:r>
-            <a:endParaRPr lang="en-US" altLang="zh-CN" dirty="0" smtClean="0">
+            <a:endParaRPr lang="en-US" altLang="zh-CN" smtClean="0">
               <a:solidFill>
                 <a:schemeClr val="tx1"/>
               </a:solidFill>
@@ -3575,7 +4202,7 @@
           </a:p>
           <a:p>
             <a:r>
-              <a:rPr lang="en-US" altLang="zh-CN" dirty="0" smtClean="0">
+              <a:rPr lang="en-US" altLang="zh-CN" smtClean="0">
                 <a:solidFill>
                   <a:schemeClr val="tx1"/>
                 </a:solidFill>
@@ -3583,7 +4210,7 @@
               <a:t>TEL</a:t>
             </a:r>
             <a:r>
-              <a:rPr lang="zh-CN" altLang="en-US" dirty="0" smtClean="0">
+              <a:rPr lang="zh-CN" altLang="en-US" smtClean="0">
                 <a:solidFill>
                   <a:schemeClr val="tx1"/>
                 </a:solidFill>
@@ -3591,7 +4218,7 @@
               <a:t>：</a:t>
             </a:r>
             <a:r>
-              <a:rPr lang="en-US" altLang="zh-CN" dirty="0" smtClean="0">
+              <a:rPr lang="en-US" altLang="zh-CN" smtClean="0">
                 <a:solidFill>
                   <a:schemeClr val="tx1"/>
                 </a:solidFill>
@@ -3600,42 +4227,42 @@
             </a:r>
           </a:p>
           <a:p>
-            <a:endParaRPr lang="en-US" altLang="zh-CN" dirty="0">
+            <a:endParaRPr lang="en-US" altLang="zh-CN" smtClean="0">
               <a:solidFill>
                 <a:schemeClr val="tx1"/>
               </a:solidFill>
             </a:endParaRPr>
           </a:p>
           <a:p>
-            <a:endParaRPr lang="en-US" altLang="zh-CN" dirty="0" smtClean="0">
+            <a:endParaRPr lang="en-US" altLang="zh-CN" smtClean="0">
               <a:solidFill>
                 <a:schemeClr val="tx1"/>
               </a:solidFill>
             </a:endParaRPr>
           </a:p>
           <a:p>
-            <a:endParaRPr lang="en-US" altLang="zh-CN" dirty="0">
+            <a:endParaRPr lang="en-US" altLang="zh-CN" smtClean="0">
               <a:solidFill>
                 <a:schemeClr val="tx1"/>
               </a:solidFill>
             </a:endParaRPr>
           </a:p>
           <a:p>
-            <a:endParaRPr lang="en-US" altLang="zh-CN" dirty="0" smtClean="0">
+            <a:endParaRPr lang="en-US" altLang="zh-CN" smtClean="0">
               <a:solidFill>
                 <a:schemeClr val="tx1"/>
               </a:solidFill>
             </a:endParaRPr>
           </a:p>
           <a:p>
-            <a:endParaRPr lang="en-US" altLang="zh-CN" dirty="0">
+            <a:endParaRPr lang="en-US" altLang="zh-CN" smtClean="0">
               <a:solidFill>
                 <a:schemeClr val="tx1"/>
               </a:solidFill>
             </a:endParaRPr>
           </a:p>
           <a:p>
-            <a:endParaRPr lang="zh-CN" altLang="en-US" dirty="0">
+            <a:endParaRPr lang="zh-CN" altLang="en-US" smtClean="0">
               <a:solidFill>
                 <a:schemeClr val="tx1"/>
               </a:solidFill>
@@ -3680,24 +4307,29 @@
         </p:nvSpPr>
         <p:spPr>
           <a:xfrm>
-            <a:off x="457200" y="476672"/>
-            <a:ext cx="8229600" cy="5649491"/>
+            <a:off x="457200" y="476250"/>
+            <a:ext cx="8229600" cy="5649913"/>
           </a:xfrm>
         </p:spPr>
         <p:txBody>
-          <a:bodyPr>
+          <a:bodyPr rtlCol="0">
             <a:normAutofit fontScale="85000" lnSpcReduction="20000"/>
           </a:bodyPr>
           <a:lstStyle/>
           <a:p>
-            <a:pPr>
+            <a:pPr fontAlgn="auto">
               <a:lnSpc>
                 <a:spcPct val="150000"/>
               </a:lnSpc>
               <a:spcBef>
                 <a:spcPts val="1200"/>
               </a:spcBef>
-              <a:buNone/>
+              <a:spcAft>
+                <a:spcPts val="0"/>
+              </a:spcAft>
+              <a:buFont typeface="Arial" pitchFamily="34" charset="0"/>
+              <a:buNone/>
+              <a:defRPr/>
             </a:pPr>
             <a:r>
               <a:rPr lang="en-US" altLang="zh-CN" sz="2300" dirty="0" smtClean="0"/>
@@ -3749,14 +4381,19 @@
             </a:r>
           </a:p>
           <a:p>
-            <a:pPr>
+            <a:pPr fontAlgn="auto">
               <a:lnSpc>
                 <a:spcPct val="150000"/>
               </a:lnSpc>
               <a:spcBef>
                 <a:spcPts val="1200"/>
               </a:spcBef>
-              <a:buNone/>
+              <a:spcAft>
+                <a:spcPts val="0"/>
+              </a:spcAft>
+              <a:buFont typeface="Arial" pitchFamily="34" charset="0"/>
+              <a:buNone/>
+              <a:defRPr/>
             </a:pPr>
             <a:r>
               <a:rPr lang="en-US" altLang="zh-CN" sz="2300" dirty="0" smtClean="0"/>
@@ -3792,14 +4429,19 @@
             </a:r>
           </a:p>
           <a:p>
-            <a:pPr>
+            <a:pPr fontAlgn="auto">
               <a:lnSpc>
                 <a:spcPct val="150000"/>
               </a:lnSpc>
               <a:spcBef>
                 <a:spcPts val="1200"/>
               </a:spcBef>
-              <a:buNone/>
+              <a:spcAft>
+                <a:spcPts val="0"/>
+              </a:spcAft>
+              <a:buFont typeface="Arial" pitchFamily="34" charset="0"/>
+              <a:buNone/>
+              <a:defRPr/>
             </a:pPr>
             <a:r>
               <a:rPr lang="en-US" altLang="zh-CN" sz="2300" dirty="0" smtClean="0"/>
@@ -3827,8 +4469,13 @@
             </a:r>
           </a:p>
           <a:p>
-            <a:pPr>
-              <a:buNone/>
+            <a:pPr fontAlgn="auto">
+              <a:spcAft>
+                <a:spcPts val="0"/>
+              </a:spcAft>
+              <a:buFont typeface="Arial" pitchFamily="34" charset="0"/>
+              <a:buNone/>
+              <a:defRPr/>
             </a:pPr>
             <a:endParaRPr lang="zh-CN" altLang="en-US" dirty="0"/>
           </a:p>
@@ -3871,21 +4518,26 @@
         </p:nvSpPr>
         <p:spPr>
           <a:xfrm>
-            <a:off x="457200" y="548680"/>
-            <a:ext cx="8229600" cy="5832648"/>
+            <a:off x="457200" y="549275"/>
+            <a:ext cx="8229600" cy="5832475"/>
           </a:xfrm>
         </p:spPr>
         <p:txBody>
-          <a:bodyPr>
+          <a:bodyPr rtlCol="0">
             <a:normAutofit fontScale="25000" lnSpcReduction="20000"/>
           </a:bodyPr>
           <a:lstStyle/>
           <a:p>
-            <a:pPr lvl="0">
+            <a:pPr fontAlgn="auto">
               <a:spcBef>
                 <a:spcPts val="1200"/>
               </a:spcBef>
-              <a:buNone/>
+              <a:spcAft>
+                <a:spcPts val="0"/>
+              </a:spcAft>
+              <a:buFont typeface="Arial" pitchFamily="34" charset="0"/>
+              <a:buNone/>
+              <a:defRPr/>
             </a:pPr>
             <a:r>
               <a:rPr lang="en-US" altLang="zh-CN" sz="8000" b="1" dirty="0" smtClean="0">
@@ -3910,14 +4562,19 @@
             </a:r>
           </a:p>
           <a:p>
-            <a:pPr>
+            <a:pPr fontAlgn="auto">
               <a:lnSpc>
                 <a:spcPct val="170000"/>
               </a:lnSpc>
               <a:spcBef>
                 <a:spcPts val="1200"/>
               </a:spcBef>
-              <a:buNone/>
+              <a:spcAft>
+                <a:spcPts val="0"/>
+              </a:spcAft>
+              <a:buFont typeface="Arial" pitchFamily="34" charset="0"/>
+              <a:buNone/>
+              <a:defRPr/>
             </a:pPr>
             <a:r>
               <a:rPr lang="en-US" altLang="zh-CN" sz="7200" dirty="0" smtClean="0"/>
@@ -3945,11 +4602,16 @@
             </a:r>
           </a:p>
           <a:p>
-            <a:pPr lvl="0">
+            <a:pPr fontAlgn="auto">
               <a:spcBef>
                 <a:spcPts val="1200"/>
               </a:spcBef>
-              <a:buNone/>
+              <a:spcAft>
+                <a:spcPts val="0"/>
+              </a:spcAft>
+              <a:buFont typeface="Arial" pitchFamily="34" charset="0"/>
+              <a:buNone/>
+              <a:defRPr/>
             </a:pPr>
             <a:r>
               <a:rPr lang="en-US" altLang="zh-CN" sz="8000" b="1" dirty="0" smtClean="0">
@@ -3974,14 +4636,19 @@
             </a:r>
           </a:p>
           <a:p>
-            <a:pPr>
+            <a:pPr fontAlgn="auto">
               <a:lnSpc>
                 <a:spcPct val="170000"/>
               </a:lnSpc>
               <a:spcBef>
                 <a:spcPts val="1200"/>
               </a:spcBef>
-              <a:buNone/>
+              <a:spcAft>
+                <a:spcPts val="0"/>
+              </a:spcAft>
+              <a:buFont typeface="Arial" pitchFamily="34" charset="0"/>
+              <a:buNone/>
+              <a:defRPr/>
             </a:pPr>
             <a:r>
               <a:rPr lang="en-US" altLang="zh-CN" sz="7200" dirty="0" smtClean="0"/>
@@ -4010,14 +4677,19 @@
             <a:endParaRPr lang="en-US" altLang="zh-CN" sz="7200" dirty="0" smtClean="0"/>
           </a:p>
           <a:p>
-            <a:pPr>
+            <a:pPr fontAlgn="auto">
               <a:lnSpc>
                 <a:spcPct val="170000"/>
               </a:lnSpc>
               <a:spcBef>
                 <a:spcPts val="1200"/>
               </a:spcBef>
-              <a:buNone/>
+              <a:spcAft>
+                <a:spcPts val="0"/>
+              </a:spcAft>
+              <a:buFont typeface="Arial" pitchFamily="34" charset="0"/>
+              <a:buNone/>
+              <a:defRPr/>
             </a:pPr>
             <a:r>
               <a:rPr lang="en-US" altLang="zh-CN" sz="7200" dirty="0" smtClean="0"/>
@@ -4053,14 +4725,19 @@
             </a:r>
           </a:p>
           <a:p>
-            <a:pPr>
+            <a:pPr fontAlgn="auto">
               <a:lnSpc>
                 <a:spcPct val="170000"/>
               </a:lnSpc>
               <a:spcBef>
                 <a:spcPts val="1200"/>
               </a:spcBef>
-              <a:buNone/>
+              <a:spcAft>
+                <a:spcPts val="0"/>
+              </a:spcAft>
+              <a:buFont typeface="Arial" pitchFamily="34" charset="0"/>
+              <a:buNone/>
+              <a:defRPr/>
             </a:pPr>
             <a:r>
               <a:rPr lang="en-US" altLang="zh-CN" sz="7200" dirty="0" smtClean="0"/>
@@ -4072,8 +4749,13 @@
             </a:r>
           </a:p>
           <a:p>
-            <a:pPr>
-              <a:buNone/>
+            <a:pPr fontAlgn="auto">
+              <a:spcAft>
+                <a:spcPts val="0"/>
+              </a:spcAft>
+              <a:buFont typeface="Arial" pitchFamily="34" charset="0"/>
+              <a:buNone/>
+              <a:defRPr/>
             </a:pPr>
             <a:endParaRPr lang="zh-CN" altLang="en-US" dirty="0"/>
           </a:p>
@@ -4116,21 +4798,26 @@
         </p:nvSpPr>
         <p:spPr>
           <a:xfrm>
-            <a:off x="457200" y="548680"/>
-            <a:ext cx="8229600" cy="5832648"/>
+            <a:off x="457200" y="549275"/>
+            <a:ext cx="8229600" cy="5832475"/>
           </a:xfrm>
         </p:spPr>
         <p:txBody>
-          <a:bodyPr>
+          <a:bodyPr rtlCol="0">
             <a:normAutofit fontScale="25000" lnSpcReduction="20000"/>
           </a:bodyPr>
           <a:lstStyle/>
           <a:p>
-            <a:pPr lvl="0">
+            <a:pPr fontAlgn="auto">
               <a:spcBef>
                 <a:spcPts val="1200"/>
               </a:spcBef>
-              <a:buNone/>
+              <a:spcAft>
+                <a:spcPts val="0"/>
+              </a:spcAft>
+              <a:buFont typeface="Arial" pitchFamily="34" charset="0"/>
+              <a:buNone/>
+              <a:defRPr/>
             </a:pPr>
             <a:r>
               <a:rPr lang="en-US" altLang="zh-CN" sz="8000" b="1" dirty="0" smtClean="0">
@@ -4155,14 +4842,19 @@
             </a:r>
           </a:p>
           <a:p>
-            <a:pPr>
+            <a:pPr fontAlgn="auto">
               <a:lnSpc>
                 <a:spcPct val="170000"/>
               </a:lnSpc>
               <a:spcBef>
                 <a:spcPts val="1200"/>
               </a:spcBef>
-              <a:buNone/>
+              <a:spcAft>
+                <a:spcPts val="0"/>
+              </a:spcAft>
+              <a:buFont typeface="Arial" pitchFamily="34" charset="0"/>
+              <a:buNone/>
+              <a:defRPr/>
             </a:pPr>
             <a:r>
               <a:rPr lang="en-US" altLang="zh-CN" sz="7200" dirty="0" smtClean="0"/>
@@ -4182,11 +4874,16 @@
             </a:r>
           </a:p>
           <a:p>
-            <a:pPr lvl="0">
+            <a:pPr fontAlgn="auto">
               <a:spcBef>
                 <a:spcPts val="1200"/>
               </a:spcBef>
-              <a:buNone/>
+              <a:spcAft>
+                <a:spcPts val="0"/>
+              </a:spcAft>
+              <a:buFont typeface="Arial" pitchFamily="34" charset="0"/>
+              <a:buNone/>
+              <a:defRPr/>
             </a:pPr>
             <a:r>
               <a:rPr lang="en-US" altLang="zh-CN" sz="8000" b="1" dirty="0" smtClean="0">
@@ -4211,14 +4908,19 @@
             </a:r>
           </a:p>
           <a:p>
-            <a:pPr>
+            <a:pPr fontAlgn="auto">
               <a:lnSpc>
                 <a:spcPct val="170000"/>
               </a:lnSpc>
               <a:spcBef>
                 <a:spcPts val="1200"/>
               </a:spcBef>
-              <a:buNone/>
+              <a:spcAft>
+                <a:spcPts val="0"/>
+              </a:spcAft>
+              <a:buFont typeface="Arial" pitchFamily="34" charset="0"/>
+              <a:buNone/>
+              <a:defRPr/>
             </a:pPr>
             <a:r>
               <a:rPr lang="en-US" altLang="zh-CN" sz="7200" dirty="0" smtClean="0"/>
@@ -4295,8 +4997,13 @@
             <a:endParaRPr lang="zh-CN" altLang="zh-CN" sz="7200" dirty="0" smtClean="0"/>
           </a:p>
           <a:p>
-            <a:pPr>
-              <a:buNone/>
+            <a:pPr fontAlgn="auto">
+              <a:spcAft>
+                <a:spcPts val="0"/>
+              </a:spcAft>
+              <a:buFont typeface="Arial" pitchFamily="34" charset="0"/>
+              <a:buNone/>
+              <a:defRPr/>
             </a:pPr>
             <a:endParaRPr lang="zh-CN" altLang="en-US" dirty="0"/>
           </a:p>
@@ -4339,21 +5046,26 @@
         </p:nvSpPr>
         <p:spPr>
           <a:xfrm>
-            <a:off x="395536" y="188640"/>
-            <a:ext cx="8229600" cy="6408712"/>
+            <a:off x="395288" y="188913"/>
+            <a:ext cx="8229600" cy="6408737"/>
           </a:xfrm>
         </p:spPr>
         <p:txBody>
-          <a:bodyPr>
+          <a:bodyPr rtlCol="0">
             <a:normAutofit fontScale="25000" lnSpcReduction="20000"/>
           </a:bodyPr>
           <a:lstStyle/>
           <a:p>
-            <a:pPr lvl="0">
+            <a:pPr fontAlgn="auto">
               <a:spcBef>
                 <a:spcPts val="1200"/>
               </a:spcBef>
-              <a:buNone/>
+              <a:spcAft>
+                <a:spcPts val="0"/>
+              </a:spcAft>
+              <a:buFont typeface="Arial" pitchFamily="34" charset="0"/>
+              <a:buNone/>
+              <a:defRPr/>
             </a:pPr>
             <a:r>
               <a:rPr lang="en-US" altLang="zh-CN" sz="8000" b="1" dirty="0" smtClean="0">
@@ -4379,14 +5091,19 @@
             <a:endParaRPr lang="zh-CN" altLang="zh-CN" sz="8000" dirty="0" smtClean="0"/>
           </a:p>
           <a:p>
-            <a:pPr>
+            <a:pPr fontAlgn="auto">
               <a:lnSpc>
                 <a:spcPct val="150000"/>
               </a:lnSpc>
               <a:spcBef>
                 <a:spcPts val="1200"/>
               </a:spcBef>
-              <a:buNone/>
+              <a:spcAft>
+                <a:spcPts val="0"/>
+              </a:spcAft>
+              <a:buFont typeface="Arial" pitchFamily="34" charset="0"/>
+              <a:buNone/>
+              <a:defRPr/>
             </a:pPr>
             <a:r>
               <a:rPr lang="en-US" altLang="zh-CN" sz="7200" dirty="0" smtClean="0"/>
@@ -4398,14 +5115,19 @@
             </a:r>
           </a:p>
           <a:p>
-            <a:pPr>
+            <a:pPr fontAlgn="auto">
               <a:lnSpc>
                 <a:spcPct val="150000"/>
               </a:lnSpc>
               <a:spcBef>
                 <a:spcPts val="1200"/>
               </a:spcBef>
-              <a:buNone/>
+              <a:spcAft>
+                <a:spcPts val="0"/>
+              </a:spcAft>
+              <a:buFont typeface="Arial" pitchFamily="34" charset="0"/>
+              <a:buNone/>
+              <a:defRPr/>
             </a:pPr>
             <a:r>
               <a:rPr lang="en-US" altLang="zh-CN" sz="7200" dirty="0" smtClean="0"/>
@@ -4417,14 +5139,19 @@
             </a:r>
           </a:p>
           <a:p>
-            <a:pPr>
+            <a:pPr fontAlgn="auto">
               <a:lnSpc>
                 <a:spcPct val="150000"/>
               </a:lnSpc>
               <a:spcBef>
                 <a:spcPts val="1200"/>
               </a:spcBef>
-              <a:buNone/>
+              <a:spcAft>
+                <a:spcPts val="0"/>
+              </a:spcAft>
+              <a:buFont typeface="Arial" pitchFamily="34" charset="0"/>
+              <a:buNone/>
+              <a:defRPr/>
             </a:pPr>
             <a:r>
               <a:rPr lang="en-US" altLang="zh-CN" sz="7200" dirty="0" smtClean="0"/>
@@ -4484,8 +5211,13 @@
             </a:r>
           </a:p>
           <a:p>
-            <a:pPr>
-              <a:buNone/>
+            <a:pPr fontAlgn="auto">
+              <a:spcAft>
+                <a:spcPts val="0"/>
+              </a:spcAft>
+              <a:buFont typeface="Arial" pitchFamily="34" charset="0"/>
+              <a:buNone/>
+              <a:defRPr/>
             </a:pPr>
             <a:endParaRPr lang="zh-CN" altLang="en-US" dirty="0">
               <a:latin typeface="+mj-ea"/>
@@ -4521,7 +5253,7 @@
       </p:grpSpPr>
       <p:sp>
         <p:nvSpPr>
-          <p:cNvPr id="3" name="内容占位符 2"/>
+          <p:cNvPr id="28673" name="内容占位符 2"/>
           <p:cNvSpPr>
             <a:spLocks noGrp="1"/>
           </p:cNvSpPr>
@@ -4531,40 +5263,39 @@
         </p:nvSpPr>
         <p:spPr>
           <a:xfrm>
-            <a:off x="457200" y="332656"/>
-            <a:ext cx="8229600" cy="5793507"/>
+            <a:off x="457200" y="333375"/>
+            <a:ext cx="8229600" cy="5792788"/>
           </a:xfrm>
         </p:spPr>
         <p:txBody>
-          <a:bodyPr>
-            <a:normAutofit/>
-          </a:bodyPr>
+          <a:bodyPr/>
           <a:lstStyle/>
           <a:p>
-            <a:pPr lvl="0">
+            <a:pPr>
               <a:spcBef>
                 <a:spcPts val="1200"/>
               </a:spcBef>
-              <a:buNone/>
-            </a:pPr>
-            <a:r>
-              <a:rPr lang="en-US" altLang="zh-CN" sz="2000" b="1" dirty="0" smtClean="0">
-                <a:latin typeface="黑体" pitchFamily="2" charset="-122"/>
-                <a:ea typeface="黑体" pitchFamily="2" charset="-122"/>
+              <a:buFont typeface="Arial" charset="0"/>
+              <a:buNone/>
+            </a:pPr>
+            <a:r>
+              <a:rPr lang="en-US" altLang="zh-CN" sz="2000" b="1" smtClean="0">
+                <a:latin typeface="黑体" pitchFamily="49" charset="-122"/>
+                <a:ea typeface="黑体" pitchFamily="49" charset="-122"/>
               </a:rPr>
               <a:t>15</a:t>
             </a:r>
             <a:r>
-              <a:rPr lang="zh-CN" altLang="en-US" sz="2000" b="1" dirty="0" smtClean="0">
-                <a:latin typeface="黑体" pitchFamily="2" charset="-122"/>
-                <a:ea typeface="黑体" pitchFamily="2" charset="-122"/>
+              <a:rPr lang="zh-CN" altLang="en-US" sz="2000" b="1" smtClean="0">
+                <a:latin typeface="黑体" pitchFamily="49" charset="-122"/>
+                <a:ea typeface="黑体" pitchFamily="49" charset="-122"/>
               </a:rPr>
               <a:t>、</a:t>
             </a:r>
             <a:r>
-              <a:rPr lang="zh-CN" altLang="zh-CN" sz="2000" b="1" dirty="0" smtClean="0">
-                <a:latin typeface="黑体" pitchFamily="2" charset="-122"/>
-                <a:ea typeface="黑体" pitchFamily="2" charset="-122"/>
+              <a:rPr lang="zh-CN" altLang="zh-CN" sz="2000" b="1" smtClean="0">
+                <a:latin typeface="黑体" pitchFamily="49" charset="-122"/>
+                <a:ea typeface="黑体" pitchFamily="49" charset="-122"/>
               </a:rPr>
               <a:t>关国内外概况和发展趋势或论文中的文献综述</a:t>
             </a:r>
@@ -4577,47 +5308,49 @@
               <a:spcBef>
                 <a:spcPts val="1200"/>
               </a:spcBef>
-              <a:buNone/>
-            </a:pPr>
-            <a:r>
-              <a:rPr lang="en-US" altLang="zh-CN" sz="1800" dirty="0" smtClean="0"/>
+              <a:buFont typeface="Arial" charset="0"/>
+              <a:buNone/>
+            </a:pPr>
+            <a:r>
+              <a:rPr lang="en-US" altLang="zh-CN" sz="1800" smtClean="0"/>
               <a:t>                </a:t>
             </a:r>
             <a:r>
-              <a:rPr lang="zh-CN" altLang="zh-CN" sz="1800" dirty="0" smtClean="0"/>
+              <a:rPr lang="zh-CN" altLang="zh-CN" sz="1800" smtClean="0"/>
               <a:t>普遍存在的问题是论述的太泛、针对性不强。作者可以对应用的技术进行必要的概况和综述介绍，但不能是全部，必须要针对作者具体研究和解决的问题进行概述和综述。也就是说，一定是紧密围绕作者的研究问题或解决生产实践的具体问题要来论述，即</a:t>
             </a:r>
             <a:r>
-              <a:rPr lang="zh-CN" altLang="en-US" sz="1800" dirty="0" smtClean="0"/>
+              <a:rPr lang="zh-CN" altLang="en-US" sz="1800" smtClean="0"/>
               <a:t>：</a:t>
             </a:r>
             <a:r>
-              <a:rPr lang="zh-CN" altLang="zh-CN" sz="1800" dirty="0" smtClean="0"/>
+              <a:rPr lang="zh-CN" altLang="zh-CN" sz="1800" smtClean="0"/>
               <a:t>作者首先必须明确自己在论文工作中到底要研究和解决哪些具体问题，即使你参加项目的具体设计和开发工作，在这些工作中需要提炼一些需要作者努力去研究和解决的一些问题，这些问题明确了，才能进行概况和综述，即作者研究和解决的问题工作，类似的或相同的问题，前人都做了哪些工作，取得了什么结果、结论和成果，还存在什么问题</a:t>
             </a:r>
             <a:r>
-              <a:rPr lang="en-US" altLang="zh-CN" sz="1800" dirty="0" smtClean="0"/>
+              <a:rPr lang="en-US" altLang="zh-CN" sz="1800" smtClean="0"/>
               <a:t>(</a:t>
             </a:r>
             <a:r>
-              <a:rPr lang="zh-CN" altLang="zh-CN" sz="1800" dirty="0" smtClean="0"/>
+              <a:rPr lang="zh-CN" altLang="zh-CN" sz="1800" smtClean="0"/>
               <a:t>针对作者工作的问题</a:t>
             </a:r>
             <a:r>
-              <a:rPr lang="en-US" altLang="zh-CN" sz="1800" dirty="0" smtClean="0"/>
+              <a:rPr lang="en-US" altLang="zh-CN" sz="1800" smtClean="0"/>
               <a:t>)</a:t>
             </a:r>
             <a:r>
-              <a:rPr lang="zh-CN" altLang="zh-CN" sz="1800" dirty="0" smtClean="0"/>
+              <a:rPr lang="zh-CN" altLang="zh-CN" sz="1800" smtClean="0"/>
               <a:t>，这些问题正是作者是研究和解决的，只用读者和审阅者清楚同类问题前人或同行做的如何，才好比较作者的工作，也才能体现作者论文工作的价值和意义。</a:t>
             </a:r>
-            <a:endParaRPr lang="zh-CN" altLang="zh-CN" sz="1800" b="1" dirty="0" smtClean="0"/>
+            <a:endParaRPr lang="zh-CN" altLang="zh-CN" sz="1800" b="1" smtClean="0"/>
           </a:p>
           <a:p>
             <a:pPr>
-              <a:buNone/>
-            </a:pPr>
-            <a:endParaRPr lang="zh-CN" altLang="en-US" dirty="0"/>
+              <a:buFont typeface="Arial" charset="0"/>
+              <a:buNone/>
+            </a:pPr>
+            <a:endParaRPr lang="zh-CN" altLang="en-US" smtClean="0"/>
           </a:p>
         </p:txBody>
       </p:sp>
@@ -4658,21 +5391,26 @@
         </p:nvSpPr>
         <p:spPr>
           <a:xfrm>
-            <a:off x="457200" y="404664"/>
-            <a:ext cx="8229600" cy="5721499"/>
+            <a:off x="457200" y="404813"/>
+            <a:ext cx="8229600" cy="5721350"/>
           </a:xfrm>
         </p:spPr>
         <p:txBody>
-          <a:bodyPr>
+          <a:bodyPr rtlCol="0">
             <a:normAutofit lnSpcReduction="10000"/>
           </a:bodyPr>
           <a:lstStyle/>
           <a:p>
-            <a:pPr lvl="0">
+            <a:pPr fontAlgn="auto">
               <a:spcBef>
                 <a:spcPts val="1200"/>
               </a:spcBef>
-              <a:buNone/>
+              <a:spcAft>
+                <a:spcPts val="0"/>
+              </a:spcAft>
+              <a:buFont typeface="Arial" pitchFamily="34" charset="0"/>
+              <a:buNone/>
+              <a:defRPr/>
             </a:pPr>
             <a:r>
               <a:rPr lang="en-US" altLang="zh-CN" sz="1900" b="1" dirty="0" smtClean="0">
@@ -4697,14 +5435,19 @@
             </a:r>
           </a:p>
           <a:p>
-            <a:pPr>
+            <a:pPr fontAlgn="auto">
               <a:lnSpc>
                 <a:spcPct val="150000"/>
               </a:lnSpc>
               <a:spcBef>
                 <a:spcPts val="1200"/>
               </a:spcBef>
-              <a:buNone/>
+              <a:spcAft>
+                <a:spcPts val="0"/>
+              </a:spcAft>
+              <a:buFont typeface="Arial" pitchFamily="34" charset="0"/>
+              <a:buNone/>
+              <a:defRPr/>
             </a:pPr>
             <a:r>
               <a:rPr lang="en-US" altLang="zh-CN" sz="1900" dirty="0" smtClean="0"/>
@@ -4748,14 +5491,19 @@
             </a:r>
           </a:p>
           <a:p>
-            <a:pPr>
+            <a:pPr fontAlgn="auto">
               <a:lnSpc>
                 <a:spcPct val="150000"/>
               </a:lnSpc>
               <a:spcBef>
                 <a:spcPts val="1200"/>
               </a:spcBef>
-              <a:buNone/>
+              <a:spcAft>
+                <a:spcPts val="0"/>
+              </a:spcAft>
+              <a:buFont typeface="Arial" pitchFamily="34" charset="0"/>
+              <a:buNone/>
+              <a:defRPr/>
             </a:pPr>
             <a:r>
               <a:rPr lang="en-US" altLang="zh-CN" sz="1800" dirty="0" smtClean="0"/>
@@ -4767,14 +5515,19 @@
             </a:r>
           </a:p>
           <a:p>
-            <a:pPr lvl="0">
+            <a:pPr fontAlgn="auto">
               <a:lnSpc>
                 <a:spcPct val="150000"/>
               </a:lnSpc>
               <a:spcBef>
                 <a:spcPts val="1200"/>
               </a:spcBef>
-              <a:buNone/>
+              <a:spcAft>
+                <a:spcPts val="0"/>
+              </a:spcAft>
+              <a:buFont typeface="Arial" pitchFamily="34" charset="0"/>
+              <a:buNone/>
+              <a:defRPr/>
             </a:pPr>
             <a:r>
               <a:rPr lang="en-US" altLang="zh-CN" sz="1900" b="1" dirty="0" smtClean="0">
@@ -4799,14 +5552,19 @@
             </a:r>
           </a:p>
           <a:p>
-            <a:pPr>
+            <a:pPr fontAlgn="auto">
               <a:lnSpc>
                 <a:spcPct val="150000"/>
               </a:lnSpc>
               <a:spcBef>
                 <a:spcPts val="1200"/>
               </a:spcBef>
-              <a:buNone/>
+              <a:spcAft>
+                <a:spcPts val="0"/>
+              </a:spcAft>
+              <a:buFont typeface="Arial" pitchFamily="34" charset="0"/>
+              <a:buNone/>
+              <a:defRPr/>
             </a:pPr>
             <a:r>
               <a:rPr lang="en-US" altLang="zh-CN" sz="1900" dirty="0" smtClean="0"/>
@@ -4826,14 +5584,19 @@
             </a:r>
           </a:p>
           <a:p>
-            <a:pPr>
+            <a:pPr fontAlgn="auto">
               <a:lnSpc>
                 <a:spcPct val="150000"/>
               </a:lnSpc>
               <a:spcBef>
                 <a:spcPts val="1200"/>
               </a:spcBef>
-              <a:buNone/>
+              <a:spcAft>
+                <a:spcPts val="0"/>
+              </a:spcAft>
+              <a:buFont typeface="Arial" pitchFamily="34" charset="0"/>
+              <a:buNone/>
+              <a:defRPr/>
             </a:pPr>
             <a:r>
               <a:rPr lang="en-US" altLang="zh-CN" sz="1900" dirty="0" smtClean="0"/>
@@ -4845,8 +5608,13 @@
             </a:r>
           </a:p>
           <a:p>
-            <a:pPr>
-              <a:buNone/>
+            <a:pPr fontAlgn="auto">
+              <a:spcAft>
+                <a:spcPts val="0"/>
+              </a:spcAft>
+              <a:buFont typeface="Arial" pitchFamily="34" charset="0"/>
+              <a:buNone/>
+              <a:defRPr/>
             </a:pPr>
             <a:endParaRPr lang="zh-CN" altLang="en-US" dirty="0"/>
           </a:p>
@@ -4879,7 +5647,7 @@
       </p:grpSpPr>
       <p:sp>
         <p:nvSpPr>
-          <p:cNvPr id="3" name="内容占位符 2"/>
+          <p:cNvPr id="30721" name="内容占位符 2"/>
           <p:cNvSpPr>
             <a:spLocks noGrp="1"/>
           </p:cNvSpPr>
@@ -4889,15 +5657,15 @@
         </p:nvSpPr>
         <p:spPr>
           <a:xfrm>
-            <a:off x="457200" y="836712"/>
-            <a:ext cx="8229600" cy="5289451"/>
+            <a:off x="457200" y="836613"/>
+            <a:ext cx="8229600" cy="5289550"/>
           </a:xfrm>
         </p:spPr>
         <p:txBody>
           <a:bodyPr/>
           <a:lstStyle/>
           <a:p>
-            <a:endParaRPr lang="zh-CN" altLang="en-US" dirty="0"/>
+            <a:endParaRPr lang="zh-CN" altLang="en-US" smtClean="0"/>
           </a:p>
         </p:txBody>
       </p:sp>
@@ -4938,18 +5706,23 @@
         </p:nvSpPr>
         <p:spPr>
           <a:xfrm>
-            <a:off x="457200" y="476672"/>
-            <a:ext cx="8229600" cy="5649491"/>
+            <a:off x="457200" y="476250"/>
+            <a:ext cx="8229600" cy="5649913"/>
           </a:xfrm>
         </p:spPr>
         <p:txBody>
-          <a:bodyPr>
+          <a:bodyPr rtlCol="0">
             <a:normAutofit/>
           </a:bodyPr>
           <a:lstStyle/>
           <a:p>
-            <a:pPr>
-              <a:buNone/>
+            <a:pPr fontAlgn="auto">
+              <a:spcAft>
+                <a:spcPts val="0"/>
+              </a:spcAft>
+              <a:buFont typeface="Arial" pitchFamily="34" charset="0"/>
+              <a:buNone/>
+              <a:defRPr/>
             </a:pPr>
             <a:r>
               <a:rPr lang="en-US" altLang="zh-CN" sz="2000" b="1" dirty="0" smtClean="0">
@@ -4971,26 +5744,25 @@
             </a:endParaRPr>
           </a:p>
           <a:p>
-            <a:pPr>
+            <a:pPr fontAlgn="auto">
               <a:lnSpc>
                 <a:spcPct val="150000"/>
               </a:lnSpc>
               <a:spcBef>
                 <a:spcPts val="1200"/>
               </a:spcBef>
-              <a:buNone/>
+              <a:spcAft>
+                <a:spcPts val="0"/>
+              </a:spcAft>
+              <a:buFont typeface="Arial" pitchFamily="34" charset="0"/>
+              <a:buNone/>
+              <a:defRPr/>
             </a:pPr>
             <a:r>
               <a:rPr lang="en-US" altLang="zh-CN" sz="2000" dirty="0" smtClean="0">
                 <a:latin typeface="+mn-ea"/>
               </a:rPr>
-              <a:t> </a:t>
-            </a:r>
-            <a:r>
-              <a:rPr lang="en-US" altLang="zh-CN" sz="2000" dirty="0" smtClean="0">
-                <a:latin typeface="+mn-ea"/>
-              </a:rPr>
-              <a:t>     </a:t>
+              <a:t>      </a:t>
             </a:r>
             <a:r>
               <a:rPr lang="zh-CN" altLang="en-US" sz="1800" dirty="0" smtClean="0">
@@ -5003,26 +5775,25 @@
             </a:endParaRPr>
           </a:p>
           <a:p>
-            <a:pPr>
+            <a:pPr fontAlgn="auto">
               <a:lnSpc>
                 <a:spcPct val="150000"/>
               </a:lnSpc>
               <a:spcBef>
                 <a:spcPts val="1200"/>
               </a:spcBef>
-              <a:buNone/>
+              <a:spcAft>
+                <a:spcPts val="0"/>
+              </a:spcAft>
+              <a:buFont typeface="Arial" pitchFamily="34" charset="0"/>
+              <a:buNone/>
+              <a:defRPr/>
             </a:pPr>
             <a:r>
               <a:rPr lang="en-US" altLang="zh-CN" sz="1800" dirty="0" smtClean="0">
                 <a:latin typeface="+mn-ea"/>
               </a:rPr>
-              <a:t> </a:t>
-            </a:r>
-            <a:r>
-              <a:rPr lang="en-US" altLang="zh-CN" sz="1800" dirty="0" smtClean="0">
-                <a:latin typeface="+mn-ea"/>
-              </a:rPr>
-              <a:t>       </a:t>
+              <a:t>        </a:t>
             </a:r>
             <a:r>
               <a:rPr lang="zh-CN" altLang="en-US" sz="1800" dirty="0" smtClean="0">
@@ -5063,7 +5834,7 @@
       </p:grpSpPr>
       <p:sp>
         <p:nvSpPr>
-          <p:cNvPr id="2" name="标题 1"/>
+          <p:cNvPr id="16385" name="标题 1"/>
           <p:cNvSpPr>
             <a:spLocks noGrp="1"/>
           </p:cNvSpPr>
@@ -5073,28 +5844,28 @@
         </p:nvSpPr>
         <p:spPr/>
         <p:txBody>
-          <a:bodyPr>
-            <a:normAutofit/>
-          </a:bodyPr>
+          <a:bodyPr/>
           <a:lstStyle/>
           <a:p>
             <a:r>
-              <a:rPr lang="zh-CN" altLang="zh-CN" sz="3200" b="1" dirty="0" smtClean="0">
-                <a:latin typeface="方正兰亭黑_YS_GB18030" pitchFamily="66" charset="-122"/>
-                <a:ea typeface="方正兰亭黑_YS_GB18030" pitchFamily="66" charset="-122"/>
+              <a:rPr lang="zh-CN" altLang="zh-CN" sz="3200" b="1" smtClean="0">
+                <a:latin typeface="方正兰亭黑_YS_GB18030"/>
+                <a:ea typeface="方正兰亭黑_YS_GB18030"/>
+                <a:cs typeface="方正兰亭黑_YS_GB18030"/>
               </a:rPr>
               <a:t>工程硕士学位论文撰写常见问题汇总</a:t>
             </a:r>
-            <a:endParaRPr lang="zh-CN" altLang="en-US" sz="3200" b="1" dirty="0">
-              <a:latin typeface="方正兰亭黑_YS_GB18030" pitchFamily="66" charset="-122"/>
-              <a:ea typeface="方正兰亭黑_YS_GB18030" pitchFamily="66" charset="-122"/>
+            <a:endParaRPr lang="zh-CN" altLang="en-US" sz="3200" b="1" smtClean="0">
+              <a:latin typeface="方正兰亭黑_YS_GB18030"/>
+              <a:ea typeface="方正兰亭黑_YS_GB18030"/>
+              <a:cs typeface="方正兰亭黑_YS_GB18030"/>
             </a:endParaRPr>
           </a:p>
         </p:txBody>
       </p:sp>
       <p:sp>
         <p:nvSpPr>
-          <p:cNvPr id="3" name="内容占位符 2"/>
+          <p:cNvPr id="16386" name="内容占位符 2"/>
           <p:cNvSpPr>
             <a:spLocks noGrp="1"/>
           </p:cNvSpPr>
@@ -5104,9 +5875,7 @@
         </p:nvSpPr>
         <p:spPr/>
         <p:txBody>
-          <a:bodyPr>
-            <a:normAutofit/>
-          </a:bodyPr>
+          <a:bodyPr/>
           <a:lstStyle/>
           <a:p>
             <a:pPr>
@@ -5114,108 +5883,101 @@
                 <a:spcPct val="150000"/>
               </a:lnSpc>
               <a:spcBef>
-                <a:spcPts val="0"/>
+                <a:spcPct val="0"/>
               </a:spcBef>
-              <a:buNone/>
-            </a:pPr>
-            <a:r>
-              <a:rPr lang="en-US" altLang="zh-CN" dirty="0" smtClean="0"/>
+              <a:buFont typeface="Arial" charset="0"/>
+              <a:buNone/>
+            </a:pPr>
+            <a:r>
+              <a:rPr lang="en-US" altLang="zh-CN" smtClean="0"/>
               <a:t>         </a:t>
             </a:r>
             <a:r>
-              <a:rPr lang="zh-CN" altLang="en-US" sz="1900" dirty="0" smtClean="0"/>
+              <a:rPr lang="zh-CN" altLang="en-US" sz="1900" smtClean="0"/>
               <a:t>撰写前仔细阅读</a:t>
             </a:r>
             <a:r>
-              <a:rPr lang="en-US" altLang="zh-CN" sz="1900" dirty="0" smtClean="0"/>
+              <a:rPr lang="en-US" altLang="zh-CN" sz="1900" smtClean="0"/>
               <a:t>《</a:t>
             </a:r>
             <a:r>
-              <a:rPr lang="zh-CN" altLang="en-US" sz="1900" dirty="0"/>
-              <a:t>中国科学技术大学软件学院工程硕士</a:t>
-            </a:r>
-            <a:r>
-              <a:rPr lang="zh-CN" altLang="en-US" sz="1900" dirty="0" smtClean="0"/>
-              <a:t>研究生</a:t>
-            </a:r>
-            <a:r>
-              <a:rPr lang="zh-CN" altLang="en-US" sz="1900" dirty="0"/>
-              <a:t>学位论文撰写规范</a:t>
-            </a:r>
-            <a:r>
-              <a:rPr lang="en-US" altLang="zh-CN" sz="1900" dirty="0" smtClean="0"/>
+              <a:rPr lang="zh-CN" altLang="en-US" sz="1900" smtClean="0"/>
+              <a:t>中国科学技术大学软件学院工程硕士研究生学位论文撰写规范</a:t>
+            </a:r>
+            <a:r>
+              <a:rPr lang="en-US" altLang="zh-CN" sz="1900" smtClean="0"/>
               <a:t>》</a:t>
             </a:r>
             <a:r>
-              <a:rPr lang="zh-CN" altLang="en-US" sz="1900" dirty="0" smtClean="0"/>
+              <a:rPr lang="zh-CN" altLang="en-US" sz="1900" smtClean="0"/>
               <a:t>（</a:t>
             </a:r>
             <a:r>
-              <a:rPr lang="zh-CN" altLang="en-US" sz="1400" dirty="0" smtClean="0"/>
+              <a:rPr lang="zh-CN" altLang="en-US" sz="1400" smtClean="0"/>
               <a:t>软件学院信息平台</a:t>
             </a:r>
             <a:r>
-              <a:rPr lang="en-US" altLang="zh-CN" sz="1400" dirty="0" smtClean="0"/>
+              <a:rPr lang="en-US" altLang="zh-CN" sz="1400" smtClean="0"/>
               <a:t>—</a:t>
             </a:r>
             <a:r>
-              <a:rPr lang="zh-CN" altLang="en-US" sz="1400" dirty="0" smtClean="0"/>
+              <a:rPr lang="zh-CN" altLang="en-US" sz="1400" smtClean="0"/>
               <a:t>常用文件下载</a:t>
             </a:r>
             <a:r>
-              <a:rPr lang="en-US" altLang="zh-CN" sz="1400" dirty="0" smtClean="0"/>
+              <a:rPr lang="en-US" altLang="zh-CN" sz="1400" smtClean="0"/>
               <a:t>—</a:t>
             </a:r>
             <a:r>
-              <a:rPr lang="zh-CN" altLang="en-US" sz="1400" dirty="0" smtClean="0"/>
+              <a:rPr lang="zh-CN" altLang="en-US" sz="1400" smtClean="0"/>
               <a:t>教学部</a:t>
             </a:r>
             <a:r>
-              <a:rPr lang="en-US" altLang="zh-CN" sz="1400" dirty="0" smtClean="0"/>
+              <a:rPr lang="en-US" altLang="zh-CN" sz="1400" smtClean="0"/>
               <a:t>—P1</a:t>
             </a:r>
             <a:r>
-              <a:rPr lang="zh-CN" altLang="en-US" sz="1400" dirty="0" smtClean="0"/>
+              <a:rPr lang="zh-CN" altLang="en-US" sz="1400" smtClean="0"/>
               <a:t>）</a:t>
             </a:r>
             <a:r>
-              <a:rPr lang="zh-CN" altLang="en-US" sz="1900" dirty="0" smtClean="0"/>
+              <a:rPr lang="zh-CN" altLang="en-US" sz="1900" smtClean="0"/>
               <a:t>及</a:t>
             </a:r>
             <a:r>
-              <a:rPr lang="en-US" altLang="zh-CN" sz="1900" dirty="0" smtClean="0"/>
+              <a:rPr lang="en-US" altLang="zh-CN" sz="1900" smtClean="0"/>
               <a:t>《</a:t>
             </a:r>
             <a:r>
-              <a:rPr lang="zh-CN" altLang="en-US" sz="1900" dirty="0" smtClean="0"/>
+              <a:rPr lang="zh-CN" altLang="en-US" sz="1900" smtClean="0"/>
               <a:t>中国科学技术大学工程硕士论文撰写规范</a:t>
             </a:r>
             <a:r>
-              <a:rPr lang="en-US" altLang="zh-CN" sz="1900" dirty="0" smtClean="0"/>
+              <a:rPr lang="en-US" altLang="zh-CN" sz="1900" smtClean="0"/>
               <a:t>》(</a:t>
             </a:r>
             <a:r>
-              <a:rPr lang="zh-CN" altLang="en-US" sz="1400" dirty="0" smtClean="0"/>
+              <a:rPr lang="zh-CN" altLang="en-US" sz="1400" smtClean="0"/>
               <a:t>研究生院信息平台</a:t>
             </a:r>
             <a:r>
-              <a:rPr lang="en-US" altLang="zh-CN" sz="1400" dirty="0" smtClean="0"/>
+              <a:rPr lang="en-US" altLang="zh-CN" sz="1400" smtClean="0"/>
               <a:t>—</a:t>
             </a:r>
             <a:r>
-              <a:rPr lang="zh-CN" altLang="en-US" sz="1400" dirty="0" smtClean="0"/>
+              <a:rPr lang="zh-CN" altLang="en-US" sz="1400" smtClean="0"/>
               <a:t>学位</a:t>
             </a:r>
             <a:r>
-              <a:rPr lang="en-US" altLang="zh-CN" sz="1400" dirty="0" smtClean="0"/>
+              <a:rPr lang="en-US" altLang="zh-CN" sz="1400" smtClean="0"/>
               <a:t>—</a:t>
             </a:r>
             <a:r>
-              <a:rPr lang="zh-CN" altLang="en-US" sz="1400" dirty="0" smtClean="0"/>
+              <a:rPr lang="zh-CN" altLang="en-US" sz="1400" smtClean="0"/>
               <a:t>文档下载</a:t>
             </a:r>
             <a:r>
-              <a:rPr lang="en-US" altLang="zh-CN" sz="1900" dirty="0" smtClean="0"/>
+              <a:rPr lang="en-US" altLang="zh-CN" sz="1900" smtClean="0"/>
               <a:t>)</a:t>
             </a:r>
           </a:p>
@@ -5225,19 +5987,20 @@
                 <a:spcPct val="150000"/>
               </a:lnSpc>
               <a:spcBef>
-                <a:spcPts val="0"/>
+                <a:spcPct val="0"/>
               </a:spcBef>
-              <a:buNone/>
-            </a:pPr>
-            <a:r>
-              <a:rPr lang="en-US" altLang="zh-CN" sz="1900" dirty="0" smtClean="0"/>
+              <a:buFont typeface="Arial" charset="0"/>
+              <a:buNone/>
+            </a:pPr>
+            <a:r>
+              <a:rPr lang="en-US" altLang="zh-CN" sz="1900" smtClean="0"/>
               <a:t>               </a:t>
             </a:r>
             <a:r>
-              <a:rPr lang="zh-CN" altLang="zh-CN" sz="1900" dirty="0" smtClean="0"/>
+              <a:rPr lang="zh-CN" altLang="zh-CN" sz="1900" smtClean="0"/>
               <a:t>学生撰写学位论文时，请参照学院发布的《工程硕士研究生学位论文撰写规范》，严格按要求撰写和排版。</a:t>
             </a:r>
-            <a:endParaRPr lang="en-US" altLang="zh-CN" sz="1900" dirty="0" smtClean="0"/>
+            <a:endParaRPr lang="en-US" altLang="zh-CN" sz="1900" smtClean="0"/>
           </a:p>
           <a:p>
             <a:pPr>
@@ -5245,55 +6008,62 @@
                 <a:spcPct val="150000"/>
               </a:lnSpc>
               <a:spcBef>
-                <a:spcPts val="0"/>
+                <a:spcPct val="0"/>
               </a:spcBef>
-              <a:buNone/>
-            </a:pPr>
-            <a:r>
-              <a:rPr lang="en-US" altLang="zh-CN" sz="1900" dirty="0" smtClean="0"/>
+              <a:buFont typeface="Arial" charset="0"/>
+              <a:buNone/>
+            </a:pPr>
+            <a:r>
+              <a:rPr lang="en-US" altLang="zh-CN" sz="1900" smtClean="0"/>
               <a:t>                </a:t>
             </a:r>
             <a:r>
-              <a:rPr lang="zh-CN" altLang="zh-CN" sz="1900" dirty="0" smtClean="0"/>
+              <a:rPr lang="zh-CN" altLang="zh-CN" sz="1900" smtClean="0"/>
               <a:t>本文将历年来工程硕士研究生在撰写学位论文时常见的问题进行汇总，供同学们参考。</a:t>
             </a:r>
-            <a:endParaRPr lang="en-US" altLang="zh-CN" sz="1900" dirty="0" smtClean="0"/>
+            <a:endParaRPr lang="en-US" altLang="zh-CN" sz="1900" smtClean="0"/>
           </a:p>
           <a:p>
             <a:pPr>
-              <a:buNone/>
-            </a:pPr>
-            <a:endParaRPr lang="en-US" altLang="zh-CN" dirty="0" smtClean="0"/>
+              <a:buFont typeface="Arial" charset="0"/>
+              <a:buNone/>
+            </a:pPr>
+            <a:endParaRPr lang="en-US" altLang="zh-CN" smtClean="0"/>
           </a:p>
           <a:p>
             <a:pPr>
-              <a:buNone/>
-            </a:pPr>
-            <a:endParaRPr lang="en-US" altLang="zh-CN" dirty="0" smtClean="0"/>
+              <a:buFont typeface="Arial" charset="0"/>
+              <a:buNone/>
+            </a:pPr>
+            <a:endParaRPr lang="en-US" altLang="zh-CN" smtClean="0"/>
           </a:p>
           <a:p>
             <a:pPr>
-              <a:buNone/>
-            </a:pPr>
-            <a:endParaRPr lang="en-US" altLang="zh-CN" dirty="0" smtClean="0"/>
+              <a:buFont typeface="Arial" charset="0"/>
+              <a:buNone/>
+            </a:pPr>
+            <a:endParaRPr lang="en-US" altLang="zh-CN" smtClean="0"/>
           </a:p>
           <a:p>
             <a:pPr>
-              <a:buNone/>
-            </a:pPr>
-            <a:endParaRPr lang="en-US" altLang="zh-CN" dirty="0" smtClean="0"/>
+              <a:buFont typeface="Arial" charset="0"/>
+              <a:buNone/>
+            </a:pPr>
+            <a:endParaRPr lang="en-US" altLang="zh-CN" smtClean="0"/>
           </a:p>
           <a:p>
             <a:pPr>
-              <a:buNone/>
-            </a:pPr>
-            <a:endParaRPr lang="zh-CN" altLang="zh-CN" dirty="0" smtClean="0"/>
+              <a:buFont typeface="Arial" charset="0"/>
+              <a:buNone/>
+            </a:pPr>
+            <a:endParaRPr lang="zh-CN" altLang="zh-CN" smtClean="0"/>
           </a:p>
           <a:p>
             <a:pPr>
-              <a:buNone/>
-            </a:pPr>
-            <a:endParaRPr lang="zh-CN" altLang="en-US" dirty="0"/>
+              <a:buFont typeface="Arial" charset="0"/>
+              <a:buNone/>
+            </a:pPr>
+            <a:endParaRPr lang="zh-CN" altLang="en-US" smtClean="0"/>
           </a:p>
         </p:txBody>
       </p:sp>
@@ -5334,21 +6104,26 @@
         </p:nvSpPr>
         <p:spPr>
           <a:xfrm>
-            <a:off x="457200" y="404664"/>
-            <a:ext cx="8229600" cy="6120680"/>
+            <a:off x="457200" y="404813"/>
+            <a:ext cx="8229600" cy="6119812"/>
           </a:xfrm>
         </p:spPr>
         <p:txBody>
-          <a:bodyPr>
+          <a:bodyPr rtlCol="0">
             <a:normAutofit/>
           </a:bodyPr>
           <a:lstStyle/>
           <a:p>
-            <a:pPr lvl="0">
+            <a:pPr fontAlgn="auto">
               <a:spcBef>
                 <a:spcPts val="1200"/>
               </a:spcBef>
-              <a:buNone/>
+              <a:spcAft>
+                <a:spcPts val="0"/>
+              </a:spcAft>
+              <a:buFont typeface="Arial" pitchFamily="34" charset="0"/>
+              <a:buNone/>
+              <a:defRPr/>
             </a:pPr>
             <a:r>
               <a:rPr lang="en-US" altLang="zh-CN" sz="2200" b="1" dirty="0" smtClean="0">
@@ -5373,14 +6148,19 @@
             </a:r>
           </a:p>
           <a:p>
-            <a:pPr indent="342900">
+            <a:pPr indent="342900" fontAlgn="auto">
               <a:lnSpc>
                 <a:spcPct val="170000"/>
               </a:lnSpc>
               <a:spcBef>
                 <a:spcPts val="1200"/>
               </a:spcBef>
-              <a:buNone/>
+              <a:spcAft>
+                <a:spcPts val="0"/>
+              </a:spcAft>
+              <a:buFont typeface="Arial" pitchFamily="34" charset="0"/>
+              <a:buNone/>
+              <a:defRPr/>
             </a:pPr>
             <a:r>
               <a:rPr lang="en-US" altLang="zh-CN" sz="1800" dirty="0" smtClean="0">
@@ -5401,14 +6181,19 @@
             </a:endParaRPr>
           </a:p>
           <a:p>
-            <a:pPr indent="342900">
+            <a:pPr indent="342900" fontAlgn="auto">
               <a:lnSpc>
                 <a:spcPct val="170000"/>
               </a:lnSpc>
               <a:spcBef>
                 <a:spcPts val="1200"/>
               </a:spcBef>
-              <a:buNone/>
+              <a:spcAft>
+                <a:spcPts val="0"/>
+              </a:spcAft>
+              <a:buFont typeface="Arial" pitchFamily="34" charset="0"/>
+              <a:buNone/>
+              <a:defRPr/>
             </a:pPr>
             <a:r>
               <a:rPr lang="en-US" altLang="zh-CN" sz="1800" dirty="0" smtClean="0">
@@ -5421,28 +6206,14 @@
                 <a:latin typeface="+mj-ea"/>
                 <a:ea typeface="+mj-ea"/>
               </a:rPr>
-              <a:t>）中文摘要的</a:t>
-            </a:r>
-            <a:r>
-              <a:rPr lang="zh-CN" altLang="en-US" sz="1800" dirty="0" smtClean="0">
-                <a:latin typeface="+mj-ea"/>
-                <a:ea typeface="+mj-ea"/>
-              </a:rPr>
-              <a:t>篇幅应大于</a:t>
+              <a:t>）中文摘要的篇幅应大于</a:t>
             </a:r>
             <a:r>
               <a:rPr lang="en-US" altLang="zh-CN" sz="1800" dirty="0" smtClean="0">
                 <a:latin typeface="+mj-ea"/>
                 <a:ea typeface="+mj-ea"/>
               </a:rPr>
-              <a:t>1</a:t>
-            </a:r>
-            <a:r>
-              <a:rPr lang="en-US" altLang="zh-CN" sz="1800" dirty="0" smtClean="0">
-                <a:latin typeface="+mj-ea"/>
-                <a:ea typeface="+mj-ea"/>
-              </a:rPr>
-              <a:t>/2</a:t>
+              <a:t>1/2</a:t>
             </a:r>
             <a:r>
               <a:rPr lang="zh-CN" altLang="en-US" sz="1800" dirty="0" smtClean="0">
@@ -5471,14 +6242,19 @@
             </a:endParaRPr>
           </a:p>
           <a:p>
-            <a:pPr indent="342900">
+            <a:pPr indent="342900" fontAlgn="auto">
               <a:lnSpc>
                 <a:spcPct val="170000"/>
               </a:lnSpc>
               <a:spcBef>
                 <a:spcPts val="1200"/>
               </a:spcBef>
-              <a:buNone/>
+              <a:spcAft>
+                <a:spcPts val="0"/>
+              </a:spcAft>
+              <a:buFont typeface="Arial" pitchFamily="34" charset="0"/>
+              <a:buNone/>
+              <a:defRPr/>
             </a:pPr>
             <a:r>
               <a:rPr lang="en-US" altLang="zh-CN" sz="1800" dirty="0" smtClean="0">
@@ -5541,14 +6317,19 @@
             </a:endParaRPr>
           </a:p>
           <a:p>
-            <a:pPr indent="342900">
+            <a:pPr indent="342900" fontAlgn="auto">
               <a:lnSpc>
                 <a:spcPct val="170000"/>
               </a:lnSpc>
               <a:spcBef>
                 <a:spcPts val="1200"/>
               </a:spcBef>
-              <a:buNone/>
+              <a:spcAft>
+                <a:spcPts val="0"/>
+              </a:spcAft>
+              <a:buFont typeface="Arial" pitchFamily="34" charset="0"/>
+              <a:buNone/>
+              <a:defRPr/>
             </a:pPr>
             <a:r>
               <a:rPr lang="en-US" altLang="zh-CN" sz="1800" dirty="0" smtClean="0">
@@ -5565,14 +6346,19 @@
             </a:r>
           </a:p>
           <a:p>
-            <a:pPr indent="342900">
+            <a:pPr indent="342900" fontAlgn="auto">
               <a:lnSpc>
                 <a:spcPct val="170000"/>
               </a:lnSpc>
               <a:spcBef>
                 <a:spcPts val="1200"/>
               </a:spcBef>
-              <a:buNone/>
+              <a:spcAft>
+                <a:spcPts val="0"/>
+              </a:spcAft>
+              <a:buFont typeface="Arial" pitchFamily="34" charset="0"/>
+              <a:buNone/>
+              <a:defRPr/>
             </a:pPr>
             <a:r>
               <a:rPr lang="en-US" altLang="zh-CN" sz="1800" dirty="0" smtClean="0">
@@ -5666,14 +6452,19 @@
             </a:r>
           </a:p>
           <a:p>
-            <a:pPr indent="342900">
+            <a:pPr indent="342900" fontAlgn="auto">
               <a:lnSpc>
                 <a:spcPct val="170000"/>
               </a:lnSpc>
               <a:spcBef>
                 <a:spcPts val="1200"/>
               </a:spcBef>
-              <a:buNone/>
+              <a:spcAft>
+                <a:spcPts val="0"/>
+              </a:spcAft>
+              <a:buFont typeface="Arial" pitchFamily="34" charset="0"/>
+              <a:buNone/>
+              <a:defRPr/>
             </a:pPr>
             <a:r>
               <a:rPr lang="en-US" altLang="zh-CN" sz="1800" dirty="0" smtClean="0">
@@ -5727,8 +6518,13 @@
             </a:r>
           </a:p>
           <a:p>
-            <a:pPr>
-              <a:buNone/>
+            <a:pPr fontAlgn="auto">
+              <a:spcAft>
+                <a:spcPts val="0"/>
+              </a:spcAft>
+              <a:buFont typeface="Arial" pitchFamily="34" charset="0"/>
+              <a:buNone/>
+              <a:defRPr/>
             </a:pPr>
             <a:endParaRPr lang="zh-CN" altLang="en-US" sz="7200" dirty="0"/>
           </a:p>
@@ -5771,24 +6567,29 @@
         </p:nvSpPr>
         <p:spPr>
           <a:xfrm>
-            <a:off x="457200" y="476672"/>
-            <a:ext cx="8229600" cy="5649491"/>
+            <a:off x="457200" y="476250"/>
+            <a:ext cx="8229600" cy="5649913"/>
           </a:xfrm>
         </p:spPr>
         <p:txBody>
-          <a:bodyPr>
+          <a:bodyPr rtlCol="0">
             <a:normAutofit/>
           </a:bodyPr>
           <a:lstStyle/>
           <a:p>
-            <a:pPr indent="342900">
+            <a:pPr indent="342900" fontAlgn="auto">
               <a:lnSpc>
                 <a:spcPct val="170000"/>
               </a:lnSpc>
               <a:spcBef>
                 <a:spcPts val="1200"/>
               </a:spcBef>
-              <a:buNone/>
+              <a:spcAft>
+                <a:spcPts val="0"/>
+              </a:spcAft>
+              <a:buFont typeface="Arial" pitchFamily="34" charset="0"/>
+              <a:buNone/>
+              <a:defRPr/>
             </a:pPr>
             <a:r>
               <a:rPr lang="en-US" altLang="zh-CN" sz="1800" dirty="0" smtClean="0"/>
@@ -5798,13 +6599,7 @@
               <a:rPr lang="zh-CN" altLang="zh-CN" sz="1800" dirty="0" smtClean="0">
                 <a:latin typeface="+mj-ea"/>
               </a:rPr>
-              <a:t>）</a:t>
-            </a:r>
-            <a:r>
-              <a:rPr lang="zh-CN" altLang="zh-CN" sz="1800" dirty="0" smtClean="0">
-                <a:latin typeface="+mj-ea"/>
-              </a:rPr>
-              <a:t>除第一章节需以奇数页开始排序外，以后章节按顺序排序，第二章以后的章节开篇不必刻意排在奇数页（不留空白页）</a:t>
+              <a:t>）除第一章节需以奇数页开始排序外，以后章节按顺序排序，第二章以后的章节开篇不必刻意排在奇数页（不留空白页）</a:t>
             </a:r>
             <a:r>
               <a:rPr lang="zh-CN" altLang="en-US" sz="1800" dirty="0" smtClean="0">
@@ -5815,14 +6610,19 @@
             <a:endParaRPr lang="en-US" altLang="zh-CN" sz="1800" dirty="0" smtClean="0"/>
           </a:p>
           <a:p>
-            <a:pPr indent="342900">
+            <a:pPr indent="342900" fontAlgn="auto">
               <a:lnSpc>
                 <a:spcPct val="170000"/>
               </a:lnSpc>
               <a:spcBef>
                 <a:spcPts val="1200"/>
               </a:spcBef>
-              <a:buNone/>
+              <a:spcAft>
+                <a:spcPts val="0"/>
+              </a:spcAft>
+              <a:buFont typeface="Arial" pitchFamily="34" charset="0"/>
+              <a:buNone/>
+              <a:defRPr/>
             </a:pPr>
             <a:r>
               <a:rPr lang="en-US" altLang="zh-CN" sz="1800" dirty="0" smtClean="0"/>
@@ -5830,11 +6630,7 @@
             </a:r>
             <a:r>
               <a:rPr lang="zh-CN" altLang="zh-CN" sz="1800" dirty="0" smtClean="0"/>
-              <a:t>）</a:t>
-            </a:r>
-            <a:r>
-              <a:rPr lang="zh-CN" altLang="zh-CN" sz="1800" dirty="0" smtClean="0"/>
-              <a:t>论文排版中不可有大量留白，每页留白最多</a:t>
+              <a:t>）论文排版中不可有大量留白，每页留白最多</a:t>
             </a:r>
             <a:r>
               <a:rPr lang="en-US" altLang="zh-CN" sz="1800" dirty="0" smtClean="0"/>
@@ -5883,14 +6679,19 @@
             <a:endParaRPr lang="en-US" altLang="zh-CN" sz="1800" dirty="0" smtClean="0"/>
           </a:p>
           <a:p>
-            <a:pPr indent="342900">
+            <a:pPr indent="342900" fontAlgn="auto">
               <a:lnSpc>
                 <a:spcPct val="170000"/>
               </a:lnSpc>
               <a:spcBef>
                 <a:spcPts val="1200"/>
               </a:spcBef>
-              <a:buNone/>
+              <a:spcAft>
+                <a:spcPts val="0"/>
+              </a:spcAft>
+              <a:buFont typeface="Arial" pitchFamily="34" charset="0"/>
+              <a:buNone/>
+              <a:defRPr/>
             </a:pPr>
             <a:r>
               <a:rPr lang="en-US" altLang="zh-CN" sz="1800" dirty="0" smtClean="0"/>
@@ -5898,11 +6699,7 @@
             </a:r>
             <a:r>
               <a:rPr lang="zh-CN" altLang="en-US" sz="1800" dirty="0" smtClean="0"/>
-              <a:t>）</a:t>
-            </a:r>
-            <a:r>
-              <a:rPr lang="zh-CN" altLang="en-US" sz="1800" dirty="0" smtClean="0"/>
-              <a:t>文中不可出现“如</a:t>
+              <a:t>）文中不可出现“如</a:t>
             </a:r>
             <a:r>
               <a:rPr lang="zh-CN" altLang="en-US" sz="1800" dirty="0" smtClean="0">
@@ -5914,27 +6711,24 @@
             </a:r>
             <a:r>
               <a:rPr lang="zh-CN" altLang="en-US" sz="1800" dirty="0" smtClean="0"/>
-              <a:t>图（表）”字样，“上、下”字需</a:t>
-            </a:r>
-            <a:r>
-              <a:rPr lang="zh-CN" altLang="en-US" sz="1800" dirty="0" smtClean="0"/>
-              <a:t>去除</a:t>
-            </a:r>
-            <a:r>
-              <a:rPr lang="zh-CN" altLang="en-US" sz="1800" dirty="0" smtClean="0"/>
-              <a:t>；</a:t>
+              <a:t>图（表）”字样，“上、下”字需去除；</a:t>
             </a:r>
             <a:endParaRPr lang="en-US" altLang="zh-CN" sz="1800" dirty="0" smtClean="0"/>
           </a:p>
           <a:p>
-            <a:pPr indent="342900">
+            <a:pPr indent="342900" fontAlgn="auto">
               <a:lnSpc>
                 <a:spcPct val="170000"/>
               </a:lnSpc>
               <a:spcBef>
                 <a:spcPts val="1200"/>
               </a:spcBef>
-              <a:buNone/>
+              <a:spcAft>
+                <a:spcPts val="0"/>
+              </a:spcAft>
+              <a:buFont typeface="Arial" pitchFamily="34" charset="0"/>
+              <a:buNone/>
+              <a:defRPr/>
             </a:pPr>
             <a:r>
               <a:rPr lang="en-US" altLang="zh-CN" sz="1800" dirty="0" smtClean="0"/>
@@ -5963,14 +6757,19 @@
             <a:endParaRPr lang="zh-CN" altLang="zh-CN" sz="1800" dirty="0" smtClean="0"/>
           </a:p>
           <a:p>
-            <a:pPr indent="342900">
+            <a:pPr indent="342900" fontAlgn="auto">
               <a:lnSpc>
                 <a:spcPct val="170000"/>
               </a:lnSpc>
               <a:spcBef>
                 <a:spcPts val="1200"/>
               </a:spcBef>
-              <a:buNone/>
+              <a:spcAft>
+                <a:spcPts val="0"/>
+              </a:spcAft>
+              <a:buFont typeface="Arial" pitchFamily="34" charset="0"/>
+              <a:buNone/>
+              <a:defRPr/>
             </a:pPr>
             <a:r>
               <a:rPr lang="en-US" altLang="zh-CN" sz="1800" dirty="0" smtClean="0"/>
@@ -5978,15 +6777,7 @@
             </a:r>
             <a:r>
               <a:rPr lang="zh-CN" altLang="zh-CN" sz="1800" dirty="0" smtClean="0"/>
-              <a:t>）</a:t>
-            </a:r>
-            <a:r>
-              <a:rPr lang="zh-CN" altLang="zh-CN" sz="1800" dirty="0" smtClean="0"/>
-              <a:t>致谢部分请带着感情写，</a:t>
-            </a:r>
-            <a:r>
-              <a:rPr lang="zh-CN" altLang="zh-CN" sz="1800" dirty="0" smtClean="0"/>
-              <a:t>不要</a:t>
+              <a:t>）致谢部分请带着感情写，不要</a:t>
             </a:r>
             <a:r>
               <a:rPr lang="zh-CN" altLang="en-US" sz="1800" dirty="0" smtClean="0"/>
@@ -5994,29 +6785,35 @@
             </a:r>
             <a:r>
               <a:rPr lang="zh-CN" altLang="zh-CN" sz="1800" dirty="0" smtClean="0"/>
-              <a:t>照搬</a:t>
-            </a:r>
-            <a:r>
-              <a:rPr lang="zh-CN" altLang="zh-CN" sz="1800" dirty="0" smtClean="0"/>
-              <a:t>模板形式生搬硬套，使之成为千篇一律的文字。</a:t>
+              <a:t>照搬模板形式生搬硬套，使之成为千篇一律的文字。</a:t>
             </a:r>
             <a:endParaRPr lang="en-US" altLang="zh-CN" sz="1800" dirty="0" smtClean="0"/>
           </a:p>
           <a:p>
-            <a:pPr indent="342900">
+            <a:pPr indent="342900" fontAlgn="auto">
               <a:lnSpc>
                 <a:spcPct val="170000"/>
               </a:lnSpc>
               <a:spcBef>
                 <a:spcPts val="1200"/>
               </a:spcBef>
-              <a:buNone/>
+              <a:spcAft>
+                <a:spcPts val="0"/>
+              </a:spcAft>
+              <a:buFont typeface="Arial" pitchFamily="34" charset="0"/>
+              <a:buNone/>
+              <a:defRPr/>
             </a:pPr>
             <a:endParaRPr lang="zh-CN" altLang="zh-CN" sz="1800" dirty="0" smtClean="0"/>
           </a:p>
           <a:p>
-            <a:pPr>
-              <a:buNone/>
+            <a:pPr fontAlgn="auto">
+              <a:spcAft>
+                <a:spcPts val="0"/>
+              </a:spcAft>
+              <a:buFont typeface="Arial" pitchFamily="34" charset="0"/>
+              <a:buNone/>
+              <a:defRPr/>
             </a:pPr>
             <a:endParaRPr lang="zh-CN" altLang="en-US" dirty="0"/>
           </a:p>
@@ -6059,347 +6856,378 @@
         </p:nvSpPr>
         <p:spPr>
           <a:xfrm>
-            <a:off x="457200" y="260648"/>
-            <a:ext cx="8229600" cy="6264696"/>
+            <a:off x="457200" y="260350"/>
+            <a:ext cx="8229600" cy="6264275"/>
           </a:xfrm>
         </p:spPr>
         <p:txBody>
           <a:bodyPr>
-            <a:normAutofit fontScale="92500" lnSpcReduction="20000"/>
+            <a:normAutofit/>
           </a:bodyPr>
           <a:lstStyle/>
           <a:p>
             <a:pPr>
-              <a:buNone/>
-            </a:pPr>
-            <a:r>
-              <a:rPr lang="en-US" altLang="zh-CN" sz="2000" b="1" dirty="0" smtClean="0">
-                <a:latin typeface="黑体" pitchFamily="2" charset="-122"/>
-                <a:ea typeface="黑体" pitchFamily="2" charset="-122"/>
+              <a:lnSpc>
+                <a:spcPct val="80000"/>
+              </a:lnSpc>
+              <a:buFont typeface="Arial" charset="0"/>
+              <a:buNone/>
+            </a:pPr>
+            <a:r>
+              <a:rPr lang="en-US" altLang="zh-CN" sz="1900" b="1" smtClean="0">
+                <a:latin typeface="黑体" pitchFamily="49" charset="-122"/>
+                <a:ea typeface="黑体" pitchFamily="49" charset="-122"/>
               </a:rPr>
               <a:t>2</a:t>
             </a:r>
             <a:r>
-              <a:rPr lang="zh-CN" altLang="en-US" sz="2000" b="1" dirty="0" smtClean="0">
-                <a:latin typeface="黑体" pitchFamily="2" charset="-122"/>
-                <a:ea typeface="黑体" pitchFamily="2" charset="-122"/>
+              <a:rPr lang="zh-CN" altLang="en-US" sz="1900" b="1" smtClean="0">
+                <a:latin typeface="黑体" pitchFamily="49" charset="-122"/>
+                <a:ea typeface="黑体" pitchFamily="49" charset="-122"/>
               </a:rPr>
               <a:t>、</a:t>
             </a:r>
             <a:r>
-              <a:rPr lang="zh-CN" altLang="zh-CN" sz="2000" b="1" dirty="0" smtClean="0">
-                <a:latin typeface="黑体" pitchFamily="2" charset="-122"/>
-                <a:ea typeface="黑体" pitchFamily="2" charset="-122"/>
+              <a:rPr lang="zh-CN" altLang="zh-CN" sz="1900" b="1" smtClean="0">
+                <a:latin typeface="黑体" pitchFamily="49" charset="-122"/>
+                <a:ea typeface="黑体" pitchFamily="49" charset="-122"/>
               </a:rPr>
               <a:t>图、表、观点和他人文字的引用问题</a:t>
             </a:r>
-            <a:endParaRPr lang="en-US" altLang="zh-CN" sz="2000" dirty="0" smtClean="0"/>
+            <a:endParaRPr lang="en-US" altLang="zh-CN" sz="1900" smtClean="0"/>
           </a:p>
           <a:p>
             <a:pPr>
               <a:lnSpc>
-                <a:spcPct val="150000"/>
+                <a:spcPct val="130000"/>
               </a:lnSpc>
-              <a:buNone/>
-            </a:pPr>
-            <a:r>
-              <a:rPr lang="en-US" altLang="zh-CN" sz="1800" dirty="0" smtClean="0"/>
+              <a:buFont typeface="Arial" charset="0"/>
+              <a:buNone/>
+            </a:pPr>
+            <a:r>
+              <a:rPr lang="en-US" altLang="zh-CN" sz="1700" smtClean="0"/>
               <a:t>                </a:t>
             </a:r>
             <a:r>
-              <a:rPr lang="zh-CN" altLang="zh-CN" sz="1900" dirty="0" smtClean="0"/>
+              <a:rPr lang="zh-CN" altLang="zh-CN" sz="1800" smtClean="0"/>
               <a:t>引用</a:t>
             </a:r>
             <a:r>
-              <a:rPr lang="zh-CN" altLang="en-US" sz="1900" dirty="0" smtClean="0"/>
+              <a:rPr lang="zh-CN" altLang="en-US" sz="1800" smtClean="0"/>
               <a:t>他</a:t>
             </a:r>
             <a:r>
-              <a:rPr lang="zh-CN" altLang="zh-CN" sz="1900" dirty="0" smtClean="0"/>
+              <a:rPr lang="zh-CN" altLang="zh-CN" sz="1800" smtClean="0"/>
               <a:t>人的东西必须给出其来源，一般在图表标题的后面括号中给出。原则上引用</a:t>
             </a:r>
             <a:r>
-              <a:rPr lang="zh-CN" altLang="en-US" sz="1900" dirty="0" smtClean="0"/>
+              <a:rPr lang="zh-CN" altLang="en-US" sz="1800" smtClean="0"/>
               <a:t>他</a:t>
             </a:r>
             <a:r>
-              <a:rPr lang="zh-CN" altLang="zh-CN" sz="1900" dirty="0" smtClean="0"/>
+              <a:rPr lang="zh-CN" altLang="zh-CN" sz="1800" smtClean="0"/>
               <a:t>人的图表，也应该自己重画和写，以保证论文文字的统一。同样，正文中引用</a:t>
             </a:r>
             <a:r>
-              <a:rPr lang="zh-CN" altLang="en-US" sz="1900" dirty="0" smtClean="0"/>
+              <a:rPr lang="zh-CN" altLang="en-US" sz="1800" smtClean="0"/>
               <a:t>他</a:t>
             </a:r>
             <a:r>
-              <a:rPr lang="zh-CN" altLang="zh-CN" sz="1900" dirty="0" smtClean="0"/>
+              <a:rPr lang="zh-CN" altLang="zh-CN" sz="1800" smtClean="0"/>
               <a:t>人的观点也要给出出处</a:t>
             </a:r>
             <a:r>
-              <a:rPr lang="zh-CN" altLang="zh-CN" sz="1900" b="1" dirty="0" smtClean="0"/>
+              <a:rPr lang="zh-CN" altLang="zh-CN" sz="1800" b="1" smtClean="0"/>
               <a:t>。</a:t>
             </a:r>
-            <a:endParaRPr lang="zh-CN" altLang="zh-CN" sz="1900" dirty="0" smtClean="0"/>
-          </a:p>
-          <a:p>
-            <a:pPr lvl="0">
-              <a:spcBef>
-                <a:spcPts val="1200"/>
-              </a:spcBef>
-              <a:buNone/>
-            </a:pPr>
-            <a:r>
-              <a:rPr lang="en-US" altLang="zh-CN" sz="2100" b="1" dirty="0" smtClean="0">
-                <a:latin typeface="黑体" pitchFamily="2" charset="-122"/>
-                <a:ea typeface="黑体" pitchFamily="2" charset="-122"/>
-              </a:rPr>
-              <a:t>3</a:t>
-            </a:r>
-            <a:r>
-              <a:rPr lang="zh-CN" altLang="en-US" sz="2100" b="1" dirty="0" smtClean="0">
-                <a:latin typeface="黑体" pitchFamily="2" charset="-122"/>
-                <a:ea typeface="黑体" pitchFamily="2" charset="-122"/>
-              </a:rPr>
-              <a:t>、</a:t>
-            </a:r>
-            <a:r>
-              <a:rPr lang="zh-CN" altLang="zh-CN" sz="2100" b="1" dirty="0" smtClean="0">
-                <a:latin typeface="黑体" pitchFamily="2" charset="-122"/>
-                <a:ea typeface="黑体" pitchFamily="2" charset="-122"/>
-              </a:rPr>
-              <a:t>关于图表编号和标题的位置</a:t>
-            </a:r>
+            <a:endParaRPr lang="zh-CN" altLang="zh-CN" sz="1800" smtClean="0"/>
           </a:p>
           <a:p>
             <a:pPr>
               <a:lnSpc>
-                <a:spcPct val="150000"/>
+                <a:spcPct val="80000"/>
               </a:lnSpc>
               <a:spcBef>
                 <a:spcPts val="1200"/>
               </a:spcBef>
-              <a:buNone/>
-            </a:pPr>
-            <a:r>
-              <a:rPr lang="en-US" altLang="zh-CN" sz="2100" dirty="0" smtClean="0"/>
-              <a:t>    1</a:t>
-            </a:r>
-            <a:r>
-              <a:rPr lang="zh-CN" altLang="zh-CN" sz="2100" dirty="0" smtClean="0"/>
-              <a:t>）表的编号</a:t>
-            </a:r>
-            <a:r>
-              <a:rPr lang="zh-CN" altLang="en-US" sz="2100" dirty="0" smtClean="0"/>
-              <a:t>及</a:t>
-            </a:r>
-            <a:r>
-              <a:rPr lang="zh-CN" altLang="zh-CN" sz="2100" dirty="0" smtClean="0"/>
-              <a:t>标题在其上面，图的</a:t>
-            </a:r>
-            <a:r>
-              <a:rPr lang="zh-CN" altLang="en-US" sz="2100" dirty="0" smtClean="0"/>
-              <a:t>编号及图名</a:t>
-            </a:r>
-            <a:r>
-              <a:rPr lang="zh-CN" altLang="zh-CN" sz="2100" dirty="0" smtClean="0"/>
-              <a:t>在其下面；</a:t>
+              <a:buFont typeface="Arial" charset="0"/>
+              <a:buNone/>
+            </a:pPr>
+            <a:r>
+              <a:rPr lang="en-US" altLang="zh-CN" sz="1900" b="1" smtClean="0">
+                <a:latin typeface="黑体" pitchFamily="49" charset="-122"/>
+                <a:ea typeface="黑体" pitchFamily="49" charset="-122"/>
+              </a:rPr>
+              <a:t>3</a:t>
+            </a:r>
+            <a:r>
+              <a:rPr lang="zh-CN" altLang="en-US" sz="1900" b="1" smtClean="0">
+                <a:latin typeface="黑体" pitchFamily="49" charset="-122"/>
+                <a:ea typeface="黑体" pitchFamily="49" charset="-122"/>
+              </a:rPr>
+              <a:t>、</a:t>
+            </a:r>
+            <a:r>
+              <a:rPr lang="zh-CN" altLang="zh-CN" sz="1900" b="1" smtClean="0">
+                <a:latin typeface="黑体" pitchFamily="49" charset="-122"/>
+                <a:ea typeface="黑体" pitchFamily="49" charset="-122"/>
+              </a:rPr>
+              <a:t>关于图表编号和标题的位置</a:t>
             </a:r>
           </a:p>
           <a:p>
             <a:pPr>
               <a:lnSpc>
-                <a:spcPct val="150000"/>
+                <a:spcPct val="130000"/>
               </a:lnSpc>
               <a:spcBef>
                 <a:spcPts val="1200"/>
               </a:spcBef>
-              <a:buNone/>
-            </a:pPr>
-            <a:r>
-              <a:rPr lang="en-US" altLang="zh-CN" sz="2100" dirty="0" smtClean="0"/>
-              <a:t>    2</a:t>
-            </a:r>
-            <a:r>
-              <a:rPr lang="zh-CN" altLang="zh-CN" sz="2100" dirty="0" smtClean="0"/>
-              <a:t>）图表分别编号，原则上是章号加</a:t>
-            </a:r>
-            <a:r>
-              <a:rPr lang="zh-CN" altLang="en-US" sz="2100" dirty="0" smtClean="0"/>
-              <a:t>上</a:t>
-            </a:r>
-            <a:r>
-              <a:rPr lang="zh-CN" altLang="zh-CN" sz="2100" dirty="0" smtClean="0"/>
-              <a:t>该</a:t>
-            </a:r>
-            <a:r>
-              <a:rPr lang="zh-CN" altLang="en-US" sz="2100" dirty="0" smtClean="0"/>
-              <a:t>图（表）</a:t>
-            </a:r>
-            <a:r>
-              <a:rPr lang="zh-CN" altLang="zh-CN" sz="2100" dirty="0" smtClean="0"/>
-              <a:t>的序号，例如：图</a:t>
-            </a:r>
-            <a:r>
-              <a:rPr lang="en-US" altLang="zh-CN" sz="2100" dirty="0" smtClean="0"/>
-              <a:t>3-1</a:t>
-            </a:r>
-            <a:r>
-              <a:rPr lang="zh-CN" altLang="zh-CN" sz="2100" dirty="0" smtClean="0"/>
-              <a:t>或</a:t>
-            </a:r>
-            <a:r>
-              <a:rPr lang="en-US" altLang="zh-CN" sz="2100" dirty="0" smtClean="0"/>
-              <a:t>3.11</a:t>
-            </a:r>
-            <a:r>
-              <a:rPr lang="zh-CN" altLang="zh-CN" sz="2100" dirty="0" smtClean="0"/>
-              <a:t>等，不能没有编号；</a:t>
+              <a:buFont typeface="Arial" charset="0"/>
+              <a:buNone/>
+            </a:pPr>
+            <a:r>
+              <a:rPr lang="en-US" altLang="zh-CN" sz="1900" smtClean="0"/>
+              <a:t>    1</a:t>
+            </a:r>
+            <a:r>
+              <a:rPr lang="zh-CN" altLang="zh-CN" sz="1900" smtClean="0"/>
+              <a:t>）表的编号</a:t>
+            </a:r>
+            <a:r>
+              <a:rPr lang="zh-CN" altLang="en-US" sz="1900" smtClean="0"/>
+              <a:t>及</a:t>
+            </a:r>
+            <a:r>
+              <a:rPr lang="zh-CN" altLang="zh-CN" sz="1900" smtClean="0"/>
+              <a:t>标题在其上面，图的</a:t>
+            </a:r>
+            <a:r>
+              <a:rPr lang="zh-CN" altLang="en-US" sz="1900" smtClean="0"/>
+              <a:t>编号及图名</a:t>
+            </a:r>
+            <a:r>
+              <a:rPr lang="zh-CN" altLang="zh-CN" sz="1900" smtClean="0"/>
+              <a:t>在其下面；</a:t>
             </a:r>
           </a:p>
           <a:p>
             <a:pPr>
               <a:lnSpc>
-                <a:spcPct val="150000"/>
+                <a:spcPct val="130000"/>
               </a:lnSpc>
               <a:spcBef>
                 <a:spcPts val="1200"/>
               </a:spcBef>
-              <a:buNone/>
-            </a:pPr>
-            <a:r>
-              <a:rPr lang="en-US" altLang="zh-CN" sz="2100" dirty="0" smtClean="0"/>
-              <a:t>    3</a:t>
-            </a:r>
-            <a:r>
-              <a:rPr lang="zh-CN" altLang="zh-CN" sz="2100" dirty="0" smtClean="0"/>
-              <a:t>）图表（含标题）上下均留一空行！</a:t>
+              <a:buFont typeface="Arial" charset="0"/>
+              <a:buNone/>
+            </a:pPr>
+            <a:r>
+              <a:rPr lang="en-US" altLang="zh-CN" sz="1900" smtClean="0"/>
+              <a:t>    2</a:t>
+            </a:r>
+            <a:r>
+              <a:rPr lang="zh-CN" altLang="zh-CN" sz="1900" smtClean="0"/>
+              <a:t>）图表分别编号，原则上是章号加</a:t>
+            </a:r>
+            <a:r>
+              <a:rPr lang="zh-CN" altLang="en-US" sz="1900" smtClean="0"/>
+              <a:t>上</a:t>
+            </a:r>
+            <a:r>
+              <a:rPr lang="zh-CN" altLang="zh-CN" sz="1900" smtClean="0"/>
+              <a:t>该</a:t>
+            </a:r>
+            <a:r>
+              <a:rPr lang="zh-CN" altLang="en-US" sz="1900" smtClean="0"/>
+              <a:t>图（表）</a:t>
+            </a:r>
+            <a:r>
+              <a:rPr lang="zh-CN" altLang="zh-CN" sz="1900" smtClean="0"/>
+              <a:t>的序号，例如：图</a:t>
+            </a:r>
+            <a:r>
+              <a:rPr lang="en-US" altLang="zh-CN" sz="1900" smtClean="0"/>
+              <a:t>3-1</a:t>
+            </a:r>
+            <a:r>
+              <a:rPr lang="zh-CN" altLang="zh-CN" sz="1900" smtClean="0"/>
+              <a:t>或</a:t>
+            </a:r>
+            <a:r>
+              <a:rPr lang="en-US" altLang="zh-CN" sz="1900" smtClean="0"/>
+              <a:t>3.11</a:t>
+            </a:r>
+            <a:r>
+              <a:rPr lang="zh-CN" altLang="zh-CN" sz="1900" smtClean="0"/>
+              <a:t>等，不能没有编号；</a:t>
             </a:r>
           </a:p>
           <a:p>
             <a:pPr>
               <a:lnSpc>
-                <a:spcPct val="150000"/>
+                <a:spcPct val="130000"/>
               </a:lnSpc>
               <a:spcBef>
                 <a:spcPts val="1200"/>
               </a:spcBef>
-              <a:buNone/>
-            </a:pPr>
-            <a:r>
-              <a:rPr lang="en-US" altLang="zh-CN" sz="2100" dirty="0" smtClean="0"/>
-              <a:t>    4</a:t>
-            </a:r>
-            <a:r>
-              <a:rPr lang="zh-CN" altLang="zh-CN" sz="2100" dirty="0" smtClean="0"/>
-              <a:t>）表中的文字原则上小于正文半个字号，除非表内容文字非常少；</a:t>
+              <a:buFont typeface="Arial" charset="0"/>
+              <a:buNone/>
+            </a:pPr>
+            <a:r>
+              <a:rPr lang="en-US" altLang="zh-CN" sz="1900" smtClean="0"/>
+              <a:t>    </a:t>
+            </a:r>
+            <a:r>
+              <a:rPr lang="en-US" altLang="zh-CN" sz="1900" smtClean="0">
+                <a:solidFill>
+                  <a:srgbClr val="FF0000"/>
+                </a:solidFill>
+              </a:rPr>
+              <a:t>3</a:t>
+            </a:r>
+            <a:r>
+              <a:rPr lang="zh-CN" altLang="zh-CN" sz="1900" smtClean="0">
+                <a:solidFill>
+                  <a:srgbClr val="FF0000"/>
+                </a:solidFill>
+              </a:rPr>
+              <a:t>）图表（含标题）上下均留一空行！</a:t>
             </a:r>
           </a:p>
           <a:p>
             <a:pPr>
               <a:lnSpc>
-                <a:spcPct val="150000"/>
+                <a:spcPct val="130000"/>
               </a:lnSpc>
               <a:spcBef>
                 <a:spcPts val="1200"/>
               </a:spcBef>
-              <a:buNone/>
-            </a:pPr>
-            <a:r>
-              <a:rPr lang="en-US" altLang="zh-CN" sz="2100" dirty="0" smtClean="0"/>
-              <a:t>    5</a:t>
-            </a:r>
-            <a:r>
-              <a:rPr lang="zh-CN" altLang="zh-CN" sz="2100" dirty="0" smtClean="0"/>
-              <a:t>）图</a:t>
-            </a:r>
-            <a:r>
-              <a:rPr lang="zh-CN" altLang="en-US" sz="2100" dirty="0" smtClean="0"/>
-              <a:t>注与</a:t>
-            </a:r>
-            <a:r>
-              <a:rPr lang="zh-CN" altLang="zh-CN" sz="2100" dirty="0" smtClean="0"/>
-              <a:t>表</a:t>
-            </a:r>
-            <a:r>
-              <a:rPr lang="zh-CN" altLang="en-US" sz="2100" dirty="0" smtClean="0"/>
-              <a:t>注</a:t>
-            </a:r>
-            <a:r>
-              <a:rPr lang="zh-CN" altLang="zh-CN" sz="2100" dirty="0" smtClean="0"/>
-              <a:t>（含标题）</a:t>
-            </a:r>
-            <a:r>
-              <a:rPr lang="zh-CN" altLang="en-US" sz="2100" dirty="0" smtClean="0"/>
-              <a:t>均需</a:t>
-            </a:r>
-            <a:r>
-              <a:rPr lang="zh-CN" altLang="zh-CN" sz="2100" dirty="0" smtClean="0"/>
-              <a:t>居中，有居中操作按钮，即二边留白一定要对称；如果表的内容不多、图不大的话，图和表的左右</a:t>
-            </a:r>
-            <a:r>
-              <a:rPr lang="zh-CN" altLang="en-US" sz="2100" dirty="0" smtClean="0"/>
-              <a:t>两</a:t>
-            </a:r>
-            <a:r>
-              <a:rPr lang="zh-CN" altLang="zh-CN" sz="2100" dirty="0" smtClean="0"/>
-              <a:t>边留白最好统一为二个汉字空；</a:t>
+              <a:buFont typeface="Arial" charset="0"/>
+              <a:buNone/>
+            </a:pPr>
+            <a:r>
+              <a:rPr lang="en-US" altLang="zh-CN" sz="1900" smtClean="0"/>
+              <a:t>    4</a:t>
+            </a:r>
+            <a:r>
+              <a:rPr lang="zh-CN" altLang="zh-CN" sz="1900" smtClean="0"/>
+              <a:t>）表中的文字原则上小于正文半个字号，除非表内容文字非常少；</a:t>
             </a:r>
           </a:p>
           <a:p>
             <a:pPr>
               <a:lnSpc>
-                <a:spcPct val="150000"/>
+                <a:spcPct val="130000"/>
               </a:lnSpc>
               <a:spcBef>
                 <a:spcPts val="1200"/>
               </a:spcBef>
-              <a:buNone/>
-            </a:pPr>
-            <a:r>
-              <a:rPr lang="en-US" altLang="zh-CN" sz="2100" dirty="0" smtClean="0"/>
+              <a:buFont typeface="Arial" charset="0"/>
+              <a:buNone/>
+            </a:pPr>
+            <a:r>
+              <a:rPr lang="en-US" altLang="zh-CN" sz="1900" smtClean="0"/>
+              <a:t>    5</a:t>
+            </a:r>
+            <a:r>
+              <a:rPr lang="zh-CN" altLang="zh-CN" sz="1900" smtClean="0"/>
+              <a:t>）图</a:t>
+            </a:r>
+            <a:r>
+              <a:rPr lang="zh-CN" altLang="en-US" sz="1900" smtClean="0"/>
+              <a:t>注与</a:t>
+            </a:r>
+            <a:r>
+              <a:rPr lang="zh-CN" altLang="zh-CN" sz="1900" smtClean="0"/>
+              <a:t>表</a:t>
+            </a:r>
+            <a:r>
+              <a:rPr lang="zh-CN" altLang="en-US" sz="1900" smtClean="0"/>
+              <a:t>注</a:t>
+            </a:r>
+            <a:r>
+              <a:rPr lang="zh-CN" altLang="zh-CN" sz="1900" smtClean="0"/>
+              <a:t>（含标题）</a:t>
+            </a:r>
+            <a:r>
+              <a:rPr lang="zh-CN" altLang="en-US" sz="1900" smtClean="0"/>
+              <a:t>均需</a:t>
+            </a:r>
+            <a:r>
+              <a:rPr lang="zh-CN" altLang="zh-CN" sz="1900" smtClean="0"/>
+              <a:t>居中，有居中操作按钮，即二边留白一定要对称；如果表的内容不多、图不大的话，图和表的左右</a:t>
+            </a:r>
+            <a:r>
+              <a:rPr lang="zh-CN" altLang="en-US" sz="1900" smtClean="0"/>
+              <a:t>两</a:t>
+            </a:r>
+            <a:r>
+              <a:rPr lang="zh-CN" altLang="zh-CN" sz="1900" smtClean="0"/>
+              <a:t>边留白最好统一为二个汉字空；</a:t>
+            </a:r>
+          </a:p>
+          <a:p>
+            <a:pPr>
+              <a:lnSpc>
+                <a:spcPct val="130000"/>
+              </a:lnSpc>
+              <a:spcBef>
+                <a:spcPts val="1200"/>
+              </a:spcBef>
+              <a:buFont typeface="Arial" charset="0"/>
+              <a:buNone/>
+            </a:pPr>
+            <a:r>
+              <a:rPr lang="en-US" altLang="zh-CN" sz="1900" smtClean="0"/>
               <a:t>    6</a:t>
             </a:r>
             <a:r>
-              <a:rPr lang="zh-CN" altLang="zh-CN" sz="2100" dirty="0" smtClean="0"/>
+              <a:rPr lang="zh-CN" altLang="zh-CN" sz="1900" smtClean="0"/>
               <a:t>）如图表引用他人的，</a:t>
             </a:r>
             <a:r>
-              <a:rPr lang="zh-CN" altLang="en-US" sz="2100" dirty="0" smtClean="0"/>
+              <a:rPr lang="zh-CN" altLang="en-US" sz="1900" smtClean="0"/>
               <a:t>应说明，</a:t>
             </a:r>
             <a:r>
-              <a:rPr lang="zh-CN" altLang="zh-CN" sz="2100" dirty="0" smtClean="0"/>
+              <a:rPr lang="zh-CN" altLang="zh-CN" sz="1900" smtClean="0"/>
               <a:t>例 “图</a:t>
             </a:r>
             <a:r>
-              <a:rPr lang="en-US" altLang="zh-CN" sz="2100" dirty="0" smtClean="0"/>
+              <a:rPr lang="en-US" altLang="zh-CN" sz="1900" smtClean="0"/>
               <a:t>2-3 </a:t>
             </a:r>
             <a:r>
-              <a:rPr lang="zh-CN" altLang="zh-CN" sz="2100" dirty="0" smtClean="0"/>
+              <a:rPr lang="zh-CN" altLang="zh-CN" sz="1900" smtClean="0"/>
               <a:t>组织结构图</a:t>
             </a:r>
             <a:r>
-              <a:rPr lang="en-US" altLang="zh-CN" sz="2100" dirty="0" smtClean="0"/>
+              <a:rPr lang="en-US" altLang="zh-CN" sz="1900" smtClean="0"/>
               <a:t>(</a:t>
             </a:r>
             <a:r>
-              <a:rPr lang="zh-CN" altLang="zh-CN" sz="2100" dirty="0" smtClean="0"/>
+              <a:rPr lang="zh-CN" altLang="zh-CN" sz="1900" smtClean="0"/>
               <a:t>来源于</a:t>
             </a:r>
             <a:r>
-              <a:rPr lang="en-US" altLang="zh-CN" sz="2100" dirty="0" smtClean="0"/>
+              <a:rPr lang="en-US" altLang="zh-CN" sz="1900" smtClean="0"/>
               <a:t>XXXX)</a:t>
             </a:r>
             <a:r>
-              <a:rPr lang="zh-CN" altLang="zh-CN" sz="2100" dirty="0" smtClean="0"/>
+              <a:rPr lang="zh-CN" altLang="zh-CN" sz="1900" smtClean="0"/>
               <a:t>”。</a:t>
             </a:r>
           </a:p>
           <a:p>
             <a:pPr>
-              <a:buNone/>
-            </a:pPr>
-            <a:endParaRPr lang="zh-CN" altLang="en-US" dirty="0"/>
+              <a:lnSpc>
+                <a:spcPct val="80000"/>
+              </a:lnSpc>
+              <a:buFont typeface="Arial" charset="0"/>
+              <a:buNone/>
+            </a:pPr>
+            <a:endParaRPr lang="zh-CN" altLang="en-US" sz="3000" smtClean="0"/>
           </a:p>
         </p:txBody>
       </p:sp>
@@ -6430,7 +7258,7 @@
       </p:grpSpPr>
       <p:sp>
         <p:nvSpPr>
-          <p:cNvPr id="3" name="内容占位符 2"/>
+          <p:cNvPr id="20481" name="内容占位符 2"/>
           <p:cNvSpPr>
             <a:spLocks noGrp="1"/>
           </p:cNvSpPr>
@@ -6440,56 +7268,22 @@
         </p:nvSpPr>
         <p:spPr>
           <a:xfrm>
-            <a:off x="457200" y="260648"/>
-            <a:ext cx="8229600" cy="5865515"/>
+            <a:off x="457200" y="260350"/>
+            <a:ext cx="8229600" cy="5865813"/>
           </a:xfrm>
         </p:spPr>
         <p:txBody>
-          <a:bodyPr>
-            <a:normAutofit/>
-          </a:bodyPr>
+          <a:bodyPr/>
           <a:lstStyle/>
           <a:p>
-            <a:pPr lvl="0">
-              <a:buNone/>
-            </a:pPr>
-            <a:endParaRPr lang="en-US" altLang="zh-CN" sz="2000" b="1" dirty="0" smtClean="0">
-              <a:latin typeface="黑体" pitchFamily="2" charset="-122"/>
-              <a:ea typeface="黑体" pitchFamily="2" charset="-122"/>
+            <a:pPr>
+              <a:buFont typeface="Arial" charset="0"/>
+              <a:buNone/>
+            </a:pPr>
+            <a:endParaRPr lang="en-US" altLang="zh-CN" sz="2000" b="1" smtClean="0">
+              <a:latin typeface="黑体" pitchFamily="49" charset="-122"/>
+              <a:ea typeface="黑体" pitchFamily="49" charset="-122"/>
             </a:endParaRPr>
-          </a:p>
-          <a:p>
-            <a:pPr lvl="0">
-              <a:lnSpc>
-                <a:spcPct val="150000"/>
-              </a:lnSpc>
-              <a:spcBef>
-                <a:spcPts val="600"/>
-              </a:spcBef>
-              <a:buNone/>
-            </a:pPr>
-            <a:r>
-              <a:rPr lang="en-US" altLang="zh-CN" sz="2000" b="1" dirty="0" smtClean="0">
-                <a:latin typeface="黑体" pitchFamily="2" charset="-122"/>
-                <a:ea typeface="黑体" pitchFamily="2" charset="-122"/>
-              </a:rPr>
-              <a:t>4</a:t>
-            </a:r>
-            <a:r>
-              <a:rPr lang="zh-CN" altLang="en-US" sz="2000" b="1" dirty="0" smtClean="0">
-                <a:latin typeface="黑体" pitchFamily="2" charset="-122"/>
-                <a:ea typeface="黑体" pitchFamily="2" charset="-122"/>
-              </a:rPr>
-              <a:t>、</a:t>
-            </a:r>
-            <a:r>
-              <a:rPr lang="zh-CN" altLang="zh-CN" sz="2000" b="1" dirty="0" smtClean="0">
-                <a:latin typeface="黑体" pitchFamily="2" charset="-122"/>
-                <a:ea typeface="黑体" pitchFamily="2" charset="-122"/>
-              </a:rPr>
-              <a:t>关于带有编号段落和源程序等的</a:t>
-            </a:r>
-            <a:endParaRPr lang="en-US" altLang="zh-CN" sz="1900" dirty="0" smtClean="0"/>
           </a:p>
           <a:p>
             <a:pPr>
@@ -6499,55 +7293,31 @@
               <a:spcBef>
                 <a:spcPts val="600"/>
               </a:spcBef>
-              <a:buNone/>
-            </a:pPr>
-            <a:r>
-              <a:rPr lang="en-US" altLang="zh-CN" sz="1900" dirty="0" smtClean="0"/>
-              <a:t>                </a:t>
-            </a:r>
-            <a:r>
-              <a:rPr lang="zh-CN" altLang="zh-CN" sz="1900" dirty="0" smtClean="0"/>
-              <a:t>原则上带有编号和项目符号的较短的自然段要缩进二个汉字。同样，源程序要缩进二个汉字，并且小于正文半号字。</a:t>
-            </a:r>
-          </a:p>
-          <a:p>
-            <a:pPr>
-              <a:buNone/>
-            </a:pPr>
-            <a:r>
-              <a:rPr lang="en-US" altLang="zh-CN" sz="1900" b="1" dirty="0" smtClean="0"/>
-              <a:t> </a:t>
-            </a:r>
-            <a:endParaRPr lang="zh-CN" altLang="zh-CN" sz="1900" dirty="0" smtClean="0"/>
-          </a:p>
-          <a:p>
-            <a:pPr lvl="0">
-              <a:spcBef>
-                <a:spcPts val="600"/>
-              </a:spcBef>
-              <a:buNone/>
-            </a:pPr>
-            <a:r>
-              <a:rPr lang="en-US" altLang="zh-CN" sz="2000" b="1" dirty="0" smtClean="0">
-                <a:latin typeface="黑体" pitchFamily="2" charset="-122"/>
-                <a:ea typeface="黑体" pitchFamily="2" charset="-122"/>
-              </a:rPr>
-              <a:t>5</a:t>
-            </a:r>
-            <a:r>
-              <a:rPr lang="zh-CN" altLang="en-US" sz="2000" b="1" dirty="0" smtClean="0">
-                <a:latin typeface="黑体" pitchFamily="2" charset="-122"/>
-                <a:ea typeface="黑体" pitchFamily="2" charset="-122"/>
+              <a:buFont typeface="Arial" charset="0"/>
+              <a:buNone/>
+            </a:pPr>
+            <a:r>
+              <a:rPr lang="en-US" altLang="zh-CN" sz="2000" b="1" smtClean="0">
+                <a:latin typeface="黑体" pitchFamily="49" charset="-122"/>
+                <a:ea typeface="黑体" pitchFamily="49" charset="-122"/>
+              </a:rPr>
+              <a:t>4</a:t>
+            </a:r>
+            <a:r>
+              <a:rPr lang="zh-CN" altLang="en-US" sz="2000" b="1" smtClean="0">
+                <a:latin typeface="黑体" pitchFamily="49" charset="-122"/>
+                <a:ea typeface="黑体" pitchFamily="49" charset="-122"/>
               </a:rPr>
               <a:t>、</a:t>
             </a:r>
             <a:r>
-              <a:rPr lang="zh-CN" altLang="zh-CN" sz="2000" b="1" dirty="0" smtClean="0">
-                <a:latin typeface="黑体" pitchFamily="2" charset="-122"/>
-                <a:ea typeface="黑体" pitchFamily="2" charset="-122"/>
-              </a:rPr>
-              <a:t>关于章节的编号问题</a:t>
-            </a:r>
+              <a:rPr lang="zh-CN" altLang="zh-CN" sz="2000" b="1" smtClean="0">
+                <a:latin typeface="黑体" pitchFamily="49" charset="-122"/>
+                <a:ea typeface="黑体" pitchFamily="49" charset="-122"/>
+              </a:rPr>
+              <a:t>关于带有编号段落和源程序等的</a:t>
+            </a:r>
+            <a:endParaRPr lang="en-US" altLang="zh-CN" sz="1900" smtClean="0"/>
           </a:p>
           <a:p>
             <a:pPr>
@@ -6557,75 +7327,57 @@
               <a:spcBef>
                 <a:spcPts val="600"/>
               </a:spcBef>
-              <a:buNone/>
-            </a:pPr>
-            <a:r>
-              <a:rPr lang="en-US" altLang="zh-CN" sz="1900" dirty="0" smtClean="0"/>
-              <a:t>              </a:t>
-            </a:r>
-            <a:r>
-              <a:rPr lang="zh-CN" altLang="en-US" sz="1900" dirty="0" smtClean="0"/>
-              <a:t>有些</a:t>
-            </a:r>
-            <a:r>
-              <a:rPr lang="zh-CN" altLang="zh-CN" sz="1900" dirty="0" smtClean="0"/>
-              <a:t>同学</a:t>
-            </a:r>
-            <a:r>
-              <a:rPr lang="zh-CN" altLang="en-US" sz="1900" dirty="0" smtClean="0"/>
-              <a:t>习惯</a:t>
-            </a:r>
-            <a:r>
-              <a:rPr lang="zh-CN" altLang="zh-CN" sz="1900" dirty="0" smtClean="0"/>
-              <a:t>用“一，”或“</a:t>
-            </a:r>
-            <a:r>
-              <a:rPr lang="en-US" altLang="zh-CN" sz="1900" dirty="0" smtClean="0"/>
-              <a:t>1</a:t>
-            </a:r>
-            <a:r>
-              <a:rPr lang="zh-CN" altLang="zh-CN" sz="1900" dirty="0" smtClean="0"/>
-              <a:t>，”等不规范的格式</a:t>
-            </a:r>
-            <a:r>
-              <a:rPr lang="zh-CN" altLang="en-US" sz="1900" dirty="0" smtClean="0"/>
-              <a:t>进行</a:t>
-            </a:r>
-            <a:r>
-              <a:rPr lang="zh-CN" altLang="zh-CN" sz="1900" dirty="0" smtClean="0"/>
-              <a:t>章节编号</a:t>
-            </a:r>
-            <a:r>
-              <a:rPr lang="zh-CN" altLang="en-US" sz="1900" dirty="0" smtClean="0"/>
-              <a:t>。标点部分不规范，</a:t>
-            </a:r>
-            <a:r>
-              <a:rPr lang="zh-CN" altLang="zh-CN" sz="1900" dirty="0" smtClean="0"/>
-              <a:t>常用的一般有“一、”　“</a:t>
-            </a:r>
-            <a:r>
-              <a:rPr lang="en-US" altLang="zh-CN" sz="1900" dirty="0" smtClean="0"/>
-              <a:t>1</a:t>
-            </a:r>
-            <a:r>
-              <a:rPr lang="zh-CN" altLang="zh-CN" sz="1900" dirty="0" smtClean="0"/>
-              <a:t>、”　“</a:t>
-            </a:r>
-            <a:r>
-              <a:rPr lang="en-US" altLang="zh-CN" sz="1900" dirty="0" smtClean="0"/>
-              <a:t>1</a:t>
-            </a:r>
-            <a:r>
-              <a:rPr lang="zh-CN" altLang="zh-CN" sz="1900" dirty="0" smtClean="0"/>
-              <a:t>）”　“（</a:t>
-            </a:r>
-            <a:r>
-              <a:rPr lang="en-US" altLang="zh-CN" sz="1900" dirty="0" smtClean="0"/>
-              <a:t>1</a:t>
-            </a:r>
-            <a:r>
-              <a:rPr lang="zh-CN" altLang="zh-CN" sz="1900" dirty="0" smtClean="0"/>
-              <a:t>）”等。</a:t>
+              <a:buFont typeface="Arial" charset="0"/>
+              <a:buNone/>
+            </a:pPr>
+            <a:r>
+              <a:rPr lang="en-US" altLang="zh-CN" sz="1900" smtClean="0"/>
+              <a:t>                </a:t>
+            </a:r>
+            <a:r>
+              <a:rPr lang="zh-CN" altLang="zh-CN" sz="1900" smtClean="0"/>
+              <a:t>原则上带有编号和项目符号的较短的自然段要缩进二个汉字。同样，源程序要缩进二个汉字，并且小于正文半号字。</a:t>
+            </a:r>
+          </a:p>
+          <a:p>
+            <a:pPr>
+              <a:buFont typeface="Arial" charset="0"/>
+              <a:buNone/>
+            </a:pPr>
+            <a:r>
+              <a:rPr lang="en-US" altLang="zh-CN" sz="1900" b="1" smtClean="0"/>
+              <a:t> </a:t>
+            </a:r>
+            <a:endParaRPr lang="zh-CN" altLang="zh-CN" sz="1900" smtClean="0"/>
+          </a:p>
+          <a:p>
+            <a:pPr>
+              <a:spcBef>
+                <a:spcPts val="600"/>
+              </a:spcBef>
+              <a:buFont typeface="Arial" charset="0"/>
+              <a:buNone/>
+            </a:pPr>
+            <a:r>
+              <a:rPr lang="en-US" altLang="zh-CN" sz="2000" b="1" smtClean="0">
+                <a:latin typeface="黑体" pitchFamily="49" charset="-122"/>
+                <a:ea typeface="黑体" pitchFamily="49" charset="-122"/>
+              </a:rPr>
+              <a:t>5</a:t>
+            </a:r>
+            <a:r>
+              <a:rPr lang="zh-CN" altLang="en-US" sz="2000" b="1" smtClean="0">
+                <a:latin typeface="黑体" pitchFamily="49" charset="-122"/>
+                <a:ea typeface="黑体" pitchFamily="49" charset="-122"/>
+              </a:rPr>
+              <a:t>、</a:t>
+            </a:r>
+            <a:r>
+              <a:rPr lang="zh-CN" altLang="zh-CN" sz="2000" b="1" smtClean="0">
+                <a:latin typeface="黑体" pitchFamily="49" charset="-122"/>
+                <a:ea typeface="黑体" pitchFamily="49" charset="-122"/>
+              </a:rPr>
+              <a:t>关于章节的编号问题</a:t>
             </a:r>
           </a:p>
           <a:p>
@@ -6636,22 +7388,104 @@
               <a:spcBef>
                 <a:spcPts val="600"/>
               </a:spcBef>
-              <a:buNone/>
-            </a:pPr>
-            <a:r>
-              <a:rPr lang="en-US" altLang="zh-CN" sz="1900" dirty="0" smtClean="0"/>
+              <a:buFont typeface="Arial" charset="0"/>
+              <a:buNone/>
+            </a:pPr>
+            <a:r>
+              <a:rPr lang="en-US" altLang="zh-CN" sz="1900" smtClean="0"/>
+              <a:t>              </a:t>
+            </a:r>
+            <a:r>
+              <a:rPr lang="zh-CN" altLang="en-US" sz="1900" smtClean="0"/>
+              <a:t>有些</a:t>
+            </a:r>
+            <a:r>
+              <a:rPr lang="zh-CN" altLang="zh-CN" sz="1900" smtClean="0"/>
+              <a:t>同学</a:t>
+            </a:r>
+            <a:r>
+              <a:rPr lang="zh-CN" altLang="en-US" sz="1900" smtClean="0"/>
+              <a:t>习惯</a:t>
+            </a:r>
+            <a:r>
+              <a:rPr lang="zh-CN" altLang="zh-CN" sz="1900" smtClean="0"/>
+              <a:t>用“一，”或“</a:t>
+            </a:r>
+            <a:r>
+              <a:rPr lang="en-US" altLang="zh-CN" sz="1900" smtClean="0"/>
+              <a:t>1</a:t>
+            </a:r>
+            <a:r>
+              <a:rPr lang="zh-CN" altLang="zh-CN" sz="1900" smtClean="0"/>
+              <a:t>，”等不规范的格式</a:t>
+            </a:r>
+            <a:r>
+              <a:rPr lang="zh-CN" altLang="en-US" sz="1900" smtClean="0"/>
+              <a:t>进行</a:t>
+            </a:r>
+            <a:r>
+              <a:rPr lang="zh-CN" altLang="zh-CN" sz="1900" smtClean="0"/>
+              <a:t>章节编号</a:t>
+            </a:r>
+            <a:r>
+              <a:rPr lang="zh-CN" altLang="en-US" sz="1900" smtClean="0"/>
+              <a:t>。标点部分不规范，</a:t>
+            </a:r>
+            <a:r>
+              <a:rPr lang="zh-CN" altLang="zh-CN" sz="1900" smtClean="0"/>
+              <a:t>常用的一般有“一、”　“</a:t>
+            </a:r>
+            <a:r>
+              <a:rPr lang="en-US" altLang="zh-CN" sz="1900" smtClean="0"/>
+              <a:t>1</a:t>
+            </a:r>
+            <a:r>
+              <a:rPr lang="zh-CN" altLang="zh-CN" sz="1900" smtClean="0"/>
+              <a:t>、”　“</a:t>
+            </a:r>
+            <a:r>
+              <a:rPr lang="en-US" altLang="zh-CN" sz="1900" smtClean="0"/>
+              <a:t>1</a:t>
+            </a:r>
+            <a:r>
+              <a:rPr lang="zh-CN" altLang="zh-CN" sz="1900" smtClean="0"/>
+              <a:t>）”　“（</a:t>
+            </a:r>
+            <a:r>
+              <a:rPr lang="en-US" altLang="zh-CN" sz="1900" smtClean="0"/>
+              <a:t>1</a:t>
+            </a:r>
+            <a:r>
+              <a:rPr lang="zh-CN" altLang="zh-CN" sz="1900" smtClean="0"/>
+              <a:t>）”等。</a:t>
+            </a:r>
+          </a:p>
+          <a:p>
+            <a:pPr>
+              <a:lnSpc>
+                <a:spcPct val="150000"/>
+              </a:lnSpc>
+              <a:spcBef>
+                <a:spcPts val="600"/>
+              </a:spcBef>
+              <a:buFont typeface="Arial" charset="0"/>
+              <a:buNone/>
+            </a:pPr>
+            <a:r>
+              <a:rPr lang="en-US" altLang="zh-CN" sz="1900" smtClean="0"/>
               <a:t>               </a:t>
             </a:r>
             <a:r>
-              <a:rPr lang="zh-CN" altLang="zh-CN" sz="1900" dirty="0" smtClean="0"/>
+              <a:rPr lang="zh-CN" altLang="zh-CN" sz="1900" smtClean="0"/>
               <a:t>编号的一致性。即，由于使用自动编号等原因，在操作上不注意会出现编号不连续的问题。</a:t>
             </a:r>
           </a:p>
           <a:p>
             <a:pPr>
-              <a:buNone/>
-            </a:pPr>
-            <a:endParaRPr lang="zh-CN" altLang="en-US" dirty="0"/>
+              <a:buFont typeface="Arial" charset="0"/>
+              <a:buNone/>
+            </a:pPr>
+            <a:endParaRPr lang="zh-CN" altLang="en-US" smtClean="0"/>
           </a:p>
         </p:txBody>
       </p:sp>
@@ -6682,7 +7516,7 @@
       </p:grpSpPr>
       <p:sp>
         <p:nvSpPr>
-          <p:cNvPr id="3" name="内容占位符 2"/>
+          <p:cNvPr id="21505" name="内容占位符 2"/>
           <p:cNvSpPr>
             <a:spLocks noGrp="1"/>
           </p:cNvSpPr>
@@ -6692,40 +7526,39 @@
         </p:nvSpPr>
         <p:spPr>
           <a:xfrm>
-            <a:off x="457200" y="476672"/>
-            <a:ext cx="8229600" cy="5649491"/>
+            <a:off x="457200" y="476250"/>
+            <a:ext cx="8229600" cy="5649913"/>
           </a:xfrm>
         </p:spPr>
         <p:txBody>
-          <a:bodyPr>
-            <a:normAutofit/>
-          </a:bodyPr>
+          <a:bodyPr/>
           <a:lstStyle/>
           <a:p>
-            <a:pPr lvl="0">
+            <a:pPr>
               <a:spcBef>
                 <a:spcPts val="1200"/>
               </a:spcBef>
-              <a:buNone/>
-            </a:pPr>
-            <a:r>
-              <a:rPr lang="en-US" altLang="zh-CN" sz="2000" b="1" dirty="0" smtClean="0">
-                <a:latin typeface="黑体" pitchFamily="2" charset="-122"/>
-                <a:ea typeface="黑体" pitchFamily="2" charset="-122"/>
+              <a:buFont typeface="Arial" charset="0"/>
+              <a:buNone/>
+            </a:pPr>
+            <a:r>
+              <a:rPr lang="en-US" altLang="zh-CN" sz="2000" b="1" smtClean="0">
+                <a:latin typeface="黑体" pitchFamily="49" charset="-122"/>
+                <a:ea typeface="黑体" pitchFamily="49" charset="-122"/>
               </a:rPr>
               <a:t>6</a:t>
             </a:r>
             <a:r>
-              <a:rPr lang="zh-CN" altLang="en-US" sz="2000" b="1" dirty="0" smtClean="0">
-                <a:latin typeface="黑体" pitchFamily="2" charset="-122"/>
-                <a:ea typeface="黑体" pitchFamily="2" charset="-122"/>
+              <a:rPr lang="zh-CN" altLang="en-US" sz="2000" b="1" smtClean="0">
+                <a:latin typeface="黑体" pitchFamily="49" charset="-122"/>
+                <a:ea typeface="黑体" pitchFamily="49" charset="-122"/>
               </a:rPr>
               <a:t>、</a:t>
             </a:r>
             <a:r>
-              <a:rPr lang="zh-CN" altLang="zh-CN" sz="2000" b="1" dirty="0" smtClean="0">
-                <a:latin typeface="黑体" pitchFamily="2" charset="-122"/>
-                <a:ea typeface="黑体" pitchFamily="2" charset="-122"/>
+              <a:rPr lang="zh-CN" altLang="zh-CN" sz="2000" b="1" smtClean="0">
+                <a:latin typeface="黑体" pitchFamily="49" charset="-122"/>
+                <a:ea typeface="黑体" pitchFamily="49" charset="-122"/>
               </a:rPr>
               <a:t>关于标点符号经常性错误</a:t>
             </a:r>
@@ -6738,78 +7571,79 @@
               <a:spcBef>
                 <a:spcPts val="1200"/>
               </a:spcBef>
-              <a:buNone/>
-            </a:pPr>
-            <a:r>
-              <a:rPr lang="en-US" altLang="zh-CN" sz="1800" dirty="0" smtClean="0"/>
+              <a:buFont typeface="Arial" charset="0"/>
+              <a:buNone/>
+            </a:pPr>
+            <a:r>
+              <a:rPr lang="en-US" altLang="zh-CN" sz="1800" smtClean="0"/>
               <a:t>            1</a:t>
             </a:r>
             <a:r>
-              <a:rPr lang="zh-CN" altLang="zh-CN" sz="1800" dirty="0" smtClean="0"/>
+              <a:rPr lang="zh-CN" altLang="zh-CN" sz="1800" smtClean="0"/>
               <a:t>）所有标点符号都必须用中文</a:t>
             </a:r>
             <a:r>
-              <a:rPr lang="zh-CN" altLang="en-US" sz="1800" dirty="0" smtClean="0"/>
+              <a:rPr lang="zh-CN" altLang="en-US" sz="1800" smtClean="0"/>
               <a:t>符号</a:t>
             </a:r>
             <a:r>
-              <a:rPr lang="zh-CN" altLang="zh-CN" sz="1800" dirty="0" smtClean="0"/>
+              <a:rPr lang="zh-CN" altLang="zh-CN" sz="1800" smtClean="0"/>
               <a:t>，不</a:t>
             </a:r>
             <a:r>
-              <a:rPr lang="zh-CN" altLang="en-US" sz="1800" dirty="0" smtClean="0"/>
+              <a:rPr lang="zh-CN" altLang="en-US" sz="1800" smtClean="0"/>
               <a:t>可使</a:t>
             </a:r>
             <a:r>
-              <a:rPr lang="zh-CN" altLang="zh-CN" sz="1800" dirty="0" smtClean="0"/>
+              <a:rPr lang="zh-CN" altLang="zh-CN" sz="1800" smtClean="0"/>
               <a:t>用英文符号，除非整段引用英文</a:t>
             </a:r>
             <a:r>
-              <a:rPr lang="zh-CN" altLang="en-US" sz="1800" dirty="0" smtClean="0"/>
+              <a:rPr lang="zh-CN" altLang="en-US" sz="1800" smtClean="0"/>
               <a:t>或</a:t>
             </a:r>
             <a:r>
-              <a:rPr lang="zh-CN" altLang="zh-CN" sz="1800" dirty="0" smtClean="0"/>
+              <a:rPr lang="zh-CN" altLang="zh-CN" sz="1800" smtClean="0"/>
               <a:t>英文的摘要等。英文标点符号占半个汉字符（“</a:t>
             </a:r>
             <a:r>
-              <a:rPr lang="en-US" altLang="zh-CN" sz="1800" dirty="0" smtClean="0"/>
+              <a:rPr lang="en-US" altLang="zh-CN" sz="1800" smtClean="0"/>
               <a:t>,</a:t>
             </a:r>
             <a:r>
-              <a:rPr lang="zh-CN" altLang="zh-CN" sz="1800" dirty="0" smtClean="0"/>
+              <a:rPr lang="zh-CN" altLang="zh-CN" sz="1800" smtClean="0"/>
               <a:t>”</a:t>
             </a:r>
             <a:r>
-              <a:rPr lang="en-US" altLang="zh-CN" sz="1800" dirty="0" smtClean="0"/>
+              <a:rPr lang="en-US" altLang="zh-CN" sz="1800" smtClean="0"/>
               <a:t>1</a:t>
             </a:r>
             <a:r>
-              <a:rPr lang="zh-CN" altLang="zh-CN" sz="1800" dirty="0" smtClean="0"/>
+              <a:rPr lang="zh-CN" altLang="zh-CN" sz="1800" smtClean="0"/>
               <a:t>个英文字符），而汉字标点符号占一个汉字符（“，”</a:t>
             </a:r>
             <a:r>
-              <a:rPr lang="en-US" altLang="zh-CN" sz="1800" dirty="0" smtClean="0"/>
+              <a:rPr lang="en-US" altLang="zh-CN" sz="1800" smtClean="0"/>
               <a:t>2</a:t>
             </a:r>
             <a:r>
-              <a:rPr lang="zh-CN" altLang="zh-CN" sz="1800" dirty="0" smtClean="0"/>
+              <a:rPr lang="zh-CN" altLang="zh-CN" sz="1800" smtClean="0"/>
               <a:t>个英文字符）；甚至有学生</a:t>
             </a:r>
             <a:r>
-              <a:rPr lang="zh-CN" altLang="en-US" sz="1800" dirty="0" smtClean="0"/>
+              <a:rPr lang="zh-CN" altLang="en-US" sz="1800" smtClean="0"/>
               <a:t>将</a:t>
             </a:r>
             <a:r>
-              <a:rPr lang="zh-CN" altLang="zh-CN" sz="1800" dirty="0" smtClean="0"/>
+              <a:rPr lang="zh-CN" altLang="zh-CN" sz="1800" smtClean="0"/>
               <a:t>句号也错误地使用用英文的“</a:t>
             </a:r>
             <a:r>
-              <a:rPr lang="en-US" altLang="zh-CN" sz="1800" dirty="0" smtClean="0"/>
+              <a:rPr lang="en-US" altLang="zh-CN" sz="1800" smtClean="0"/>
               <a:t>.</a:t>
             </a:r>
             <a:r>
-              <a:rPr lang="zh-CN" altLang="zh-CN" sz="1800" dirty="0" smtClean="0"/>
+              <a:rPr lang="zh-CN" altLang="zh-CN" sz="1800" smtClean="0"/>
               <a:t>”；</a:t>
             </a:r>
           </a:p>
@@ -6821,22 +7655,23 @@
               <a:spcBef>
                 <a:spcPts val="1200"/>
               </a:spcBef>
-              <a:buNone/>
-            </a:pPr>
-            <a:r>
-              <a:rPr lang="en-US" altLang="zh-CN" sz="1800" dirty="0" smtClean="0"/>
+              <a:buFont typeface="Arial" charset="0"/>
+              <a:buNone/>
+            </a:pPr>
+            <a:r>
+              <a:rPr lang="en-US" altLang="zh-CN" sz="1800" smtClean="0"/>
               <a:t>            2</a:t>
             </a:r>
             <a:r>
-              <a:rPr lang="zh-CN" altLang="zh-CN" sz="1800" dirty="0" smtClean="0"/>
+              <a:rPr lang="zh-CN" altLang="zh-CN" sz="1800" smtClean="0"/>
               <a:t>）破折号是</a:t>
             </a:r>
             <a:r>
-              <a:rPr lang="en-US" altLang="zh-CN" sz="1800" dirty="0" smtClean="0"/>
+              <a:rPr lang="en-US" altLang="zh-CN" sz="1800" smtClean="0"/>
               <a:t>2</a:t>
             </a:r>
             <a:r>
-              <a:rPr lang="zh-CN" altLang="zh-CN" sz="1800" dirty="0" smtClean="0"/>
+              <a:rPr lang="zh-CN" altLang="zh-CN" sz="1800" smtClean="0"/>
               <a:t>个中文字符的横线，有专门中文的“——”；</a:t>
             </a:r>
           </a:p>
@@ -6848,46 +7683,47 @@
               <a:spcBef>
                 <a:spcPts val="1200"/>
               </a:spcBef>
-              <a:buNone/>
-            </a:pPr>
-            <a:r>
-              <a:rPr lang="en-US" altLang="zh-CN" sz="1800" dirty="0" smtClean="0"/>
+              <a:buFont typeface="Arial" charset="0"/>
+              <a:buNone/>
+            </a:pPr>
+            <a:r>
+              <a:rPr lang="en-US" altLang="zh-CN" sz="1800" smtClean="0"/>
               <a:t>            3</a:t>
             </a:r>
             <a:r>
-              <a:rPr lang="zh-CN" altLang="zh-CN" sz="1800" dirty="0" smtClean="0"/>
+              <a:rPr lang="zh-CN" altLang="zh-CN" sz="1800" smtClean="0"/>
               <a:t>）什么、什么和什么等排比句，</a:t>
             </a:r>
             <a:r>
-              <a:rPr lang="zh-CN" altLang="en-US" sz="1800" dirty="0" smtClean="0"/>
+              <a:rPr lang="zh-CN" altLang="en-US" sz="1800" smtClean="0"/>
               <a:t>许</a:t>
             </a:r>
             <a:r>
-              <a:rPr lang="zh-CN" altLang="zh-CN" sz="1800" dirty="0" smtClean="0"/>
+              <a:rPr lang="zh-CN" altLang="zh-CN" sz="1800" smtClean="0"/>
               <a:t>多同学都</a:t>
             </a:r>
             <a:r>
-              <a:rPr lang="zh-CN" altLang="en-US" sz="1800" dirty="0" smtClean="0"/>
+              <a:rPr lang="zh-CN" altLang="en-US" sz="1800" smtClean="0"/>
               <a:t>使用</a:t>
             </a:r>
             <a:r>
-              <a:rPr lang="zh-CN" altLang="zh-CN" sz="1800" dirty="0" smtClean="0"/>
+              <a:rPr lang="zh-CN" altLang="zh-CN" sz="1800" smtClean="0"/>
               <a:t>了逗号“，”，应该用顿号“、”，最后一个</a:t>
             </a:r>
             <a:r>
-              <a:rPr lang="zh-CN" altLang="en-US" sz="1800" dirty="0" smtClean="0"/>
+              <a:rPr lang="zh-CN" altLang="en-US" sz="1800" smtClean="0"/>
               <a:t>排比应用</a:t>
             </a:r>
             <a:r>
-              <a:rPr lang="zh-CN" altLang="zh-CN" sz="1800" dirty="0" smtClean="0"/>
+              <a:rPr lang="zh-CN" altLang="zh-CN" sz="1800" smtClean="0"/>
               <a:t>“和”</a:t>
             </a:r>
             <a:r>
-              <a:rPr lang="zh-CN" altLang="en-US" sz="1800" dirty="0" smtClean="0"/>
+              <a:rPr lang="zh-CN" altLang="en-US" sz="1800" smtClean="0"/>
               <a:t>字连接</a:t>
             </a:r>
             <a:r>
-              <a:rPr lang="zh-CN" altLang="zh-CN" sz="1800" dirty="0" smtClean="0"/>
+              <a:rPr lang="zh-CN" altLang="zh-CN" sz="1800" smtClean="0"/>
               <a:t>；</a:t>
             </a:r>
           </a:p>
@@ -6899,37 +7735,37 @@
               <a:spcBef>
                 <a:spcPts val="1200"/>
               </a:spcBef>
-              <a:buNone/>
-            </a:pPr>
-            <a:r>
-              <a:rPr lang="en-US" altLang="zh-CN" sz="1800" dirty="0" smtClean="0"/>
+              <a:buFont typeface="Arial" charset="0"/>
+              <a:buNone/>
+            </a:pPr>
+            <a:r>
+              <a:rPr lang="en-US" altLang="zh-CN" sz="1800" smtClean="0"/>
               <a:t>            4</a:t>
             </a:r>
             <a:r>
-              <a:rPr lang="zh-CN" altLang="zh-CN" sz="1800" dirty="0" smtClean="0"/>
+              <a:rPr lang="zh-CN" altLang="zh-CN" sz="1800" smtClean="0"/>
               <a:t>）很多同学在一段正文的最后出现“如图</a:t>
             </a:r>
             <a:r>
-              <a:rPr lang="en-US" altLang="zh-CN" sz="1800" dirty="0" smtClean="0"/>
+              <a:rPr lang="en-US" altLang="zh-CN" sz="1800" smtClean="0"/>
               <a:t>xx</a:t>
             </a:r>
             <a:r>
-              <a:rPr lang="zh-CN" altLang="zh-CN" sz="1800" dirty="0" smtClean="0"/>
+              <a:rPr lang="zh-CN" altLang="zh-CN" sz="1800" smtClean="0"/>
               <a:t>：”或“如表</a:t>
             </a:r>
             <a:r>
-              <a:rPr lang="en-US" altLang="zh-CN" sz="1800" dirty="0" smtClean="0"/>
+              <a:rPr lang="en-US" altLang="zh-CN" sz="1800" smtClean="0"/>
               <a:t>xx</a:t>
             </a:r>
             <a:r>
-              <a:rPr lang="zh-CN" altLang="zh-CN" sz="1800" dirty="0" smtClean="0"/>
+              <a:rPr lang="zh-CN" altLang="zh-CN" sz="1800" smtClean="0"/>
               <a:t>：”，该段下面放一张插图或表格，此时应该用句号而不是冒号</a:t>
             </a:r>
             <a:r>
-              <a:rPr lang="zh-CN" altLang="zh-CN" sz="2100" dirty="0" smtClean="0"/>
+              <a:rPr lang="zh-CN" altLang="zh-CN" sz="2100" smtClean="0"/>
               <a:t>。</a:t>
             </a:r>
-            <a:endParaRPr lang="zh-CN" altLang="zh-CN" sz="2100" dirty="0"/>
           </a:p>
         </p:txBody>
       </p:sp>
@@ -6960,7 +7796,7 @@
       </p:grpSpPr>
       <p:sp>
         <p:nvSpPr>
-          <p:cNvPr id="3" name="内容占位符 2"/>
+          <p:cNvPr id="22529" name="内容占位符 2"/>
           <p:cNvSpPr>
             <a:spLocks noGrp="1"/>
           </p:cNvSpPr>
@@ -6970,40 +7806,39 @@
         </p:nvSpPr>
         <p:spPr>
           <a:xfrm>
-            <a:off x="457200" y="548680"/>
-            <a:ext cx="8229600" cy="5577483"/>
+            <a:off x="457200" y="549275"/>
+            <a:ext cx="8229600" cy="5576888"/>
           </a:xfrm>
         </p:spPr>
         <p:txBody>
-          <a:bodyPr>
-            <a:normAutofit/>
-          </a:bodyPr>
+          <a:bodyPr/>
           <a:lstStyle/>
           <a:p>
-            <a:pPr lvl="0">
+            <a:pPr>
               <a:spcBef>
                 <a:spcPts val="1200"/>
               </a:spcBef>
-              <a:buNone/>
-            </a:pPr>
-            <a:r>
-              <a:rPr lang="en-US" altLang="zh-CN" sz="2000" b="1" dirty="0" smtClean="0">
-                <a:latin typeface="黑体" pitchFamily="2" charset="-122"/>
-                <a:ea typeface="黑体" pitchFamily="2" charset="-122"/>
+              <a:buFont typeface="Arial" charset="0"/>
+              <a:buNone/>
+            </a:pPr>
+            <a:r>
+              <a:rPr lang="en-US" altLang="zh-CN" sz="2000" b="1" smtClean="0">
+                <a:latin typeface="黑体" pitchFamily="49" charset="-122"/>
+                <a:ea typeface="黑体" pitchFamily="49" charset="-122"/>
               </a:rPr>
               <a:t>7</a:t>
             </a:r>
             <a:r>
-              <a:rPr lang="zh-CN" altLang="en-US" sz="2000" b="1" dirty="0" smtClean="0">
-                <a:latin typeface="黑体" pitchFamily="2" charset="-122"/>
-                <a:ea typeface="黑体" pitchFamily="2" charset="-122"/>
+              <a:rPr lang="zh-CN" altLang="en-US" sz="2000" b="1" smtClean="0">
+                <a:latin typeface="黑体" pitchFamily="49" charset="-122"/>
+                <a:ea typeface="黑体" pitchFamily="49" charset="-122"/>
               </a:rPr>
               <a:t>、</a:t>
             </a:r>
             <a:r>
-              <a:rPr lang="zh-CN" altLang="zh-CN" sz="2000" b="1" dirty="0" smtClean="0">
-                <a:latin typeface="黑体" pitchFamily="2" charset="-122"/>
-                <a:ea typeface="黑体" pitchFamily="2" charset="-122"/>
+              <a:rPr lang="zh-CN" altLang="zh-CN" sz="2000" b="1" smtClean="0">
+                <a:latin typeface="黑体" pitchFamily="49" charset="-122"/>
+                <a:ea typeface="黑体" pitchFamily="49" charset="-122"/>
               </a:rPr>
               <a:t>引用港台文献的不规范问题</a:t>
             </a:r>
@@ -7016,52 +7851,16 @@
               <a:spcBef>
                 <a:spcPts val="1200"/>
               </a:spcBef>
-              <a:buNone/>
-            </a:pPr>
-            <a:r>
-              <a:rPr lang="en-US" altLang="zh-CN" sz="1800" dirty="0" smtClean="0"/>
+              <a:buFont typeface="Arial" charset="0"/>
+              <a:buNone/>
+            </a:pPr>
+            <a:r>
+              <a:rPr lang="en-US" altLang="zh-CN" sz="1800" smtClean="0"/>
               <a:t>                </a:t>
             </a:r>
             <a:r>
-              <a:rPr lang="zh-CN" altLang="zh-CN" sz="1800" dirty="0" smtClean="0"/>
-              <a:t>由于一些项目要参阅一些港台的文献，在借用或引用其中的观点时，用了港台的汉语，例如，“质讯”、“讯息”等。这是不允许的。遇到这类问题必须将其转换为简体汉字（即大陆语言）</a:t>
-            </a:r>
-            <a:r>
-              <a:rPr lang="zh-CN" altLang="zh-CN" sz="1800" dirty="0" smtClean="0"/>
-              <a:t>。</a:t>
-            </a:r>
-            <a:endParaRPr lang="zh-CN" altLang="zh-CN" sz="1800" dirty="0" smtClean="0"/>
-          </a:p>
-          <a:p>
-            <a:pPr lvl="0">
-              <a:lnSpc>
-                <a:spcPct val="150000"/>
-              </a:lnSpc>
-              <a:spcBef>
-                <a:spcPts val="1200"/>
-              </a:spcBef>
-              <a:buNone/>
-            </a:pPr>
-            <a:r>
-              <a:rPr lang="en-US" altLang="zh-CN" sz="2000" b="1" dirty="0" smtClean="0">
-                <a:latin typeface="黑体" pitchFamily="2" charset="-122"/>
-                <a:ea typeface="黑体" pitchFamily="2" charset="-122"/>
-              </a:rPr>
-              <a:t>8</a:t>
-            </a:r>
-            <a:r>
-              <a:rPr lang="zh-CN" altLang="en-US" sz="2000" b="1" dirty="0" smtClean="0">
-                <a:latin typeface="黑体" pitchFamily="2" charset="-122"/>
-                <a:ea typeface="黑体" pitchFamily="2" charset="-122"/>
-              </a:rPr>
-              <a:t>、</a:t>
-            </a:r>
-            <a:r>
-              <a:rPr lang="zh-CN" altLang="zh-CN" sz="2000" b="1" dirty="0" smtClean="0">
-                <a:latin typeface="黑体" pitchFamily="2" charset="-122"/>
-                <a:ea typeface="黑体" pitchFamily="2" charset="-122"/>
-              </a:rPr>
-              <a:t>关于英文缩写的问题</a:t>
+              <a:rPr lang="zh-CN" altLang="zh-CN" sz="1800" smtClean="0"/>
+              <a:t>由于一些项目要参阅一些港台的文献，在借用或引用其中的观点时，用了港台的汉语，例如，“质讯”、“讯息”等。这是不允许的。遇到这类问题必须将其转换为简体汉字（即大陆语言）。</a:t>
             </a:r>
           </a:p>
           <a:p>
@@ -7072,15 +7871,29 @@
               <a:spcBef>
                 <a:spcPts val="1200"/>
               </a:spcBef>
-              <a:buNone/>
-            </a:pPr>
-            <a:r>
-              <a:rPr lang="en-US" altLang="zh-CN" sz="1800" dirty="0" smtClean="0"/>
-              <a:t>      </a:t>
-            </a:r>
-            <a:r>
-              <a:rPr lang="zh-CN" altLang="zh-CN" sz="1800" dirty="0" smtClean="0"/>
-              <a:t>中文论文可以使用英文缩写，但是，必须要规范。</a:t>
+              <a:buFont typeface="Arial" charset="0"/>
+              <a:buNone/>
+            </a:pPr>
+            <a:r>
+              <a:rPr lang="en-US" altLang="zh-CN" sz="2000" b="1" smtClean="0">
+                <a:latin typeface="黑体" pitchFamily="49" charset="-122"/>
+                <a:ea typeface="黑体" pitchFamily="49" charset="-122"/>
+              </a:rPr>
+              <a:t>8</a:t>
+            </a:r>
+            <a:r>
+              <a:rPr lang="zh-CN" altLang="en-US" sz="2000" b="1" smtClean="0">
+                <a:latin typeface="黑体" pitchFamily="49" charset="-122"/>
+                <a:ea typeface="黑体" pitchFamily="49" charset="-122"/>
+              </a:rPr>
+              <a:t>、</a:t>
+            </a:r>
+            <a:r>
+              <a:rPr lang="zh-CN" altLang="zh-CN" sz="2000" b="1" smtClean="0">
+                <a:latin typeface="黑体" pitchFamily="49" charset="-122"/>
+                <a:ea typeface="黑体" pitchFamily="49" charset="-122"/>
+              </a:rPr>
+              <a:t>关于英文缩写的问题</a:t>
             </a:r>
           </a:p>
           <a:p>
@@ -7091,15 +7904,16 @@
               <a:spcBef>
                 <a:spcPts val="1200"/>
               </a:spcBef>
-              <a:buNone/>
-            </a:pPr>
-            <a:r>
-              <a:rPr lang="en-US" altLang="zh-CN" sz="1800" dirty="0" smtClean="0"/>
-              <a:t>       1</a:t>
-            </a:r>
-            <a:r>
-              <a:rPr lang="zh-CN" altLang="zh-CN" sz="1800" dirty="0" smtClean="0"/>
-              <a:t>）首次出现英文缩写时，尤其是不常用的，必须在其后用括号内给出其英文全称和中文名称；</a:t>
+              <a:buFont typeface="Arial" charset="0"/>
+              <a:buNone/>
+            </a:pPr>
+            <a:r>
+              <a:rPr lang="en-US" altLang="zh-CN" sz="1800" smtClean="0"/>
+              <a:t>      </a:t>
+            </a:r>
+            <a:r>
+              <a:rPr lang="zh-CN" altLang="zh-CN" sz="1800" smtClean="0"/>
+              <a:t>中文论文可以使用英文缩写，但是，必须要规范。</a:t>
             </a:r>
           </a:p>
           <a:p>
@@ -7110,46 +7924,68 @@
               <a:spcBef>
                 <a:spcPts val="1200"/>
               </a:spcBef>
-              <a:buNone/>
-            </a:pPr>
-            <a:r>
-              <a:rPr lang="en-US" altLang="zh-CN" sz="1800" dirty="0" smtClean="0"/>
+              <a:buFont typeface="Arial" charset="0"/>
+              <a:buNone/>
+            </a:pPr>
+            <a:r>
+              <a:rPr lang="en-US" altLang="zh-CN" sz="1800" smtClean="0"/>
+              <a:t>       1</a:t>
+            </a:r>
+            <a:r>
+              <a:rPr lang="zh-CN" altLang="zh-CN" sz="1800" smtClean="0"/>
+              <a:t>）首次出现英文缩写时，尤其是不常用的，必须在其后用括号内给出其英文全称和中文名称；</a:t>
+            </a:r>
+          </a:p>
+          <a:p>
+            <a:pPr>
+              <a:lnSpc>
+                <a:spcPct val="150000"/>
+              </a:lnSpc>
+              <a:spcBef>
+                <a:spcPts val="1200"/>
+              </a:spcBef>
+              <a:buFont typeface="Arial" charset="0"/>
+              <a:buNone/>
+            </a:pPr>
+            <a:r>
+              <a:rPr lang="en-US" altLang="zh-CN" sz="1800" smtClean="0"/>
               <a:t>       2</a:t>
             </a:r>
             <a:r>
-              <a:rPr lang="zh-CN" altLang="zh-CN" sz="1800" dirty="0" smtClean="0"/>
+              <a:rPr lang="zh-CN" altLang="zh-CN" sz="1800" smtClean="0"/>
               <a:t>）原则上英文缩写都是大写，除个别的按惯例首字母大写，后用小写。例如，“</a:t>
             </a:r>
             <a:r>
-              <a:rPr lang="en-US" altLang="zh-CN" sz="1800" dirty="0" smtClean="0"/>
+              <a:rPr lang="en-US" altLang="zh-CN" sz="1800" smtClean="0"/>
               <a:t>Web</a:t>
             </a:r>
             <a:r>
-              <a:rPr lang="zh-CN" altLang="zh-CN" sz="1800" dirty="0" smtClean="0"/>
+              <a:rPr lang="zh-CN" altLang="zh-CN" sz="1800" smtClean="0"/>
               <a:t>”是一个惯例写法，可以使用。也可以</a:t>
             </a:r>
             <a:r>
-              <a:rPr lang="en-US" altLang="zh-CN" sz="1800" dirty="0" smtClean="0"/>
+              <a:rPr lang="en-US" altLang="zh-CN" sz="1800" smtClean="0"/>
               <a:t>WEB</a:t>
             </a:r>
             <a:r>
-              <a:rPr lang="zh-CN" altLang="zh-CN" sz="1800" dirty="0" smtClean="0"/>
+              <a:rPr lang="zh-CN" altLang="zh-CN" sz="1800" smtClean="0"/>
               <a:t>，但是，全文必须统一，如果用</a:t>
             </a:r>
             <a:r>
-              <a:rPr lang="en-US" altLang="zh-CN" sz="1800" dirty="0" smtClean="0"/>
+              <a:rPr lang="en-US" altLang="zh-CN" sz="1800" smtClean="0"/>
               <a:t>Web</a:t>
             </a:r>
             <a:r>
-              <a:rPr lang="zh-CN" altLang="zh-CN" sz="1800" dirty="0" smtClean="0"/>
+              <a:rPr lang="zh-CN" altLang="zh-CN" sz="1800" smtClean="0"/>
               <a:t>，全文统一都使用这个写法。</a:t>
             </a:r>
           </a:p>
           <a:p>
             <a:pPr>
-              <a:buNone/>
-            </a:pPr>
-            <a:endParaRPr lang="zh-CN" altLang="en-US" dirty="0"/>
+              <a:buFont typeface="Arial" charset="0"/>
+              <a:buNone/>
+            </a:pPr>
+            <a:endParaRPr lang="zh-CN" altLang="en-US" smtClean="0"/>
           </a:p>
         </p:txBody>
       </p:sp>
@@ -7190,21 +8026,26 @@
         </p:nvSpPr>
         <p:spPr>
           <a:xfrm>
-            <a:off x="457200" y="548680"/>
-            <a:ext cx="8229600" cy="5577483"/>
+            <a:off x="457200" y="549275"/>
+            <a:ext cx="8229600" cy="5576888"/>
           </a:xfrm>
         </p:spPr>
         <p:txBody>
-          <a:bodyPr>
+          <a:bodyPr rtlCol="0">
             <a:normAutofit fontScale="92500" lnSpcReduction="10000"/>
           </a:bodyPr>
           <a:lstStyle/>
           <a:p>
-            <a:pPr lvl="0">
+            <a:pPr fontAlgn="auto">
               <a:spcBef>
                 <a:spcPts val="1200"/>
               </a:spcBef>
-              <a:buNone/>
+              <a:spcAft>
+                <a:spcPts val="0"/>
+              </a:spcAft>
+              <a:buFont typeface="Arial" pitchFamily="34" charset="0"/>
+              <a:buNone/>
+              <a:defRPr/>
             </a:pPr>
             <a:r>
               <a:rPr lang="en-US" altLang="zh-CN" sz="2200" b="1" dirty="0" smtClean="0">
@@ -7229,14 +8070,19 @@
             </a:r>
           </a:p>
           <a:p>
-            <a:pPr>
+            <a:pPr fontAlgn="auto">
               <a:lnSpc>
                 <a:spcPct val="150000"/>
               </a:lnSpc>
               <a:spcBef>
                 <a:spcPts val="1200"/>
               </a:spcBef>
-              <a:buNone/>
+              <a:spcAft>
+                <a:spcPts val="0"/>
+              </a:spcAft>
+              <a:buFont typeface="Arial" pitchFamily="34" charset="0"/>
+              <a:buNone/>
+              <a:defRPr/>
             </a:pPr>
             <a:r>
               <a:rPr lang="en-US" altLang="zh-CN" sz="2100" dirty="0" smtClean="0"/>
@@ -7248,14 +8094,19 @@
             </a:r>
           </a:p>
           <a:p>
-            <a:pPr>
+            <a:pPr fontAlgn="auto">
               <a:lnSpc>
                 <a:spcPct val="150000"/>
               </a:lnSpc>
               <a:spcBef>
                 <a:spcPts val="1200"/>
               </a:spcBef>
-              <a:buNone/>
+              <a:spcAft>
+                <a:spcPts val="0"/>
+              </a:spcAft>
+              <a:buFont typeface="Arial" pitchFamily="34" charset="0"/>
+              <a:buNone/>
+              <a:defRPr/>
             </a:pPr>
             <a:r>
               <a:rPr lang="en-US" altLang="zh-CN" sz="2100" dirty="0" smtClean="0"/>
@@ -7267,14 +8118,19 @@
             </a:r>
           </a:p>
           <a:p>
-            <a:pPr>
+            <a:pPr fontAlgn="auto">
               <a:lnSpc>
                 <a:spcPct val="150000"/>
               </a:lnSpc>
               <a:spcBef>
                 <a:spcPts val="1200"/>
               </a:spcBef>
-              <a:buNone/>
+              <a:spcAft>
+                <a:spcPts val="0"/>
+              </a:spcAft>
+              <a:buFont typeface="Arial" pitchFamily="34" charset="0"/>
+              <a:buNone/>
+              <a:defRPr/>
             </a:pPr>
             <a:r>
               <a:rPr lang="en-US" altLang="zh-CN" sz="2100" dirty="0" smtClean="0"/>
@@ -7286,8 +8142,13 @@
             </a:r>
           </a:p>
           <a:p>
-            <a:pPr>
-              <a:buNone/>
+            <a:pPr fontAlgn="auto">
+              <a:spcAft>
+                <a:spcPts val="0"/>
+              </a:spcAft>
+              <a:buFont typeface="Arial" pitchFamily="34" charset="0"/>
+              <a:buNone/>
+              <a:defRPr/>
             </a:pPr>
             <a:endParaRPr lang="zh-CN" altLang="en-US" dirty="0"/>
           </a:p>

--- a/教学文档/学位论文撰写及格式常见问题.pptx
+++ b/教学文档/学位论文撰写及格式常见问题.pptx
@@ -32,123 +32,93 @@
     <a:defPPr>
       <a:defRPr lang="zh-CN"/>
     </a:defPPr>
-    <a:lvl1pPr algn="l" rtl="0" fontAlgn="base">
-      <a:spcBef>
-        <a:spcPct val="0"/>
-      </a:spcBef>
-      <a:spcAft>
-        <a:spcPct val="0"/>
-      </a:spcAft>
-      <a:defRPr kern="1200">
+    <a:lvl1pPr marL="0" algn="l" defTabSz="914400" rtl="0" eaLnBrk="1" latinLnBrk="0" hangingPunct="1">
+      <a:defRPr sz="1800" kern="1200">
         <a:solidFill>
           <a:schemeClr val="tx1"/>
         </a:solidFill>
-        <a:latin typeface="Arial" charset="0"/>
-        <a:ea typeface="宋体" charset="-122"/>
+        <a:latin typeface="+mn-lt"/>
+        <a:ea typeface="+mn-ea"/>
         <a:cs typeface="+mn-cs"/>
       </a:defRPr>
     </a:lvl1pPr>
-    <a:lvl2pPr marL="457200" algn="l" rtl="0" fontAlgn="base">
-      <a:spcBef>
-        <a:spcPct val="0"/>
-      </a:spcBef>
-      <a:spcAft>
-        <a:spcPct val="0"/>
-      </a:spcAft>
-      <a:defRPr kern="1200">
+    <a:lvl2pPr marL="457200" algn="l" defTabSz="914400" rtl="0" eaLnBrk="1" latinLnBrk="0" hangingPunct="1">
+      <a:defRPr sz="1800" kern="1200">
         <a:solidFill>
           <a:schemeClr val="tx1"/>
         </a:solidFill>
-        <a:latin typeface="Arial" charset="0"/>
-        <a:ea typeface="宋体" charset="-122"/>
+        <a:latin typeface="+mn-lt"/>
+        <a:ea typeface="+mn-ea"/>
         <a:cs typeface="+mn-cs"/>
       </a:defRPr>
     </a:lvl2pPr>
-    <a:lvl3pPr marL="914400" algn="l" rtl="0" fontAlgn="base">
-      <a:spcBef>
-        <a:spcPct val="0"/>
-      </a:spcBef>
-      <a:spcAft>
-        <a:spcPct val="0"/>
-      </a:spcAft>
-      <a:defRPr kern="1200">
+    <a:lvl3pPr marL="914400" algn="l" defTabSz="914400" rtl="0" eaLnBrk="1" latinLnBrk="0" hangingPunct="1">
+      <a:defRPr sz="1800" kern="1200">
         <a:solidFill>
           <a:schemeClr val="tx1"/>
         </a:solidFill>
-        <a:latin typeface="Arial" charset="0"/>
-        <a:ea typeface="宋体" charset="-122"/>
+        <a:latin typeface="+mn-lt"/>
+        <a:ea typeface="+mn-ea"/>
         <a:cs typeface="+mn-cs"/>
       </a:defRPr>
     </a:lvl3pPr>
-    <a:lvl4pPr marL="1371600" algn="l" rtl="0" fontAlgn="base">
-      <a:spcBef>
-        <a:spcPct val="0"/>
-      </a:spcBef>
-      <a:spcAft>
-        <a:spcPct val="0"/>
-      </a:spcAft>
-      <a:defRPr kern="1200">
+    <a:lvl4pPr marL="1371600" algn="l" defTabSz="914400" rtl="0" eaLnBrk="1" latinLnBrk="0" hangingPunct="1">
+      <a:defRPr sz="1800" kern="1200">
         <a:solidFill>
           <a:schemeClr val="tx1"/>
         </a:solidFill>
-        <a:latin typeface="Arial" charset="0"/>
-        <a:ea typeface="宋体" charset="-122"/>
+        <a:latin typeface="+mn-lt"/>
+        <a:ea typeface="+mn-ea"/>
         <a:cs typeface="+mn-cs"/>
       </a:defRPr>
     </a:lvl4pPr>
-    <a:lvl5pPr marL="1828800" algn="l" rtl="0" fontAlgn="base">
-      <a:spcBef>
-        <a:spcPct val="0"/>
-      </a:spcBef>
-      <a:spcAft>
-        <a:spcPct val="0"/>
-      </a:spcAft>
-      <a:defRPr kern="1200">
+    <a:lvl5pPr marL="1828800" algn="l" defTabSz="914400" rtl="0" eaLnBrk="1" latinLnBrk="0" hangingPunct="1">
+      <a:defRPr sz="1800" kern="1200">
         <a:solidFill>
           <a:schemeClr val="tx1"/>
         </a:solidFill>
-        <a:latin typeface="Arial" charset="0"/>
-        <a:ea typeface="宋体" charset="-122"/>
+        <a:latin typeface="+mn-lt"/>
+        <a:ea typeface="+mn-ea"/>
         <a:cs typeface="+mn-cs"/>
       </a:defRPr>
     </a:lvl5pPr>
     <a:lvl6pPr marL="2286000" algn="l" defTabSz="914400" rtl="0" eaLnBrk="1" latinLnBrk="0" hangingPunct="1">
-      <a:defRPr kern="1200">
+      <a:defRPr sz="1800" kern="1200">
         <a:solidFill>
           <a:schemeClr val="tx1"/>
         </a:solidFill>
-        <a:latin typeface="Arial" charset="0"/>
-        <a:ea typeface="宋体" charset="-122"/>
+        <a:latin typeface="+mn-lt"/>
+        <a:ea typeface="+mn-ea"/>
         <a:cs typeface="+mn-cs"/>
       </a:defRPr>
     </a:lvl6pPr>
     <a:lvl7pPr marL="2743200" algn="l" defTabSz="914400" rtl="0" eaLnBrk="1" latinLnBrk="0" hangingPunct="1">
-      <a:defRPr kern="1200">
+      <a:defRPr sz="1800" kern="1200">
         <a:solidFill>
           <a:schemeClr val="tx1"/>
         </a:solidFill>
-        <a:latin typeface="Arial" charset="0"/>
-        <a:ea typeface="宋体" charset="-122"/>
+        <a:latin typeface="+mn-lt"/>
+        <a:ea typeface="+mn-ea"/>
         <a:cs typeface="+mn-cs"/>
       </a:defRPr>
     </a:lvl7pPr>
     <a:lvl8pPr marL="3200400" algn="l" defTabSz="914400" rtl="0" eaLnBrk="1" latinLnBrk="0" hangingPunct="1">
-      <a:defRPr kern="1200">
+      <a:defRPr sz="1800" kern="1200">
         <a:solidFill>
           <a:schemeClr val="tx1"/>
         </a:solidFill>
-        <a:latin typeface="Arial" charset="0"/>
-        <a:ea typeface="宋体" charset="-122"/>
+        <a:latin typeface="+mn-lt"/>
+        <a:ea typeface="+mn-ea"/>
         <a:cs typeface="+mn-cs"/>
       </a:defRPr>
     </a:lvl8pPr>
     <a:lvl9pPr marL="3657600" algn="l" defTabSz="914400" rtl="0" eaLnBrk="1" latinLnBrk="0" hangingPunct="1">
-      <a:defRPr kern="1200">
+      <a:defRPr sz="1800" kern="1200">
         <a:solidFill>
           <a:schemeClr val="tx1"/>
         </a:solidFill>
-        <a:latin typeface="Arial" charset="0"/>
-        <a:ea typeface="宋体" charset="-122"/>
+        <a:latin typeface="+mn-lt"/>
+        <a:ea typeface="+mn-ea"/>
         <a:cs typeface="+mn-cs"/>
       </a:defRPr>
     </a:lvl9pPr>
@@ -160,12 +130,9 @@
 <p:notesMaster xmlns:a="http://schemas.openxmlformats.org/drawingml/2006/main" xmlns:r="http://schemas.openxmlformats.org/officeDocument/2006/relationships" xmlns:p="http://schemas.openxmlformats.org/presentationml/2006/main">
   <p:cSld>
     <p:bg>
-      <p:bgPr>
-        <a:solidFill>
-          <a:schemeClr val="bg1"/>
-        </a:solidFill>
-        <a:effectLst/>
-      </p:bgPr>
+      <p:bgRef idx="1001">
+        <a:schemeClr val="bg1"/>
+      </p:bgRef>
     </p:bg>
     <p:spTree>
       <p:nvGrpSpPr>
@@ -203,23 +170,11 @@
         <p:txBody>
           <a:bodyPr vert="horz" lIns="91440" tIns="45720" rIns="91440" bIns="45720" rtlCol="0"/>
           <a:lstStyle>
-            <a:lvl1pPr algn="l" fontAlgn="auto">
-              <a:spcBef>
-                <a:spcPts val="0"/>
-              </a:spcBef>
-              <a:spcAft>
-                <a:spcPts val="0"/>
-              </a:spcAft>
-              <a:defRPr sz="1200">
-                <a:latin typeface="+mn-lt"/>
-                <a:ea typeface="+mn-ea"/>
-              </a:defRPr>
+            <a:lvl1pPr algn="l">
+              <a:defRPr sz="1200"/>
             </a:lvl1pPr>
           </a:lstStyle>
           <a:p>
-            <a:pPr>
-              <a:defRPr/>
-            </a:pPr>
             <a:endParaRPr lang="zh-CN" altLang="en-US"/>
           </a:p>
         </p:txBody>
@@ -246,29 +201,15 @@
         <p:txBody>
           <a:bodyPr vert="horz" lIns="91440" tIns="45720" rIns="91440" bIns="45720" rtlCol="0"/>
           <a:lstStyle>
-            <a:lvl1pPr algn="r" fontAlgn="auto">
-              <a:spcBef>
-                <a:spcPts val="0"/>
-              </a:spcBef>
-              <a:spcAft>
-                <a:spcPts val="0"/>
-              </a:spcAft>
-              <a:defRPr sz="1200" smtClean="0">
-                <a:latin typeface="+mn-lt"/>
-                <a:ea typeface="+mn-ea"/>
-              </a:defRPr>
+            <a:lvl1pPr algn="r">
+              <a:defRPr sz="1200"/>
             </a:lvl1pPr>
           </a:lstStyle>
           <a:p>
-            <a:pPr>
-              <a:defRPr/>
-            </a:pPr>
-            <a:fld id="{4B79D2E9-08EC-4CF4-9E2A-DD73EACECDF8}" type="datetimeFigureOut">
-              <a:rPr lang="zh-CN" altLang="en-US"/>
-              <a:pPr>
-                <a:defRPr/>
-              </a:pPr>
-              <a:t>2017/4/10</a:t>
+            <a:fld id="{E5EB95F3-F4CC-46A9-A255-BBC6520DEBEF}" type="datetimeFigureOut">
+              <a:rPr lang="zh-CN" altLang="en-US" smtClean="0"/>
+              <a:pPr/>
+              <a:t>2016-4-15</a:t>
             </a:fld>
             <a:endParaRPr lang="zh-CN" altLang="en-US"/>
           </a:p>
@@ -303,8 +244,7 @@
           <a:bodyPr vert="horz" lIns="91440" tIns="45720" rIns="91440" bIns="45720" rtlCol="0" anchor="ctr"/>
           <a:lstStyle/>
           <a:p>
-            <a:pPr lvl="0"/>
-            <a:endParaRPr lang="zh-CN" altLang="en-US" noProof="0"/>
+            <a:endParaRPr lang="zh-CN" altLang="en-US"/>
           </a:p>
         </p:txBody>
       </p:sp>
@@ -335,38 +275,38 @@
           <a:p>
             <a:pPr lvl="0"/>
             <a:r>
-              <a:rPr lang="zh-CN" altLang="en-US" noProof="0" smtClean="0"/>
+              <a:rPr lang="zh-CN" altLang="en-US" smtClean="0"/>
               <a:t>单击此处编辑母版文本样式</a:t>
             </a:r>
           </a:p>
           <a:p>
             <a:pPr lvl="1"/>
             <a:r>
-              <a:rPr lang="zh-CN" altLang="en-US" noProof="0" smtClean="0"/>
+              <a:rPr lang="zh-CN" altLang="en-US" smtClean="0"/>
               <a:t>第二级</a:t>
             </a:r>
           </a:p>
           <a:p>
             <a:pPr lvl="2"/>
             <a:r>
-              <a:rPr lang="zh-CN" altLang="en-US" noProof="0" smtClean="0"/>
+              <a:rPr lang="zh-CN" altLang="en-US" smtClean="0"/>
               <a:t>第三级</a:t>
             </a:r>
           </a:p>
           <a:p>
             <a:pPr lvl="3"/>
             <a:r>
-              <a:rPr lang="zh-CN" altLang="en-US" noProof="0" smtClean="0"/>
+              <a:rPr lang="zh-CN" altLang="en-US" smtClean="0"/>
               <a:t>第四级</a:t>
             </a:r>
           </a:p>
           <a:p>
             <a:pPr lvl="4"/>
             <a:r>
-              <a:rPr lang="zh-CN" altLang="en-US" noProof="0" smtClean="0"/>
+              <a:rPr lang="zh-CN" altLang="en-US" smtClean="0"/>
               <a:t>第五级</a:t>
             </a:r>
-            <a:endParaRPr lang="zh-CN" altLang="en-US" noProof="0"/>
+            <a:endParaRPr lang="zh-CN" altLang="en-US"/>
           </a:p>
         </p:txBody>
       </p:sp>
@@ -392,23 +332,11 @@
         <p:txBody>
           <a:bodyPr vert="horz" lIns="91440" tIns="45720" rIns="91440" bIns="45720" rtlCol="0" anchor="b"/>
           <a:lstStyle>
-            <a:lvl1pPr algn="l" fontAlgn="auto">
-              <a:spcBef>
-                <a:spcPts val="0"/>
-              </a:spcBef>
-              <a:spcAft>
-                <a:spcPts val="0"/>
-              </a:spcAft>
-              <a:defRPr sz="1200">
-                <a:latin typeface="+mn-lt"/>
-                <a:ea typeface="+mn-ea"/>
-              </a:defRPr>
+            <a:lvl1pPr algn="l">
+              <a:defRPr sz="1200"/>
             </a:lvl1pPr>
           </a:lstStyle>
           <a:p>
-            <a:pPr>
-              <a:defRPr/>
-            </a:pPr>
             <a:endParaRPr lang="zh-CN" altLang="en-US"/>
           </a:p>
         </p:txBody>
@@ -435,28 +363,14 @@
         <p:txBody>
           <a:bodyPr vert="horz" lIns="91440" tIns="45720" rIns="91440" bIns="45720" rtlCol="0" anchor="b"/>
           <a:lstStyle>
-            <a:lvl1pPr algn="r" fontAlgn="auto">
-              <a:spcBef>
-                <a:spcPts val="0"/>
-              </a:spcBef>
-              <a:spcAft>
-                <a:spcPts val="0"/>
-              </a:spcAft>
-              <a:defRPr sz="1200" smtClean="0">
-                <a:latin typeface="+mn-lt"/>
-                <a:ea typeface="+mn-ea"/>
-              </a:defRPr>
+            <a:lvl1pPr algn="r">
+              <a:defRPr sz="1200"/>
             </a:lvl1pPr>
           </a:lstStyle>
           <a:p>
-            <a:pPr>
-              <a:defRPr/>
-            </a:pPr>
-            <a:fld id="{AA5E40F9-1784-4329-BF47-87819F239729}" type="slidenum">
-              <a:rPr lang="zh-CN" altLang="en-US"/>
-              <a:pPr>
-                <a:defRPr/>
-              </a:pPr>
+            <a:fld id="{920588F6-6745-4E09-946A-67C9A9A80E43}" type="slidenum">
+              <a:rPr lang="zh-CN" altLang="en-US" smtClean="0"/>
+              <a:pPr/>
               <a:t>‹#›</a:t>
             </a:fld>
             <a:endParaRPr lang="zh-CN" altLang="en-US"/>
@@ -467,13 +381,7 @@
   </p:cSld>
   <p:clrMap bg1="lt1" tx1="dk1" bg2="lt2" tx2="dk2" accent1="accent1" accent2="accent2" accent3="accent3" accent4="accent4" accent5="accent5" accent6="accent6" hlink="hlink" folHlink="folHlink"/>
   <p:notesStyle>
-    <a:lvl1pPr algn="l" rtl="0" fontAlgn="base">
-      <a:spcBef>
-        <a:spcPct val="30000"/>
-      </a:spcBef>
-      <a:spcAft>
-        <a:spcPct val="0"/>
-      </a:spcAft>
+    <a:lvl1pPr marL="0" algn="l" defTabSz="914400" rtl="0" eaLnBrk="1" latinLnBrk="0" hangingPunct="1">
       <a:defRPr sz="1200" kern="1200">
         <a:solidFill>
           <a:schemeClr val="tx1"/>
@@ -483,13 +391,7 @@
         <a:cs typeface="+mn-cs"/>
       </a:defRPr>
     </a:lvl1pPr>
-    <a:lvl2pPr marL="457200" algn="l" rtl="0" fontAlgn="base">
-      <a:spcBef>
-        <a:spcPct val="30000"/>
-      </a:spcBef>
-      <a:spcAft>
-        <a:spcPct val="0"/>
-      </a:spcAft>
+    <a:lvl2pPr marL="457200" algn="l" defTabSz="914400" rtl="0" eaLnBrk="1" latinLnBrk="0" hangingPunct="1">
       <a:defRPr sz="1200" kern="1200">
         <a:solidFill>
           <a:schemeClr val="tx1"/>
@@ -499,13 +401,7 @@
         <a:cs typeface="+mn-cs"/>
       </a:defRPr>
     </a:lvl2pPr>
-    <a:lvl3pPr marL="914400" algn="l" rtl="0" fontAlgn="base">
-      <a:spcBef>
-        <a:spcPct val="30000"/>
-      </a:spcBef>
-      <a:spcAft>
-        <a:spcPct val="0"/>
-      </a:spcAft>
+    <a:lvl3pPr marL="914400" algn="l" defTabSz="914400" rtl="0" eaLnBrk="1" latinLnBrk="0" hangingPunct="1">
       <a:defRPr sz="1200" kern="1200">
         <a:solidFill>
           <a:schemeClr val="tx1"/>
@@ -515,13 +411,7 @@
         <a:cs typeface="+mn-cs"/>
       </a:defRPr>
     </a:lvl3pPr>
-    <a:lvl4pPr marL="1371600" algn="l" rtl="0" fontAlgn="base">
-      <a:spcBef>
-        <a:spcPct val="30000"/>
-      </a:spcBef>
-      <a:spcAft>
-        <a:spcPct val="0"/>
-      </a:spcAft>
+    <a:lvl4pPr marL="1371600" algn="l" defTabSz="914400" rtl="0" eaLnBrk="1" latinLnBrk="0" hangingPunct="1">
       <a:defRPr sz="1200" kern="1200">
         <a:solidFill>
           <a:schemeClr val="tx1"/>
@@ -531,13 +421,7 @@
         <a:cs typeface="+mn-cs"/>
       </a:defRPr>
     </a:lvl4pPr>
-    <a:lvl5pPr marL="1828800" algn="l" rtl="0" fontAlgn="base">
-      <a:spcBef>
-        <a:spcPct val="30000"/>
-      </a:spcBef>
-      <a:spcAft>
-        <a:spcPct val="0"/>
-      </a:spcAft>
+    <a:lvl5pPr marL="1828800" algn="l" defTabSz="914400" rtl="0" eaLnBrk="1" latinLnBrk="0" hangingPunct="1">
       <a:defRPr sz="1200" kern="1200">
         <a:solidFill>
           <a:schemeClr val="tx1"/>
@@ -610,7 +494,7 @@
       </p:grpSpPr>
       <p:sp>
         <p:nvSpPr>
-          <p:cNvPr id="15361" name="幻灯片图像占位符 1"/>
+          <p:cNvPr id="2" name="幻灯片图像占位符 1"/>
           <p:cNvSpPr>
             <a:spLocks noGrp="1" noRot="1" noChangeAspect="1"/>
           </p:cNvSpPr>
@@ -618,21 +502,11 @@
             <p:ph type="sldImg"/>
           </p:nvPr>
         </p:nvSpPr>
-        <p:spPr bwMode="auto">
-          <a:noFill/>
-          <a:ln>
-            <a:solidFill>
-              <a:srgbClr val="000000"/>
-            </a:solidFill>
-            <a:miter lim="800000"/>
-            <a:headEnd/>
-            <a:tailEnd/>
-          </a:ln>
-        </p:spPr>
-      </p:sp>
-      <p:sp>
-        <p:nvSpPr>
-          <p:cNvPr id="15362" name="备注占位符 2"/>
+        <p:spPr/>
+      </p:sp>
+      <p:sp>
+        <p:nvSpPr>
+          <p:cNvPr id="3" name="备注占位符 2"/>
           <p:cNvSpPr>
             <a:spLocks noGrp="1"/>
           </p:cNvSpPr>
@@ -640,73 +514,38 @@
             <p:ph type="body" idx="1"/>
           </p:nvPr>
         </p:nvSpPr>
-        <p:spPr bwMode="auto">
-          <a:noFill/>
-        </p:spPr>
-        <p:txBody>
-          <a:bodyPr wrap="square" numCol="1" anchor="t" anchorCtr="0" compatLnSpc="1">
-            <a:prstTxWarp prst="textNoShape">
-              <a:avLst/>
-            </a:prstTxWarp>
+        <p:spPr/>
+        <p:txBody>
+          <a:bodyPr>
+            <a:normAutofit/>
           </a:bodyPr>
           <a:lstStyle/>
           <a:p>
-            <a:pPr>
-              <a:spcBef>
-                <a:spcPct val="0"/>
-              </a:spcBef>
-            </a:pPr>
-            <a:endParaRPr lang="zh-CN" altLang="en-US" smtClean="0"/>
-          </a:p>
-        </p:txBody>
-      </p:sp>
-      <p:sp>
-        <p:nvSpPr>
-          <p:cNvPr id="15363" name="灯片编号占位符 3"/>
-          <p:cNvSpPr>
-            <a:spLocks noGrp="1"/>
-          </p:cNvSpPr>
-          <p:nvPr>
-            <p:ph type="sldNum" sz="quarter" idx="5"/>
-          </p:nvPr>
-        </p:nvSpPr>
-        <p:spPr bwMode="auto">
-          <a:noFill/>
-          <a:ln>
-            <a:miter lim="800000"/>
-            <a:headEnd/>
-            <a:tailEnd/>
-          </a:ln>
-        </p:spPr>
-        <p:txBody>
-          <a:bodyPr wrap="square" numCol="1" anchorCtr="0" compatLnSpc="1">
-            <a:prstTxWarp prst="textNoShape">
-              <a:avLst/>
-            </a:prstTxWarp>
-          </a:bodyPr>
+            <a:endParaRPr lang="zh-CN" altLang="en-US" dirty="0"/>
+          </a:p>
+        </p:txBody>
+      </p:sp>
+      <p:sp>
+        <p:nvSpPr>
+          <p:cNvPr id="4" name="灯片编号占位符 3"/>
+          <p:cNvSpPr>
+            <a:spLocks noGrp="1"/>
+          </p:cNvSpPr>
+          <p:nvPr>
+            <p:ph type="sldNum" sz="quarter" idx="10"/>
+          </p:nvPr>
+        </p:nvSpPr>
+        <p:spPr/>
+        <p:txBody>
+          <a:bodyPr/>
           <a:lstStyle/>
           <a:p>
-            <a:pPr fontAlgn="base">
-              <a:spcBef>
-                <a:spcPct val="0"/>
-              </a:spcBef>
-              <a:spcAft>
-                <a:spcPct val="0"/>
-              </a:spcAft>
-            </a:pPr>
-            <a:fld id="{14190D80-C2F4-4446-9A8A-DA1667A5B975}" type="slidenum">
-              <a:rPr lang="zh-CN" altLang="en-US"/>
-              <a:pPr fontAlgn="base">
-                <a:spcBef>
-                  <a:spcPct val="0"/>
-                </a:spcBef>
-                <a:spcAft>
-                  <a:spcPct val="0"/>
-                </a:spcAft>
-              </a:pPr>
+            <a:fld id="{920588F6-6745-4E09-946A-67C9A9A80E43}" type="slidenum">
+              <a:rPr lang="zh-CN" altLang="en-US" smtClean="0"/>
+              <a:pPr/>
               <a:t>1</a:t>
             </a:fld>
-            <a:endParaRPr lang="en-US" altLang="zh-CN"/>
+            <a:endParaRPr lang="zh-CN" altLang="en-US"/>
           </a:p>
         </p:txBody>
       </p:sp>
@@ -895,21 +734,12 @@
         <p:spPr/>
         <p:txBody>
           <a:bodyPr/>
-          <a:lstStyle>
-            <a:lvl1pPr>
-              <a:defRPr/>
-            </a:lvl1pPr>
-          </a:lstStyle>
-          <a:p>
-            <a:pPr>
-              <a:defRPr/>
-            </a:pPr>
-            <a:fld id="{14A1F45C-7B68-4D0A-A9F1-CA6F9B1C921B}" type="datetimeFigureOut">
-              <a:rPr lang="zh-CN" altLang="en-US"/>
-              <a:pPr>
-                <a:defRPr/>
-              </a:pPr>
-              <a:t>2017/4/10</a:t>
+          <a:lstStyle/>
+          <a:p>
+            <a:fld id="{07FAE94C-1812-4880-9BDE-8D7B9844A67C}" type="datetimeFigureOut">
+              <a:rPr lang="zh-CN" altLang="en-US" smtClean="0"/>
+              <a:pPr/>
+              <a:t>2016-4-15</a:t>
             </a:fld>
             <a:endParaRPr lang="zh-CN" altLang="en-US"/>
           </a:p>
@@ -928,15 +758,8 @@
         <p:spPr/>
         <p:txBody>
           <a:bodyPr/>
-          <a:lstStyle>
-            <a:lvl1pPr>
-              <a:defRPr/>
-            </a:lvl1pPr>
-          </a:lstStyle>
-          <a:p>
-            <a:pPr>
-              <a:defRPr/>
-            </a:pPr>
+          <a:lstStyle/>
+          <a:p>
             <a:endParaRPr lang="zh-CN" altLang="en-US"/>
           </a:p>
         </p:txBody>
@@ -954,20 +777,11 @@
         <p:spPr/>
         <p:txBody>
           <a:bodyPr/>
-          <a:lstStyle>
-            <a:lvl1pPr>
-              <a:defRPr/>
-            </a:lvl1pPr>
-          </a:lstStyle>
-          <a:p>
-            <a:pPr>
-              <a:defRPr/>
-            </a:pPr>
-            <a:fld id="{07036E3E-7B46-41F2-8710-686CA270CB5C}" type="slidenum">
-              <a:rPr lang="zh-CN" altLang="en-US"/>
-              <a:pPr>
-                <a:defRPr/>
-              </a:pPr>
+          <a:lstStyle/>
+          <a:p>
+            <a:fld id="{0ABC6235-2A54-467B-9F0E-44B3017BB14A}" type="slidenum">
+              <a:rPr lang="zh-CN" altLang="en-US" smtClean="0"/>
+              <a:pPr/>
               <a:t>‹#›</a:t>
             </a:fld>
             <a:endParaRPr lang="zh-CN" altLang="en-US"/>
@@ -1087,21 +901,12 @@
         <p:spPr/>
         <p:txBody>
           <a:bodyPr/>
-          <a:lstStyle>
-            <a:lvl1pPr>
-              <a:defRPr/>
-            </a:lvl1pPr>
-          </a:lstStyle>
-          <a:p>
-            <a:pPr>
-              <a:defRPr/>
-            </a:pPr>
-            <a:fld id="{1C6085A5-BEC9-440C-88C7-1AD03B2A7751}" type="datetimeFigureOut">
-              <a:rPr lang="zh-CN" altLang="en-US"/>
-              <a:pPr>
-                <a:defRPr/>
-              </a:pPr>
-              <a:t>2017/4/10</a:t>
+          <a:lstStyle/>
+          <a:p>
+            <a:fld id="{07FAE94C-1812-4880-9BDE-8D7B9844A67C}" type="datetimeFigureOut">
+              <a:rPr lang="zh-CN" altLang="en-US" smtClean="0"/>
+              <a:pPr/>
+              <a:t>2016-4-15</a:t>
             </a:fld>
             <a:endParaRPr lang="zh-CN" altLang="en-US"/>
           </a:p>
@@ -1120,15 +925,8 @@
         <p:spPr/>
         <p:txBody>
           <a:bodyPr/>
-          <a:lstStyle>
-            <a:lvl1pPr>
-              <a:defRPr/>
-            </a:lvl1pPr>
-          </a:lstStyle>
-          <a:p>
-            <a:pPr>
-              <a:defRPr/>
-            </a:pPr>
+          <a:lstStyle/>
+          <a:p>
             <a:endParaRPr lang="zh-CN" altLang="en-US"/>
           </a:p>
         </p:txBody>
@@ -1146,20 +944,11 @@
         <p:spPr/>
         <p:txBody>
           <a:bodyPr/>
-          <a:lstStyle>
-            <a:lvl1pPr>
-              <a:defRPr/>
-            </a:lvl1pPr>
-          </a:lstStyle>
-          <a:p>
-            <a:pPr>
-              <a:defRPr/>
-            </a:pPr>
-            <a:fld id="{8DBC9DB9-D3AB-48B4-AB65-CCA9912A78D1}" type="slidenum">
-              <a:rPr lang="zh-CN" altLang="en-US"/>
-              <a:pPr>
-                <a:defRPr/>
-              </a:pPr>
+          <a:lstStyle/>
+          <a:p>
+            <a:fld id="{0ABC6235-2A54-467B-9F0E-44B3017BB14A}" type="slidenum">
+              <a:rPr lang="zh-CN" altLang="en-US" smtClean="0"/>
+              <a:pPr/>
               <a:t>‹#›</a:t>
             </a:fld>
             <a:endParaRPr lang="zh-CN" altLang="en-US"/>
@@ -1289,21 +1078,12 @@
         <p:spPr/>
         <p:txBody>
           <a:bodyPr/>
-          <a:lstStyle>
-            <a:lvl1pPr>
-              <a:defRPr/>
-            </a:lvl1pPr>
-          </a:lstStyle>
-          <a:p>
-            <a:pPr>
-              <a:defRPr/>
-            </a:pPr>
-            <a:fld id="{10D8E068-2C80-4234-8A6D-2AB0E6107FE2}" type="datetimeFigureOut">
-              <a:rPr lang="zh-CN" altLang="en-US"/>
-              <a:pPr>
-                <a:defRPr/>
-              </a:pPr>
-              <a:t>2017/4/10</a:t>
+          <a:lstStyle/>
+          <a:p>
+            <a:fld id="{07FAE94C-1812-4880-9BDE-8D7B9844A67C}" type="datetimeFigureOut">
+              <a:rPr lang="zh-CN" altLang="en-US" smtClean="0"/>
+              <a:pPr/>
+              <a:t>2016-4-15</a:t>
             </a:fld>
             <a:endParaRPr lang="zh-CN" altLang="en-US"/>
           </a:p>
@@ -1322,15 +1102,8 @@
         <p:spPr/>
         <p:txBody>
           <a:bodyPr/>
-          <a:lstStyle>
-            <a:lvl1pPr>
-              <a:defRPr/>
-            </a:lvl1pPr>
-          </a:lstStyle>
-          <a:p>
-            <a:pPr>
-              <a:defRPr/>
-            </a:pPr>
+          <a:lstStyle/>
+          <a:p>
             <a:endParaRPr lang="zh-CN" altLang="en-US"/>
           </a:p>
         </p:txBody>
@@ -1348,20 +1121,11 @@
         <p:spPr/>
         <p:txBody>
           <a:bodyPr/>
-          <a:lstStyle>
-            <a:lvl1pPr>
-              <a:defRPr/>
-            </a:lvl1pPr>
-          </a:lstStyle>
-          <a:p>
-            <a:pPr>
-              <a:defRPr/>
-            </a:pPr>
-            <a:fld id="{9B1AADB7-A584-4C58-9DD0-91EE1D52F145}" type="slidenum">
-              <a:rPr lang="zh-CN" altLang="en-US"/>
-              <a:pPr>
-                <a:defRPr/>
-              </a:pPr>
+          <a:lstStyle/>
+          <a:p>
+            <a:fld id="{0ABC6235-2A54-467B-9F0E-44B3017BB14A}" type="slidenum">
+              <a:rPr lang="zh-CN" altLang="en-US" smtClean="0"/>
+              <a:pPr/>
               <a:t>‹#›</a:t>
             </a:fld>
             <a:endParaRPr lang="zh-CN" altLang="en-US"/>
@@ -1481,21 +1245,12 @@
         <p:spPr/>
         <p:txBody>
           <a:bodyPr/>
-          <a:lstStyle>
-            <a:lvl1pPr>
-              <a:defRPr/>
-            </a:lvl1pPr>
-          </a:lstStyle>
-          <a:p>
-            <a:pPr>
-              <a:defRPr/>
-            </a:pPr>
-            <a:fld id="{CC2DBF53-879E-4B4D-B197-F635F1B479D7}" type="datetimeFigureOut">
-              <a:rPr lang="zh-CN" altLang="en-US"/>
-              <a:pPr>
-                <a:defRPr/>
-              </a:pPr>
-              <a:t>2017/4/10</a:t>
+          <a:lstStyle/>
+          <a:p>
+            <a:fld id="{07FAE94C-1812-4880-9BDE-8D7B9844A67C}" type="datetimeFigureOut">
+              <a:rPr lang="zh-CN" altLang="en-US" smtClean="0"/>
+              <a:pPr/>
+              <a:t>2016-4-15</a:t>
             </a:fld>
             <a:endParaRPr lang="zh-CN" altLang="en-US"/>
           </a:p>
@@ -1514,15 +1269,8 @@
         <p:spPr/>
         <p:txBody>
           <a:bodyPr/>
-          <a:lstStyle>
-            <a:lvl1pPr>
-              <a:defRPr/>
-            </a:lvl1pPr>
-          </a:lstStyle>
-          <a:p>
-            <a:pPr>
-              <a:defRPr/>
-            </a:pPr>
+          <a:lstStyle/>
+          <a:p>
             <a:endParaRPr lang="zh-CN" altLang="en-US"/>
           </a:p>
         </p:txBody>
@@ -1540,20 +1288,11 @@
         <p:spPr/>
         <p:txBody>
           <a:bodyPr/>
-          <a:lstStyle>
-            <a:lvl1pPr>
-              <a:defRPr/>
-            </a:lvl1pPr>
-          </a:lstStyle>
-          <a:p>
-            <a:pPr>
-              <a:defRPr/>
-            </a:pPr>
-            <a:fld id="{348A83E0-9596-499F-B851-971062687941}" type="slidenum">
-              <a:rPr lang="zh-CN" altLang="en-US"/>
-              <a:pPr>
-                <a:defRPr/>
-              </a:pPr>
+          <a:lstStyle/>
+          <a:p>
+            <a:fld id="{0ABC6235-2A54-467B-9F0E-44B3017BB14A}" type="slidenum">
+              <a:rPr lang="zh-CN" altLang="en-US" smtClean="0"/>
+              <a:pPr/>
               <a:t>‹#›</a:t>
             </a:fld>
             <a:endParaRPr lang="zh-CN" altLang="en-US"/>
@@ -1749,21 +1488,12 @@
         <p:spPr/>
         <p:txBody>
           <a:bodyPr/>
-          <a:lstStyle>
-            <a:lvl1pPr>
-              <a:defRPr/>
-            </a:lvl1pPr>
-          </a:lstStyle>
-          <a:p>
-            <a:pPr>
-              <a:defRPr/>
-            </a:pPr>
-            <a:fld id="{8CC1B4D8-EA95-422D-91A0-CEEB743087F0}" type="datetimeFigureOut">
-              <a:rPr lang="zh-CN" altLang="en-US"/>
-              <a:pPr>
-                <a:defRPr/>
-              </a:pPr>
-              <a:t>2017/4/10</a:t>
+          <a:lstStyle/>
+          <a:p>
+            <a:fld id="{07FAE94C-1812-4880-9BDE-8D7B9844A67C}" type="datetimeFigureOut">
+              <a:rPr lang="zh-CN" altLang="en-US" smtClean="0"/>
+              <a:pPr/>
+              <a:t>2016-4-15</a:t>
             </a:fld>
             <a:endParaRPr lang="zh-CN" altLang="en-US"/>
           </a:p>
@@ -1782,15 +1512,8 @@
         <p:spPr/>
         <p:txBody>
           <a:bodyPr/>
-          <a:lstStyle>
-            <a:lvl1pPr>
-              <a:defRPr/>
-            </a:lvl1pPr>
-          </a:lstStyle>
-          <a:p>
-            <a:pPr>
-              <a:defRPr/>
-            </a:pPr>
+          <a:lstStyle/>
+          <a:p>
             <a:endParaRPr lang="zh-CN" altLang="en-US"/>
           </a:p>
         </p:txBody>
@@ -1808,20 +1531,11 @@
         <p:spPr/>
         <p:txBody>
           <a:bodyPr/>
-          <a:lstStyle>
-            <a:lvl1pPr>
-              <a:defRPr/>
-            </a:lvl1pPr>
-          </a:lstStyle>
-          <a:p>
-            <a:pPr>
-              <a:defRPr/>
-            </a:pPr>
-            <a:fld id="{F05FBD57-8788-4C63-9362-51885FBB9C3D}" type="slidenum">
-              <a:rPr lang="zh-CN" altLang="en-US"/>
-              <a:pPr>
-                <a:defRPr/>
-              </a:pPr>
+          <a:lstStyle/>
+          <a:p>
+            <a:fld id="{0ABC6235-2A54-467B-9F0E-44B3017BB14A}" type="slidenum">
+              <a:rPr lang="zh-CN" altLang="en-US" smtClean="0"/>
+              <a:pPr/>
               <a:t>‹#›</a:t>
             </a:fld>
             <a:endParaRPr lang="zh-CN" altLang="en-US"/>
@@ -2048,7 +1762,7 @@
       </p:sp>
       <p:sp>
         <p:nvSpPr>
-          <p:cNvPr id="5" name="日期占位符 3"/>
+          <p:cNvPr id="5" name="日期占位符 4"/>
           <p:cNvSpPr>
             <a:spLocks noGrp="1"/>
           </p:cNvSpPr>
@@ -2059,21 +1773,12 @@
         <p:spPr/>
         <p:txBody>
           <a:bodyPr/>
-          <a:lstStyle>
-            <a:lvl1pPr>
-              <a:defRPr/>
-            </a:lvl1pPr>
-          </a:lstStyle>
-          <a:p>
-            <a:pPr>
-              <a:defRPr/>
-            </a:pPr>
-            <a:fld id="{16A7B718-0206-427D-B0A6-976138F63400}" type="datetimeFigureOut">
-              <a:rPr lang="zh-CN" altLang="en-US"/>
-              <a:pPr>
-                <a:defRPr/>
-              </a:pPr>
-              <a:t>2017/4/10</a:t>
+          <a:lstStyle/>
+          <a:p>
+            <a:fld id="{07FAE94C-1812-4880-9BDE-8D7B9844A67C}" type="datetimeFigureOut">
+              <a:rPr lang="zh-CN" altLang="en-US" smtClean="0"/>
+              <a:pPr/>
+              <a:t>2016-4-15</a:t>
             </a:fld>
             <a:endParaRPr lang="zh-CN" altLang="en-US"/>
           </a:p>
@@ -2081,7 +1786,7 @@
       </p:sp>
       <p:sp>
         <p:nvSpPr>
-          <p:cNvPr id="6" name="页脚占位符 4"/>
+          <p:cNvPr id="6" name="页脚占位符 5"/>
           <p:cNvSpPr>
             <a:spLocks noGrp="1"/>
           </p:cNvSpPr>
@@ -2092,22 +1797,15 @@
         <p:spPr/>
         <p:txBody>
           <a:bodyPr/>
-          <a:lstStyle>
-            <a:lvl1pPr>
-              <a:defRPr/>
-            </a:lvl1pPr>
-          </a:lstStyle>
-          <a:p>
-            <a:pPr>
-              <a:defRPr/>
-            </a:pPr>
+          <a:lstStyle/>
+          <a:p>
             <a:endParaRPr lang="zh-CN" altLang="en-US"/>
           </a:p>
         </p:txBody>
       </p:sp>
       <p:sp>
         <p:nvSpPr>
-          <p:cNvPr id="7" name="灯片编号占位符 5"/>
+          <p:cNvPr id="7" name="灯片编号占位符 6"/>
           <p:cNvSpPr>
             <a:spLocks noGrp="1"/>
           </p:cNvSpPr>
@@ -2118,20 +1816,11 @@
         <p:spPr/>
         <p:txBody>
           <a:bodyPr/>
-          <a:lstStyle>
-            <a:lvl1pPr>
-              <a:defRPr/>
-            </a:lvl1pPr>
-          </a:lstStyle>
-          <a:p>
-            <a:pPr>
-              <a:defRPr/>
-            </a:pPr>
-            <a:fld id="{BE86412B-86C9-49C2-A66D-9D22DB92C48B}" type="slidenum">
-              <a:rPr lang="zh-CN" altLang="en-US"/>
-              <a:pPr>
-                <a:defRPr/>
-              </a:pPr>
+          <a:lstStyle/>
+          <a:p>
+            <a:fld id="{0ABC6235-2A54-467B-9F0E-44B3017BB14A}" type="slidenum">
+              <a:rPr lang="zh-CN" altLang="en-US" smtClean="0"/>
+              <a:pPr/>
               <a:t>‹#›</a:t>
             </a:fld>
             <a:endParaRPr lang="zh-CN" altLang="en-US"/>
@@ -2492,7 +2181,7 @@
       </p:sp>
       <p:sp>
         <p:nvSpPr>
-          <p:cNvPr id="7" name="日期占位符 3"/>
+          <p:cNvPr id="7" name="日期占位符 6"/>
           <p:cNvSpPr>
             <a:spLocks noGrp="1"/>
           </p:cNvSpPr>
@@ -2503,21 +2192,12 @@
         <p:spPr/>
         <p:txBody>
           <a:bodyPr/>
-          <a:lstStyle>
-            <a:lvl1pPr>
-              <a:defRPr/>
-            </a:lvl1pPr>
-          </a:lstStyle>
-          <a:p>
-            <a:pPr>
-              <a:defRPr/>
-            </a:pPr>
-            <a:fld id="{CE33384A-7083-4391-8FFC-381885BB1613}" type="datetimeFigureOut">
-              <a:rPr lang="zh-CN" altLang="en-US"/>
-              <a:pPr>
-                <a:defRPr/>
-              </a:pPr>
-              <a:t>2017/4/10</a:t>
+          <a:lstStyle/>
+          <a:p>
+            <a:fld id="{07FAE94C-1812-4880-9BDE-8D7B9844A67C}" type="datetimeFigureOut">
+              <a:rPr lang="zh-CN" altLang="en-US" smtClean="0"/>
+              <a:pPr/>
+              <a:t>2016-4-15</a:t>
             </a:fld>
             <a:endParaRPr lang="zh-CN" altLang="en-US"/>
           </a:p>
@@ -2525,7 +2205,7 @@
       </p:sp>
       <p:sp>
         <p:nvSpPr>
-          <p:cNvPr id="8" name="页脚占位符 4"/>
+          <p:cNvPr id="8" name="页脚占位符 7"/>
           <p:cNvSpPr>
             <a:spLocks noGrp="1"/>
           </p:cNvSpPr>
@@ -2536,22 +2216,15 @@
         <p:spPr/>
         <p:txBody>
           <a:bodyPr/>
-          <a:lstStyle>
-            <a:lvl1pPr>
-              <a:defRPr/>
-            </a:lvl1pPr>
-          </a:lstStyle>
-          <a:p>
-            <a:pPr>
-              <a:defRPr/>
-            </a:pPr>
+          <a:lstStyle/>
+          <a:p>
             <a:endParaRPr lang="zh-CN" altLang="en-US"/>
           </a:p>
         </p:txBody>
       </p:sp>
       <p:sp>
         <p:nvSpPr>
-          <p:cNvPr id="9" name="灯片编号占位符 5"/>
+          <p:cNvPr id="9" name="灯片编号占位符 8"/>
           <p:cNvSpPr>
             <a:spLocks noGrp="1"/>
           </p:cNvSpPr>
@@ -2562,20 +2235,11 @@
         <p:spPr/>
         <p:txBody>
           <a:bodyPr/>
-          <a:lstStyle>
-            <a:lvl1pPr>
-              <a:defRPr/>
-            </a:lvl1pPr>
-          </a:lstStyle>
-          <a:p>
-            <a:pPr>
-              <a:defRPr/>
-            </a:pPr>
-            <a:fld id="{37F8329F-6452-42AA-99FC-3971CBB8C773}" type="slidenum">
-              <a:rPr lang="zh-CN" altLang="en-US"/>
-              <a:pPr>
-                <a:defRPr/>
-              </a:pPr>
+          <a:lstStyle/>
+          <a:p>
+            <a:fld id="{0ABC6235-2A54-467B-9F0E-44B3017BB14A}" type="slidenum">
+              <a:rPr lang="zh-CN" altLang="en-US" smtClean="0"/>
+              <a:pPr/>
               <a:t>‹#›</a:t>
             </a:fld>
             <a:endParaRPr lang="zh-CN" altLang="en-US"/>
@@ -2632,7 +2296,7 @@
       </p:sp>
       <p:sp>
         <p:nvSpPr>
-          <p:cNvPr id="3" name="日期占位符 3"/>
+          <p:cNvPr id="3" name="日期占位符 2"/>
           <p:cNvSpPr>
             <a:spLocks noGrp="1"/>
           </p:cNvSpPr>
@@ -2643,21 +2307,12 @@
         <p:spPr/>
         <p:txBody>
           <a:bodyPr/>
-          <a:lstStyle>
-            <a:lvl1pPr>
-              <a:defRPr/>
-            </a:lvl1pPr>
-          </a:lstStyle>
-          <a:p>
-            <a:pPr>
-              <a:defRPr/>
-            </a:pPr>
-            <a:fld id="{41BBE344-E0BA-4BF7-822B-472755BE4687}" type="datetimeFigureOut">
-              <a:rPr lang="zh-CN" altLang="en-US"/>
-              <a:pPr>
-                <a:defRPr/>
-              </a:pPr>
-              <a:t>2017/4/10</a:t>
+          <a:lstStyle/>
+          <a:p>
+            <a:fld id="{07FAE94C-1812-4880-9BDE-8D7B9844A67C}" type="datetimeFigureOut">
+              <a:rPr lang="zh-CN" altLang="en-US" smtClean="0"/>
+              <a:pPr/>
+              <a:t>2016-4-15</a:t>
             </a:fld>
             <a:endParaRPr lang="zh-CN" altLang="en-US"/>
           </a:p>
@@ -2665,7 +2320,7 @@
       </p:sp>
       <p:sp>
         <p:nvSpPr>
-          <p:cNvPr id="4" name="页脚占位符 4"/>
+          <p:cNvPr id="4" name="页脚占位符 3"/>
           <p:cNvSpPr>
             <a:spLocks noGrp="1"/>
           </p:cNvSpPr>
@@ -2676,22 +2331,15 @@
         <p:spPr/>
         <p:txBody>
           <a:bodyPr/>
-          <a:lstStyle>
-            <a:lvl1pPr>
-              <a:defRPr/>
-            </a:lvl1pPr>
-          </a:lstStyle>
-          <a:p>
-            <a:pPr>
-              <a:defRPr/>
-            </a:pPr>
+          <a:lstStyle/>
+          <a:p>
             <a:endParaRPr lang="zh-CN" altLang="en-US"/>
           </a:p>
         </p:txBody>
       </p:sp>
       <p:sp>
         <p:nvSpPr>
-          <p:cNvPr id="5" name="灯片编号占位符 5"/>
+          <p:cNvPr id="5" name="灯片编号占位符 4"/>
           <p:cNvSpPr>
             <a:spLocks noGrp="1"/>
           </p:cNvSpPr>
@@ -2702,20 +2350,11 @@
         <p:spPr/>
         <p:txBody>
           <a:bodyPr/>
-          <a:lstStyle>
-            <a:lvl1pPr>
-              <a:defRPr/>
-            </a:lvl1pPr>
-          </a:lstStyle>
-          <a:p>
-            <a:pPr>
-              <a:defRPr/>
-            </a:pPr>
-            <a:fld id="{CF6CB572-A706-4E49-AE45-42310434D7EA}" type="slidenum">
-              <a:rPr lang="zh-CN" altLang="en-US"/>
-              <a:pPr>
-                <a:defRPr/>
-              </a:pPr>
+          <a:lstStyle/>
+          <a:p>
+            <a:fld id="{0ABC6235-2A54-467B-9F0E-44B3017BB14A}" type="slidenum">
+              <a:rPr lang="zh-CN" altLang="en-US" smtClean="0"/>
+              <a:pPr/>
               <a:t>‹#›</a:t>
             </a:fld>
             <a:endParaRPr lang="zh-CN" altLang="en-US"/>
@@ -2749,7 +2388,7 @@
       </p:grpSpPr>
       <p:sp>
         <p:nvSpPr>
-          <p:cNvPr id="2" name="日期占位符 3"/>
+          <p:cNvPr id="2" name="日期占位符 1"/>
           <p:cNvSpPr>
             <a:spLocks noGrp="1"/>
           </p:cNvSpPr>
@@ -2760,21 +2399,12 @@
         <p:spPr/>
         <p:txBody>
           <a:bodyPr/>
-          <a:lstStyle>
-            <a:lvl1pPr>
-              <a:defRPr/>
-            </a:lvl1pPr>
-          </a:lstStyle>
-          <a:p>
-            <a:pPr>
-              <a:defRPr/>
-            </a:pPr>
-            <a:fld id="{786C9788-8867-4A4D-8529-08B80659418E}" type="datetimeFigureOut">
-              <a:rPr lang="zh-CN" altLang="en-US"/>
-              <a:pPr>
-                <a:defRPr/>
-              </a:pPr>
-              <a:t>2017/4/10</a:t>
+          <a:lstStyle/>
+          <a:p>
+            <a:fld id="{07FAE94C-1812-4880-9BDE-8D7B9844A67C}" type="datetimeFigureOut">
+              <a:rPr lang="zh-CN" altLang="en-US" smtClean="0"/>
+              <a:pPr/>
+              <a:t>2016-4-15</a:t>
             </a:fld>
             <a:endParaRPr lang="zh-CN" altLang="en-US"/>
           </a:p>
@@ -2782,7 +2412,7 @@
       </p:sp>
       <p:sp>
         <p:nvSpPr>
-          <p:cNvPr id="3" name="页脚占位符 4"/>
+          <p:cNvPr id="3" name="页脚占位符 2"/>
           <p:cNvSpPr>
             <a:spLocks noGrp="1"/>
           </p:cNvSpPr>
@@ -2793,22 +2423,15 @@
         <p:spPr/>
         <p:txBody>
           <a:bodyPr/>
-          <a:lstStyle>
-            <a:lvl1pPr>
-              <a:defRPr/>
-            </a:lvl1pPr>
-          </a:lstStyle>
-          <a:p>
-            <a:pPr>
-              <a:defRPr/>
-            </a:pPr>
+          <a:lstStyle/>
+          <a:p>
             <a:endParaRPr lang="zh-CN" altLang="en-US"/>
           </a:p>
         </p:txBody>
       </p:sp>
       <p:sp>
         <p:nvSpPr>
-          <p:cNvPr id="4" name="灯片编号占位符 5"/>
+          <p:cNvPr id="4" name="灯片编号占位符 3"/>
           <p:cNvSpPr>
             <a:spLocks noGrp="1"/>
           </p:cNvSpPr>
@@ -2819,20 +2442,11 @@
         <p:spPr/>
         <p:txBody>
           <a:bodyPr/>
-          <a:lstStyle>
-            <a:lvl1pPr>
-              <a:defRPr/>
-            </a:lvl1pPr>
-          </a:lstStyle>
-          <a:p>
-            <a:pPr>
-              <a:defRPr/>
-            </a:pPr>
-            <a:fld id="{CC66271B-27CC-4433-966E-A22ADE724E8D}" type="slidenum">
-              <a:rPr lang="zh-CN" altLang="en-US"/>
-              <a:pPr>
-                <a:defRPr/>
-              </a:pPr>
+          <a:lstStyle/>
+          <a:p>
+            <a:fld id="{0ABC6235-2A54-467B-9F0E-44B3017BB14A}" type="slidenum">
+              <a:rPr lang="zh-CN" altLang="en-US" smtClean="0"/>
+              <a:pPr/>
               <a:t>‹#›</a:t>
             </a:fld>
             <a:endParaRPr lang="zh-CN" altLang="en-US"/>
@@ -3048,7 +2662,7 @@
       </p:sp>
       <p:sp>
         <p:nvSpPr>
-          <p:cNvPr id="5" name="日期占位符 3"/>
+          <p:cNvPr id="5" name="日期占位符 4"/>
           <p:cNvSpPr>
             <a:spLocks noGrp="1"/>
           </p:cNvSpPr>
@@ -3059,21 +2673,12 @@
         <p:spPr/>
         <p:txBody>
           <a:bodyPr/>
-          <a:lstStyle>
-            <a:lvl1pPr>
-              <a:defRPr/>
-            </a:lvl1pPr>
-          </a:lstStyle>
-          <a:p>
-            <a:pPr>
-              <a:defRPr/>
-            </a:pPr>
-            <a:fld id="{507C5A2E-1A3D-4B79-97F7-3B0CE7CC8741}" type="datetimeFigureOut">
-              <a:rPr lang="zh-CN" altLang="en-US"/>
-              <a:pPr>
-                <a:defRPr/>
-              </a:pPr>
-              <a:t>2017/4/10</a:t>
+          <a:lstStyle/>
+          <a:p>
+            <a:fld id="{07FAE94C-1812-4880-9BDE-8D7B9844A67C}" type="datetimeFigureOut">
+              <a:rPr lang="zh-CN" altLang="en-US" smtClean="0"/>
+              <a:pPr/>
+              <a:t>2016-4-15</a:t>
             </a:fld>
             <a:endParaRPr lang="zh-CN" altLang="en-US"/>
           </a:p>
@@ -3081,7 +2686,7 @@
       </p:sp>
       <p:sp>
         <p:nvSpPr>
-          <p:cNvPr id="6" name="页脚占位符 4"/>
+          <p:cNvPr id="6" name="页脚占位符 5"/>
           <p:cNvSpPr>
             <a:spLocks noGrp="1"/>
           </p:cNvSpPr>
@@ -3092,22 +2697,15 @@
         <p:spPr/>
         <p:txBody>
           <a:bodyPr/>
-          <a:lstStyle>
-            <a:lvl1pPr>
-              <a:defRPr/>
-            </a:lvl1pPr>
-          </a:lstStyle>
-          <a:p>
-            <a:pPr>
-              <a:defRPr/>
-            </a:pPr>
+          <a:lstStyle/>
+          <a:p>
             <a:endParaRPr lang="zh-CN" altLang="en-US"/>
           </a:p>
         </p:txBody>
       </p:sp>
       <p:sp>
         <p:nvSpPr>
-          <p:cNvPr id="7" name="灯片编号占位符 5"/>
+          <p:cNvPr id="7" name="灯片编号占位符 6"/>
           <p:cNvSpPr>
             <a:spLocks noGrp="1"/>
           </p:cNvSpPr>
@@ -3118,20 +2716,11 @@
         <p:spPr/>
         <p:txBody>
           <a:bodyPr/>
-          <a:lstStyle>
-            <a:lvl1pPr>
-              <a:defRPr/>
-            </a:lvl1pPr>
-          </a:lstStyle>
-          <a:p>
-            <a:pPr>
-              <a:defRPr/>
-            </a:pPr>
-            <a:fld id="{9F44C133-DC29-4CFD-A27B-DD5DA0587537}" type="slidenum">
-              <a:rPr lang="zh-CN" altLang="en-US"/>
-              <a:pPr>
-                <a:defRPr/>
-              </a:pPr>
+          <a:lstStyle/>
+          <a:p>
+            <a:fld id="{0ABC6235-2A54-467B-9F0E-44B3017BB14A}" type="slidenum">
+              <a:rPr lang="zh-CN" altLang="en-US" smtClean="0"/>
+              <a:pPr/>
               <a:t>‹#›</a:t>
             </a:fld>
             <a:endParaRPr lang="zh-CN" altLang="en-US"/>
@@ -3212,9 +2801,7 @@
           </a:xfrm>
         </p:spPr>
         <p:txBody>
-          <a:bodyPr rtlCol="0">
-            <a:normAutofit/>
-          </a:bodyPr>
+          <a:bodyPr/>
           <a:lstStyle>
             <a:lvl1pPr marL="0" indent="0">
               <a:buNone/>
@@ -3254,8 +2841,7 @@
             </a:lvl9pPr>
           </a:lstStyle>
           <a:p>
-            <a:pPr lvl="0"/>
-            <a:endParaRPr lang="zh-CN" altLang="en-US" noProof="0"/>
+            <a:endParaRPr lang="zh-CN" altLang="en-US"/>
           </a:p>
         </p:txBody>
       </p:sp>
@@ -3326,7 +2912,7 @@
       </p:sp>
       <p:sp>
         <p:nvSpPr>
-          <p:cNvPr id="5" name="日期占位符 3"/>
+          <p:cNvPr id="5" name="日期占位符 4"/>
           <p:cNvSpPr>
             <a:spLocks noGrp="1"/>
           </p:cNvSpPr>
@@ -3337,21 +2923,12 @@
         <p:spPr/>
         <p:txBody>
           <a:bodyPr/>
-          <a:lstStyle>
-            <a:lvl1pPr>
-              <a:defRPr/>
-            </a:lvl1pPr>
-          </a:lstStyle>
-          <a:p>
-            <a:pPr>
-              <a:defRPr/>
-            </a:pPr>
-            <a:fld id="{9177B8D1-EA64-454F-83C0-D4A5AA5C4B02}" type="datetimeFigureOut">
-              <a:rPr lang="zh-CN" altLang="en-US"/>
-              <a:pPr>
-                <a:defRPr/>
-              </a:pPr>
-              <a:t>2017/4/10</a:t>
+          <a:lstStyle/>
+          <a:p>
+            <a:fld id="{07FAE94C-1812-4880-9BDE-8D7B9844A67C}" type="datetimeFigureOut">
+              <a:rPr lang="zh-CN" altLang="en-US" smtClean="0"/>
+              <a:pPr/>
+              <a:t>2016-4-15</a:t>
             </a:fld>
             <a:endParaRPr lang="zh-CN" altLang="en-US"/>
           </a:p>
@@ -3359,7 +2936,7 @@
       </p:sp>
       <p:sp>
         <p:nvSpPr>
-          <p:cNvPr id="6" name="页脚占位符 4"/>
+          <p:cNvPr id="6" name="页脚占位符 5"/>
           <p:cNvSpPr>
             <a:spLocks noGrp="1"/>
           </p:cNvSpPr>
@@ -3370,22 +2947,15 @@
         <p:spPr/>
         <p:txBody>
           <a:bodyPr/>
-          <a:lstStyle>
-            <a:lvl1pPr>
-              <a:defRPr/>
-            </a:lvl1pPr>
-          </a:lstStyle>
-          <a:p>
-            <a:pPr>
-              <a:defRPr/>
-            </a:pPr>
+          <a:lstStyle/>
+          <a:p>
             <a:endParaRPr lang="zh-CN" altLang="en-US"/>
           </a:p>
         </p:txBody>
       </p:sp>
       <p:sp>
         <p:nvSpPr>
-          <p:cNvPr id="7" name="灯片编号占位符 5"/>
+          <p:cNvPr id="7" name="灯片编号占位符 6"/>
           <p:cNvSpPr>
             <a:spLocks noGrp="1"/>
           </p:cNvSpPr>
@@ -3396,20 +2966,11 @@
         <p:spPr/>
         <p:txBody>
           <a:bodyPr/>
-          <a:lstStyle>
-            <a:lvl1pPr>
-              <a:defRPr/>
-            </a:lvl1pPr>
-          </a:lstStyle>
-          <a:p>
-            <a:pPr>
-              <a:defRPr/>
-            </a:pPr>
-            <a:fld id="{ED2778C7-2317-45CA-911E-78EC0B190547}" type="slidenum">
-              <a:rPr lang="zh-CN" altLang="en-US"/>
-              <a:pPr>
-                <a:defRPr/>
-              </a:pPr>
+          <a:lstStyle/>
+          <a:p>
+            <a:fld id="{0ABC6235-2A54-467B-9F0E-44B3017BB14A}" type="slidenum">
+              <a:rPr lang="zh-CN" altLang="en-US" smtClean="0"/>
+              <a:pPr/>
               <a:t>‹#›</a:t>
             </a:fld>
             <a:endParaRPr lang="zh-CN" altLang="en-US"/>
@@ -3428,12 +2989,9 @@
 <p:sldMaster xmlns:a="http://schemas.openxmlformats.org/drawingml/2006/main" xmlns:r="http://schemas.openxmlformats.org/officeDocument/2006/relationships" xmlns:p="http://schemas.openxmlformats.org/presentationml/2006/main">
   <p:cSld>
     <p:bg>
-      <p:bgPr>
-        <a:solidFill>
-          <a:schemeClr val="bg1"/>
-        </a:solidFill>
-        <a:effectLst/>
-      </p:bgPr>
+      <p:bgRef idx="1001">
+        <a:schemeClr val="bg1"/>
+      </p:bgRef>
     </p:bg>
     <p:spTree>
       <p:nvGrpSpPr>
@@ -3451,7 +3009,7 @@
       </p:grpSpPr>
       <p:sp>
         <p:nvSpPr>
-          <p:cNvPr id="1026" name="标题占位符 1"/>
+          <p:cNvPr id="2" name="标题占位符 1"/>
           <p:cNvSpPr>
             <a:spLocks noGrp="1"/>
           </p:cNvSpPr>
@@ -3459,7 +3017,7 @@
             <p:ph type="title"/>
           </p:nvPr>
         </p:nvSpPr>
-        <p:spPr bwMode="auto">
+        <p:spPr>
           <a:xfrm>
             <a:off x="457200" y="274638"/>
             <a:ext cx="8229600" cy="1143000"/>
@@ -3467,33 +3025,24 @@
           <a:prstGeom prst="rect">
             <a:avLst/>
           </a:prstGeom>
-          <a:noFill/>
-          <a:ln w="9525">
-            <a:noFill/>
-            <a:miter lim="800000"/>
-            <a:headEnd/>
-            <a:tailEnd/>
-          </a:ln>
         </p:spPr>
         <p:txBody>
-          <a:bodyPr vert="horz" wrap="square" lIns="91440" tIns="45720" rIns="91440" bIns="45720" numCol="1" anchor="ctr" anchorCtr="0" compatLnSpc="1">
-            <a:prstTxWarp prst="textNoShape">
-              <a:avLst/>
-            </a:prstTxWarp>
+          <a:bodyPr vert="horz" lIns="91440" tIns="45720" rIns="91440" bIns="45720" rtlCol="0" anchor="ctr">
+            <a:normAutofit/>
           </a:bodyPr>
           <a:lstStyle/>
           <a:p>
-            <a:pPr lvl="0"/>
             <a:r>
               <a:rPr lang="zh-CN" altLang="en-US" smtClean="0"/>
               <a:t>单击此处编辑母版标题样式</a:t>
             </a:r>
-          </a:p>
-        </p:txBody>
-      </p:sp>
-      <p:sp>
-        <p:nvSpPr>
-          <p:cNvPr id="1027" name="文本占位符 2"/>
+            <a:endParaRPr lang="zh-CN" altLang="en-US"/>
+          </a:p>
+        </p:txBody>
+      </p:sp>
+      <p:sp>
+        <p:nvSpPr>
+          <p:cNvPr id="3" name="文本占位符 2"/>
           <p:cNvSpPr>
             <a:spLocks noGrp="1"/>
           </p:cNvSpPr>
@@ -3501,7 +3050,7 @@
             <p:ph type="body" idx="1"/>
           </p:nvPr>
         </p:nvSpPr>
-        <p:spPr bwMode="auto">
+        <p:spPr>
           <a:xfrm>
             <a:off x="457200" y="1600200"/>
             <a:ext cx="8229600" cy="4525963"/>
@@ -3509,19 +3058,10 @@
           <a:prstGeom prst="rect">
             <a:avLst/>
           </a:prstGeom>
-          <a:noFill/>
-          <a:ln w="9525">
-            <a:noFill/>
-            <a:miter lim="800000"/>
-            <a:headEnd/>
-            <a:tailEnd/>
-          </a:ln>
         </p:spPr>
         <p:txBody>
-          <a:bodyPr vert="horz" wrap="square" lIns="91440" tIns="45720" rIns="91440" bIns="45720" numCol="1" anchor="t" anchorCtr="0" compatLnSpc="1">
-            <a:prstTxWarp prst="textNoShape">
-              <a:avLst/>
-            </a:prstTxWarp>
+          <a:bodyPr vert="horz" lIns="91440" tIns="45720" rIns="91440" bIns="45720" rtlCol="0">
+            <a:normAutofit/>
           </a:bodyPr>
           <a:lstStyle/>
           <a:p>
@@ -3558,6 +3098,7 @@
               <a:rPr lang="zh-CN" altLang="en-US" smtClean="0"/>
               <a:t>第五级</a:t>
             </a:r>
+            <a:endParaRPr lang="zh-CN" altLang="en-US"/>
           </a:p>
         </p:txBody>
       </p:sp>
@@ -3583,34 +3124,21 @@
         <p:txBody>
           <a:bodyPr vert="horz" lIns="91440" tIns="45720" rIns="91440" bIns="45720" rtlCol="0" anchor="ctr"/>
           <a:lstStyle>
-            <a:lvl1pPr algn="l" fontAlgn="auto">
-              <a:spcBef>
-                <a:spcPts val="0"/>
-              </a:spcBef>
-              <a:spcAft>
-                <a:spcPts val="0"/>
-              </a:spcAft>
-              <a:defRPr sz="1200" smtClean="0">
+            <a:lvl1pPr algn="l">
+              <a:defRPr sz="1200">
                 <a:solidFill>
                   <a:schemeClr val="tx1">
                     <a:tint val="75000"/>
                   </a:schemeClr>
                 </a:solidFill>
-                <a:latin typeface="+mn-lt"/>
-                <a:ea typeface="+mn-ea"/>
               </a:defRPr>
             </a:lvl1pPr>
           </a:lstStyle>
           <a:p>
-            <a:pPr>
-              <a:defRPr/>
-            </a:pPr>
-            <a:fld id="{FB47619E-822E-4E53-9AFC-A8E43F729A22}" type="datetimeFigureOut">
-              <a:rPr lang="zh-CN" altLang="en-US"/>
-              <a:pPr>
-                <a:defRPr/>
-              </a:pPr>
-              <a:t>2017/4/10</a:t>
+            <a:fld id="{07FAE94C-1812-4880-9BDE-8D7B9844A67C}" type="datetimeFigureOut">
+              <a:rPr lang="zh-CN" altLang="en-US" smtClean="0"/>
+              <a:pPr/>
+              <a:t>2016-4-15</a:t>
             </a:fld>
             <a:endParaRPr lang="zh-CN" altLang="en-US"/>
           </a:p>
@@ -3638,28 +3166,17 @@
         <p:txBody>
           <a:bodyPr vert="horz" lIns="91440" tIns="45720" rIns="91440" bIns="45720" rtlCol="0" anchor="ctr"/>
           <a:lstStyle>
-            <a:lvl1pPr algn="ctr" fontAlgn="auto">
-              <a:spcBef>
-                <a:spcPts val="0"/>
-              </a:spcBef>
-              <a:spcAft>
-                <a:spcPts val="0"/>
-              </a:spcAft>
+            <a:lvl1pPr algn="ctr">
               <a:defRPr sz="1200">
                 <a:solidFill>
                   <a:schemeClr val="tx1">
                     <a:tint val="75000"/>
                   </a:schemeClr>
                 </a:solidFill>
-                <a:latin typeface="+mn-lt"/>
-                <a:ea typeface="+mn-ea"/>
               </a:defRPr>
             </a:lvl1pPr>
           </a:lstStyle>
           <a:p>
-            <a:pPr>
-              <a:defRPr/>
-            </a:pPr>
             <a:endParaRPr lang="zh-CN" altLang="en-US"/>
           </a:p>
         </p:txBody>
@@ -3686,33 +3203,20 @@
         <p:txBody>
           <a:bodyPr vert="horz" lIns="91440" tIns="45720" rIns="91440" bIns="45720" rtlCol="0" anchor="ctr"/>
           <a:lstStyle>
-            <a:lvl1pPr algn="r" fontAlgn="auto">
-              <a:spcBef>
-                <a:spcPts val="0"/>
-              </a:spcBef>
-              <a:spcAft>
-                <a:spcPts val="0"/>
-              </a:spcAft>
-              <a:defRPr sz="1200" smtClean="0">
+            <a:lvl1pPr algn="r">
+              <a:defRPr sz="1200">
                 <a:solidFill>
                   <a:schemeClr val="tx1">
                     <a:tint val="75000"/>
                   </a:schemeClr>
                 </a:solidFill>
-                <a:latin typeface="+mn-lt"/>
-                <a:ea typeface="+mn-ea"/>
               </a:defRPr>
             </a:lvl1pPr>
           </a:lstStyle>
           <a:p>
-            <a:pPr>
-              <a:defRPr/>
-            </a:pPr>
-            <a:fld id="{79D6A303-5569-475E-916C-EF7D8AFDC883}" type="slidenum">
-              <a:rPr lang="zh-CN" altLang="en-US"/>
-              <a:pPr>
-                <a:defRPr/>
-              </a:pPr>
+            <a:fld id="{0ABC6235-2A54-467B-9F0E-44B3017BB14A}" type="slidenum">
+              <a:rPr lang="zh-CN" altLang="en-US" smtClean="0"/>
+              <a:pPr/>
               <a:t>‹#›</a:t>
             </a:fld>
             <a:endParaRPr lang="zh-CN" altLang="en-US"/>
@@ -3723,27 +3227,25 @@
   </p:cSld>
   <p:clrMap bg1="lt1" tx1="dk1" bg2="lt2" tx2="dk2" accent1="accent1" accent2="accent2" accent3="accent3" accent4="accent4" accent5="accent5" accent6="accent6" hlink="hlink" folHlink="folHlink"/>
   <p:sldLayoutIdLst>
-    <p:sldLayoutId id="2147483659" r:id="rId1"/>
-    <p:sldLayoutId id="2147483658" r:id="rId2"/>
-    <p:sldLayoutId id="2147483657" r:id="rId3"/>
-    <p:sldLayoutId id="2147483656" r:id="rId4"/>
-    <p:sldLayoutId id="2147483655" r:id="rId5"/>
+    <p:sldLayoutId id="2147483649" r:id="rId1"/>
+    <p:sldLayoutId id="2147483650" r:id="rId2"/>
+    <p:sldLayoutId id="2147483651" r:id="rId3"/>
+    <p:sldLayoutId id="2147483652" r:id="rId4"/>
+    <p:sldLayoutId id="2147483653" r:id="rId5"/>
     <p:sldLayoutId id="2147483654" r:id="rId6"/>
-    <p:sldLayoutId id="2147483653" r:id="rId7"/>
-    <p:sldLayoutId id="2147483652" r:id="rId8"/>
-    <p:sldLayoutId id="2147483651" r:id="rId9"/>
-    <p:sldLayoutId id="2147483650" r:id="rId10"/>
-    <p:sldLayoutId id="2147483649" r:id="rId11"/>
+    <p:sldLayoutId id="2147483655" r:id="rId7"/>
+    <p:sldLayoutId id="2147483656" r:id="rId8"/>
+    <p:sldLayoutId id="2147483657" r:id="rId9"/>
+    <p:sldLayoutId id="2147483658" r:id="rId10"/>
+    <p:sldLayoutId id="2147483659" r:id="rId11"/>
   </p:sldLayoutIdLst>
   <p:txStyles>
     <p:titleStyle>
-      <a:lvl1pPr algn="ctr" rtl="0" fontAlgn="base">
+      <a:lvl1pPr algn="ctr" defTabSz="914400" rtl="0" eaLnBrk="1" latinLnBrk="0" hangingPunct="1">
         <a:spcBef>
           <a:spcPct val="0"/>
         </a:spcBef>
-        <a:spcAft>
-          <a:spcPct val="0"/>
-        </a:spcAft>
+        <a:buNone/>
         <a:defRPr sz="4400" kern="1200">
           <a:solidFill>
             <a:schemeClr val="tx1"/>
@@ -3753,136 +3255,13 @@
           <a:cs typeface="+mj-cs"/>
         </a:defRPr>
       </a:lvl1pPr>
-      <a:lvl2pPr algn="ctr" rtl="0" fontAlgn="base">
-        <a:spcBef>
-          <a:spcPct val="0"/>
-        </a:spcBef>
-        <a:spcAft>
-          <a:spcPct val="0"/>
-        </a:spcAft>
-        <a:defRPr sz="4400">
-          <a:solidFill>
-            <a:schemeClr val="tx1"/>
-          </a:solidFill>
-          <a:latin typeface="Calibri" pitchFamily="34" charset="0"/>
-          <a:ea typeface="宋体" charset="-122"/>
-        </a:defRPr>
-      </a:lvl2pPr>
-      <a:lvl3pPr algn="ctr" rtl="0" fontAlgn="base">
-        <a:spcBef>
-          <a:spcPct val="0"/>
-        </a:spcBef>
-        <a:spcAft>
-          <a:spcPct val="0"/>
-        </a:spcAft>
-        <a:defRPr sz="4400">
-          <a:solidFill>
-            <a:schemeClr val="tx1"/>
-          </a:solidFill>
-          <a:latin typeface="Calibri" pitchFamily="34" charset="0"/>
-          <a:ea typeface="宋体" charset="-122"/>
-        </a:defRPr>
-      </a:lvl3pPr>
-      <a:lvl4pPr algn="ctr" rtl="0" fontAlgn="base">
-        <a:spcBef>
-          <a:spcPct val="0"/>
-        </a:spcBef>
-        <a:spcAft>
-          <a:spcPct val="0"/>
-        </a:spcAft>
-        <a:defRPr sz="4400">
-          <a:solidFill>
-            <a:schemeClr val="tx1"/>
-          </a:solidFill>
-          <a:latin typeface="Calibri" pitchFamily="34" charset="0"/>
-          <a:ea typeface="宋体" charset="-122"/>
-        </a:defRPr>
-      </a:lvl4pPr>
-      <a:lvl5pPr algn="ctr" rtl="0" fontAlgn="base">
-        <a:spcBef>
-          <a:spcPct val="0"/>
-        </a:spcBef>
-        <a:spcAft>
-          <a:spcPct val="0"/>
-        </a:spcAft>
-        <a:defRPr sz="4400">
-          <a:solidFill>
-            <a:schemeClr val="tx1"/>
-          </a:solidFill>
-          <a:latin typeface="Calibri" pitchFamily="34" charset="0"/>
-          <a:ea typeface="宋体" charset="-122"/>
-        </a:defRPr>
-      </a:lvl5pPr>
-      <a:lvl6pPr marL="457200" algn="ctr" rtl="0" fontAlgn="base">
-        <a:spcBef>
-          <a:spcPct val="0"/>
-        </a:spcBef>
-        <a:spcAft>
-          <a:spcPct val="0"/>
-        </a:spcAft>
-        <a:defRPr sz="4400">
-          <a:solidFill>
-            <a:schemeClr val="tx1"/>
-          </a:solidFill>
-          <a:latin typeface="Calibri" pitchFamily="34" charset="0"/>
-          <a:ea typeface="宋体" charset="-122"/>
-        </a:defRPr>
-      </a:lvl6pPr>
-      <a:lvl7pPr marL="914400" algn="ctr" rtl="0" fontAlgn="base">
-        <a:spcBef>
-          <a:spcPct val="0"/>
-        </a:spcBef>
-        <a:spcAft>
-          <a:spcPct val="0"/>
-        </a:spcAft>
-        <a:defRPr sz="4400">
-          <a:solidFill>
-            <a:schemeClr val="tx1"/>
-          </a:solidFill>
-          <a:latin typeface="Calibri" pitchFamily="34" charset="0"/>
-          <a:ea typeface="宋体" charset="-122"/>
-        </a:defRPr>
-      </a:lvl7pPr>
-      <a:lvl8pPr marL="1371600" algn="ctr" rtl="0" fontAlgn="base">
-        <a:spcBef>
-          <a:spcPct val="0"/>
-        </a:spcBef>
-        <a:spcAft>
-          <a:spcPct val="0"/>
-        </a:spcAft>
-        <a:defRPr sz="4400">
-          <a:solidFill>
-            <a:schemeClr val="tx1"/>
-          </a:solidFill>
-          <a:latin typeface="Calibri" pitchFamily="34" charset="0"/>
-          <a:ea typeface="宋体" charset="-122"/>
-        </a:defRPr>
-      </a:lvl8pPr>
-      <a:lvl9pPr marL="1828800" algn="ctr" rtl="0" fontAlgn="base">
-        <a:spcBef>
-          <a:spcPct val="0"/>
-        </a:spcBef>
-        <a:spcAft>
-          <a:spcPct val="0"/>
-        </a:spcAft>
-        <a:defRPr sz="4400">
-          <a:solidFill>
-            <a:schemeClr val="tx1"/>
-          </a:solidFill>
-          <a:latin typeface="Calibri" pitchFamily="34" charset="0"/>
-          <a:ea typeface="宋体" charset="-122"/>
-        </a:defRPr>
-      </a:lvl9pPr>
     </p:titleStyle>
     <p:bodyStyle>
-      <a:lvl1pPr marL="342900" indent="-342900" algn="l" rtl="0" fontAlgn="base">
+      <a:lvl1pPr marL="342900" indent="-342900" algn="l" defTabSz="914400" rtl="0" eaLnBrk="1" latinLnBrk="0" hangingPunct="1">
         <a:spcBef>
           <a:spcPct val="20000"/>
         </a:spcBef>
-        <a:spcAft>
-          <a:spcPct val="0"/>
-        </a:spcAft>
-        <a:buFont typeface="Arial" charset="0"/>
+        <a:buFont typeface="Arial" pitchFamily="34" charset="0"/>
         <a:buChar char="•"/>
         <a:defRPr sz="3200" kern="1200">
           <a:solidFill>
@@ -3893,14 +3272,11 @@
           <a:cs typeface="+mn-cs"/>
         </a:defRPr>
       </a:lvl1pPr>
-      <a:lvl2pPr marL="742950" indent="-285750" algn="l" rtl="0" fontAlgn="base">
+      <a:lvl2pPr marL="742950" indent="-285750" algn="l" defTabSz="914400" rtl="0" eaLnBrk="1" latinLnBrk="0" hangingPunct="1">
         <a:spcBef>
           <a:spcPct val="20000"/>
         </a:spcBef>
-        <a:spcAft>
-          <a:spcPct val="0"/>
-        </a:spcAft>
-        <a:buFont typeface="Arial" charset="0"/>
+        <a:buFont typeface="Arial" pitchFamily="34" charset="0"/>
         <a:buChar char="–"/>
         <a:defRPr sz="2800" kern="1200">
           <a:solidFill>
@@ -3911,14 +3287,11 @@
           <a:cs typeface="+mn-cs"/>
         </a:defRPr>
       </a:lvl2pPr>
-      <a:lvl3pPr marL="1143000" indent="-228600" algn="l" rtl="0" fontAlgn="base">
+      <a:lvl3pPr marL="1143000" indent="-228600" algn="l" defTabSz="914400" rtl="0" eaLnBrk="1" latinLnBrk="0" hangingPunct="1">
         <a:spcBef>
           <a:spcPct val="20000"/>
         </a:spcBef>
-        <a:spcAft>
-          <a:spcPct val="0"/>
-        </a:spcAft>
-        <a:buFont typeface="Arial" charset="0"/>
+        <a:buFont typeface="Arial" pitchFamily="34" charset="0"/>
         <a:buChar char="•"/>
         <a:defRPr sz="2400" kern="1200">
           <a:solidFill>
@@ -3929,14 +3302,11 @@
           <a:cs typeface="+mn-cs"/>
         </a:defRPr>
       </a:lvl3pPr>
-      <a:lvl4pPr marL="1600200" indent="-228600" algn="l" rtl="0" fontAlgn="base">
+      <a:lvl4pPr marL="1600200" indent="-228600" algn="l" defTabSz="914400" rtl="0" eaLnBrk="1" latinLnBrk="0" hangingPunct="1">
         <a:spcBef>
           <a:spcPct val="20000"/>
         </a:spcBef>
-        <a:spcAft>
-          <a:spcPct val="0"/>
-        </a:spcAft>
-        <a:buFont typeface="Arial" charset="0"/>
+        <a:buFont typeface="Arial" pitchFamily="34" charset="0"/>
         <a:buChar char="–"/>
         <a:defRPr sz="2000" kern="1200">
           <a:solidFill>
@@ -3947,14 +3317,11 @@
           <a:cs typeface="+mn-cs"/>
         </a:defRPr>
       </a:lvl4pPr>
-      <a:lvl5pPr marL="2057400" indent="-228600" algn="l" rtl="0" fontAlgn="base">
+      <a:lvl5pPr marL="2057400" indent="-228600" algn="l" defTabSz="914400" rtl="0" eaLnBrk="1" latinLnBrk="0" hangingPunct="1">
         <a:spcBef>
           <a:spcPct val="20000"/>
         </a:spcBef>
-        <a:spcAft>
-          <a:spcPct val="0"/>
-        </a:spcAft>
-        <a:buFont typeface="Arial" charset="0"/>
+        <a:buFont typeface="Arial" pitchFamily="34" charset="0"/>
         <a:buChar char="»"/>
         <a:defRPr sz="2000" kern="1200">
           <a:solidFill>
@@ -4144,12 +3511,43 @@
       </p:grpSpPr>
       <p:sp>
         <p:nvSpPr>
-          <p:cNvPr id="14337" name="标题 1"/>
+          <p:cNvPr id="2" name="标题 1"/>
           <p:cNvSpPr>
             <a:spLocks noGrp="1"/>
           </p:cNvSpPr>
           <p:nvPr>
             <p:ph type="ctrTitle"/>
+          </p:nvPr>
+        </p:nvSpPr>
+        <p:spPr/>
+        <p:txBody>
+          <a:bodyPr>
+            <a:normAutofit/>
+          </a:bodyPr>
+          <a:lstStyle/>
+          <a:p>
+            <a:r>
+              <a:rPr lang="zh-CN" altLang="en-US" dirty="0" smtClean="0">
+                <a:latin typeface="微软雅黑" pitchFamily="34" charset="-122"/>
+                <a:ea typeface="微软雅黑" pitchFamily="34" charset="-122"/>
+              </a:rPr>
+              <a:t>学位论文撰写及格式常见问题</a:t>
+            </a:r>
+            <a:endParaRPr lang="zh-CN" altLang="en-US" dirty="0">
+              <a:latin typeface="微软雅黑" pitchFamily="34" charset="-122"/>
+              <a:ea typeface="微软雅黑" pitchFamily="34" charset="-122"/>
+            </a:endParaRPr>
+          </a:p>
+        </p:txBody>
+      </p:sp>
+      <p:sp>
+        <p:nvSpPr>
+          <p:cNvPr id="3" name="副标题 2"/>
+          <p:cNvSpPr>
+            <a:spLocks noGrp="1"/>
+          </p:cNvSpPr>
+          <p:nvPr>
+            <p:ph type="subTitle" idx="1"/>
           </p:nvPr>
         </p:nvSpPr>
         <p:spPr/>
@@ -4158,32 +3556,7 @@
           <a:lstStyle/>
           <a:p>
             <a:r>
-              <a:rPr lang="zh-CN" altLang="en-US" smtClean="0">
-                <a:latin typeface="微软雅黑" pitchFamily="34" charset="-122"/>
-                <a:ea typeface="微软雅黑" pitchFamily="34" charset="-122"/>
-              </a:rPr>
-              <a:t>学位论文撰写及格式常见问题</a:t>
-            </a:r>
-          </a:p>
-        </p:txBody>
-      </p:sp>
-      <p:sp>
-        <p:nvSpPr>
-          <p:cNvPr id="14338" name="副标题 2"/>
-          <p:cNvSpPr>
-            <a:spLocks noGrp="1"/>
-          </p:cNvSpPr>
-          <p:nvPr>
-            <p:ph type="subTitle" idx="1"/>
-          </p:nvPr>
-        </p:nvSpPr>
-        <p:spPr/>
-        <p:txBody>
-          <a:bodyPr/>
-          <a:lstStyle/>
-          <a:p>
-            <a:r>
-              <a:rPr lang="zh-CN" altLang="en-US" smtClean="0">
+              <a:rPr lang="zh-CN" altLang="en-US" dirty="0" smtClean="0">
                 <a:solidFill>
                   <a:schemeClr val="tx1"/>
                 </a:solidFill>
@@ -4192,7 +3565,7 @@
               </a:rPr>
               <a:t>软件学院</a:t>
             </a:r>
-            <a:endParaRPr lang="en-US" altLang="zh-CN" smtClean="0">
+            <a:endParaRPr lang="en-US" altLang="zh-CN" dirty="0" smtClean="0">
               <a:solidFill>
                 <a:schemeClr val="tx1"/>
               </a:solidFill>
@@ -4202,7 +3575,7 @@
           </a:p>
           <a:p>
             <a:r>
-              <a:rPr lang="en-US" altLang="zh-CN" smtClean="0">
+              <a:rPr lang="en-US" altLang="zh-CN" dirty="0" smtClean="0">
                 <a:solidFill>
                   <a:schemeClr val="tx1"/>
                 </a:solidFill>
@@ -4210,7 +3583,7 @@
               <a:t>TEL</a:t>
             </a:r>
             <a:r>
-              <a:rPr lang="zh-CN" altLang="en-US" smtClean="0">
+              <a:rPr lang="zh-CN" altLang="en-US" dirty="0" smtClean="0">
                 <a:solidFill>
                   <a:schemeClr val="tx1"/>
                 </a:solidFill>
@@ -4218,7 +3591,7 @@
               <a:t>：</a:t>
             </a:r>
             <a:r>
-              <a:rPr lang="en-US" altLang="zh-CN" smtClean="0">
+              <a:rPr lang="en-US" altLang="zh-CN" dirty="0" smtClean="0">
                 <a:solidFill>
                   <a:schemeClr val="tx1"/>
                 </a:solidFill>
@@ -4227,42 +3600,42 @@
             </a:r>
           </a:p>
           <a:p>
-            <a:endParaRPr lang="en-US" altLang="zh-CN" smtClean="0">
+            <a:endParaRPr lang="en-US" altLang="zh-CN" dirty="0">
               <a:solidFill>
                 <a:schemeClr val="tx1"/>
               </a:solidFill>
             </a:endParaRPr>
           </a:p>
           <a:p>
-            <a:endParaRPr lang="en-US" altLang="zh-CN" smtClean="0">
+            <a:endParaRPr lang="en-US" altLang="zh-CN" dirty="0" smtClean="0">
               <a:solidFill>
                 <a:schemeClr val="tx1"/>
               </a:solidFill>
             </a:endParaRPr>
           </a:p>
           <a:p>
-            <a:endParaRPr lang="en-US" altLang="zh-CN" smtClean="0">
+            <a:endParaRPr lang="en-US" altLang="zh-CN" dirty="0">
               <a:solidFill>
                 <a:schemeClr val="tx1"/>
               </a:solidFill>
             </a:endParaRPr>
           </a:p>
           <a:p>
-            <a:endParaRPr lang="en-US" altLang="zh-CN" smtClean="0">
+            <a:endParaRPr lang="en-US" altLang="zh-CN" dirty="0" smtClean="0">
               <a:solidFill>
                 <a:schemeClr val="tx1"/>
               </a:solidFill>
             </a:endParaRPr>
           </a:p>
           <a:p>
-            <a:endParaRPr lang="en-US" altLang="zh-CN" smtClean="0">
+            <a:endParaRPr lang="en-US" altLang="zh-CN" dirty="0">
               <a:solidFill>
                 <a:schemeClr val="tx1"/>
               </a:solidFill>
             </a:endParaRPr>
           </a:p>
           <a:p>
-            <a:endParaRPr lang="zh-CN" altLang="en-US" smtClean="0">
+            <a:endParaRPr lang="zh-CN" altLang="en-US" dirty="0">
               <a:solidFill>
                 <a:schemeClr val="tx1"/>
               </a:solidFill>
@@ -4307,29 +3680,24 @@
         </p:nvSpPr>
         <p:spPr>
           <a:xfrm>
-            <a:off x="457200" y="476250"/>
-            <a:ext cx="8229600" cy="5649913"/>
+            <a:off x="457200" y="476672"/>
+            <a:ext cx="8229600" cy="5649491"/>
           </a:xfrm>
         </p:spPr>
         <p:txBody>
-          <a:bodyPr rtlCol="0">
+          <a:bodyPr>
             <a:normAutofit fontScale="85000" lnSpcReduction="20000"/>
           </a:bodyPr>
           <a:lstStyle/>
           <a:p>
-            <a:pPr fontAlgn="auto">
+            <a:pPr>
               <a:lnSpc>
                 <a:spcPct val="150000"/>
               </a:lnSpc>
               <a:spcBef>
                 <a:spcPts val="1200"/>
               </a:spcBef>
-              <a:spcAft>
-                <a:spcPts val="0"/>
-              </a:spcAft>
-              <a:buFont typeface="Arial" pitchFamily="34" charset="0"/>
-              <a:buNone/>
-              <a:defRPr/>
+              <a:buNone/>
             </a:pPr>
             <a:r>
               <a:rPr lang="en-US" altLang="zh-CN" sz="2300" dirty="0" smtClean="0"/>
@@ -4381,19 +3749,14 @@
             </a:r>
           </a:p>
           <a:p>
-            <a:pPr fontAlgn="auto">
+            <a:pPr>
               <a:lnSpc>
                 <a:spcPct val="150000"/>
               </a:lnSpc>
               <a:spcBef>
                 <a:spcPts val="1200"/>
               </a:spcBef>
-              <a:spcAft>
-                <a:spcPts val="0"/>
-              </a:spcAft>
-              <a:buFont typeface="Arial" pitchFamily="34" charset="0"/>
-              <a:buNone/>
-              <a:defRPr/>
+              <a:buNone/>
             </a:pPr>
             <a:r>
               <a:rPr lang="en-US" altLang="zh-CN" sz="2300" dirty="0" smtClean="0"/>
@@ -4429,19 +3792,14 @@
             </a:r>
           </a:p>
           <a:p>
-            <a:pPr fontAlgn="auto">
+            <a:pPr>
               <a:lnSpc>
                 <a:spcPct val="150000"/>
               </a:lnSpc>
               <a:spcBef>
                 <a:spcPts val="1200"/>
               </a:spcBef>
-              <a:spcAft>
-                <a:spcPts val="0"/>
-              </a:spcAft>
-              <a:buFont typeface="Arial" pitchFamily="34" charset="0"/>
-              <a:buNone/>
-              <a:defRPr/>
+              <a:buNone/>
             </a:pPr>
             <a:r>
               <a:rPr lang="en-US" altLang="zh-CN" sz="2300" dirty="0" smtClean="0"/>
@@ -4469,13 +3827,8 @@
             </a:r>
           </a:p>
           <a:p>
-            <a:pPr fontAlgn="auto">
-              <a:spcAft>
-                <a:spcPts val="0"/>
-              </a:spcAft>
-              <a:buFont typeface="Arial" pitchFamily="34" charset="0"/>
-              <a:buNone/>
-              <a:defRPr/>
+            <a:pPr>
+              <a:buNone/>
             </a:pPr>
             <a:endParaRPr lang="zh-CN" altLang="en-US" dirty="0"/>
           </a:p>
@@ -4518,26 +3871,21 @@
         </p:nvSpPr>
         <p:spPr>
           <a:xfrm>
-            <a:off x="457200" y="549275"/>
-            <a:ext cx="8229600" cy="5832475"/>
+            <a:off x="457200" y="548680"/>
+            <a:ext cx="8229600" cy="5832648"/>
           </a:xfrm>
         </p:spPr>
         <p:txBody>
-          <a:bodyPr rtlCol="0">
+          <a:bodyPr>
             <a:normAutofit fontScale="25000" lnSpcReduction="20000"/>
           </a:bodyPr>
           <a:lstStyle/>
           <a:p>
-            <a:pPr fontAlgn="auto">
+            <a:pPr lvl="0">
               <a:spcBef>
                 <a:spcPts val="1200"/>
               </a:spcBef>
-              <a:spcAft>
-                <a:spcPts val="0"/>
-              </a:spcAft>
-              <a:buFont typeface="Arial" pitchFamily="34" charset="0"/>
-              <a:buNone/>
-              <a:defRPr/>
+              <a:buNone/>
             </a:pPr>
             <a:r>
               <a:rPr lang="en-US" altLang="zh-CN" sz="8000" b="1" dirty="0" smtClean="0">
@@ -4562,19 +3910,14 @@
             </a:r>
           </a:p>
           <a:p>
-            <a:pPr fontAlgn="auto">
+            <a:pPr>
               <a:lnSpc>
                 <a:spcPct val="170000"/>
               </a:lnSpc>
               <a:spcBef>
                 <a:spcPts val="1200"/>
               </a:spcBef>
-              <a:spcAft>
-                <a:spcPts val="0"/>
-              </a:spcAft>
-              <a:buFont typeface="Arial" pitchFamily="34" charset="0"/>
-              <a:buNone/>
-              <a:defRPr/>
+              <a:buNone/>
             </a:pPr>
             <a:r>
               <a:rPr lang="en-US" altLang="zh-CN" sz="7200" dirty="0" smtClean="0"/>
@@ -4602,16 +3945,11 @@
             </a:r>
           </a:p>
           <a:p>
-            <a:pPr fontAlgn="auto">
+            <a:pPr lvl="0">
               <a:spcBef>
                 <a:spcPts val="1200"/>
               </a:spcBef>
-              <a:spcAft>
-                <a:spcPts val="0"/>
-              </a:spcAft>
-              <a:buFont typeface="Arial" pitchFamily="34" charset="0"/>
-              <a:buNone/>
-              <a:defRPr/>
+              <a:buNone/>
             </a:pPr>
             <a:r>
               <a:rPr lang="en-US" altLang="zh-CN" sz="8000" b="1" dirty="0" smtClean="0">
@@ -4636,19 +3974,14 @@
             </a:r>
           </a:p>
           <a:p>
-            <a:pPr fontAlgn="auto">
+            <a:pPr>
               <a:lnSpc>
                 <a:spcPct val="170000"/>
               </a:lnSpc>
               <a:spcBef>
                 <a:spcPts val="1200"/>
               </a:spcBef>
-              <a:spcAft>
-                <a:spcPts val="0"/>
-              </a:spcAft>
-              <a:buFont typeface="Arial" pitchFamily="34" charset="0"/>
-              <a:buNone/>
-              <a:defRPr/>
+              <a:buNone/>
             </a:pPr>
             <a:r>
               <a:rPr lang="en-US" altLang="zh-CN" sz="7200" dirty="0" smtClean="0"/>
@@ -4677,19 +4010,14 @@
             <a:endParaRPr lang="en-US" altLang="zh-CN" sz="7200" dirty="0" smtClean="0"/>
           </a:p>
           <a:p>
-            <a:pPr fontAlgn="auto">
+            <a:pPr>
               <a:lnSpc>
                 <a:spcPct val="170000"/>
               </a:lnSpc>
               <a:spcBef>
                 <a:spcPts val="1200"/>
               </a:spcBef>
-              <a:spcAft>
-                <a:spcPts val="0"/>
-              </a:spcAft>
-              <a:buFont typeface="Arial" pitchFamily="34" charset="0"/>
-              <a:buNone/>
-              <a:defRPr/>
+              <a:buNone/>
             </a:pPr>
             <a:r>
               <a:rPr lang="en-US" altLang="zh-CN" sz="7200" dirty="0" smtClean="0"/>
@@ -4725,19 +4053,14 @@
             </a:r>
           </a:p>
           <a:p>
-            <a:pPr fontAlgn="auto">
+            <a:pPr>
               <a:lnSpc>
                 <a:spcPct val="170000"/>
               </a:lnSpc>
               <a:spcBef>
                 <a:spcPts val="1200"/>
               </a:spcBef>
-              <a:spcAft>
-                <a:spcPts val="0"/>
-              </a:spcAft>
-              <a:buFont typeface="Arial" pitchFamily="34" charset="0"/>
-              <a:buNone/>
-              <a:defRPr/>
+              <a:buNone/>
             </a:pPr>
             <a:r>
               <a:rPr lang="en-US" altLang="zh-CN" sz="7200" dirty="0" smtClean="0"/>
@@ -4749,13 +4072,8 @@
             </a:r>
           </a:p>
           <a:p>
-            <a:pPr fontAlgn="auto">
-              <a:spcAft>
-                <a:spcPts val="0"/>
-              </a:spcAft>
-              <a:buFont typeface="Arial" pitchFamily="34" charset="0"/>
-              <a:buNone/>
-              <a:defRPr/>
+            <a:pPr>
+              <a:buNone/>
             </a:pPr>
             <a:endParaRPr lang="zh-CN" altLang="en-US" dirty="0"/>
           </a:p>
@@ -4798,26 +4116,21 @@
         </p:nvSpPr>
         <p:spPr>
           <a:xfrm>
-            <a:off x="457200" y="549275"/>
-            <a:ext cx="8229600" cy="5832475"/>
+            <a:off x="457200" y="548680"/>
+            <a:ext cx="8229600" cy="5832648"/>
           </a:xfrm>
         </p:spPr>
         <p:txBody>
-          <a:bodyPr rtlCol="0">
+          <a:bodyPr>
             <a:normAutofit fontScale="25000" lnSpcReduction="20000"/>
           </a:bodyPr>
           <a:lstStyle/>
           <a:p>
-            <a:pPr fontAlgn="auto">
+            <a:pPr lvl="0">
               <a:spcBef>
                 <a:spcPts val="1200"/>
               </a:spcBef>
-              <a:spcAft>
-                <a:spcPts val="0"/>
-              </a:spcAft>
-              <a:buFont typeface="Arial" pitchFamily="34" charset="0"/>
-              <a:buNone/>
-              <a:defRPr/>
+              <a:buNone/>
             </a:pPr>
             <a:r>
               <a:rPr lang="en-US" altLang="zh-CN" sz="8000" b="1" dirty="0" smtClean="0">
@@ -4842,19 +4155,14 @@
             </a:r>
           </a:p>
           <a:p>
-            <a:pPr fontAlgn="auto">
+            <a:pPr>
               <a:lnSpc>
                 <a:spcPct val="170000"/>
               </a:lnSpc>
               <a:spcBef>
                 <a:spcPts val="1200"/>
               </a:spcBef>
-              <a:spcAft>
-                <a:spcPts val="0"/>
-              </a:spcAft>
-              <a:buFont typeface="Arial" pitchFamily="34" charset="0"/>
-              <a:buNone/>
-              <a:defRPr/>
+              <a:buNone/>
             </a:pPr>
             <a:r>
               <a:rPr lang="en-US" altLang="zh-CN" sz="7200" dirty="0" smtClean="0"/>
@@ -4874,16 +4182,11 @@
             </a:r>
           </a:p>
           <a:p>
-            <a:pPr fontAlgn="auto">
+            <a:pPr lvl="0">
               <a:spcBef>
                 <a:spcPts val="1200"/>
               </a:spcBef>
-              <a:spcAft>
-                <a:spcPts val="0"/>
-              </a:spcAft>
-              <a:buFont typeface="Arial" pitchFamily="34" charset="0"/>
-              <a:buNone/>
-              <a:defRPr/>
+              <a:buNone/>
             </a:pPr>
             <a:r>
               <a:rPr lang="en-US" altLang="zh-CN" sz="8000" b="1" dirty="0" smtClean="0">
@@ -4908,19 +4211,14 @@
             </a:r>
           </a:p>
           <a:p>
-            <a:pPr fontAlgn="auto">
+            <a:pPr>
               <a:lnSpc>
                 <a:spcPct val="170000"/>
               </a:lnSpc>
               <a:spcBef>
                 <a:spcPts val="1200"/>
               </a:spcBef>
-              <a:spcAft>
-                <a:spcPts val="0"/>
-              </a:spcAft>
-              <a:buFont typeface="Arial" pitchFamily="34" charset="0"/>
-              <a:buNone/>
-              <a:defRPr/>
+              <a:buNone/>
             </a:pPr>
             <a:r>
               <a:rPr lang="en-US" altLang="zh-CN" sz="7200" dirty="0" smtClean="0"/>
@@ -4997,13 +4295,8 @@
             <a:endParaRPr lang="zh-CN" altLang="zh-CN" sz="7200" dirty="0" smtClean="0"/>
           </a:p>
           <a:p>
-            <a:pPr fontAlgn="auto">
-              <a:spcAft>
-                <a:spcPts val="0"/>
-              </a:spcAft>
-              <a:buFont typeface="Arial" pitchFamily="34" charset="0"/>
-              <a:buNone/>
-              <a:defRPr/>
+            <a:pPr>
+              <a:buNone/>
             </a:pPr>
             <a:endParaRPr lang="zh-CN" altLang="en-US" dirty="0"/>
           </a:p>
@@ -5046,26 +4339,21 @@
         </p:nvSpPr>
         <p:spPr>
           <a:xfrm>
-            <a:off x="395288" y="188913"/>
-            <a:ext cx="8229600" cy="6408737"/>
+            <a:off x="395536" y="188640"/>
+            <a:ext cx="8229600" cy="6408712"/>
           </a:xfrm>
         </p:spPr>
         <p:txBody>
-          <a:bodyPr rtlCol="0">
+          <a:bodyPr>
             <a:normAutofit fontScale="25000" lnSpcReduction="20000"/>
           </a:bodyPr>
           <a:lstStyle/>
           <a:p>
-            <a:pPr fontAlgn="auto">
+            <a:pPr lvl="0">
               <a:spcBef>
                 <a:spcPts val="1200"/>
               </a:spcBef>
-              <a:spcAft>
-                <a:spcPts val="0"/>
-              </a:spcAft>
-              <a:buFont typeface="Arial" pitchFamily="34" charset="0"/>
-              <a:buNone/>
-              <a:defRPr/>
+              <a:buNone/>
             </a:pPr>
             <a:r>
               <a:rPr lang="en-US" altLang="zh-CN" sz="8000" b="1" dirty="0" smtClean="0">
@@ -5091,19 +4379,14 @@
             <a:endParaRPr lang="zh-CN" altLang="zh-CN" sz="8000" dirty="0" smtClean="0"/>
           </a:p>
           <a:p>
-            <a:pPr fontAlgn="auto">
+            <a:pPr>
               <a:lnSpc>
                 <a:spcPct val="150000"/>
               </a:lnSpc>
               <a:spcBef>
                 <a:spcPts val="1200"/>
               </a:spcBef>
-              <a:spcAft>
-                <a:spcPts val="0"/>
-              </a:spcAft>
-              <a:buFont typeface="Arial" pitchFamily="34" charset="0"/>
-              <a:buNone/>
-              <a:defRPr/>
+              <a:buNone/>
             </a:pPr>
             <a:r>
               <a:rPr lang="en-US" altLang="zh-CN" sz="7200" dirty="0" smtClean="0"/>
@@ -5115,19 +4398,14 @@
             </a:r>
           </a:p>
           <a:p>
-            <a:pPr fontAlgn="auto">
+            <a:pPr>
               <a:lnSpc>
                 <a:spcPct val="150000"/>
               </a:lnSpc>
               <a:spcBef>
                 <a:spcPts val="1200"/>
               </a:spcBef>
-              <a:spcAft>
-                <a:spcPts val="0"/>
-              </a:spcAft>
-              <a:buFont typeface="Arial" pitchFamily="34" charset="0"/>
-              <a:buNone/>
-              <a:defRPr/>
+              <a:buNone/>
             </a:pPr>
             <a:r>
               <a:rPr lang="en-US" altLang="zh-CN" sz="7200" dirty="0" smtClean="0"/>
@@ -5139,19 +4417,14 @@
             </a:r>
           </a:p>
           <a:p>
-            <a:pPr fontAlgn="auto">
+            <a:pPr>
               <a:lnSpc>
                 <a:spcPct val="150000"/>
               </a:lnSpc>
               <a:spcBef>
                 <a:spcPts val="1200"/>
               </a:spcBef>
-              <a:spcAft>
-                <a:spcPts val="0"/>
-              </a:spcAft>
-              <a:buFont typeface="Arial" pitchFamily="34" charset="0"/>
-              <a:buNone/>
-              <a:defRPr/>
+              <a:buNone/>
             </a:pPr>
             <a:r>
               <a:rPr lang="en-US" altLang="zh-CN" sz="7200" dirty="0" smtClean="0"/>
@@ -5211,13 +4484,8 @@
             </a:r>
           </a:p>
           <a:p>
-            <a:pPr fontAlgn="auto">
-              <a:spcAft>
-                <a:spcPts val="0"/>
-              </a:spcAft>
-              <a:buFont typeface="Arial" pitchFamily="34" charset="0"/>
-              <a:buNone/>
-              <a:defRPr/>
+            <a:pPr>
+              <a:buNone/>
             </a:pPr>
             <a:endParaRPr lang="zh-CN" altLang="en-US" dirty="0">
               <a:latin typeface="+mj-ea"/>
@@ -5253,7 +4521,7 @@
       </p:grpSpPr>
       <p:sp>
         <p:nvSpPr>
-          <p:cNvPr id="28673" name="内容占位符 2"/>
+          <p:cNvPr id="3" name="内容占位符 2"/>
           <p:cNvSpPr>
             <a:spLocks noGrp="1"/>
           </p:cNvSpPr>
@@ -5263,39 +4531,40 @@
         </p:nvSpPr>
         <p:spPr>
           <a:xfrm>
-            <a:off x="457200" y="333375"/>
-            <a:ext cx="8229600" cy="5792788"/>
+            <a:off x="457200" y="332656"/>
+            <a:ext cx="8229600" cy="5793507"/>
           </a:xfrm>
         </p:spPr>
         <p:txBody>
-          <a:bodyPr/>
+          <a:bodyPr>
+            <a:normAutofit/>
+          </a:bodyPr>
           <a:lstStyle/>
           <a:p>
-            <a:pPr>
+            <a:pPr lvl="0">
               <a:spcBef>
                 <a:spcPts val="1200"/>
               </a:spcBef>
-              <a:buFont typeface="Arial" charset="0"/>
-              <a:buNone/>
-            </a:pPr>
-            <a:r>
-              <a:rPr lang="en-US" altLang="zh-CN" sz="2000" b="1" smtClean="0">
-                <a:latin typeface="黑体" pitchFamily="49" charset="-122"/>
-                <a:ea typeface="黑体" pitchFamily="49" charset="-122"/>
+              <a:buNone/>
+            </a:pPr>
+            <a:r>
+              <a:rPr lang="en-US" altLang="zh-CN" sz="2000" b="1" dirty="0" smtClean="0">
+                <a:latin typeface="黑体" pitchFamily="2" charset="-122"/>
+                <a:ea typeface="黑体" pitchFamily="2" charset="-122"/>
               </a:rPr>
               <a:t>15</a:t>
             </a:r>
             <a:r>
-              <a:rPr lang="zh-CN" altLang="en-US" sz="2000" b="1" smtClean="0">
-                <a:latin typeface="黑体" pitchFamily="49" charset="-122"/>
-                <a:ea typeface="黑体" pitchFamily="49" charset="-122"/>
+              <a:rPr lang="zh-CN" altLang="en-US" sz="2000" b="1" dirty="0" smtClean="0">
+                <a:latin typeface="黑体" pitchFamily="2" charset="-122"/>
+                <a:ea typeface="黑体" pitchFamily="2" charset="-122"/>
               </a:rPr>
               <a:t>、</a:t>
             </a:r>
             <a:r>
-              <a:rPr lang="zh-CN" altLang="zh-CN" sz="2000" b="1" smtClean="0">
-                <a:latin typeface="黑体" pitchFamily="49" charset="-122"/>
-                <a:ea typeface="黑体" pitchFamily="49" charset="-122"/>
+              <a:rPr lang="zh-CN" altLang="zh-CN" sz="2000" b="1" dirty="0" smtClean="0">
+                <a:latin typeface="黑体" pitchFamily="2" charset="-122"/>
+                <a:ea typeface="黑体" pitchFamily="2" charset="-122"/>
               </a:rPr>
               <a:t>关国内外概况和发展趋势或论文中的文献综述</a:t>
             </a:r>
@@ -5308,49 +4577,47 @@
               <a:spcBef>
                 <a:spcPts val="1200"/>
               </a:spcBef>
-              <a:buFont typeface="Arial" charset="0"/>
-              <a:buNone/>
-            </a:pPr>
-            <a:r>
-              <a:rPr lang="en-US" altLang="zh-CN" sz="1800" smtClean="0"/>
+              <a:buNone/>
+            </a:pPr>
+            <a:r>
+              <a:rPr lang="en-US" altLang="zh-CN" sz="1800" dirty="0" smtClean="0"/>
               <a:t>                </a:t>
             </a:r>
             <a:r>
-              <a:rPr lang="zh-CN" altLang="zh-CN" sz="1800" smtClean="0"/>
+              <a:rPr lang="zh-CN" altLang="zh-CN" sz="1800" dirty="0" smtClean="0"/>
               <a:t>普遍存在的问题是论述的太泛、针对性不强。作者可以对应用的技术进行必要的概况和综述介绍，但不能是全部，必须要针对作者具体研究和解决的问题进行概述和综述。也就是说，一定是紧密围绕作者的研究问题或解决生产实践的具体问题要来论述，即</a:t>
             </a:r>
             <a:r>
-              <a:rPr lang="zh-CN" altLang="en-US" sz="1800" smtClean="0"/>
+              <a:rPr lang="zh-CN" altLang="en-US" sz="1800" dirty="0" smtClean="0"/>
               <a:t>：</a:t>
             </a:r>
             <a:r>
-              <a:rPr lang="zh-CN" altLang="zh-CN" sz="1800" smtClean="0"/>
+              <a:rPr lang="zh-CN" altLang="zh-CN" sz="1800" dirty="0" smtClean="0"/>
               <a:t>作者首先必须明确自己在论文工作中到底要研究和解决哪些具体问题，即使你参加项目的具体设计和开发工作，在这些工作中需要提炼一些需要作者努力去研究和解决的一些问题，这些问题明确了，才能进行概况和综述，即作者研究和解决的问题工作，类似的或相同的问题，前人都做了哪些工作，取得了什么结果、结论和成果，还存在什么问题</a:t>
             </a:r>
             <a:r>
-              <a:rPr lang="en-US" altLang="zh-CN" sz="1800" smtClean="0"/>
+              <a:rPr lang="en-US" altLang="zh-CN" sz="1800" dirty="0" smtClean="0"/>
               <a:t>(</a:t>
             </a:r>
             <a:r>
-              <a:rPr lang="zh-CN" altLang="zh-CN" sz="1800" smtClean="0"/>
+              <a:rPr lang="zh-CN" altLang="zh-CN" sz="1800" dirty="0" smtClean="0"/>
               <a:t>针对作者工作的问题</a:t>
             </a:r>
             <a:r>
-              <a:rPr lang="en-US" altLang="zh-CN" sz="1800" smtClean="0"/>
+              <a:rPr lang="en-US" altLang="zh-CN" sz="1800" dirty="0" smtClean="0"/>
               <a:t>)</a:t>
             </a:r>
             <a:r>
-              <a:rPr lang="zh-CN" altLang="zh-CN" sz="1800" smtClean="0"/>
+              <a:rPr lang="zh-CN" altLang="zh-CN" sz="1800" dirty="0" smtClean="0"/>
               <a:t>，这些问题正是作者是研究和解决的，只用读者和审阅者清楚同类问题前人或同行做的如何，才好比较作者的工作，也才能体现作者论文工作的价值和意义。</a:t>
             </a:r>
-            <a:endParaRPr lang="zh-CN" altLang="zh-CN" sz="1800" b="1" smtClean="0"/>
+            <a:endParaRPr lang="zh-CN" altLang="zh-CN" sz="1800" b="1" dirty="0" smtClean="0"/>
           </a:p>
           <a:p>
             <a:pPr>
-              <a:buFont typeface="Arial" charset="0"/>
-              <a:buNone/>
-            </a:pPr>
-            <a:endParaRPr lang="zh-CN" altLang="en-US" smtClean="0"/>
+              <a:buNone/>
+            </a:pPr>
+            <a:endParaRPr lang="zh-CN" altLang="en-US" dirty="0"/>
           </a:p>
         </p:txBody>
       </p:sp>
@@ -5391,26 +4658,21 @@
         </p:nvSpPr>
         <p:spPr>
           <a:xfrm>
-            <a:off x="457200" y="404813"/>
-            <a:ext cx="8229600" cy="5721350"/>
+            <a:off x="457200" y="404664"/>
+            <a:ext cx="8229600" cy="5721499"/>
           </a:xfrm>
         </p:spPr>
         <p:txBody>
-          <a:bodyPr rtlCol="0">
+          <a:bodyPr>
             <a:normAutofit lnSpcReduction="10000"/>
           </a:bodyPr>
           <a:lstStyle/>
           <a:p>
-            <a:pPr fontAlgn="auto">
+            <a:pPr lvl="0">
               <a:spcBef>
                 <a:spcPts val="1200"/>
               </a:spcBef>
-              <a:spcAft>
-                <a:spcPts val="0"/>
-              </a:spcAft>
-              <a:buFont typeface="Arial" pitchFamily="34" charset="0"/>
-              <a:buNone/>
-              <a:defRPr/>
+              <a:buNone/>
             </a:pPr>
             <a:r>
               <a:rPr lang="en-US" altLang="zh-CN" sz="1900" b="1" dirty="0" smtClean="0">
@@ -5435,19 +4697,14 @@
             </a:r>
           </a:p>
           <a:p>
-            <a:pPr fontAlgn="auto">
+            <a:pPr>
               <a:lnSpc>
                 <a:spcPct val="150000"/>
               </a:lnSpc>
               <a:spcBef>
                 <a:spcPts val="1200"/>
               </a:spcBef>
-              <a:spcAft>
-                <a:spcPts val="0"/>
-              </a:spcAft>
-              <a:buFont typeface="Arial" pitchFamily="34" charset="0"/>
-              <a:buNone/>
-              <a:defRPr/>
+              <a:buNone/>
             </a:pPr>
             <a:r>
               <a:rPr lang="en-US" altLang="zh-CN" sz="1900" dirty="0" smtClean="0"/>
@@ -5491,19 +4748,14 @@
             </a:r>
           </a:p>
           <a:p>
-            <a:pPr fontAlgn="auto">
+            <a:pPr>
               <a:lnSpc>
                 <a:spcPct val="150000"/>
               </a:lnSpc>
               <a:spcBef>
                 <a:spcPts val="1200"/>
               </a:spcBef>
-              <a:spcAft>
-                <a:spcPts val="0"/>
-              </a:spcAft>
-              <a:buFont typeface="Arial" pitchFamily="34" charset="0"/>
-              <a:buNone/>
-              <a:defRPr/>
+              <a:buNone/>
             </a:pPr>
             <a:r>
               <a:rPr lang="en-US" altLang="zh-CN" sz="1800" dirty="0" smtClean="0"/>
@@ -5515,19 +4767,14 @@
             </a:r>
           </a:p>
           <a:p>
-            <a:pPr fontAlgn="auto">
+            <a:pPr lvl="0">
               <a:lnSpc>
                 <a:spcPct val="150000"/>
               </a:lnSpc>
               <a:spcBef>
                 <a:spcPts val="1200"/>
               </a:spcBef>
-              <a:spcAft>
-                <a:spcPts val="0"/>
-              </a:spcAft>
-              <a:buFont typeface="Arial" pitchFamily="34" charset="0"/>
-              <a:buNone/>
-              <a:defRPr/>
+              <a:buNone/>
             </a:pPr>
             <a:r>
               <a:rPr lang="en-US" altLang="zh-CN" sz="1900" b="1" dirty="0" smtClean="0">
@@ -5552,19 +4799,14 @@
             </a:r>
           </a:p>
           <a:p>
-            <a:pPr fontAlgn="auto">
+            <a:pPr>
               <a:lnSpc>
                 <a:spcPct val="150000"/>
               </a:lnSpc>
               <a:spcBef>
                 <a:spcPts val="1200"/>
               </a:spcBef>
-              <a:spcAft>
-                <a:spcPts val="0"/>
-              </a:spcAft>
-              <a:buFont typeface="Arial" pitchFamily="34" charset="0"/>
-              <a:buNone/>
-              <a:defRPr/>
+              <a:buNone/>
             </a:pPr>
             <a:r>
               <a:rPr lang="en-US" altLang="zh-CN" sz="1900" dirty="0" smtClean="0"/>
@@ -5584,19 +4826,14 @@
             </a:r>
           </a:p>
           <a:p>
-            <a:pPr fontAlgn="auto">
+            <a:pPr>
               <a:lnSpc>
                 <a:spcPct val="150000"/>
               </a:lnSpc>
               <a:spcBef>
                 <a:spcPts val="1200"/>
               </a:spcBef>
-              <a:spcAft>
-                <a:spcPts val="0"/>
-              </a:spcAft>
-              <a:buFont typeface="Arial" pitchFamily="34" charset="0"/>
-              <a:buNone/>
-              <a:defRPr/>
+              <a:buNone/>
             </a:pPr>
             <a:r>
               <a:rPr lang="en-US" altLang="zh-CN" sz="1900" dirty="0" smtClean="0"/>
@@ -5608,13 +4845,8 @@
             </a:r>
           </a:p>
           <a:p>
-            <a:pPr fontAlgn="auto">
-              <a:spcAft>
-                <a:spcPts val="0"/>
-              </a:spcAft>
-              <a:buFont typeface="Arial" pitchFamily="34" charset="0"/>
-              <a:buNone/>
-              <a:defRPr/>
+            <a:pPr>
+              <a:buNone/>
             </a:pPr>
             <a:endParaRPr lang="zh-CN" altLang="en-US" dirty="0"/>
           </a:p>
@@ -5647,7 +4879,7 @@
       </p:grpSpPr>
       <p:sp>
         <p:nvSpPr>
-          <p:cNvPr id="30721" name="内容占位符 2"/>
+          <p:cNvPr id="3" name="内容占位符 2"/>
           <p:cNvSpPr>
             <a:spLocks noGrp="1"/>
           </p:cNvSpPr>
@@ -5657,15 +4889,15 @@
         </p:nvSpPr>
         <p:spPr>
           <a:xfrm>
-            <a:off x="457200" y="836613"/>
-            <a:ext cx="8229600" cy="5289550"/>
+            <a:off x="457200" y="836712"/>
+            <a:ext cx="8229600" cy="5289451"/>
           </a:xfrm>
         </p:spPr>
         <p:txBody>
           <a:bodyPr/>
           <a:lstStyle/>
           <a:p>
-            <a:endParaRPr lang="zh-CN" altLang="en-US" smtClean="0"/>
+            <a:endParaRPr lang="zh-CN" altLang="en-US" dirty="0"/>
           </a:p>
         </p:txBody>
       </p:sp>
@@ -5706,23 +4938,18 @@
         </p:nvSpPr>
         <p:spPr>
           <a:xfrm>
-            <a:off x="457200" y="476250"/>
-            <a:ext cx="8229600" cy="5649913"/>
+            <a:off x="457200" y="476672"/>
+            <a:ext cx="8229600" cy="5649491"/>
           </a:xfrm>
         </p:spPr>
         <p:txBody>
-          <a:bodyPr rtlCol="0">
+          <a:bodyPr>
             <a:normAutofit/>
           </a:bodyPr>
           <a:lstStyle/>
           <a:p>
-            <a:pPr fontAlgn="auto">
-              <a:spcAft>
-                <a:spcPts val="0"/>
-              </a:spcAft>
-              <a:buFont typeface="Arial" pitchFamily="34" charset="0"/>
-              <a:buNone/>
-              <a:defRPr/>
+            <a:pPr>
+              <a:buNone/>
             </a:pPr>
             <a:r>
               <a:rPr lang="en-US" altLang="zh-CN" sz="2000" b="1" dirty="0" smtClean="0">
@@ -5744,25 +4971,26 @@
             </a:endParaRPr>
           </a:p>
           <a:p>
-            <a:pPr fontAlgn="auto">
+            <a:pPr>
               <a:lnSpc>
                 <a:spcPct val="150000"/>
               </a:lnSpc>
               <a:spcBef>
                 <a:spcPts val="1200"/>
               </a:spcBef>
-              <a:spcAft>
-                <a:spcPts val="0"/>
-              </a:spcAft>
-              <a:buFont typeface="Arial" pitchFamily="34" charset="0"/>
-              <a:buNone/>
-              <a:defRPr/>
+              <a:buNone/>
             </a:pPr>
             <a:r>
               <a:rPr lang="en-US" altLang="zh-CN" sz="2000" dirty="0" smtClean="0">
                 <a:latin typeface="+mn-ea"/>
               </a:rPr>
-              <a:t>      </a:t>
+              <a:t> </a:t>
+            </a:r>
+            <a:r>
+              <a:rPr lang="en-US" altLang="zh-CN" sz="2000" dirty="0" smtClean="0">
+                <a:latin typeface="+mn-ea"/>
+              </a:rPr>
+              <a:t>     </a:t>
             </a:r>
             <a:r>
               <a:rPr lang="zh-CN" altLang="en-US" sz="1800" dirty="0" smtClean="0">
@@ -5775,25 +5003,26 @@
             </a:endParaRPr>
           </a:p>
           <a:p>
-            <a:pPr fontAlgn="auto">
+            <a:pPr>
               <a:lnSpc>
                 <a:spcPct val="150000"/>
               </a:lnSpc>
               <a:spcBef>
                 <a:spcPts val="1200"/>
               </a:spcBef>
-              <a:spcAft>
-                <a:spcPts val="0"/>
-              </a:spcAft>
-              <a:buFont typeface="Arial" pitchFamily="34" charset="0"/>
-              <a:buNone/>
-              <a:defRPr/>
+              <a:buNone/>
             </a:pPr>
             <a:r>
               <a:rPr lang="en-US" altLang="zh-CN" sz="1800" dirty="0" smtClean="0">
                 <a:latin typeface="+mn-ea"/>
               </a:rPr>
-              <a:t>        </a:t>
+              <a:t> </a:t>
+            </a:r>
+            <a:r>
+              <a:rPr lang="en-US" altLang="zh-CN" sz="1800" dirty="0" smtClean="0">
+                <a:latin typeface="+mn-ea"/>
+              </a:rPr>
+              <a:t>       </a:t>
             </a:r>
             <a:r>
               <a:rPr lang="zh-CN" altLang="en-US" sz="1800" dirty="0" smtClean="0">
@@ -5834,7 +5063,7 @@
       </p:grpSpPr>
       <p:sp>
         <p:nvSpPr>
-          <p:cNvPr id="16385" name="标题 1"/>
+          <p:cNvPr id="2" name="标题 1"/>
           <p:cNvSpPr>
             <a:spLocks noGrp="1"/>
           </p:cNvSpPr>
@@ -5844,28 +5073,28 @@
         </p:nvSpPr>
         <p:spPr/>
         <p:txBody>
-          <a:bodyPr/>
+          <a:bodyPr>
+            <a:normAutofit/>
+          </a:bodyPr>
           <a:lstStyle/>
           <a:p>
             <a:r>
-              <a:rPr lang="zh-CN" altLang="zh-CN" sz="3200" b="1" smtClean="0">
-                <a:latin typeface="方正兰亭黑_YS_GB18030"/>
-                <a:ea typeface="方正兰亭黑_YS_GB18030"/>
-                <a:cs typeface="方正兰亭黑_YS_GB18030"/>
+              <a:rPr lang="zh-CN" altLang="zh-CN" sz="3200" b="1" dirty="0" smtClean="0">
+                <a:latin typeface="方正兰亭黑_YS_GB18030" pitchFamily="66" charset="-122"/>
+                <a:ea typeface="方正兰亭黑_YS_GB18030" pitchFamily="66" charset="-122"/>
               </a:rPr>
               <a:t>工程硕士学位论文撰写常见问题汇总</a:t>
             </a:r>
-            <a:endParaRPr lang="zh-CN" altLang="en-US" sz="3200" b="1" smtClean="0">
-              <a:latin typeface="方正兰亭黑_YS_GB18030"/>
-              <a:ea typeface="方正兰亭黑_YS_GB18030"/>
-              <a:cs typeface="方正兰亭黑_YS_GB18030"/>
+            <a:endParaRPr lang="zh-CN" altLang="en-US" sz="3200" b="1" dirty="0">
+              <a:latin typeface="方正兰亭黑_YS_GB18030" pitchFamily="66" charset="-122"/>
+              <a:ea typeface="方正兰亭黑_YS_GB18030" pitchFamily="66" charset="-122"/>
             </a:endParaRPr>
           </a:p>
         </p:txBody>
       </p:sp>
       <p:sp>
         <p:nvSpPr>
-          <p:cNvPr id="16386" name="内容占位符 2"/>
+          <p:cNvPr id="3" name="内容占位符 2"/>
           <p:cNvSpPr>
             <a:spLocks noGrp="1"/>
           </p:cNvSpPr>
@@ -5875,7 +5104,9 @@
         </p:nvSpPr>
         <p:spPr/>
         <p:txBody>
-          <a:bodyPr/>
+          <a:bodyPr>
+            <a:normAutofit/>
+          </a:bodyPr>
           <a:lstStyle/>
           <a:p>
             <a:pPr>
@@ -5883,101 +5114,108 @@
                 <a:spcPct val="150000"/>
               </a:lnSpc>
               <a:spcBef>
-                <a:spcPct val="0"/>
+                <a:spcPts val="0"/>
               </a:spcBef>
-              <a:buFont typeface="Arial" charset="0"/>
-              <a:buNone/>
-            </a:pPr>
-            <a:r>
-              <a:rPr lang="en-US" altLang="zh-CN" smtClean="0"/>
+              <a:buNone/>
+            </a:pPr>
+            <a:r>
+              <a:rPr lang="en-US" altLang="zh-CN" dirty="0" smtClean="0"/>
               <a:t>         </a:t>
             </a:r>
             <a:r>
-              <a:rPr lang="zh-CN" altLang="en-US" sz="1900" smtClean="0"/>
+              <a:rPr lang="zh-CN" altLang="en-US" sz="1900" dirty="0" smtClean="0"/>
               <a:t>撰写前仔细阅读</a:t>
             </a:r>
             <a:r>
-              <a:rPr lang="en-US" altLang="zh-CN" sz="1900" smtClean="0"/>
+              <a:rPr lang="en-US" altLang="zh-CN" sz="1900" dirty="0" smtClean="0"/>
               <a:t>《</a:t>
             </a:r>
             <a:r>
-              <a:rPr lang="zh-CN" altLang="en-US" sz="1900" smtClean="0"/>
-              <a:t>中国科学技术大学软件学院工程硕士研究生学位论文撰写规范</a:t>
-            </a:r>
-            <a:r>
-              <a:rPr lang="en-US" altLang="zh-CN" sz="1900" smtClean="0"/>
+              <a:rPr lang="zh-CN" altLang="en-US" sz="1900" dirty="0"/>
+              <a:t>中国科学技术大学软件学院工程硕士</a:t>
+            </a:r>
+            <a:r>
+              <a:rPr lang="zh-CN" altLang="en-US" sz="1900" dirty="0" smtClean="0"/>
+              <a:t>研究生</a:t>
+            </a:r>
+            <a:r>
+              <a:rPr lang="zh-CN" altLang="en-US" sz="1900" dirty="0"/>
+              <a:t>学位论文撰写规范</a:t>
+            </a:r>
+            <a:r>
+              <a:rPr lang="en-US" altLang="zh-CN" sz="1900" dirty="0" smtClean="0"/>
               <a:t>》</a:t>
             </a:r>
             <a:r>
-              <a:rPr lang="zh-CN" altLang="en-US" sz="1900" smtClean="0"/>
+              <a:rPr lang="zh-CN" altLang="en-US" sz="1900" dirty="0" smtClean="0"/>
               <a:t>（</a:t>
             </a:r>
             <a:r>
-              <a:rPr lang="zh-CN" altLang="en-US" sz="1400" smtClean="0"/>
+              <a:rPr lang="zh-CN" altLang="en-US" sz="1400" dirty="0" smtClean="0"/>
               <a:t>软件学院信息平台</a:t>
             </a:r>
             <a:r>
-              <a:rPr lang="en-US" altLang="zh-CN" sz="1400" smtClean="0"/>
+              <a:rPr lang="en-US" altLang="zh-CN" sz="1400" dirty="0" smtClean="0"/>
               <a:t>—</a:t>
             </a:r>
             <a:r>
-              <a:rPr lang="zh-CN" altLang="en-US" sz="1400" smtClean="0"/>
+              <a:rPr lang="zh-CN" altLang="en-US" sz="1400" dirty="0" smtClean="0"/>
               <a:t>常用文件下载</a:t>
             </a:r>
             <a:r>
-              <a:rPr lang="en-US" altLang="zh-CN" sz="1400" smtClean="0"/>
+              <a:rPr lang="en-US" altLang="zh-CN" sz="1400" dirty="0" smtClean="0"/>
               <a:t>—</a:t>
             </a:r>
             <a:r>
-              <a:rPr lang="zh-CN" altLang="en-US" sz="1400" smtClean="0"/>
+              <a:rPr lang="zh-CN" altLang="en-US" sz="1400" dirty="0" smtClean="0"/>
               <a:t>教学部</a:t>
             </a:r>
             <a:r>
-              <a:rPr lang="en-US" altLang="zh-CN" sz="1400" smtClean="0"/>
+              <a:rPr lang="en-US" altLang="zh-CN" sz="1400" dirty="0" smtClean="0"/>
               <a:t>—P1</a:t>
             </a:r>
             <a:r>
-              <a:rPr lang="zh-CN" altLang="en-US" sz="1400" smtClean="0"/>
+              <a:rPr lang="zh-CN" altLang="en-US" sz="1400" dirty="0" smtClean="0"/>
               <a:t>）</a:t>
             </a:r>
             <a:r>
-              <a:rPr lang="zh-CN" altLang="en-US" sz="1900" smtClean="0"/>
+              <a:rPr lang="zh-CN" altLang="en-US" sz="1900" dirty="0" smtClean="0"/>
               <a:t>及</a:t>
             </a:r>
             <a:r>
-              <a:rPr lang="en-US" altLang="zh-CN" sz="1900" smtClean="0"/>
+              <a:rPr lang="en-US" altLang="zh-CN" sz="1900" dirty="0" smtClean="0"/>
               <a:t>《</a:t>
             </a:r>
             <a:r>
-              <a:rPr lang="zh-CN" altLang="en-US" sz="1900" smtClean="0"/>
+              <a:rPr lang="zh-CN" altLang="en-US" sz="1900" dirty="0" smtClean="0"/>
               <a:t>中国科学技术大学工程硕士论文撰写规范</a:t>
             </a:r>
             <a:r>
-              <a:rPr lang="en-US" altLang="zh-CN" sz="1900" smtClean="0"/>
+              <a:rPr lang="en-US" altLang="zh-CN" sz="1900" dirty="0" smtClean="0"/>
               <a:t>》(</a:t>
             </a:r>
             <a:r>
-              <a:rPr lang="zh-CN" altLang="en-US" sz="1400" smtClean="0"/>
+              <a:rPr lang="zh-CN" altLang="en-US" sz="1400" dirty="0" smtClean="0"/>
               <a:t>研究生院信息平台</a:t>
             </a:r>
             <a:r>
-              <a:rPr lang="en-US" altLang="zh-CN" sz="1400" smtClean="0"/>
+              <a:rPr lang="en-US" altLang="zh-CN" sz="1400" dirty="0" smtClean="0"/>
               <a:t>—</a:t>
             </a:r>
             <a:r>
-              <a:rPr lang="zh-CN" altLang="en-US" sz="1400" smtClean="0"/>
+              <a:rPr lang="zh-CN" altLang="en-US" sz="1400" dirty="0" smtClean="0"/>
               <a:t>学位</a:t>
             </a:r>
             <a:r>
-              <a:rPr lang="en-US" altLang="zh-CN" sz="1400" smtClean="0"/>
+              <a:rPr lang="en-US" altLang="zh-CN" sz="1400" dirty="0" smtClean="0"/>
               <a:t>—</a:t>
             </a:r>
             <a:r>
-              <a:rPr lang="zh-CN" altLang="en-US" sz="1400" smtClean="0"/>
+              <a:rPr lang="zh-CN" altLang="en-US" sz="1400" dirty="0" smtClean="0"/>
               <a:t>文档下载</a:t>
             </a:r>
             <a:r>
-              <a:rPr lang="en-US" altLang="zh-CN" sz="1900" smtClean="0"/>
+              <a:rPr lang="en-US" altLang="zh-CN" sz="1900" dirty="0" smtClean="0"/>
               <a:t>)</a:t>
             </a:r>
           </a:p>
@@ -5987,20 +5225,19 @@
                 <a:spcPct val="150000"/>
               </a:lnSpc>
               <a:spcBef>
-                <a:spcPct val="0"/>
+                <a:spcPts val="0"/>
               </a:spcBef>
-              <a:buFont typeface="Arial" charset="0"/>
-              <a:buNone/>
-            </a:pPr>
-            <a:r>
-              <a:rPr lang="en-US" altLang="zh-CN" sz="1900" smtClean="0"/>
+              <a:buNone/>
+            </a:pPr>
+            <a:r>
+              <a:rPr lang="en-US" altLang="zh-CN" sz="1900" dirty="0" smtClean="0"/>
               <a:t>               </a:t>
             </a:r>
             <a:r>
-              <a:rPr lang="zh-CN" altLang="zh-CN" sz="1900" smtClean="0"/>
+              <a:rPr lang="zh-CN" altLang="zh-CN" sz="1900" dirty="0" smtClean="0"/>
               <a:t>学生撰写学位论文时，请参照学院发布的《工程硕士研究生学位论文撰写规范》，严格按要求撰写和排版。</a:t>
             </a:r>
-            <a:endParaRPr lang="en-US" altLang="zh-CN" sz="1900" smtClean="0"/>
+            <a:endParaRPr lang="en-US" altLang="zh-CN" sz="1900" dirty="0" smtClean="0"/>
           </a:p>
           <a:p>
             <a:pPr>
@@ -6008,62 +5245,55 @@
                 <a:spcPct val="150000"/>
               </a:lnSpc>
               <a:spcBef>
-                <a:spcPct val="0"/>
+                <a:spcPts val="0"/>
               </a:spcBef>
-              <a:buFont typeface="Arial" charset="0"/>
-              <a:buNone/>
-            </a:pPr>
-            <a:r>
-              <a:rPr lang="en-US" altLang="zh-CN" sz="1900" smtClean="0"/>
+              <a:buNone/>
+            </a:pPr>
+            <a:r>
+              <a:rPr lang="en-US" altLang="zh-CN" sz="1900" dirty="0" smtClean="0"/>
               <a:t>                </a:t>
             </a:r>
             <a:r>
-              <a:rPr lang="zh-CN" altLang="zh-CN" sz="1900" smtClean="0"/>
+              <a:rPr lang="zh-CN" altLang="zh-CN" sz="1900" dirty="0" smtClean="0"/>
               <a:t>本文将历年来工程硕士研究生在撰写学位论文时常见的问题进行汇总，供同学们参考。</a:t>
             </a:r>
-            <a:endParaRPr lang="en-US" altLang="zh-CN" sz="1900" smtClean="0"/>
+            <a:endParaRPr lang="en-US" altLang="zh-CN" sz="1900" dirty="0" smtClean="0"/>
           </a:p>
           <a:p>
             <a:pPr>
-              <a:buFont typeface="Arial" charset="0"/>
-              <a:buNone/>
-            </a:pPr>
-            <a:endParaRPr lang="en-US" altLang="zh-CN" smtClean="0"/>
+              <a:buNone/>
+            </a:pPr>
+            <a:endParaRPr lang="en-US" altLang="zh-CN" dirty="0" smtClean="0"/>
           </a:p>
           <a:p>
             <a:pPr>
-              <a:buFont typeface="Arial" charset="0"/>
-              <a:buNone/>
-            </a:pPr>
-            <a:endParaRPr lang="en-US" altLang="zh-CN" smtClean="0"/>
+              <a:buNone/>
+            </a:pPr>
+            <a:endParaRPr lang="en-US" altLang="zh-CN" dirty="0" smtClean="0"/>
           </a:p>
           <a:p>
             <a:pPr>
-              <a:buFont typeface="Arial" charset="0"/>
-              <a:buNone/>
-            </a:pPr>
-            <a:endParaRPr lang="en-US" altLang="zh-CN" smtClean="0"/>
+              <a:buNone/>
+            </a:pPr>
+            <a:endParaRPr lang="en-US" altLang="zh-CN" dirty="0" smtClean="0"/>
           </a:p>
           <a:p>
             <a:pPr>
-              <a:buFont typeface="Arial" charset="0"/>
-              <a:buNone/>
-            </a:pPr>
-            <a:endParaRPr lang="en-US" altLang="zh-CN" smtClean="0"/>
+              <a:buNone/>
+            </a:pPr>
+            <a:endParaRPr lang="en-US" altLang="zh-CN" dirty="0" smtClean="0"/>
           </a:p>
           <a:p>
             <a:pPr>
-              <a:buFont typeface="Arial" charset="0"/>
-              <a:buNone/>
-            </a:pPr>
-            <a:endParaRPr lang="zh-CN" altLang="zh-CN" smtClean="0"/>
+              <a:buNone/>
+            </a:pPr>
+            <a:endParaRPr lang="zh-CN" altLang="zh-CN" dirty="0" smtClean="0"/>
           </a:p>
           <a:p>
             <a:pPr>
-              <a:buFont typeface="Arial" charset="0"/>
-              <a:buNone/>
-            </a:pPr>
-            <a:endParaRPr lang="zh-CN" altLang="en-US" smtClean="0"/>
+              <a:buNone/>
+            </a:pPr>
+            <a:endParaRPr lang="zh-CN" altLang="en-US" dirty="0"/>
           </a:p>
         </p:txBody>
       </p:sp>
@@ -6104,26 +5334,21 @@
         </p:nvSpPr>
         <p:spPr>
           <a:xfrm>
-            <a:off x="457200" y="404813"/>
-            <a:ext cx="8229600" cy="6119812"/>
+            <a:off x="457200" y="404664"/>
+            <a:ext cx="8229600" cy="6120680"/>
           </a:xfrm>
         </p:spPr>
         <p:txBody>
-          <a:bodyPr rtlCol="0">
+          <a:bodyPr>
             <a:normAutofit/>
           </a:bodyPr>
           <a:lstStyle/>
           <a:p>
-            <a:pPr fontAlgn="auto">
+            <a:pPr lvl="0">
               <a:spcBef>
                 <a:spcPts val="1200"/>
               </a:spcBef>
-              <a:spcAft>
-                <a:spcPts val="0"/>
-              </a:spcAft>
-              <a:buFont typeface="Arial" pitchFamily="34" charset="0"/>
-              <a:buNone/>
-              <a:defRPr/>
+              <a:buNone/>
             </a:pPr>
             <a:r>
               <a:rPr lang="en-US" altLang="zh-CN" sz="2200" b="1" dirty="0" smtClean="0">
@@ -6148,19 +5373,14 @@
             </a:r>
           </a:p>
           <a:p>
-            <a:pPr indent="342900" fontAlgn="auto">
+            <a:pPr indent="342900">
               <a:lnSpc>
                 <a:spcPct val="170000"/>
               </a:lnSpc>
               <a:spcBef>
                 <a:spcPts val="1200"/>
               </a:spcBef>
-              <a:spcAft>
-                <a:spcPts val="0"/>
-              </a:spcAft>
-              <a:buFont typeface="Arial" pitchFamily="34" charset="0"/>
-              <a:buNone/>
-              <a:defRPr/>
+              <a:buNone/>
             </a:pPr>
             <a:r>
               <a:rPr lang="en-US" altLang="zh-CN" sz="1800" dirty="0" smtClean="0">
@@ -6181,19 +5401,14 @@
             </a:endParaRPr>
           </a:p>
           <a:p>
-            <a:pPr indent="342900" fontAlgn="auto">
+            <a:pPr indent="342900">
               <a:lnSpc>
                 <a:spcPct val="170000"/>
               </a:lnSpc>
               <a:spcBef>
                 <a:spcPts val="1200"/>
               </a:spcBef>
-              <a:spcAft>
-                <a:spcPts val="0"/>
-              </a:spcAft>
-              <a:buFont typeface="Arial" pitchFamily="34" charset="0"/>
-              <a:buNone/>
-              <a:defRPr/>
+              <a:buNone/>
             </a:pPr>
             <a:r>
               <a:rPr lang="en-US" altLang="zh-CN" sz="1800" dirty="0" smtClean="0">
@@ -6206,14 +5421,28 @@
                 <a:latin typeface="+mj-ea"/>
                 <a:ea typeface="+mj-ea"/>
               </a:rPr>
-              <a:t>）中文摘要的篇幅应大于</a:t>
+              <a:t>）中文摘要的</a:t>
+            </a:r>
+            <a:r>
+              <a:rPr lang="zh-CN" altLang="en-US" sz="1800" dirty="0" smtClean="0">
+                <a:latin typeface="+mj-ea"/>
+                <a:ea typeface="+mj-ea"/>
+              </a:rPr>
+              <a:t>篇幅应大于</a:t>
             </a:r>
             <a:r>
               <a:rPr lang="en-US" altLang="zh-CN" sz="1800" dirty="0" smtClean="0">
                 <a:latin typeface="+mj-ea"/>
                 <a:ea typeface="+mj-ea"/>
               </a:rPr>
-              <a:t>1/2</a:t>
+              <a:t>1</a:t>
+            </a:r>
+            <a:r>
+              <a:rPr lang="en-US" altLang="zh-CN" sz="1800" dirty="0" smtClean="0">
+                <a:latin typeface="+mj-ea"/>
+                <a:ea typeface="+mj-ea"/>
+              </a:rPr>
+              <a:t>/2</a:t>
             </a:r>
             <a:r>
               <a:rPr lang="zh-CN" altLang="en-US" sz="1800" dirty="0" smtClean="0">
@@ -6242,19 +5471,14 @@
             </a:endParaRPr>
           </a:p>
           <a:p>
-            <a:pPr indent="342900" fontAlgn="auto">
+            <a:pPr indent="342900">
               <a:lnSpc>
                 <a:spcPct val="170000"/>
               </a:lnSpc>
               <a:spcBef>
                 <a:spcPts val="1200"/>
               </a:spcBef>
-              <a:spcAft>
-                <a:spcPts val="0"/>
-              </a:spcAft>
-              <a:buFont typeface="Arial" pitchFamily="34" charset="0"/>
-              <a:buNone/>
-              <a:defRPr/>
+              <a:buNone/>
             </a:pPr>
             <a:r>
               <a:rPr lang="en-US" altLang="zh-CN" sz="1800" dirty="0" smtClean="0">
@@ -6317,19 +5541,14 @@
             </a:endParaRPr>
           </a:p>
           <a:p>
-            <a:pPr indent="342900" fontAlgn="auto">
+            <a:pPr indent="342900">
               <a:lnSpc>
                 <a:spcPct val="170000"/>
               </a:lnSpc>
               <a:spcBef>
                 <a:spcPts val="1200"/>
               </a:spcBef>
-              <a:spcAft>
-                <a:spcPts val="0"/>
-              </a:spcAft>
-              <a:buFont typeface="Arial" pitchFamily="34" charset="0"/>
-              <a:buNone/>
-              <a:defRPr/>
+              <a:buNone/>
             </a:pPr>
             <a:r>
               <a:rPr lang="en-US" altLang="zh-CN" sz="1800" dirty="0" smtClean="0">
@@ -6346,19 +5565,14 @@
             </a:r>
           </a:p>
           <a:p>
-            <a:pPr indent="342900" fontAlgn="auto">
+            <a:pPr indent="342900">
               <a:lnSpc>
                 <a:spcPct val="170000"/>
               </a:lnSpc>
               <a:spcBef>
                 <a:spcPts val="1200"/>
               </a:spcBef>
-              <a:spcAft>
-                <a:spcPts val="0"/>
-              </a:spcAft>
-              <a:buFont typeface="Arial" pitchFamily="34" charset="0"/>
-              <a:buNone/>
-              <a:defRPr/>
+              <a:buNone/>
             </a:pPr>
             <a:r>
               <a:rPr lang="en-US" altLang="zh-CN" sz="1800" dirty="0" smtClean="0">
@@ -6452,19 +5666,14 @@
             </a:r>
           </a:p>
           <a:p>
-            <a:pPr indent="342900" fontAlgn="auto">
+            <a:pPr indent="342900">
               <a:lnSpc>
                 <a:spcPct val="170000"/>
               </a:lnSpc>
               <a:spcBef>
                 <a:spcPts val="1200"/>
               </a:spcBef>
-              <a:spcAft>
-                <a:spcPts val="0"/>
-              </a:spcAft>
-              <a:buFont typeface="Arial" pitchFamily="34" charset="0"/>
-              <a:buNone/>
-              <a:defRPr/>
+              <a:buNone/>
             </a:pPr>
             <a:r>
               <a:rPr lang="en-US" altLang="zh-CN" sz="1800" dirty="0" smtClean="0">
@@ -6518,13 +5727,8 @@
             </a:r>
           </a:p>
           <a:p>
-            <a:pPr fontAlgn="auto">
-              <a:spcAft>
-                <a:spcPts val="0"/>
-              </a:spcAft>
-              <a:buFont typeface="Arial" pitchFamily="34" charset="0"/>
-              <a:buNone/>
-              <a:defRPr/>
+            <a:pPr>
+              <a:buNone/>
             </a:pPr>
             <a:endParaRPr lang="zh-CN" altLang="en-US" sz="7200" dirty="0"/>
           </a:p>
@@ -6567,29 +5771,24 @@
         </p:nvSpPr>
         <p:spPr>
           <a:xfrm>
-            <a:off x="457200" y="476250"/>
-            <a:ext cx="8229600" cy="5649913"/>
+            <a:off x="457200" y="476672"/>
+            <a:ext cx="8229600" cy="5649491"/>
           </a:xfrm>
         </p:spPr>
         <p:txBody>
-          <a:bodyPr rtlCol="0">
+          <a:bodyPr>
             <a:normAutofit/>
           </a:bodyPr>
           <a:lstStyle/>
           <a:p>
-            <a:pPr indent="342900" fontAlgn="auto">
+            <a:pPr indent="342900">
               <a:lnSpc>
                 <a:spcPct val="170000"/>
               </a:lnSpc>
               <a:spcBef>
                 <a:spcPts val="1200"/>
               </a:spcBef>
-              <a:spcAft>
-                <a:spcPts val="0"/>
-              </a:spcAft>
-              <a:buFont typeface="Arial" pitchFamily="34" charset="0"/>
-              <a:buNone/>
-              <a:defRPr/>
+              <a:buNone/>
             </a:pPr>
             <a:r>
               <a:rPr lang="en-US" altLang="zh-CN" sz="1800" dirty="0" smtClean="0"/>
@@ -6599,7 +5798,13 @@
               <a:rPr lang="zh-CN" altLang="zh-CN" sz="1800" dirty="0" smtClean="0">
                 <a:latin typeface="+mj-ea"/>
               </a:rPr>
-              <a:t>）除第一章节需以奇数页开始排序外，以后章节按顺序排序，第二章以后的章节开篇不必刻意排在奇数页（不留空白页）</a:t>
+              <a:t>）</a:t>
+            </a:r>
+            <a:r>
+              <a:rPr lang="zh-CN" altLang="zh-CN" sz="1800" dirty="0" smtClean="0">
+                <a:latin typeface="+mj-ea"/>
+              </a:rPr>
+              <a:t>除第一章节需以奇数页开始排序外，以后章节按顺序排序，第二章以后的章节开篇不必刻意排在奇数页（不留空白页）</a:t>
             </a:r>
             <a:r>
               <a:rPr lang="zh-CN" altLang="en-US" sz="1800" dirty="0" smtClean="0">
@@ -6610,19 +5815,14 @@
             <a:endParaRPr lang="en-US" altLang="zh-CN" sz="1800" dirty="0" smtClean="0"/>
           </a:p>
           <a:p>
-            <a:pPr indent="342900" fontAlgn="auto">
+            <a:pPr indent="342900">
               <a:lnSpc>
                 <a:spcPct val="170000"/>
               </a:lnSpc>
               <a:spcBef>
                 <a:spcPts val="1200"/>
               </a:spcBef>
-              <a:spcAft>
-                <a:spcPts val="0"/>
-              </a:spcAft>
-              <a:buFont typeface="Arial" pitchFamily="34" charset="0"/>
-              <a:buNone/>
-              <a:defRPr/>
+              <a:buNone/>
             </a:pPr>
             <a:r>
               <a:rPr lang="en-US" altLang="zh-CN" sz="1800" dirty="0" smtClean="0"/>
@@ -6630,7 +5830,11 @@
             </a:r>
             <a:r>
               <a:rPr lang="zh-CN" altLang="zh-CN" sz="1800" dirty="0" smtClean="0"/>
-              <a:t>）论文排版中不可有大量留白，每页留白最多</a:t>
+              <a:t>）</a:t>
+            </a:r>
+            <a:r>
+              <a:rPr lang="zh-CN" altLang="zh-CN" sz="1800" dirty="0" smtClean="0"/>
+              <a:t>论文排版中不可有大量留白，每页留白最多</a:t>
             </a:r>
             <a:r>
               <a:rPr lang="en-US" altLang="zh-CN" sz="1800" dirty="0" smtClean="0"/>
@@ -6679,19 +5883,14 @@
             <a:endParaRPr lang="en-US" altLang="zh-CN" sz="1800" dirty="0" smtClean="0"/>
           </a:p>
           <a:p>
-            <a:pPr indent="342900" fontAlgn="auto">
+            <a:pPr indent="342900">
               <a:lnSpc>
                 <a:spcPct val="170000"/>
               </a:lnSpc>
               <a:spcBef>
                 <a:spcPts val="1200"/>
               </a:spcBef>
-              <a:spcAft>
-                <a:spcPts val="0"/>
-              </a:spcAft>
-              <a:buFont typeface="Arial" pitchFamily="34" charset="0"/>
-              <a:buNone/>
-              <a:defRPr/>
+              <a:buNone/>
             </a:pPr>
             <a:r>
               <a:rPr lang="en-US" altLang="zh-CN" sz="1800" dirty="0" smtClean="0"/>
@@ -6699,7 +5898,11 @@
             </a:r>
             <a:r>
               <a:rPr lang="zh-CN" altLang="en-US" sz="1800" dirty="0" smtClean="0"/>
-              <a:t>）文中不可出现“如</a:t>
+              <a:t>）</a:t>
+            </a:r>
+            <a:r>
+              <a:rPr lang="zh-CN" altLang="en-US" sz="1800" dirty="0" smtClean="0"/>
+              <a:t>文中不可出现“如</a:t>
             </a:r>
             <a:r>
               <a:rPr lang="zh-CN" altLang="en-US" sz="1800" dirty="0" smtClean="0">
@@ -6711,24 +5914,27 @@
             </a:r>
             <a:r>
               <a:rPr lang="zh-CN" altLang="en-US" sz="1800" dirty="0" smtClean="0"/>
-              <a:t>图（表）”字样，“上、下”字需去除；</a:t>
+              <a:t>图（表）”字样，“上、下”字需</a:t>
+            </a:r>
+            <a:r>
+              <a:rPr lang="zh-CN" altLang="en-US" sz="1800" dirty="0" smtClean="0"/>
+              <a:t>去除</a:t>
+            </a:r>
+            <a:r>
+              <a:rPr lang="zh-CN" altLang="en-US" sz="1800" dirty="0" smtClean="0"/>
+              <a:t>；</a:t>
             </a:r>
             <a:endParaRPr lang="en-US" altLang="zh-CN" sz="1800" dirty="0" smtClean="0"/>
           </a:p>
           <a:p>
-            <a:pPr indent="342900" fontAlgn="auto">
+            <a:pPr indent="342900">
               <a:lnSpc>
                 <a:spcPct val="170000"/>
               </a:lnSpc>
               <a:spcBef>
                 <a:spcPts val="1200"/>
               </a:spcBef>
-              <a:spcAft>
-                <a:spcPts val="0"/>
-              </a:spcAft>
-              <a:buFont typeface="Arial" pitchFamily="34" charset="0"/>
-              <a:buNone/>
-              <a:defRPr/>
+              <a:buNone/>
             </a:pPr>
             <a:r>
               <a:rPr lang="en-US" altLang="zh-CN" sz="1800" dirty="0" smtClean="0"/>
@@ -6757,19 +5963,14 @@
             <a:endParaRPr lang="zh-CN" altLang="zh-CN" sz="1800" dirty="0" smtClean="0"/>
           </a:p>
           <a:p>
-            <a:pPr indent="342900" fontAlgn="auto">
+            <a:pPr indent="342900">
               <a:lnSpc>
                 <a:spcPct val="170000"/>
               </a:lnSpc>
               <a:spcBef>
                 <a:spcPts val="1200"/>
               </a:spcBef>
-              <a:spcAft>
-                <a:spcPts val="0"/>
-              </a:spcAft>
-              <a:buFont typeface="Arial" pitchFamily="34" charset="0"/>
-              <a:buNone/>
-              <a:defRPr/>
+              <a:buNone/>
             </a:pPr>
             <a:r>
               <a:rPr lang="en-US" altLang="zh-CN" sz="1800" dirty="0" smtClean="0"/>
@@ -6777,7 +5978,15 @@
             </a:r>
             <a:r>
               <a:rPr lang="zh-CN" altLang="zh-CN" sz="1800" dirty="0" smtClean="0"/>
-              <a:t>）致谢部分请带着感情写，不要</a:t>
+              <a:t>）</a:t>
+            </a:r>
+            <a:r>
+              <a:rPr lang="zh-CN" altLang="zh-CN" sz="1800" dirty="0" smtClean="0"/>
+              <a:t>致谢部分请带着感情写，</a:t>
+            </a:r>
+            <a:r>
+              <a:rPr lang="zh-CN" altLang="zh-CN" sz="1800" dirty="0" smtClean="0"/>
+              <a:t>不要</a:t>
             </a:r>
             <a:r>
               <a:rPr lang="zh-CN" altLang="en-US" sz="1800" dirty="0" smtClean="0"/>
@@ -6785,35 +5994,29 @@
             </a:r>
             <a:r>
               <a:rPr lang="zh-CN" altLang="zh-CN" sz="1800" dirty="0" smtClean="0"/>
-              <a:t>照搬模板形式生搬硬套，使之成为千篇一律的文字。</a:t>
+              <a:t>照搬</a:t>
+            </a:r>
+            <a:r>
+              <a:rPr lang="zh-CN" altLang="zh-CN" sz="1800" dirty="0" smtClean="0"/>
+              <a:t>模板形式生搬硬套，使之成为千篇一律的文字。</a:t>
             </a:r>
             <a:endParaRPr lang="en-US" altLang="zh-CN" sz="1800" dirty="0" smtClean="0"/>
           </a:p>
           <a:p>
-            <a:pPr indent="342900" fontAlgn="auto">
+            <a:pPr indent="342900">
               <a:lnSpc>
                 <a:spcPct val="170000"/>
               </a:lnSpc>
               <a:spcBef>
                 <a:spcPts val="1200"/>
               </a:spcBef>
-              <a:spcAft>
-                <a:spcPts val="0"/>
-              </a:spcAft>
-              <a:buFont typeface="Arial" pitchFamily="34" charset="0"/>
-              <a:buNone/>
-              <a:defRPr/>
+              <a:buNone/>
             </a:pPr>
             <a:endParaRPr lang="zh-CN" altLang="zh-CN" sz="1800" dirty="0" smtClean="0"/>
           </a:p>
           <a:p>
-            <a:pPr fontAlgn="auto">
-              <a:spcAft>
-                <a:spcPts val="0"/>
-              </a:spcAft>
-              <a:buFont typeface="Arial" pitchFamily="34" charset="0"/>
-              <a:buNone/>
-              <a:defRPr/>
+            <a:pPr>
+              <a:buNone/>
             </a:pPr>
             <a:endParaRPr lang="zh-CN" altLang="en-US" dirty="0"/>
           </a:p>
@@ -6856,378 +6059,347 @@
         </p:nvSpPr>
         <p:spPr>
           <a:xfrm>
-            <a:off x="457200" y="260350"/>
-            <a:ext cx="8229600" cy="6264275"/>
+            <a:off x="457200" y="260648"/>
+            <a:ext cx="8229600" cy="6264696"/>
           </a:xfrm>
         </p:spPr>
         <p:txBody>
           <a:bodyPr>
-            <a:normAutofit/>
+            <a:normAutofit fontScale="92500" lnSpcReduction="20000"/>
           </a:bodyPr>
           <a:lstStyle/>
           <a:p>
             <a:pPr>
-              <a:lnSpc>
-                <a:spcPct val="80000"/>
-              </a:lnSpc>
-              <a:buFont typeface="Arial" charset="0"/>
-              <a:buNone/>
-            </a:pPr>
-            <a:r>
-              <a:rPr lang="en-US" altLang="zh-CN" sz="1900" b="1" smtClean="0">
-                <a:latin typeface="黑体" pitchFamily="49" charset="-122"/>
-                <a:ea typeface="黑体" pitchFamily="49" charset="-122"/>
+              <a:buNone/>
+            </a:pPr>
+            <a:r>
+              <a:rPr lang="en-US" altLang="zh-CN" sz="2000" b="1" dirty="0" smtClean="0">
+                <a:latin typeface="黑体" pitchFamily="2" charset="-122"/>
+                <a:ea typeface="黑体" pitchFamily="2" charset="-122"/>
               </a:rPr>
               <a:t>2</a:t>
             </a:r>
             <a:r>
-              <a:rPr lang="zh-CN" altLang="en-US" sz="1900" b="1" smtClean="0">
-                <a:latin typeface="黑体" pitchFamily="49" charset="-122"/>
-                <a:ea typeface="黑体" pitchFamily="49" charset="-122"/>
+              <a:rPr lang="zh-CN" altLang="en-US" sz="2000" b="1" dirty="0" smtClean="0">
+                <a:latin typeface="黑体" pitchFamily="2" charset="-122"/>
+                <a:ea typeface="黑体" pitchFamily="2" charset="-122"/>
               </a:rPr>
               <a:t>、</a:t>
             </a:r>
             <a:r>
-              <a:rPr lang="zh-CN" altLang="zh-CN" sz="1900" b="1" smtClean="0">
-                <a:latin typeface="黑体" pitchFamily="49" charset="-122"/>
-                <a:ea typeface="黑体" pitchFamily="49" charset="-122"/>
+              <a:rPr lang="zh-CN" altLang="zh-CN" sz="2000" b="1" dirty="0" smtClean="0">
+                <a:latin typeface="黑体" pitchFamily="2" charset="-122"/>
+                <a:ea typeface="黑体" pitchFamily="2" charset="-122"/>
               </a:rPr>
               <a:t>图、表、观点和他人文字的引用问题</a:t>
             </a:r>
-            <a:endParaRPr lang="en-US" altLang="zh-CN" sz="1900" smtClean="0"/>
+            <a:endParaRPr lang="en-US" altLang="zh-CN" sz="2000" dirty="0" smtClean="0"/>
           </a:p>
           <a:p>
             <a:pPr>
               <a:lnSpc>
-                <a:spcPct val="130000"/>
+                <a:spcPct val="150000"/>
               </a:lnSpc>
-              <a:buFont typeface="Arial" charset="0"/>
-              <a:buNone/>
-            </a:pPr>
-            <a:r>
-              <a:rPr lang="en-US" altLang="zh-CN" sz="1700" smtClean="0"/>
+              <a:buNone/>
+            </a:pPr>
+            <a:r>
+              <a:rPr lang="en-US" altLang="zh-CN" sz="1800" dirty="0" smtClean="0"/>
               <a:t>                </a:t>
             </a:r>
             <a:r>
-              <a:rPr lang="zh-CN" altLang="zh-CN" sz="1800" smtClean="0"/>
+              <a:rPr lang="zh-CN" altLang="zh-CN" sz="1900" dirty="0" smtClean="0"/>
               <a:t>引用</a:t>
             </a:r>
             <a:r>
-              <a:rPr lang="zh-CN" altLang="en-US" sz="1800" smtClean="0"/>
+              <a:rPr lang="zh-CN" altLang="en-US" sz="1900" dirty="0" smtClean="0"/>
               <a:t>他</a:t>
             </a:r>
             <a:r>
-              <a:rPr lang="zh-CN" altLang="zh-CN" sz="1800" smtClean="0"/>
+              <a:rPr lang="zh-CN" altLang="zh-CN" sz="1900" dirty="0" smtClean="0"/>
               <a:t>人的东西必须给出其来源，一般在图表标题的后面括号中给出。原则上引用</a:t>
             </a:r>
             <a:r>
-              <a:rPr lang="zh-CN" altLang="en-US" sz="1800" smtClean="0"/>
+              <a:rPr lang="zh-CN" altLang="en-US" sz="1900" dirty="0" smtClean="0"/>
               <a:t>他</a:t>
             </a:r>
             <a:r>
-              <a:rPr lang="zh-CN" altLang="zh-CN" sz="1800" smtClean="0"/>
+              <a:rPr lang="zh-CN" altLang="zh-CN" sz="1900" dirty="0" smtClean="0"/>
               <a:t>人的图表，也应该自己重画和写，以保证论文文字的统一。同样，正文中引用</a:t>
             </a:r>
             <a:r>
-              <a:rPr lang="zh-CN" altLang="en-US" sz="1800" smtClean="0"/>
+              <a:rPr lang="zh-CN" altLang="en-US" sz="1900" dirty="0" smtClean="0"/>
               <a:t>他</a:t>
             </a:r>
             <a:r>
-              <a:rPr lang="zh-CN" altLang="zh-CN" sz="1800" smtClean="0"/>
+              <a:rPr lang="zh-CN" altLang="zh-CN" sz="1900" dirty="0" smtClean="0"/>
               <a:t>人的观点也要给出出处</a:t>
             </a:r>
             <a:r>
-              <a:rPr lang="zh-CN" altLang="zh-CN" sz="1800" b="1" smtClean="0"/>
+              <a:rPr lang="zh-CN" altLang="zh-CN" sz="1900" b="1" dirty="0" smtClean="0"/>
               <a:t>。</a:t>
             </a:r>
-            <a:endParaRPr lang="zh-CN" altLang="zh-CN" sz="1800" smtClean="0"/>
+            <a:endParaRPr lang="zh-CN" altLang="zh-CN" sz="1900" dirty="0" smtClean="0"/>
+          </a:p>
+          <a:p>
+            <a:pPr lvl="0">
+              <a:spcBef>
+                <a:spcPts val="1200"/>
+              </a:spcBef>
+              <a:buNone/>
+            </a:pPr>
+            <a:r>
+              <a:rPr lang="en-US" altLang="zh-CN" sz="2100" b="1" dirty="0" smtClean="0">
+                <a:latin typeface="黑体" pitchFamily="2" charset="-122"/>
+                <a:ea typeface="黑体" pitchFamily="2" charset="-122"/>
+              </a:rPr>
+              <a:t>3</a:t>
+            </a:r>
+            <a:r>
+              <a:rPr lang="zh-CN" altLang="en-US" sz="2100" b="1" dirty="0" smtClean="0">
+                <a:latin typeface="黑体" pitchFamily="2" charset="-122"/>
+                <a:ea typeface="黑体" pitchFamily="2" charset="-122"/>
+              </a:rPr>
+              <a:t>、</a:t>
+            </a:r>
+            <a:r>
+              <a:rPr lang="zh-CN" altLang="zh-CN" sz="2100" b="1" dirty="0" smtClean="0">
+                <a:latin typeface="黑体" pitchFamily="2" charset="-122"/>
+                <a:ea typeface="黑体" pitchFamily="2" charset="-122"/>
+              </a:rPr>
+              <a:t>关于图表编号和标题的位置</a:t>
+            </a:r>
           </a:p>
           <a:p>
             <a:pPr>
               <a:lnSpc>
-                <a:spcPct val="80000"/>
+                <a:spcPct val="150000"/>
               </a:lnSpc>
               <a:spcBef>
                 <a:spcPts val="1200"/>
               </a:spcBef>
-              <a:buFont typeface="Arial" charset="0"/>
-              <a:buNone/>
-            </a:pPr>
-            <a:r>
-              <a:rPr lang="en-US" altLang="zh-CN" sz="1900" b="1" smtClean="0">
-                <a:latin typeface="黑体" pitchFamily="49" charset="-122"/>
-                <a:ea typeface="黑体" pitchFamily="49" charset="-122"/>
-              </a:rPr>
-              <a:t>3</a:t>
-            </a:r>
-            <a:r>
-              <a:rPr lang="zh-CN" altLang="en-US" sz="1900" b="1" smtClean="0">
-                <a:latin typeface="黑体" pitchFamily="49" charset="-122"/>
-                <a:ea typeface="黑体" pitchFamily="49" charset="-122"/>
-              </a:rPr>
-              <a:t>、</a:t>
-            </a:r>
-            <a:r>
-              <a:rPr lang="zh-CN" altLang="zh-CN" sz="1900" b="1" smtClean="0">
-                <a:latin typeface="黑体" pitchFamily="49" charset="-122"/>
-                <a:ea typeface="黑体" pitchFamily="49" charset="-122"/>
-              </a:rPr>
-              <a:t>关于图表编号和标题的位置</a:t>
+              <a:buNone/>
+            </a:pPr>
+            <a:r>
+              <a:rPr lang="en-US" altLang="zh-CN" sz="2100" dirty="0" smtClean="0"/>
+              <a:t>    1</a:t>
+            </a:r>
+            <a:r>
+              <a:rPr lang="zh-CN" altLang="zh-CN" sz="2100" dirty="0" smtClean="0"/>
+              <a:t>）表的编号</a:t>
+            </a:r>
+            <a:r>
+              <a:rPr lang="zh-CN" altLang="en-US" sz="2100" dirty="0" smtClean="0"/>
+              <a:t>及</a:t>
+            </a:r>
+            <a:r>
+              <a:rPr lang="zh-CN" altLang="zh-CN" sz="2100" dirty="0" smtClean="0"/>
+              <a:t>标题在其上面，图的</a:t>
+            </a:r>
+            <a:r>
+              <a:rPr lang="zh-CN" altLang="en-US" sz="2100" dirty="0" smtClean="0"/>
+              <a:t>编号及图名</a:t>
+            </a:r>
+            <a:r>
+              <a:rPr lang="zh-CN" altLang="zh-CN" sz="2100" dirty="0" smtClean="0"/>
+              <a:t>在其下面；</a:t>
             </a:r>
           </a:p>
           <a:p>
             <a:pPr>
               <a:lnSpc>
-                <a:spcPct val="130000"/>
+                <a:spcPct val="150000"/>
               </a:lnSpc>
               <a:spcBef>
                 <a:spcPts val="1200"/>
               </a:spcBef>
-              <a:buFont typeface="Arial" charset="0"/>
-              <a:buNone/>
-            </a:pPr>
-            <a:r>
-              <a:rPr lang="en-US" altLang="zh-CN" sz="1900" smtClean="0"/>
-              <a:t>    1</a:t>
-            </a:r>
-            <a:r>
-              <a:rPr lang="zh-CN" altLang="zh-CN" sz="1900" smtClean="0"/>
-              <a:t>）表的编号</a:t>
-            </a:r>
-            <a:r>
-              <a:rPr lang="zh-CN" altLang="en-US" sz="1900" smtClean="0"/>
-              <a:t>及</a:t>
-            </a:r>
-            <a:r>
-              <a:rPr lang="zh-CN" altLang="zh-CN" sz="1900" smtClean="0"/>
-              <a:t>标题在其上面，图的</a:t>
-            </a:r>
-            <a:r>
-              <a:rPr lang="zh-CN" altLang="en-US" sz="1900" smtClean="0"/>
-              <a:t>编号及图名</a:t>
-            </a:r>
-            <a:r>
-              <a:rPr lang="zh-CN" altLang="zh-CN" sz="1900" smtClean="0"/>
-              <a:t>在其下面；</a:t>
+              <a:buNone/>
+            </a:pPr>
+            <a:r>
+              <a:rPr lang="en-US" altLang="zh-CN" sz="2100" dirty="0" smtClean="0"/>
+              <a:t>    2</a:t>
+            </a:r>
+            <a:r>
+              <a:rPr lang="zh-CN" altLang="zh-CN" sz="2100" dirty="0" smtClean="0"/>
+              <a:t>）图表分别编号，原则上是章号加</a:t>
+            </a:r>
+            <a:r>
+              <a:rPr lang="zh-CN" altLang="en-US" sz="2100" dirty="0" smtClean="0"/>
+              <a:t>上</a:t>
+            </a:r>
+            <a:r>
+              <a:rPr lang="zh-CN" altLang="zh-CN" sz="2100" dirty="0" smtClean="0"/>
+              <a:t>该</a:t>
+            </a:r>
+            <a:r>
+              <a:rPr lang="zh-CN" altLang="en-US" sz="2100" dirty="0" smtClean="0"/>
+              <a:t>图（表）</a:t>
+            </a:r>
+            <a:r>
+              <a:rPr lang="zh-CN" altLang="zh-CN" sz="2100" dirty="0" smtClean="0"/>
+              <a:t>的序号，例如：图</a:t>
+            </a:r>
+            <a:r>
+              <a:rPr lang="en-US" altLang="zh-CN" sz="2100" dirty="0" smtClean="0"/>
+              <a:t>3-1</a:t>
+            </a:r>
+            <a:r>
+              <a:rPr lang="zh-CN" altLang="zh-CN" sz="2100" dirty="0" smtClean="0"/>
+              <a:t>或</a:t>
+            </a:r>
+            <a:r>
+              <a:rPr lang="en-US" altLang="zh-CN" sz="2100" dirty="0" smtClean="0"/>
+              <a:t>3.11</a:t>
+            </a:r>
+            <a:r>
+              <a:rPr lang="zh-CN" altLang="zh-CN" sz="2100" dirty="0" smtClean="0"/>
+              <a:t>等，不能没有编号；</a:t>
             </a:r>
           </a:p>
           <a:p>
             <a:pPr>
               <a:lnSpc>
-                <a:spcPct val="130000"/>
+                <a:spcPct val="150000"/>
               </a:lnSpc>
               <a:spcBef>
                 <a:spcPts val="1200"/>
               </a:spcBef>
-              <a:buFont typeface="Arial" charset="0"/>
-              <a:buNone/>
-            </a:pPr>
-            <a:r>
-              <a:rPr lang="en-US" altLang="zh-CN" sz="1900" smtClean="0"/>
-              <a:t>    2</a:t>
-            </a:r>
-            <a:r>
-              <a:rPr lang="zh-CN" altLang="zh-CN" sz="1900" smtClean="0"/>
-              <a:t>）图表分别编号，原则上是章号加</a:t>
-            </a:r>
-            <a:r>
-              <a:rPr lang="zh-CN" altLang="en-US" sz="1900" smtClean="0"/>
-              <a:t>上</a:t>
-            </a:r>
-            <a:r>
-              <a:rPr lang="zh-CN" altLang="zh-CN" sz="1900" smtClean="0"/>
-              <a:t>该</a:t>
-            </a:r>
-            <a:r>
-              <a:rPr lang="zh-CN" altLang="en-US" sz="1900" smtClean="0"/>
-              <a:t>图（表）</a:t>
-            </a:r>
-            <a:r>
-              <a:rPr lang="zh-CN" altLang="zh-CN" sz="1900" smtClean="0"/>
-              <a:t>的序号，例如：图</a:t>
-            </a:r>
-            <a:r>
-              <a:rPr lang="en-US" altLang="zh-CN" sz="1900" smtClean="0"/>
-              <a:t>3-1</a:t>
-            </a:r>
-            <a:r>
-              <a:rPr lang="zh-CN" altLang="zh-CN" sz="1900" smtClean="0"/>
-              <a:t>或</a:t>
-            </a:r>
-            <a:r>
-              <a:rPr lang="en-US" altLang="zh-CN" sz="1900" smtClean="0"/>
-              <a:t>3.11</a:t>
-            </a:r>
-            <a:r>
-              <a:rPr lang="zh-CN" altLang="zh-CN" sz="1900" smtClean="0"/>
-              <a:t>等，不能没有编号；</a:t>
+              <a:buNone/>
+            </a:pPr>
+            <a:r>
+              <a:rPr lang="en-US" altLang="zh-CN" sz="2100" dirty="0" smtClean="0"/>
+              <a:t>    3</a:t>
+            </a:r>
+            <a:r>
+              <a:rPr lang="zh-CN" altLang="zh-CN" sz="2100" dirty="0" smtClean="0"/>
+              <a:t>）图表（含标题）上下均留一空行！</a:t>
             </a:r>
           </a:p>
           <a:p>
             <a:pPr>
               <a:lnSpc>
-                <a:spcPct val="130000"/>
+                <a:spcPct val="150000"/>
               </a:lnSpc>
               <a:spcBef>
                 <a:spcPts val="1200"/>
               </a:spcBef>
-              <a:buFont typeface="Arial" charset="0"/>
-              <a:buNone/>
-            </a:pPr>
-            <a:r>
-              <a:rPr lang="en-US" altLang="zh-CN" sz="1900" smtClean="0"/>
-              <a:t>    </a:t>
-            </a:r>
-            <a:r>
-              <a:rPr lang="en-US" altLang="zh-CN" sz="1900" smtClean="0">
-                <a:solidFill>
-                  <a:srgbClr val="FF0000"/>
-                </a:solidFill>
-              </a:rPr>
-              <a:t>3</a:t>
-            </a:r>
-            <a:r>
-              <a:rPr lang="zh-CN" altLang="zh-CN" sz="1900" smtClean="0">
-                <a:solidFill>
-                  <a:srgbClr val="FF0000"/>
-                </a:solidFill>
-              </a:rPr>
-              <a:t>）图表（含标题）上下均留一空行！</a:t>
+              <a:buNone/>
+            </a:pPr>
+            <a:r>
+              <a:rPr lang="en-US" altLang="zh-CN" sz="2100" dirty="0" smtClean="0"/>
+              <a:t>    4</a:t>
+            </a:r>
+            <a:r>
+              <a:rPr lang="zh-CN" altLang="zh-CN" sz="2100" dirty="0" smtClean="0"/>
+              <a:t>）表中的文字原则上小于正文半个字号，除非表内容文字非常少；</a:t>
             </a:r>
           </a:p>
           <a:p>
             <a:pPr>
               <a:lnSpc>
-                <a:spcPct val="130000"/>
+                <a:spcPct val="150000"/>
               </a:lnSpc>
               <a:spcBef>
                 <a:spcPts val="1200"/>
               </a:spcBef>
-              <a:buFont typeface="Arial" charset="0"/>
-              <a:buNone/>
-            </a:pPr>
-            <a:r>
-              <a:rPr lang="en-US" altLang="zh-CN" sz="1900" smtClean="0"/>
-              <a:t>    4</a:t>
-            </a:r>
-            <a:r>
-              <a:rPr lang="zh-CN" altLang="zh-CN" sz="1900" smtClean="0"/>
-              <a:t>）表中的文字原则上小于正文半个字号，除非表内容文字非常少；</a:t>
+              <a:buNone/>
+            </a:pPr>
+            <a:r>
+              <a:rPr lang="en-US" altLang="zh-CN" sz="2100" dirty="0" smtClean="0"/>
+              <a:t>    5</a:t>
+            </a:r>
+            <a:r>
+              <a:rPr lang="zh-CN" altLang="zh-CN" sz="2100" dirty="0" smtClean="0"/>
+              <a:t>）图</a:t>
+            </a:r>
+            <a:r>
+              <a:rPr lang="zh-CN" altLang="en-US" sz="2100" dirty="0" smtClean="0"/>
+              <a:t>注与</a:t>
+            </a:r>
+            <a:r>
+              <a:rPr lang="zh-CN" altLang="zh-CN" sz="2100" dirty="0" smtClean="0"/>
+              <a:t>表</a:t>
+            </a:r>
+            <a:r>
+              <a:rPr lang="zh-CN" altLang="en-US" sz="2100" dirty="0" smtClean="0"/>
+              <a:t>注</a:t>
+            </a:r>
+            <a:r>
+              <a:rPr lang="zh-CN" altLang="zh-CN" sz="2100" dirty="0" smtClean="0"/>
+              <a:t>（含标题）</a:t>
+            </a:r>
+            <a:r>
+              <a:rPr lang="zh-CN" altLang="en-US" sz="2100" dirty="0" smtClean="0"/>
+              <a:t>均需</a:t>
+            </a:r>
+            <a:r>
+              <a:rPr lang="zh-CN" altLang="zh-CN" sz="2100" dirty="0" smtClean="0"/>
+              <a:t>居中，有居中操作按钮，即二边留白一定要对称；如果表的内容不多、图不大的话，图和表的左右</a:t>
+            </a:r>
+            <a:r>
+              <a:rPr lang="zh-CN" altLang="en-US" sz="2100" dirty="0" smtClean="0"/>
+              <a:t>两</a:t>
+            </a:r>
+            <a:r>
+              <a:rPr lang="zh-CN" altLang="zh-CN" sz="2100" dirty="0" smtClean="0"/>
+              <a:t>边留白最好统一为二个汉字空；</a:t>
             </a:r>
           </a:p>
           <a:p>
             <a:pPr>
               <a:lnSpc>
-                <a:spcPct val="130000"/>
+                <a:spcPct val="150000"/>
               </a:lnSpc>
               <a:spcBef>
                 <a:spcPts val="1200"/>
               </a:spcBef>
-              <a:buFont typeface="Arial" charset="0"/>
-              <a:buNone/>
-            </a:pPr>
-            <a:r>
-              <a:rPr lang="en-US" altLang="zh-CN" sz="1900" smtClean="0"/>
-              <a:t>    5</a:t>
-            </a:r>
-            <a:r>
-              <a:rPr lang="zh-CN" altLang="zh-CN" sz="1900" smtClean="0"/>
-              <a:t>）图</a:t>
-            </a:r>
-            <a:r>
-              <a:rPr lang="zh-CN" altLang="en-US" sz="1900" smtClean="0"/>
-              <a:t>注与</a:t>
-            </a:r>
-            <a:r>
-              <a:rPr lang="zh-CN" altLang="zh-CN" sz="1900" smtClean="0"/>
-              <a:t>表</a:t>
-            </a:r>
-            <a:r>
-              <a:rPr lang="zh-CN" altLang="en-US" sz="1900" smtClean="0"/>
-              <a:t>注</a:t>
-            </a:r>
-            <a:r>
-              <a:rPr lang="zh-CN" altLang="zh-CN" sz="1900" smtClean="0"/>
-              <a:t>（含标题）</a:t>
-            </a:r>
-            <a:r>
-              <a:rPr lang="zh-CN" altLang="en-US" sz="1900" smtClean="0"/>
-              <a:t>均需</a:t>
-            </a:r>
-            <a:r>
-              <a:rPr lang="zh-CN" altLang="zh-CN" sz="1900" smtClean="0"/>
-              <a:t>居中，有居中操作按钮，即二边留白一定要对称；如果表的内容不多、图不大的话，图和表的左右</a:t>
-            </a:r>
-            <a:r>
-              <a:rPr lang="zh-CN" altLang="en-US" sz="1900" smtClean="0"/>
-              <a:t>两</a:t>
-            </a:r>
-            <a:r>
-              <a:rPr lang="zh-CN" altLang="zh-CN" sz="1900" smtClean="0"/>
-              <a:t>边留白最好统一为二个汉字空；</a:t>
+              <a:buNone/>
+            </a:pPr>
+            <a:r>
+              <a:rPr lang="en-US" altLang="zh-CN" sz="2100" dirty="0" smtClean="0"/>
+              <a:t>    6</a:t>
+            </a:r>
+            <a:r>
+              <a:rPr lang="zh-CN" altLang="zh-CN" sz="2100" dirty="0" smtClean="0"/>
+              <a:t>）如图表引用他人的，</a:t>
+            </a:r>
+            <a:r>
+              <a:rPr lang="zh-CN" altLang="en-US" sz="2100" dirty="0" smtClean="0"/>
+              <a:t>应说明，</a:t>
+            </a:r>
+            <a:r>
+              <a:rPr lang="zh-CN" altLang="zh-CN" sz="2100" dirty="0" smtClean="0"/>
+              <a:t>例 “图</a:t>
+            </a:r>
+            <a:r>
+              <a:rPr lang="en-US" altLang="zh-CN" sz="2100" dirty="0" smtClean="0"/>
+              <a:t>2-3 </a:t>
+            </a:r>
+            <a:r>
+              <a:rPr lang="zh-CN" altLang="zh-CN" sz="2100" dirty="0" smtClean="0"/>
+              <a:t>组织结构图</a:t>
+            </a:r>
+            <a:r>
+              <a:rPr lang="en-US" altLang="zh-CN" sz="2100" dirty="0" smtClean="0"/>
+              <a:t>(</a:t>
+            </a:r>
+            <a:r>
+              <a:rPr lang="zh-CN" altLang="zh-CN" sz="2100" dirty="0" smtClean="0"/>
+              <a:t>来源于</a:t>
+            </a:r>
+            <a:r>
+              <a:rPr lang="en-US" altLang="zh-CN" sz="2100" dirty="0" smtClean="0"/>
+              <a:t>XXXX)</a:t>
+            </a:r>
+            <a:r>
+              <a:rPr lang="zh-CN" altLang="zh-CN" sz="2100" dirty="0" smtClean="0"/>
+              <a:t>”。</a:t>
             </a:r>
           </a:p>
           <a:p>
             <a:pPr>
-              <a:lnSpc>
-                <a:spcPct val="130000"/>
-              </a:lnSpc>
-              <a:spcBef>
-                <a:spcPts val="1200"/>
-              </a:spcBef>
-              <a:buFont typeface="Arial" charset="0"/>
-              <a:buNone/>
-            </a:pPr>
-            <a:r>
-              <a:rPr lang="en-US" altLang="zh-CN" sz="1900" smtClean="0"/>
-              <a:t>    6</a:t>
-            </a:r>
-            <a:r>
-              <a:rPr lang="zh-CN" altLang="zh-CN" sz="1900" smtClean="0"/>
-              <a:t>）如图表引用他人的，</a:t>
-            </a:r>
-            <a:r>
-              <a:rPr lang="zh-CN" altLang="en-US" sz="1900" smtClean="0"/>
-              <a:t>应说明，</a:t>
-            </a:r>
-            <a:r>
-              <a:rPr lang="zh-CN" altLang="zh-CN" sz="1900" smtClean="0"/>
-              <a:t>例 “图</a:t>
-            </a:r>
-            <a:r>
-              <a:rPr lang="en-US" altLang="zh-CN" sz="1900" smtClean="0"/>
-              <a:t>2-3 </a:t>
-            </a:r>
-            <a:r>
-              <a:rPr lang="zh-CN" altLang="zh-CN" sz="1900" smtClean="0"/>
-              <a:t>组织结构图</a:t>
-            </a:r>
-            <a:r>
-              <a:rPr lang="en-US" altLang="zh-CN" sz="1900" smtClean="0"/>
-              <a:t>(</a:t>
-            </a:r>
-            <a:r>
-              <a:rPr lang="zh-CN" altLang="zh-CN" sz="1900" smtClean="0"/>
-              <a:t>来源于</a:t>
-            </a:r>
-            <a:r>
-              <a:rPr lang="en-US" altLang="zh-CN" sz="1900" smtClean="0"/>
-              <a:t>XXXX)</a:t>
-            </a:r>
-            <a:r>
-              <a:rPr lang="zh-CN" altLang="zh-CN" sz="1900" smtClean="0"/>
-              <a:t>”。</a:t>
-            </a:r>
-          </a:p>
-          <a:p>
-            <a:pPr>
-              <a:lnSpc>
-                <a:spcPct val="80000"/>
-              </a:lnSpc>
-              <a:buFont typeface="Arial" charset="0"/>
-              <a:buNone/>
-            </a:pPr>
-            <a:endParaRPr lang="zh-CN" altLang="en-US" sz="3000" smtClean="0"/>
+              <a:buNone/>
+            </a:pPr>
+            <a:endParaRPr lang="zh-CN" altLang="en-US" dirty="0"/>
           </a:p>
         </p:txBody>
       </p:sp>
@@ -7258,7 +6430,7 @@
       </p:grpSpPr>
       <p:sp>
         <p:nvSpPr>
-          <p:cNvPr id="20481" name="内容占位符 2"/>
+          <p:cNvPr id="3" name="内容占位符 2"/>
           <p:cNvSpPr>
             <a:spLocks noGrp="1"/>
           </p:cNvSpPr>
@@ -7268,22 +6440,56 @@
         </p:nvSpPr>
         <p:spPr>
           <a:xfrm>
-            <a:off x="457200" y="260350"/>
-            <a:ext cx="8229600" cy="5865813"/>
+            <a:off x="457200" y="260648"/>
+            <a:ext cx="8229600" cy="5865515"/>
           </a:xfrm>
         </p:spPr>
         <p:txBody>
-          <a:bodyPr/>
+          <a:bodyPr>
+            <a:normAutofit/>
+          </a:bodyPr>
           <a:lstStyle/>
           <a:p>
-            <a:pPr>
-              <a:buFont typeface="Arial" charset="0"/>
-              <a:buNone/>
-            </a:pPr>
-            <a:endParaRPr lang="en-US" altLang="zh-CN" sz="2000" b="1" smtClean="0">
-              <a:latin typeface="黑体" pitchFamily="49" charset="-122"/>
-              <a:ea typeface="黑体" pitchFamily="49" charset="-122"/>
+            <a:pPr lvl="0">
+              <a:buNone/>
+            </a:pPr>
+            <a:endParaRPr lang="en-US" altLang="zh-CN" sz="2000" b="1" dirty="0" smtClean="0">
+              <a:latin typeface="黑体" pitchFamily="2" charset="-122"/>
+              <a:ea typeface="黑体" pitchFamily="2" charset="-122"/>
             </a:endParaRPr>
+          </a:p>
+          <a:p>
+            <a:pPr lvl="0">
+              <a:lnSpc>
+                <a:spcPct val="150000"/>
+              </a:lnSpc>
+              <a:spcBef>
+                <a:spcPts val="600"/>
+              </a:spcBef>
+              <a:buNone/>
+            </a:pPr>
+            <a:r>
+              <a:rPr lang="en-US" altLang="zh-CN" sz="2000" b="1" dirty="0" smtClean="0">
+                <a:latin typeface="黑体" pitchFamily="2" charset="-122"/>
+                <a:ea typeface="黑体" pitchFamily="2" charset="-122"/>
+              </a:rPr>
+              <a:t>4</a:t>
+            </a:r>
+            <a:r>
+              <a:rPr lang="zh-CN" altLang="en-US" sz="2000" b="1" dirty="0" smtClean="0">
+                <a:latin typeface="黑体" pitchFamily="2" charset="-122"/>
+                <a:ea typeface="黑体" pitchFamily="2" charset="-122"/>
+              </a:rPr>
+              <a:t>、</a:t>
+            </a:r>
+            <a:r>
+              <a:rPr lang="zh-CN" altLang="zh-CN" sz="2000" b="1" dirty="0" smtClean="0">
+                <a:latin typeface="黑体" pitchFamily="2" charset="-122"/>
+                <a:ea typeface="黑体" pitchFamily="2" charset="-122"/>
+              </a:rPr>
+              <a:t>关于带有编号段落和源程序等的</a:t>
+            </a:r>
+            <a:endParaRPr lang="en-US" altLang="zh-CN" sz="1900" dirty="0" smtClean="0"/>
           </a:p>
           <a:p>
             <a:pPr>
@@ -7293,31 +6499,55 @@
               <a:spcBef>
                 <a:spcPts val="600"/>
               </a:spcBef>
-              <a:buFont typeface="Arial" charset="0"/>
-              <a:buNone/>
-            </a:pPr>
-            <a:r>
-              <a:rPr lang="en-US" altLang="zh-CN" sz="2000" b="1" smtClean="0">
-                <a:latin typeface="黑体" pitchFamily="49" charset="-122"/>
-                <a:ea typeface="黑体" pitchFamily="49" charset="-122"/>
-              </a:rPr>
-              <a:t>4</a:t>
-            </a:r>
-            <a:r>
-              <a:rPr lang="zh-CN" altLang="en-US" sz="2000" b="1" smtClean="0">
-                <a:latin typeface="黑体" pitchFamily="49" charset="-122"/>
-                <a:ea typeface="黑体" pitchFamily="49" charset="-122"/>
+              <a:buNone/>
+            </a:pPr>
+            <a:r>
+              <a:rPr lang="en-US" altLang="zh-CN" sz="1900" dirty="0" smtClean="0"/>
+              <a:t>                </a:t>
+            </a:r>
+            <a:r>
+              <a:rPr lang="zh-CN" altLang="zh-CN" sz="1900" dirty="0" smtClean="0"/>
+              <a:t>原则上带有编号和项目符号的较短的自然段要缩进二个汉字。同样，源程序要缩进二个汉字，并且小于正文半号字。</a:t>
+            </a:r>
+          </a:p>
+          <a:p>
+            <a:pPr>
+              <a:buNone/>
+            </a:pPr>
+            <a:r>
+              <a:rPr lang="en-US" altLang="zh-CN" sz="1900" b="1" dirty="0" smtClean="0"/>
+              <a:t> </a:t>
+            </a:r>
+            <a:endParaRPr lang="zh-CN" altLang="zh-CN" sz="1900" dirty="0" smtClean="0"/>
+          </a:p>
+          <a:p>
+            <a:pPr lvl="0">
+              <a:spcBef>
+                <a:spcPts val="600"/>
+              </a:spcBef>
+              <a:buNone/>
+            </a:pPr>
+            <a:r>
+              <a:rPr lang="en-US" altLang="zh-CN" sz="2000" b="1" dirty="0" smtClean="0">
+                <a:latin typeface="黑体" pitchFamily="2" charset="-122"/>
+                <a:ea typeface="黑体" pitchFamily="2" charset="-122"/>
+              </a:rPr>
+              <a:t>5</a:t>
+            </a:r>
+            <a:r>
+              <a:rPr lang="zh-CN" altLang="en-US" sz="2000" b="1" dirty="0" smtClean="0">
+                <a:latin typeface="黑体" pitchFamily="2" charset="-122"/>
+                <a:ea typeface="黑体" pitchFamily="2" charset="-122"/>
               </a:rPr>
               <a:t>、</a:t>
             </a:r>
             <a:r>
-              <a:rPr lang="zh-CN" altLang="zh-CN" sz="2000" b="1" smtClean="0">
-                <a:latin typeface="黑体" pitchFamily="49" charset="-122"/>
-                <a:ea typeface="黑体" pitchFamily="49" charset="-122"/>
-              </a:rPr>
-              <a:t>关于带有编号段落和源程序等的</a:t>
-            </a:r>
-            <a:endParaRPr lang="en-US" altLang="zh-CN" sz="1900" smtClean="0"/>
+              <a:rPr lang="zh-CN" altLang="zh-CN" sz="2000" b="1" dirty="0" smtClean="0">
+                <a:latin typeface="黑体" pitchFamily="2" charset="-122"/>
+                <a:ea typeface="黑体" pitchFamily="2" charset="-122"/>
+              </a:rPr>
+              <a:t>关于章节的编号问题</a:t>
+            </a:r>
           </a:p>
           <a:p>
             <a:pPr>
@@ -7327,57 +6557,75 @@
               <a:spcBef>
                 <a:spcPts val="600"/>
               </a:spcBef>
-              <a:buFont typeface="Arial" charset="0"/>
-              <a:buNone/>
-            </a:pPr>
-            <a:r>
-              <a:rPr lang="en-US" altLang="zh-CN" sz="1900" smtClean="0"/>
-              <a:t>                </a:t>
-            </a:r>
-            <a:r>
-              <a:rPr lang="zh-CN" altLang="zh-CN" sz="1900" smtClean="0"/>
-              <a:t>原则上带有编号和项目符号的较短的自然段要缩进二个汉字。同样，源程序要缩进二个汉字，并且小于正文半号字。</a:t>
-            </a:r>
-          </a:p>
-          <a:p>
-            <a:pPr>
-              <a:buFont typeface="Arial" charset="0"/>
-              <a:buNone/>
-            </a:pPr>
-            <a:r>
-              <a:rPr lang="en-US" altLang="zh-CN" sz="1900" b="1" smtClean="0"/>
-              <a:t> </a:t>
-            </a:r>
-            <a:endParaRPr lang="zh-CN" altLang="zh-CN" sz="1900" smtClean="0"/>
-          </a:p>
-          <a:p>
-            <a:pPr>
-              <a:spcBef>
-                <a:spcPts val="600"/>
-              </a:spcBef>
-              <a:buFont typeface="Arial" charset="0"/>
-              <a:buNone/>
-            </a:pPr>
-            <a:r>
-              <a:rPr lang="en-US" altLang="zh-CN" sz="2000" b="1" smtClean="0">
-                <a:latin typeface="黑体" pitchFamily="49" charset="-122"/>
-                <a:ea typeface="黑体" pitchFamily="49" charset="-122"/>
-              </a:rPr>
-              <a:t>5</a:t>
-            </a:r>
-            <a:r>
-              <a:rPr lang="zh-CN" altLang="en-US" sz="2000" b="1" smtClean="0">
-                <a:latin typeface="黑体" pitchFamily="49" charset="-122"/>
-                <a:ea typeface="黑体" pitchFamily="49" charset="-122"/>
-              </a:rPr>
-              <a:t>、</a:t>
-            </a:r>
-            <a:r>
-              <a:rPr lang="zh-CN" altLang="zh-CN" sz="2000" b="1" smtClean="0">
-                <a:latin typeface="黑体" pitchFamily="49" charset="-122"/>
-                <a:ea typeface="黑体" pitchFamily="49" charset="-122"/>
-              </a:rPr>
-              <a:t>关于章节的编号问题</a:t>
+              <a:buNone/>
+            </a:pPr>
+            <a:r>
+              <a:rPr lang="en-US" altLang="zh-CN" sz="1900" dirty="0" smtClean="0"/>
+              <a:t>              </a:t>
+            </a:r>
+            <a:r>
+              <a:rPr lang="zh-CN" altLang="en-US" sz="1900" dirty="0" smtClean="0"/>
+              <a:t>有些</a:t>
+            </a:r>
+            <a:r>
+              <a:rPr lang="zh-CN" altLang="zh-CN" sz="1900" dirty="0" smtClean="0"/>
+              <a:t>同学</a:t>
+            </a:r>
+            <a:r>
+              <a:rPr lang="zh-CN" altLang="en-US" sz="1900" dirty="0" smtClean="0"/>
+              <a:t>习惯</a:t>
+            </a:r>
+            <a:r>
+              <a:rPr lang="zh-CN" altLang="zh-CN" sz="1900" dirty="0" smtClean="0"/>
+              <a:t>用“一，”或“</a:t>
+            </a:r>
+            <a:r>
+              <a:rPr lang="en-US" altLang="zh-CN" sz="1900" dirty="0" smtClean="0"/>
+              <a:t>1</a:t>
+            </a:r>
+            <a:r>
+              <a:rPr lang="zh-CN" altLang="zh-CN" sz="1900" dirty="0" smtClean="0"/>
+              <a:t>，”等不规范的格式</a:t>
+            </a:r>
+            <a:r>
+              <a:rPr lang="zh-CN" altLang="en-US" sz="1900" dirty="0" smtClean="0"/>
+              <a:t>进行</a:t>
+            </a:r>
+            <a:r>
+              <a:rPr lang="zh-CN" altLang="zh-CN" sz="1900" dirty="0" smtClean="0"/>
+              <a:t>章节编号</a:t>
+            </a:r>
+            <a:r>
+              <a:rPr lang="zh-CN" altLang="en-US" sz="1900" dirty="0" smtClean="0"/>
+              <a:t>。标点部分不规范，</a:t>
+            </a:r>
+            <a:r>
+              <a:rPr lang="zh-CN" altLang="zh-CN" sz="1900" dirty="0" smtClean="0"/>
+              <a:t>常用的一般有“一、”　“</a:t>
+            </a:r>
+            <a:r>
+              <a:rPr lang="en-US" altLang="zh-CN" sz="1900" dirty="0" smtClean="0"/>
+              <a:t>1</a:t>
+            </a:r>
+            <a:r>
+              <a:rPr lang="zh-CN" altLang="zh-CN" sz="1900" dirty="0" smtClean="0"/>
+              <a:t>、”　“</a:t>
+            </a:r>
+            <a:r>
+              <a:rPr lang="en-US" altLang="zh-CN" sz="1900" dirty="0" smtClean="0"/>
+              <a:t>1</a:t>
+            </a:r>
+            <a:r>
+              <a:rPr lang="zh-CN" altLang="zh-CN" sz="1900" dirty="0" smtClean="0"/>
+              <a:t>）”　“（</a:t>
+            </a:r>
+            <a:r>
+              <a:rPr lang="en-US" altLang="zh-CN" sz="1900" dirty="0" smtClean="0"/>
+              <a:t>1</a:t>
+            </a:r>
+            <a:r>
+              <a:rPr lang="zh-CN" altLang="zh-CN" sz="1900" dirty="0" smtClean="0"/>
+              <a:t>）”等。</a:t>
             </a:r>
           </a:p>
           <a:p>
@@ -7388,104 +6636,22 @@
               <a:spcBef>
                 <a:spcPts val="600"/>
               </a:spcBef>
-              <a:buFont typeface="Arial" charset="0"/>
-              <a:buNone/>
-            </a:pPr>
-            <a:r>
-              <a:rPr lang="en-US" altLang="zh-CN" sz="1900" smtClean="0"/>
-              <a:t>              </a:t>
-            </a:r>
-            <a:r>
-              <a:rPr lang="zh-CN" altLang="en-US" sz="1900" smtClean="0"/>
-              <a:t>有些</a:t>
-            </a:r>
-            <a:r>
-              <a:rPr lang="zh-CN" altLang="zh-CN" sz="1900" smtClean="0"/>
-              <a:t>同学</a:t>
-            </a:r>
-            <a:r>
-              <a:rPr lang="zh-CN" altLang="en-US" sz="1900" smtClean="0"/>
-              <a:t>习惯</a:t>
-            </a:r>
-            <a:r>
-              <a:rPr lang="zh-CN" altLang="zh-CN" sz="1900" smtClean="0"/>
-              <a:t>用“一，”或“</a:t>
-            </a:r>
-            <a:r>
-              <a:rPr lang="en-US" altLang="zh-CN" sz="1900" smtClean="0"/>
-              <a:t>1</a:t>
-            </a:r>
-            <a:r>
-              <a:rPr lang="zh-CN" altLang="zh-CN" sz="1900" smtClean="0"/>
-              <a:t>，”等不规范的格式</a:t>
-            </a:r>
-            <a:r>
-              <a:rPr lang="zh-CN" altLang="en-US" sz="1900" smtClean="0"/>
-              <a:t>进行</a:t>
-            </a:r>
-            <a:r>
-              <a:rPr lang="zh-CN" altLang="zh-CN" sz="1900" smtClean="0"/>
-              <a:t>章节编号</a:t>
-            </a:r>
-            <a:r>
-              <a:rPr lang="zh-CN" altLang="en-US" sz="1900" smtClean="0"/>
-              <a:t>。标点部分不规范，</a:t>
-            </a:r>
-            <a:r>
-              <a:rPr lang="zh-CN" altLang="zh-CN" sz="1900" smtClean="0"/>
-              <a:t>常用的一般有“一、”　“</a:t>
-            </a:r>
-            <a:r>
-              <a:rPr lang="en-US" altLang="zh-CN" sz="1900" smtClean="0"/>
-              <a:t>1</a:t>
-            </a:r>
-            <a:r>
-              <a:rPr lang="zh-CN" altLang="zh-CN" sz="1900" smtClean="0"/>
-              <a:t>、”　“</a:t>
-            </a:r>
-            <a:r>
-              <a:rPr lang="en-US" altLang="zh-CN" sz="1900" smtClean="0"/>
-              <a:t>1</a:t>
-            </a:r>
-            <a:r>
-              <a:rPr lang="zh-CN" altLang="zh-CN" sz="1900" smtClean="0"/>
-              <a:t>）”　“（</a:t>
-            </a:r>
-            <a:r>
-              <a:rPr lang="en-US" altLang="zh-CN" sz="1900" smtClean="0"/>
-              <a:t>1</a:t>
-            </a:r>
-            <a:r>
-              <a:rPr lang="zh-CN" altLang="zh-CN" sz="1900" smtClean="0"/>
-              <a:t>）”等。</a:t>
+              <a:buNone/>
+            </a:pPr>
+            <a:r>
+              <a:rPr lang="en-US" altLang="zh-CN" sz="1900" dirty="0" smtClean="0"/>
+              <a:t>               </a:t>
+            </a:r>
+            <a:r>
+              <a:rPr lang="zh-CN" altLang="zh-CN" sz="1900" dirty="0" smtClean="0"/>
+              <a:t>编号的一致性。即，由于使用自动编号等原因，在操作上不注意会出现编号不连续的问题。</a:t>
             </a:r>
           </a:p>
           <a:p>
             <a:pPr>
-              <a:lnSpc>
-                <a:spcPct val="150000"/>
-              </a:lnSpc>
-              <a:spcBef>
-                <a:spcPts val="600"/>
-              </a:spcBef>
-              <a:buFont typeface="Arial" charset="0"/>
-              <a:buNone/>
-            </a:pPr>
-            <a:r>
-              <a:rPr lang="en-US" altLang="zh-CN" sz="1900" smtClean="0"/>
-              <a:t>               </a:t>
-            </a:r>
-            <a:r>
-              <a:rPr lang="zh-CN" altLang="zh-CN" sz="1900" smtClean="0"/>
-              <a:t>编号的一致性。即，由于使用自动编号等原因，在操作上不注意会出现编号不连续的问题。</a:t>
-            </a:r>
-          </a:p>
-          <a:p>
-            <a:pPr>
-              <a:buFont typeface="Arial" charset="0"/>
-              <a:buNone/>
-            </a:pPr>
-            <a:endParaRPr lang="zh-CN" altLang="en-US" smtClean="0"/>
+              <a:buNone/>
+            </a:pPr>
+            <a:endParaRPr lang="zh-CN" altLang="en-US" dirty="0"/>
           </a:p>
         </p:txBody>
       </p:sp>
@@ -7516,7 +6682,7 @@
       </p:grpSpPr>
       <p:sp>
         <p:nvSpPr>
-          <p:cNvPr id="21505" name="内容占位符 2"/>
+          <p:cNvPr id="3" name="内容占位符 2"/>
           <p:cNvSpPr>
             <a:spLocks noGrp="1"/>
           </p:cNvSpPr>
@@ -7526,39 +6692,40 @@
         </p:nvSpPr>
         <p:spPr>
           <a:xfrm>
-            <a:off x="457200" y="476250"/>
-            <a:ext cx="8229600" cy="5649913"/>
+            <a:off x="457200" y="476672"/>
+            <a:ext cx="8229600" cy="5649491"/>
           </a:xfrm>
         </p:spPr>
         <p:txBody>
-          <a:bodyPr/>
+          <a:bodyPr>
+            <a:normAutofit/>
+          </a:bodyPr>
           <a:lstStyle/>
           <a:p>
-            <a:pPr>
+            <a:pPr lvl="0">
               <a:spcBef>
                 <a:spcPts val="1200"/>
               </a:spcBef>
-              <a:buFont typeface="Arial" charset="0"/>
-              <a:buNone/>
-            </a:pPr>
-            <a:r>
-              <a:rPr lang="en-US" altLang="zh-CN" sz="2000" b="1" smtClean="0">
-                <a:latin typeface="黑体" pitchFamily="49" charset="-122"/>
-                <a:ea typeface="黑体" pitchFamily="49" charset="-122"/>
+              <a:buNone/>
+            </a:pPr>
+            <a:r>
+              <a:rPr lang="en-US" altLang="zh-CN" sz="2000" b="1" dirty="0" smtClean="0">
+                <a:latin typeface="黑体" pitchFamily="2" charset="-122"/>
+                <a:ea typeface="黑体" pitchFamily="2" charset="-122"/>
               </a:rPr>
               <a:t>6</a:t>
             </a:r>
             <a:r>
-              <a:rPr lang="zh-CN" altLang="en-US" sz="2000" b="1" smtClean="0">
-                <a:latin typeface="黑体" pitchFamily="49" charset="-122"/>
-                <a:ea typeface="黑体" pitchFamily="49" charset="-122"/>
+              <a:rPr lang="zh-CN" altLang="en-US" sz="2000" b="1" dirty="0" smtClean="0">
+                <a:latin typeface="黑体" pitchFamily="2" charset="-122"/>
+                <a:ea typeface="黑体" pitchFamily="2" charset="-122"/>
               </a:rPr>
               <a:t>、</a:t>
             </a:r>
             <a:r>
-              <a:rPr lang="zh-CN" altLang="zh-CN" sz="2000" b="1" smtClean="0">
-                <a:latin typeface="黑体" pitchFamily="49" charset="-122"/>
-                <a:ea typeface="黑体" pitchFamily="49" charset="-122"/>
+              <a:rPr lang="zh-CN" altLang="zh-CN" sz="2000" b="1" dirty="0" smtClean="0">
+                <a:latin typeface="黑体" pitchFamily="2" charset="-122"/>
+                <a:ea typeface="黑体" pitchFamily="2" charset="-122"/>
               </a:rPr>
               <a:t>关于标点符号经常性错误</a:t>
             </a:r>
@@ -7571,79 +6738,78 @@
               <a:spcBef>
                 <a:spcPts val="1200"/>
               </a:spcBef>
-              <a:buFont typeface="Arial" charset="0"/>
-              <a:buNone/>
-            </a:pPr>
-            <a:r>
-              <a:rPr lang="en-US" altLang="zh-CN" sz="1800" smtClean="0"/>
+              <a:buNone/>
+            </a:pPr>
+            <a:r>
+              <a:rPr lang="en-US" altLang="zh-CN" sz="1800" dirty="0" smtClean="0"/>
               <a:t>            1</a:t>
             </a:r>
             <a:r>
-              <a:rPr lang="zh-CN" altLang="zh-CN" sz="1800" smtClean="0"/>
+              <a:rPr lang="zh-CN" altLang="zh-CN" sz="1800" dirty="0" smtClean="0"/>
               <a:t>）所有标点符号都必须用中文</a:t>
             </a:r>
             <a:r>
-              <a:rPr lang="zh-CN" altLang="en-US" sz="1800" smtClean="0"/>
+              <a:rPr lang="zh-CN" altLang="en-US" sz="1800" dirty="0" smtClean="0"/>
               <a:t>符号</a:t>
             </a:r>
             <a:r>
-              <a:rPr lang="zh-CN" altLang="zh-CN" sz="1800" smtClean="0"/>
+              <a:rPr lang="zh-CN" altLang="zh-CN" sz="1800" dirty="0" smtClean="0"/>
               <a:t>，不</a:t>
             </a:r>
             <a:r>
-              <a:rPr lang="zh-CN" altLang="en-US" sz="1800" smtClean="0"/>
+              <a:rPr lang="zh-CN" altLang="en-US" sz="1800" dirty="0" smtClean="0"/>
               <a:t>可使</a:t>
             </a:r>
             <a:r>
-              <a:rPr lang="zh-CN" altLang="zh-CN" sz="1800" smtClean="0"/>
+              <a:rPr lang="zh-CN" altLang="zh-CN" sz="1800" dirty="0" smtClean="0"/>
               <a:t>用英文符号，除非整段引用英文</a:t>
             </a:r>
             <a:r>
-              <a:rPr lang="zh-CN" altLang="en-US" sz="1800" smtClean="0"/>
+              <a:rPr lang="zh-CN" altLang="en-US" sz="1800" dirty="0" smtClean="0"/>
               <a:t>或</a:t>
             </a:r>
             <a:r>
-              <a:rPr lang="zh-CN" altLang="zh-CN" sz="1800" smtClean="0"/>
+              <a:rPr lang="zh-CN" altLang="zh-CN" sz="1800" dirty="0" smtClean="0"/>
               <a:t>英文的摘要等。英文标点符号占半个汉字符（“</a:t>
             </a:r>
             <a:r>
-              <a:rPr lang="en-US" altLang="zh-CN" sz="1800" smtClean="0"/>
+              <a:rPr lang="en-US" altLang="zh-CN" sz="1800" dirty="0" smtClean="0"/>
               <a:t>,</a:t>
             </a:r>
             <a:r>
-              <a:rPr lang="zh-CN" altLang="zh-CN" sz="1800" smtClean="0"/>
+              <a:rPr lang="zh-CN" altLang="zh-CN" sz="1800" dirty="0" smtClean="0"/>
               <a:t>”</a:t>
             </a:r>
             <a:r>
-              <a:rPr lang="en-US" altLang="zh-CN" sz="1800" smtClean="0"/>
+              <a:rPr lang="en-US" altLang="zh-CN" sz="1800" dirty="0" smtClean="0"/>
               <a:t>1</a:t>
             </a:r>
             <a:r>
-              <a:rPr lang="zh-CN" altLang="zh-CN" sz="1800" smtClean="0"/>
+              <a:rPr lang="zh-CN" altLang="zh-CN" sz="1800" dirty="0" smtClean="0"/>
               <a:t>个英文字符），而汉字标点符号占一个汉字符（“，”</a:t>
             </a:r>
             <a:r>
-              <a:rPr lang="en-US" altLang="zh-CN" sz="1800" smtClean="0"/>
+              <a:rPr lang="en-US" altLang="zh-CN" sz="1800" dirty="0" smtClean="0"/>
               <a:t>2</a:t>
             </a:r>
             <a:r>
-              <a:rPr lang="zh-CN" altLang="zh-CN" sz="1800" smtClean="0"/>
+              <a:rPr lang="zh-CN" altLang="zh-CN" sz="1800" dirty="0" smtClean="0"/>
               <a:t>个英文字符）；甚至有学生</a:t>
             </a:r>
             <a:r>
-              <a:rPr lang="zh-CN" altLang="en-US" sz="1800" smtClean="0"/>
+              <a:rPr lang="zh-CN" altLang="en-US" sz="1800" dirty="0" smtClean="0"/>
               <a:t>将</a:t>
             </a:r>
             <a:r>
-              <a:rPr lang="zh-CN" altLang="zh-CN" sz="1800" smtClean="0"/>
+              <a:rPr lang="zh-CN" altLang="zh-CN" sz="1800" dirty="0" smtClean="0"/>
               <a:t>句号也错误地使用用英文的“</a:t>
             </a:r>
             <a:r>
-              <a:rPr lang="en-US" altLang="zh-CN" sz="1800" smtClean="0"/>
+              <a:rPr lang="en-US" altLang="zh-CN" sz="1800" dirty="0" smtClean="0"/>
               <a:t>.</a:t>
             </a:r>
             <a:r>
-              <a:rPr lang="zh-CN" altLang="zh-CN" sz="1800" smtClean="0"/>
+              <a:rPr lang="zh-CN" altLang="zh-CN" sz="1800" dirty="0" smtClean="0"/>
               <a:t>”；</a:t>
             </a:r>
           </a:p>
@@ -7655,23 +6821,22 @@
               <a:spcBef>
                 <a:spcPts val="1200"/>
               </a:spcBef>
-              <a:buFont typeface="Arial" charset="0"/>
-              <a:buNone/>
-            </a:pPr>
-            <a:r>
-              <a:rPr lang="en-US" altLang="zh-CN" sz="1800" smtClean="0"/>
+              <a:buNone/>
+            </a:pPr>
+            <a:r>
+              <a:rPr lang="en-US" altLang="zh-CN" sz="1800" dirty="0" smtClean="0"/>
               <a:t>            2</a:t>
             </a:r>
             <a:r>
-              <a:rPr lang="zh-CN" altLang="zh-CN" sz="1800" smtClean="0"/>
+              <a:rPr lang="zh-CN" altLang="zh-CN" sz="1800" dirty="0" smtClean="0"/>
               <a:t>）破折号是</a:t>
             </a:r>
             <a:r>
-              <a:rPr lang="en-US" altLang="zh-CN" sz="1800" smtClean="0"/>
+              <a:rPr lang="en-US" altLang="zh-CN" sz="1800" dirty="0" smtClean="0"/>
               <a:t>2</a:t>
             </a:r>
             <a:r>
-              <a:rPr lang="zh-CN" altLang="zh-CN" sz="1800" smtClean="0"/>
+              <a:rPr lang="zh-CN" altLang="zh-CN" sz="1800" dirty="0" smtClean="0"/>
               <a:t>个中文字符的横线，有专门中文的“——”；</a:t>
             </a:r>
           </a:p>
@@ -7683,47 +6848,46 @@
               <a:spcBef>
                 <a:spcPts val="1200"/>
               </a:spcBef>
-              <a:buFont typeface="Arial" charset="0"/>
-              <a:buNone/>
-            </a:pPr>
-            <a:r>
-              <a:rPr lang="en-US" altLang="zh-CN" sz="1800" smtClean="0"/>
+              <a:buNone/>
+            </a:pPr>
+            <a:r>
+              <a:rPr lang="en-US" altLang="zh-CN" sz="1800" dirty="0" smtClean="0"/>
               <a:t>            3</a:t>
             </a:r>
             <a:r>
-              <a:rPr lang="zh-CN" altLang="zh-CN" sz="1800" smtClean="0"/>
+              <a:rPr lang="zh-CN" altLang="zh-CN" sz="1800" dirty="0" smtClean="0"/>
               <a:t>）什么、什么和什么等排比句，</a:t>
             </a:r>
             <a:r>
-              <a:rPr lang="zh-CN" altLang="en-US" sz="1800" smtClean="0"/>
+              <a:rPr lang="zh-CN" altLang="en-US" sz="1800" dirty="0" smtClean="0"/>
               <a:t>许</a:t>
             </a:r>
             <a:r>
-              <a:rPr lang="zh-CN" altLang="zh-CN" sz="1800" smtClean="0"/>
+              <a:rPr lang="zh-CN" altLang="zh-CN" sz="1800" dirty="0" smtClean="0"/>
               <a:t>多同学都</a:t>
             </a:r>
             <a:r>
-              <a:rPr lang="zh-CN" altLang="en-US" sz="1800" smtClean="0"/>
+              <a:rPr lang="zh-CN" altLang="en-US" sz="1800" dirty="0" smtClean="0"/>
               <a:t>使用</a:t>
             </a:r>
             <a:r>
-              <a:rPr lang="zh-CN" altLang="zh-CN" sz="1800" smtClean="0"/>
+              <a:rPr lang="zh-CN" altLang="zh-CN" sz="1800" dirty="0" smtClean="0"/>
               <a:t>了逗号“，”，应该用顿号“、”，最后一个</a:t>
             </a:r>
             <a:r>
-              <a:rPr lang="zh-CN" altLang="en-US" sz="1800" smtClean="0"/>
+              <a:rPr lang="zh-CN" altLang="en-US" sz="1800" dirty="0" smtClean="0"/>
               <a:t>排比应用</a:t>
             </a:r>
             <a:r>
-              <a:rPr lang="zh-CN" altLang="zh-CN" sz="1800" smtClean="0"/>
+              <a:rPr lang="zh-CN" altLang="zh-CN" sz="1800" dirty="0" smtClean="0"/>
               <a:t>“和”</a:t>
             </a:r>
             <a:r>
-              <a:rPr lang="zh-CN" altLang="en-US" sz="1800" smtClean="0"/>
+              <a:rPr lang="zh-CN" altLang="en-US" sz="1800" dirty="0" smtClean="0"/>
               <a:t>字连接</a:t>
             </a:r>
             <a:r>
-              <a:rPr lang="zh-CN" altLang="zh-CN" sz="1800" smtClean="0"/>
+              <a:rPr lang="zh-CN" altLang="zh-CN" sz="1800" dirty="0" smtClean="0"/>
               <a:t>；</a:t>
             </a:r>
           </a:p>
@@ -7735,37 +6899,37 @@
               <a:spcBef>
                 <a:spcPts val="1200"/>
               </a:spcBef>
-              <a:buFont typeface="Arial" charset="0"/>
-              <a:buNone/>
-            </a:pPr>
-            <a:r>
-              <a:rPr lang="en-US" altLang="zh-CN" sz="1800" smtClean="0"/>
+              <a:buNone/>
+            </a:pPr>
+            <a:r>
+              <a:rPr lang="en-US" altLang="zh-CN" sz="1800" dirty="0" smtClean="0"/>
               <a:t>            4</a:t>
             </a:r>
             <a:r>
-              <a:rPr lang="zh-CN" altLang="zh-CN" sz="1800" smtClean="0"/>
+              <a:rPr lang="zh-CN" altLang="zh-CN" sz="1800" dirty="0" smtClean="0"/>
               <a:t>）很多同学在一段正文的最后出现“如图</a:t>
             </a:r>
             <a:r>
-              <a:rPr lang="en-US" altLang="zh-CN" sz="1800" smtClean="0"/>
+              <a:rPr lang="en-US" altLang="zh-CN" sz="1800" dirty="0" smtClean="0"/>
               <a:t>xx</a:t>
             </a:r>
             <a:r>
-              <a:rPr lang="zh-CN" altLang="zh-CN" sz="1800" smtClean="0"/>
+              <a:rPr lang="zh-CN" altLang="zh-CN" sz="1800" dirty="0" smtClean="0"/>
               <a:t>：”或“如表</a:t>
             </a:r>
             <a:r>
-              <a:rPr lang="en-US" altLang="zh-CN" sz="1800" smtClean="0"/>
+              <a:rPr lang="en-US" altLang="zh-CN" sz="1800" dirty="0" smtClean="0"/>
               <a:t>xx</a:t>
             </a:r>
             <a:r>
-              <a:rPr lang="zh-CN" altLang="zh-CN" sz="1800" smtClean="0"/>
+              <a:rPr lang="zh-CN" altLang="zh-CN" sz="1800" dirty="0" smtClean="0"/>
               <a:t>：”，该段下面放一张插图或表格，此时应该用句号而不是冒号</a:t>
             </a:r>
             <a:r>
-              <a:rPr lang="zh-CN" altLang="zh-CN" sz="2100" smtClean="0"/>
+              <a:rPr lang="zh-CN" altLang="zh-CN" sz="2100" dirty="0" smtClean="0"/>
               <a:t>。</a:t>
             </a:r>
+            <a:endParaRPr lang="zh-CN" altLang="zh-CN" sz="2100" dirty="0"/>
           </a:p>
         </p:txBody>
       </p:sp>
@@ -7796,7 +6960,7 @@
       </p:grpSpPr>
       <p:sp>
         <p:nvSpPr>
-          <p:cNvPr id="22529" name="内容占位符 2"/>
+          <p:cNvPr id="3" name="内容占位符 2"/>
           <p:cNvSpPr>
             <a:spLocks noGrp="1"/>
           </p:cNvSpPr>
@@ -7806,39 +6970,40 @@
         </p:nvSpPr>
         <p:spPr>
           <a:xfrm>
-            <a:off x="457200" y="549275"/>
-            <a:ext cx="8229600" cy="5576888"/>
+            <a:off x="457200" y="548680"/>
+            <a:ext cx="8229600" cy="5577483"/>
           </a:xfrm>
         </p:spPr>
         <p:txBody>
-          <a:bodyPr/>
+          <a:bodyPr>
+            <a:normAutofit/>
+          </a:bodyPr>
           <a:lstStyle/>
           <a:p>
-            <a:pPr>
+            <a:pPr lvl="0">
               <a:spcBef>
                 <a:spcPts val="1200"/>
               </a:spcBef>
-              <a:buFont typeface="Arial" charset="0"/>
-              <a:buNone/>
-            </a:pPr>
-            <a:r>
-              <a:rPr lang="en-US" altLang="zh-CN" sz="2000" b="1" smtClean="0">
-                <a:latin typeface="黑体" pitchFamily="49" charset="-122"/>
-                <a:ea typeface="黑体" pitchFamily="49" charset="-122"/>
+              <a:buNone/>
+            </a:pPr>
+            <a:r>
+              <a:rPr lang="en-US" altLang="zh-CN" sz="2000" b="1" dirty="0" smtClean="0">
+                <a:latin typeface="黑体" pitchFamily="2" charset="-122"/>
+                <a:ea typeface="黑体" pitchFamily="2" charset="-122"/>
               </a:rPr>
               <a:t>7</a:t>
             </a:r>
             <a:r>
-              <a:rPr lang="zh-CN" altLang="en-US" sz="2000" b="1" smtClean="0">
-                <a:latin typeface="黑体" pitchFamily="49" charset="-122"/>
-                <a:ea typeface="黑体" pitchFamily="49" charset="-122"/>
+              <a:rPr lang="zh-CN" altLang="en-US" sz="2000" b="1" dirty="0" smtClean="0">
+                <a:latin typeface="黑体" pitchFamily="2" charset="-122"/>
+                <a:ea typeface="黑体" pitchFamily="2" charset="-122"/>
               </a:rPr>
               <a:t>、</a:t>
             </a:r>
             <a:r>
-              <a:rPr lang="zh-CN" altLang="zh-CN" sz="2000" b="1" smtClean="0">
-                <a:latin typeface="黑体" pitchFamily="49" charset="-122"/>
-                <a:ea typeface="黑体" pitchFamily="49" charset="-122"/>
+              <a:rPr lang="zh-CN" altLang="zh-CN" sz="2000" b="1" dirty="0" smtClean="0">
+                <a:latin typeface="黑体" pitchFamily="2" charset="-122"/>
+                <a:ea typeface="黑体" pitchFamily="2" charset="-122"/>
               </a:rPr>
               <a:t>引用港台文献的不规范问题</a:t>
             </a:r>
@@ -7851,16 +7016,52 @@
               <a:spcBef>
                 <a:spcPts val="1200"/>
               </a:spcBef>
-              <a:buFont typeface="Arial" charset="0"/>
-              <a:buNone/>
-            </a:pPr>
-            <a:r>
-              <a:rPr lang="en-US" altLang="zh-CN" sz="1800" smtClean="0"/>
+              <a:buNone/>
+            </a:pPr>
+            <a:r>
+              <a:rPr lang="en-US" altLang="zh-CN" sz="1800" dirty="0" smtClean="0"/>
               <a:t>                </a:t>
             </a:r>
             <a:r>
-              <a:rPr lang="zh-CN" altLang="zh-CN" sz="1800" smtClean="0"/>
-              <a:t>由于一些项目要参阅一些港台的文献，在借用或引用其中的观点时，用了港台的汉语，例如，“质讯”、“讯息”等。这是不允许的。遇到这类问题必须将其转换为简体汉字（即大陆语言）。</a:t>
+              <a:rPr lang="zh-CN" altLang="zh-CN" sz="1800" dirty="0" smtClean="0"/>
+              <a:t>由于一些项目要参阅一些港台的文献，在借用或引用其中的观点时，用了港台的汉语，例如，“质讯”、“讯息”等。这是不允许的。遇到这类问题必须将其转换为简体汉字（即大陆语言）</a:t>
+            </a:r>
+            <a:r>
+              <a:rPr lang="zh-CN" altLang="zh-CN" sz="1800" dirty="0" smtClean="0"/>
+              <a:t>。</a:t>
+            </a:r>
+            <a:endParaRPr lang="zh-CN" altLang="zh-CN" sz="1800" dirty="0" smtClean="0"/>
+          </a:p>
+          <a:p>
+            <a:pPr lvl="0">
+              <a:lnSpc>
+                <a:spcPct val="150000"/>
+              </a:lnSpc>
+              <a:spcBef>
+                <a:spcPts val="1200"/>
+              </a:spcBef>
+              <a:buNone/>
+            </a:pPr>
+            <a:r>
+              <a:rPr lang="en-US" altLang="zh-CN" sz="2000" b="1" dirty="0" smtClean="0">
+                <a:latin typeface="黑体" pitchFamily="2" charset="-122"/>
+                <a:ea typeface="黑体" pitchFamily="2" charset="-122"/>
+              </a:rPr>
+              <a:t>8</a:t>
+            </a:r>
+            <a:r>
+              <a:rPr lang="zh-CN" altLang="en-US" sz="2000" b="1" dirty="0" smtClean="0">
+                <a:latin typeface="黑体" pitchFamily="2" charset="-122"/>
+                <a:ea typeface="黑体" pitchFamily="2" charset="-122"/>
+              </a:rPr>
+              <a:t>、</a:t>
+            </a:r>
+            <a:r>
+              <a:rPr lang="zh-CN" altLang="zh-CN" sz="2000" b="1" dirty="0" smtClean="0">
+                <a:latin typeface="黑体" pitchFamily="2" charset="-122"/>
+                <a:ea typeface="黑体" pitchFamily="2" charset="-122"/>
+              </a:rPr>
+              <a:t>关于英文缩写的问题</a:t>
             </a:r>
           </a:p>
           <a:p>
@@ -7871,29 +7072,15 @@
               <a:spcBef>
                 <a:spcPts val="1200"/>
               </a:spcBef>
-              <a:buFont typeface="Arial" charset="0"/>
-              <a:buNone/>
-            </a:pPr>
-            <a:r>
-              <a:rPr lang="en-US" altLang="zh-CN" sz="2000" b="1" smtClean="0">
-                <a:latin typeface="黑体" pitchFamily="49" charset="-122"/>
-                <a:ea typeface="黑体" pitchFamily="49" charset="-122"/>
-              </a:rPr>
-              <a:t>8</a:t>
-            </a:r>
-            <a:r>
-              <a:rPr lang="zh-CN" altLang="en-US" sz="2000" b="1" smtClean="0">
-                <a:latin typeface="黑体" pitchFamily="49" charset="-122"/>
-                <a:ea typeface="黑体" pitchFamily="49" charset="-122"/>
-              </a:rPr>
-              <a:t>、</a:t>
-            </a:r>
-            <a:r>
-              <a:rPr lang="zh-CN" altLang="zh-CN" sz="2000" b="1" smtClean="0">
-                <a:latin typeface="黑体" pitchFamily="49" charset="-122"/>
-                <a:ea typeface="黑体" pitchFamily="49" charset="-122"/>
-              </a:rPr>
-              <a:t>关于英文缩写的问题</a:t>
+              <a:buNone/>
+            </a:pPr>
+            <a:r>
+              <a:rPr lang="en-US" altLang="zh-CN" sz="1800" dirty="0" smtClean="0"/>
+              <a:t>      </a:t>
+            </a:r>
+            <a:r>
+              <a:rPr lang="zh-CN" altLang="zh-CN" sz="1800" dirty="0" smtClean="0"/>
+              <a:t>中文论文可以使用英文缩写，但是，必须要规范。</a:t>
             </a:r>
           </a:p>
           <a:p>
@@ -7904,16 +7091,15 @@
               <a:spcBef>
                 <a:spcPts val="1200"/>
               </a:spcBef>
-              <a:buFont typeface="Arial" charset="0"/>
-              <a:buNone/>
-            </a:pPr>
-            <a:r>
-              <a:rPr lang="en-US" altLang="zh-CN" sz="1800" smtClean="0"/>
-              <a:t>      </a:t>
-            </a:r>
-            <a:r>
-              <a:rPr lang="zh-CN" altLang="zh-CN" sz="1800" smtClean="0"/>
-              <a:t>中文论文可以使用英文缩写，但是，必须要规范。</a:t>
+              <a:buNone/>
+            </a:pPr>
+            <a:r>
+              <a:rPr lang="en-US" altLang="zh-CN" sz="1800" dirty="0" smtClean="0"/>
+              <a:t>       1</a:t>
+            </a:r>
+            <a:r>
+              <a:rPr lang="zh-CN" altLang="zh-CN" sz="1800" dirty="0" smtClean="0"/>
+              <a:t>）首次出现英文缩写时，尤其是不常用的，必须在其后用括号内给出其英文全称和中文名称；</a:t>
             </a:r>
           </a:p>
           <a:p>
@@ -7924,68 +7110,46 @@
               <a:spcBef>
                 <a:spcPts val="1200"/>
               </a:spcBef>
-              <a:buFont typeface="Arial" charset="0"/>
-              <a:buNone/>
-            </a:pPr>
-            <a:r>
-              <a:rPr lang="en-US" altLang="zh-CN" sz="1800" smtClean="0"/>
-              <a:t>       1</a:t>
-            </a:r>
-            <a:r>
-              <a:rPr lang="zh-CN" altLang="zh-CN" sz="1800" smtClean="0"/>
-              <a:t>）首次出现英文缩写时，尤其是不常用的，必须在其后用括号内给出其英文全称和中文名称；</a:t>
+              <a:buNone/>
+            </a:pPr>
+            <a:r>
+              <a:rPr lang="en-US" altLang="zh-CN" sz="1800" dirty="0" smtClean="0"/>
+              <a:t>       2</a:t>
+            </a:r>
+            <a:r>
+              <a:rPr lang="zh-CN" altLang="zh-CN" sz="1800" dirty="0" smtClean="0"/>
+              <a:t>）原则上英文缩写都是大写，除个别的按惯例首字母大写，后用小写。例如，“</a:t>
+            </a:r>
+            <a:r>
+              <a:rPr lang="en-US" altLang="zh-CN" sz="1800" dirty="0" smtClean="0"/>
+              <a:t>Web</a:t>
+            </a:r>
+            <a:r>
+              <a:rPr lang="zh-CN" altLang="zh-CN" sz="1800" dirty="0" smtClean="0"/>
+              <a:t>”是一个惯例写法，可以使用。也可以</a:t>
+            </a:r>
+            <a:r>
+              <a:rPr lang="en-US" altLang="zh-CN" sz="1800" dirty="0" smtClean="0"/>
+              <a:t>WEB</a:t>
+            </a:r>
+            <a:r>
+              <a:rPr lang="zh-CN" altLang="zh-CN" sz="1800" dirty="0" smtClean="0"/>
+              <a:t>，但是，全文必须统一，如果用</a:t>
+            </a:r>
+            <a:r>
+              <a:rPr lang="en-US" altLang="zh-CN" sz="1800" dirty="0" smtClean="0"/>
+              <a:t>Web</a:t>
+            </a:r>
+            <a:r>
+              <a:rPr lang="zh-CN" altLang="zh-CN" sz="1800" dirty="0" smtClean="0"/>
+              <a:t>，全文统一都使用这个写法。</a:t>
             </a:r>
           </a:p>
           <a:p>
             <a:pPr>
-              <a:lnSpc>
-                <a:spcPct val="150000"/>
-              </a:lnSpc>
-              <a:spcBef>
-                <a:spcPts val="1200"/>
-              </a:spcBef>
-              <a:buFont typeface="Arial" charset="0"/>
-              <a:buNone/>
-            </a:pPr>
-            <a:r>
-              <a:rPr lang="en-US" altLang="zh-CN" sz="1800" smtClean="0"/>
-              <a:t>       2</a:t>
-            </a:r>
-            <a:r>
-              <a:rPr lang="zh-CN" altLang="zh-CN" sz="1800" smtClean="0"/>
-              <a:t>）原则上英文缩写都是大写，除个别的按惯例首字母大写，后用小写。例如，“</a:t>
-            </a:r>
-            <a:r>
-              <a:rPr lang="en-US" altLang="zh-CN" sz="1800" smtClean="0"/>
-              <a:t>Web</a:t>
-            </a:r>
-            <a:r>
-              <a:rPr lang="zh-CN" altLang="zh-CN" sz="1800" smtClean="0"/>
-              <a:t>”是一个惯例写法，可以使用。也可以</a:t>
-            </a:r>
-            <a:r>
-              <a:rPr lang="en-US" altLang="zh-CN" sz="1800" smtClean="0"/>
-              <a:t>WEB</a:t>
-            </a:r>
-            <a:r>
-              <a:rPr lang="zh-CN" altLang="zh-CN" sz="1800" smtClean="0"/>
-              <a:t>，但是，全文必须统一，如果用</a:t>
-            </a:r>
-            <a:r>
-              <a:rPr lang="en-US" altLang="zh-CN" sz="1800" smtClean="0"/>
-              <a:t>Web</a:t>
-            </a:r>
-            <a:r>
-              <a:rPr lang="zh-CN" altLang="zh-CN" sz="1800" smtClean="0"/>
-              <a:t>，全文统一都使用这个写法。</a:t>
-            </a:r>
-          </a:p>
-          <a:p>
-            <a:pPr>
-              <a:buFont typeface="Arial" charset="0"/>
-              <a:buNone/>
-            </a:pPr>
-            <a:endParaRPr lang="zh-CN" altLang="en-US" smtClean="0"/>
+              <a:buNone/>
+            </a:pPr>
+            <a:endParaRPr lang="zh-CN" altLang="en-US" dirty="0"/>
           </a:p>
         </p:txBody>
       </p:sp>
@@ -8026,26 +7190,21 @@
         </p:nvSpPr>
         <p:spPr>
           <a:xfrm>
-            <a:off x="457200" y="549275"/>
-            <a:ext cx="8229600" cy="5576888"/>
+            <a:off x="457200" y="548680"/>
+            <a:ext cx="8229600" cy="5577483"/>
           </a:xfrm>
         </p:spPr>
         <p:txBody>
-          <a:bodyPr rtlCol="0">
+          <a:bodyPr>
             <a:normAutofit fontScale="92500" lnSpcReduction="10000"/>
           </a:bodyPr>
           <a:lstStyle/>
           <a:p>
-            <a:pPr fontAlgn="auto">
+            <a:pPr lvl="0">
               <a:spcBef>
                 <a:spcPts val="1200"/>
               </a:spcBef>
-              <a:spcAft>
-                <a:spcPts val="0"/>
-              </a:spcAft>
-              <a:buFont typeface="Arial" pitchFamily="34" charset="0"/>
-              <a:buNone/>
-              <a:defRPr/>
+              <a:buNone/>
             </a:pPr>
             <a:r>
               <a:rPr lang="en-US" altLang="zh-CN" sz="2200" b="1" dirty="0" smtClean="0">
@@ -8070,19 +7229,14 @@
             </a:r>
           </a:p>
           <a:p>
-            <a:pPr fontAlgn="auto">
+            <a:pPr>
               <a:lnSpc>
                 <a:spcPct val="150000"/>
               </a:lnSpc>
               <a:spcBef>
                 <a:spcPts val="1200"/>
               </a:spcBef>
-              <a:spcAft>
-                <a:spcPts val="0"/>
-              </a:spcAft>
-              <a:buFont typeface="Arial" pitchFamily="34" charset="0"/>
-              <a:buNone/>
-              <a:defRPr/>
+              <a:buNone/>
             </a:pPr>
             <a:r>
               <a:rPr lang="en-US" altLang="zh-CN" sz="2100" dirty="0" smtClean="0"/>
@@ -8094,19 +7248,14 @@
             </a:r>
           </a:p>
           <a:p>
-            <a:pPr fontAlgn="auto">
+            <a:pPr>
               <a:lnSpc>
                 <a:spcPct val="150000"/>
               </a:lnSpc>
               <a:spcBef>
                 <a:spcPts val="1200"/>
               </a:spcBef>
-              <a:spcAft>
-                <a:spcPts val="0"/>
-              </a:spcAft>
-              <a:buFont typeface="Arial" pitchFamily="34" charset="0"/>
-              <a:buNone/>
-              <a:defRPr/>
+              <a:buNone/>
             </a:pPr>
             <a:r>
               <a:rPr lang="en-US" altLang="zh-CN" sz="2100" dirty="0" smtClean="0"/>
@@ -8118,19 +7267,14 @@
             </a:r>
           </a:p>
           <a:p>
-            <a:pPr fontAlgn="auto">
+            <a:pPr>
               <a:lnSpc>
                 <a:spcPct val="150000"/>
               </a:lnSpc>
               <a:spcBef>
                 <a:spcPts val="1200"/>
               </a:spcBef>
-              <a:spcAft>
-                <a:spcPts val="0"/>
-              </a:spcAft>
-              <a:buFont typeface="Arial" pitchFamily="34" charset="0"/>
-              <a:buNone/>
-              <a:defRPr/>
+              <a:buNone/>
             </a:pPr>
             <a:r>
               <a:rPr lang="en-US" altLang="zh-CN" sz="2100" dirty="0" smtClean="0"/>
@@ -8142,13 +7286,8 @@
             </a:r>
           </a:p>
           <a:p>
-            <a:pPr fontAlgn="auto">
-              <a:spcAft>
-                <a:spcPts val="0"/>
-              </a:spcAft>
-              <a:buFont typeface="Arial" pitchFamily="34" charset="0"/>
-              <a:buNone/>
-              <a:defRPr/>
+            <a:pPr>
+              <a:buNone/>
             </a:pPr>
             <a:endParaRPr lang="zh-CN" altLang="en-US" dirty="0"/>
           </a:p>
